--- a/Apresentacao_Previsao_de_Desempenho_ENEM.pptx
+++ b/Apresentacao_Previsao_de_Desempenho_ENEM.pptx
@@ -5,7 +5,7 @@
     <p:sldMasterId id="2147483658" r:id="rId1"/>
   </p:sldMasterIdLst>
   <p:notesMasterIdLst>
-    <p:notesMasterId r:id="rId56"/>
+    <p:notesMasterId r:id="rId59"/>
   </p:notesMasterIdLst>
   <p:sldIdLst>
     <p:sldId id="256" r:id="rId2"/>
@@ -48,32 +48,35 @@
     <p:sldId id="300" r:id="rId39"/>
     <p:sldId id="263" r:id="rId40"/>
     <p:sldId id="327" r:id="rId41"/>
-    <p:sldId id="326" r:id="rId42"/>
-    <p:sldId id="313" r:id="rId43"/>
-    <p:sldId id="305" r:id="rId44"/>
-    <p:sldId id="328" r:id="rId45"/>
-    <p:sldId id="333" r:id="rId46"/>
-    <p:sldId id="334" r:id="rId47"/>
-    <p:sldId id="308" r:id="rId48"/>
-    <p:sldId id="307" r:id="rId49"/>
-    <p:sldId id="330" r:id="rId50"/>
-    <p:sldId id="339" r:id="rId51"/>
-    <p:sldId id="264" r:id="rId52"/>
-    <p:sldId id="311" r:id="rId53"/>
-    <p:sldId id="312" r:id="rId54"/>
-    <p:sldId id="265" r:id="rId55"/>
+    <p:sldId id="340" r:id="rId42"/>
+    <p:sldId id="342" r:id="rId43"/>
+    <p:sldId id="326" r:id="rId44"/>
+    <p:sldId id="341" r:id="rId45"/>
+    <p:sldId id="313" r:id="rId46"/>
+    <p:sldId id="305" r:id="rId47"/>
+    <p:sldId id="328" r:id="rId48"/>
+    <p:sldId id="333" r:id="rId49"/>
+    <p:sldId id="334" r:id="rId50"/>
+    <p:sldId id="308" r:id="rId51"/>
+    <p:sldId id="307" r:id="rId52"/>
+    <p:sldId id="330" r:id="rId53"/>
+    <p:sldId id="339" r:id="rId54"/>
+    <p:sldId id="264" r:id="rId55"/>
+    <p:sldId id="311" r:id="rId56"/>
+    <p:sldId id="312" r:id="rId57"/>
+    <p:sldId id="265" r:id="rId58"/>
   </p:sldIdLst>
   <p:sldSz cx="9144000" cy="5143500" type="screen16x9"/>
   <p:notesSz cx="6858000" cy="9144000"/>
   <p:embeddedFontLst>
     <p:embeddedFont>
       <p:font typeface="Cambria Math" panose="02040503050406030204" pitchFamily="18" charset="0"/>
-      <p:regular r:id="rId57"/>
+      <p:regular r:id="rId60"/>
     </p:embeddedFont>
     <p:embeddedFont>
       <p:font typeface="Quicksand" panose="020B0604020202020204" charset="0"/>
-      <p:regular r:id="rId58"/>
-      <p:bold r:id="rId59"/>
+      <p:regular r:id="rId61"/>
+      <p:bold r:id="rId62"/>
     </p:embeddedFont>
   </p:embeddedFontLst>
   <p:defaultTextStyle>
@@ -4673,7 +4676,7 @@
     </p:spTree>
     <p:extLst>
       <p:ext uri="{BB962C8B-B14F-4D97-AF65-F5344CB8AC3E}">
-        <p14:creationId xmlns:p14="http://schemas.microsoft.com/office/powerpoint/2010/main" val="371576252"/>
+        <p14:creationId xmlns:p14="http://schemas.microsoft.com/office/powerpoint/2010/main" val="1638400048"/>
       </p:ext>
     </p:extLst>
   </p:cSld>
@@ -4688,7 +4691,7 @@
   <p:cSld>
     <p:spTree>
       <p:nvGrpSpPr>
-        <p:cNvPr id="1" name="Shape 90"/>
+        <p:cNvPr id="1" name="Shape 271"/>
         <p:cNvGrpSpPr/>
         <p:nvPr/>
       </p:nvGrpSpPr>
@@ -4702,7 +4705,7 @@
       </p:grpSpPr>
       <p:sp>
         <p:nvSpPr>
-          <p:cNvPr id="91" name="Google Shape;91;g35f391192_029:notes"/>
+          <p:cNvPr id="272" name="Google Shape;272;g35ed75ccf_073:notes"/>
           <p:cNvSpPr>
             <a:spLocks noGrp="1" noRot="1" noChangeAspect="1"/>
           </p:cNvSpPr>
@@ -4743,7 +4746,7 @@
       </p:sp>
       <p:sp>
         <p:nvSpPr>
-          <p:cNvPr id="92" name="Google Shape;92;g35f391192_029:notes"/>
+          <p:cNvPr id="273" name="Google Shape;273;g35ed75ccf_073:notes"/>
           <p:cNvSpPr txBox="1">
             <a:spLocks noGrp="1"/>
           </p:cNvSpPr>
@@ -4782,7 +4785,7 @@
     </p:spTree>
     <p:extLst>
       <p:ext uri="{BB962C8B-B14F-4D97-AF65-F5344CB8AC3E}">
-        <p14:creationId xmlns:p14="http://schemas.microsoft.com/office/powerpoint/2010/main" val="3056582227"/>
+        <p14:creationId xmlns:p14="http://schemas.microsoft.com/office/powerpoint/2010/main" val="1398119006"/>
       </p:ext>
     </p:extLst>
   </p:cSld>
@@ -4891,7 +4894,7 @@
     </p:spTree>
     <p:extLst>
       <p:ext uri="{BB962C8B-B14F-4D97-AF65-F5344CB8AC3E}">
-        <p14:creationId xmlns:p14="http://schemas.microsoft.com/office/powerpoint/2010/main" val="929293547"/>
+        <p14:creationId xmlns:p14="http://schemas.microsoft.com/office/powerpoint/2010/main" val="371576252"/>
       </p:ext>
     </p:extLst>
   </p:cSld>
@@ -4906,7 +4909,7 @@
   <p:cSld>
     <p:spTree>
       <p:nvGrpSpPr>
-        <p:cNvPr id="1" name="Shape 271"/>
+        <p:cNvPr id="1" name="Shape 90"/>
         <p:cNvGrpSpPr/>
         <p:nvPr/>
       </p:nvGrpSpPr>
@@ -4920,7 +4923,7 @@
       </p:grpSpPr>
       <p:sp>
         <p:nvSpPr>
-          <p:cNvPr id="272" name="Google Shape;272;g35ed75ccf_073:notes"/>
+          <p:cNvPr id="91" name="Google Shape;91;g35f391192_029:notes"/>
           <p:cNvSpPr>
             <a:spLocks noGrp="1" noRot="1" noChangeAspect="1"/>
           </p:cNvSpPr>
@@ -4961,7 +4964,7 @@
       </p:sp>
       <p:sp>
         <p:nvSpPr>
-          <p:cNvPr id="273" name="Google Shape;273;g35ed75ccf_073:notes"/>
+          <p:cNvPr id="92" name="Google Shape;92;g35f391192_029:notes"/>
           <p:cNvSpPr txBox="1">
             <a:spLocks noGrp="1"/>
           </p:cNvSpPr>
@@ -5000,7 +5003,7 @@
     </p:spTree>
     <p:extLst>
       <p:ext uri="{BB962C8B-B14F-4D97-AF65-F5344CB8AC3E}">
-        <p14:creationId xmlns:p14="http://schemas.microsoft.com/office/powerpoint/2010/main" val="946907495"/>
+        <p14:creationId xmlns:p14="http://schemas.microsoft.com/office/powerpoint/2010/main" val="3056582227"/>
       </p:ext>
     </p:extLst>
   </p:cSld>
@@ -5109,7 +5112,7 @@
     </p:spTree>
     <p:extLst>
       <p:ext uri="{BB962C8B-B14F-4D97-AF65-F5344CB8AC3E}">
-        <p14:creationId xmlns:p14="http://schemas.microsoft.com/office/powerpoint/2010/main" val="1372259962"/>
+        <p14:creationId xmlns:p14="http://schemas.microsoft.com/office/powerpoint/2010/main" val="929293547"/>
       </p:ext>
     </p:extLst>
   </p:cSld>
@@ -5218,7 +5221,7 @@
     </p:spTree>
     <p:extLst>
       <p:ext uri="{BB962C8B-B14F-4D97-AF65-F5344CB8AC3E}">
-        <p14:creationId xmlns:p14="http://schemas.microsoft.com/office/powerpoint/2010/main" val="1351549452"/>
+        <p14:creationId xmlns:p14="http://schemas.microsoft.com/office/powerpoint/2010/main" val="946907495"/>
       </p:ext>
     </p:extLst>
   </p:cSld>
@@ -5233,7 +5236,7 @@
   <p:cSld>
     <p:spTree>
       <p:nvGrpSpPr>
-        <p:cNvPr id="1" name="Shape 90"/>
+        <p:cNvPr id="1" name="Shape 271"/>
         <p:cNvGrpSpPr/>
         <p:nvPr/>
       </p:nvGrpSpPr>
@@ -5247,7 +5250,7 @@
       </p:grpSpPr>
       <p:sp>
         <p:nvSpPr>
-          <p:cNvPr id="91" name="Google Shape;91;g35f391192_029:notes"/>
+          <p:cNvPr id="272" name="Google Shape;272;g35ed75ccf_073:notes"/>
           <p:cNvSpPr>
             <a:spLocks noGrp="1" noRot="1" noChangeAspect="1"/>
           </p:cNvSpPr>
@@ -5288,7 +5291,7 @@
       </p:sp>
       <p:sp>
         <p:nvSpPr>
-          <p:cNvPr id="92" name="Google Shape;92;g35f391192_029:notes"/>
+          <p:cNvPr id="273" name="Google Shape;273;g35ed75ccf_073:notes"/>
           <p:cNvSpPr txBox="1">
             <a:spLocks noGrp="1"/>
           </p:cNvSpPr>
@@ -5327,7 +5330,7 @@
     </p:spTree>
     <p:extLst>
       <p:ext uri="{BB962C8B-B14F-4D97-AF65-F5344CB8AC3E}">
-        <p14:creationId xmlns:p14="http://schemas.microsoft.com/office/powerpoint/2010/main" val="2014491807"/>
+        <p14:creationId xmlns:p14="http://schemas.microsoft.com/office/powerpoint/2010/main" val="1372259962"/>
       </p:ext>
     </p:extLst>
   </p:cSld>
@@ -5436,7 +5439,7 @@
     </p:spTree>
     <p:extLst>
       <p:ext uri="{BB962C8B-B14F-4D97-AF65-F5344CB8AC3E}">
-        <p14:creationId xmlns:p14="http://schemas.microsoft.com/office/powerpoint/2010/main" val="1586431933"/>
+        <p14:creationId xmlns:p14="http://schemas.microsoft.com/office/powerpoint/2010/main" val="1351549452"/>
       </p:ext>
     </p:extLst>
   </p:cSld>
@@ -5451,7 +5454,7 @@
   <p:cSld>
     <p:spTree>
       <p:nvGrpSpPr>
-        <p:cNvPr id="1" name="Shape 271"/>
+        <p:cNvPr id="1" name="Shape 90"/>
         <p:cNvGrpSpPr/>
         <p:nvPr/>
       </p:nvGrpSpPr>
@@ -5465,7 +5468,7 @@
       </p:grpSpPr>
       <p:sp>
         <p:nvSpPr>
-          <p:cNvPr id="272" name="Google Shape;272;g35ed75ccf_073:notes"/>
+          <p:cNvPr id="91" name="Google Shape;91;g35f391192_029:notes"/>
           <p:cNvSpPr>
             <a:spLocks noGrp="1" noRot="1" noChangeAspect="1"/>
           </p:cNvSpPr>
@@ -5506,7 +5509,7 @@
       </p:sp>
       <p:sp>
         <p:nvSpPr>
-          <p:cNvPr id="273" name="Google Shape;273;g35ed75ccf_073:notes"/>
+          <p:cNvPr id="92" name="Google Shape;92;g35f391192_029:notes"/>
           <p:cNvSpPr txBox="1">
             <a:spLocks noGrp="1"/>
           </p:cNvSpPr>
@@ -5545,7 +5548,7 @@
     </p:spTree>
     <p:extLst>
       <p:ext uri="{BB962C8B-B14F-4D97-AF65-F5344CB8AC3E}">
-        <p14:creationId xmlns:p14="http://schemas.microsoft.com/office/powerpoint/2010/main" val="2949810643"/>
+        <p14:creationId xmlns:p14="http://schemas.microsoft.com/office/powerpoint/2010/main" val="2014491807"/>
       </p:ext>
     </p:extLst>
   </p:cSld>
@@ -5763,6 +5766,224 @@
     </p:spTree>
     <p:extLst>
       <p:ext uri="{BB962C8B-B14F-4D97-AF65-F5344CB8AC3E}">
+        <p14:creationId xmlns:p14="http://schemas.microsoft.com/office/powerpoint/2010/main" val="1586431933"/>
+      </p:ext>
+    </p:extLst>
+  </p:cSld>
+  <p:clrMapOvr>
+    <a:masterClrMapping/>
+  </p:clrMapOvr>
+</p:notes>
+</file>
+
+<file path=ppt/notesSlides/notesSlide51.xml><?xml version="1.0" encoding="utf-8"?>
+<p:notes xmlns:a="http://schemas.openxmlformats.org/drawingml/2006/main" xmlns:r="http://schemas.openxmlformats.org/officeDocument/2006/relationships" xmlns:p="http://schemas.openxmlformats.org/presentationml/2006/main" showMasterSp="0" showMasterPhAnim="0">
+  <p:cSld>
+    <p:spTree>
+      <p:nvGrpSpPr>
+        <p:cNvPr id="1" name="Shape 271"/>
+        <p:cNvGrpSpPr/>
+        <p:nvPr/>
+      </p:nvGrpSpPr>
+      <p:grpSpPr>
+        <a:xfrm>
+          <a:off x="0" y="0"/>
+          <a:ext cx="0" cy="0"/>
+          <a:chOff x="0" y="0"/>
+          <a:chExt cx="0" cy="0"/>
+        </a:xfrm>
+      </p:grpSpPr>
+      <p:sp>
+        <p:nvSpPr>
+          <p:cNvPr id="272" name="Google Shape;272;g35ed75ccf_073:notes"/>
+          <p:cNvSpPr>
+            <a:spLocks noGrp="1" noRot="1" noChangeAspect="1"/>
+          </p:cNvSpPr>
+          <p:nvPr>
+            <p:ph type="sldImg" idx="2"/>
+          </p:nvPr>
+        </p:nvSpPr>
+        <p:spPr>
+          <a:xfrm>
+            <a:off x="381000" y="685800"/>
+            <a:ext cx="6096000" cy="3429000"/>
+          </a:xfrm>
+          <a:custGeom>
+            <a:avLst/>
+            <a:gdLst/>
+            <a:ahLst/>
+            <a:cxnLst/>
+            <a:rect l="l" t="t" r="r" b="b"/>
+            <a:pathLst>
+              <a:path w="120000" h="120000" extrusionOk="0">
+                <a:moveTo>
+                  <a:pt x="0" y="0"/>
+                </a:moveTo>
+                <a:lnTo>
+                  <a:pt x="120000" y="0"/>
+                </a:lnTo>
+                <a:lnTo>
+                  <a:pt x="120000" y="120000"/>
+                </a:lnTo>
+                <a:lnTo>
+                  <a:pt x="0" y="120000"/>
+                </a:lnTo>
+                <a:close/>
+              </a:path>
+            </a:pathLst>
+          </a:custGeom>
+        </p:spPr>
+      </p:sp>
+      <p:sp>
+        <p:nvSpPr>
+          <p:cNvPr id="273" name="Google Shape;273;g35ed75ccf_073:notes"/>
+          <p:cNvSpPr txBox="1">
+            <a:spLocks noGrp="1"/>
+          </p:cNvSpPr>
+          <p:nvPr>
+            <p:ph type="body" idx="1"/>
+          </p:nvPr>
+        </p:nvSpPr>
+        <p:spPr>
+          <a:xfrm>
+            <a:off x="685800" y="4343400"/>
+            <a:ext cx="5486400" cy="4114800"/>
+          </a:xfrm>
+          <a:prstGeom prst="rect">
+            <a:avLst/>
+          </a:prstGeom>
+        </p:spPr>
+        <p:txBody>
+          <a:bodyPr spcFirstLastPara="1" wrap="square" lIns="91425" tIns="91425" rIns="91425" bIns="91425" anchor="t" anchorCtr="0">
+            <a:noAutofit/>
+          </a:bodyPr>
+          <a:lstStyle/>
+          <a:p>
+            <a:pPr marL="0" lvl="0" indent="0" algn="l" rtl="0">
+              <a:spcBef>
+                <a:spcPts val="0"/>
+              </a:spcBef>
+              <a:spcAft>
+                <a:spcPts val="0"/>
+              </a:spcAft>
+              <a:buNone/>
+            </a:pPr>
+            <a:endParaRPr/>
+          </a:p>
+        </p:txBody>
+      </p:sp>
+    </p:spTree>
+    <p:extLst>
+      <p:ext uri="{BB962C8B-B14F-4D97-AF65-F5344CB8AC3E}">
+        <p14:creationId xmlns:p14="http://schemas.microsoft.com/office/powerpoint/2010/main" val="2949810643"/>
+      </p:ext>
+    </p:extLst>
+  </p:cSld>
+  <p:clrMapOvr>
+    <a:masterClrMapping/>
+  </p:clrMapOvr>
+</p:notes>
+</file>
+
+<file path=ppt/notesSlides/notesSlide52.xml><?xml version="1.0" encoding="utf-8"?>
+<p:notes xmlns:a="http://schemas.openxmlformats.org/drawingml/2006/main" xmlns:r="http://schemas.openxmlformats.org/officeDocument/2006/relationships" xmlns:p="http://schemas.openxmlformats.org/presentationml/2006/main" showMasterSp="0" showMasterPhAnim="0">
+  <p:cSld>
+    <p:spTree>
+      <p:nvGrpSpPr>
+        <p:cNvPr id="1" name="Shape 271"/>
+        <p:cNvGrpSpPr/>
+        <p:nvPr/>
+      </p:nvGrpSpPr>
+      <p:grpSpPr>
+        <a:xfrm>
+          <a:off x="0" y="0"/>
+          <a:ext cx="0" cy="0"/>
+          <a:chOff x="0" y="0"/>
+          <a:chExt cx="0" cy="0"/>
+        </a:xfrm>
+      </p:grpSpPr>
+      <p:sp>
+        <p:nvSpPr>
+          <p:cNvPr id="272" name="Google Shape;272;g35ed75ccf_073:notes"/>
+          <p:cNvSpPr>
+            <a:spLocks noGrp="1" noRot="1" noChangeAspect="1"/>
+          </p:cNvSpPr>
+          <p:nvPr>
+            <p:ph type="sldImg" idx="2"/>
+          </p:nvPr>
+        </p:nvSpPr>
+        <p:spPr>
+          <a:xfrm>
+            <a:off x="381000" y="685800"/>
+            <a:ext cx="6096000" cy="3429000"/>
+          </a:xfrm>
+          <a:custGeom>
+            <a:avLst/>
+            <a:gdLst/>
+            <a:ahLst/>
+            <a:cxnLst/>
+            <a:rect l="l" t="t" r="r" b="b"/>
+            <a:pathLst>
+              <a:path w="120000" h="120000" extrusionOk="0">
+                <a:moveTo>
+                  <a:pt x="0" y="0"/>
+                </a:moveTo>
+                <a:lnTo>
+                  <a:pt x="120000" y="0"/>
+                </a:lnTo>
+                <a:lnTo>
+                  <a:pt x="120000" y="120000"/>
+                </a:lnTo>
+                <a:lnTo>
+                  <a:pt x="0" y="120000"/>
+                </a:lnTo>
+                <a:close/>
+              </a:path>
+            </a:pathLst>
+          </a:custGeom>
+        </p:spPr>
+      </p:sp>
+      <p:sp>
+        <p:nvSpPr>
+          <p:cNvPr id="273" name="Google Shape;273;g35ed75ccf_073:notes"/>
+          <p:cNvSpPr txBox="1">
+            <a:spLocks noGrp="1"/>
+          </p:cNvSpPr>
+          <p:nvPr>
+            <p:ph type="body" idx="1"/>
+          </p:nvPr>
+        </p:nvSpPr>
+        <p:spPr>
+          <a:xfrm>
+            <a:off x="685800" y="4343400"/>
+            <a:ext cx="5486400" cy="4114800"/>
+          </a:xfrm>
+          <a:prstGeom prst="rect">
+            <a:avLst/>
+          </a:prstGeom>
+        </p:spPr>
+        <p:txBody>
+          <a:bodyPr spcFirstLastPara="1" wrap="square" lIns="91425" tIns="91425" rIns="91425" bIns="91425" anchor="t" anchorCtr="0">
+            <a:noAutofit/>
+          </a:bodyPr>
+          <a:lstStyle/>
+          <a:p>
+            <a:pPr marL="0" lvl="0" indent="0" algn="l" rtl="0">
+              <a:spcBef>
+                <a:spcPts val="0"/>
+              </a:spcBef>
+              <a:spcAft>
+                <a:spcPts val="0"/>
+              </a:spcAft>
+              <a:buNone/>
+            </a:pPr>
+            <a:endParaRPr/>
+          </a:p>
+        </p:txBody>
+      </p:sp>
+    </p:spTree>
+    <p:extLst>
+      <p:ext uri="{BB962C8B-B14F-4D97-AF65-F5344CB8AC3E}">
         <p14:creationId xmlns:p14="http://schemas.microsoft.com/office/powerpoint/2010/main" val="1855927506"/>
       </p:ext>
     </p:extLst>
@@ -5773,7 +5994,7 @@
 </p:notes>
 </file>
 
-<file path=ppt/notesSlides/notesSlide51.xml><?xml version="1.0" encoding="utf-8"?>
+<file path=ppt/notesSlides/notesSlide53.xml><?xml version="1.0" encoding="utf-8"?>
 <p:notes xmlns:a="http://schemas.openxmlformats.org/drawingml/2006/main" xmlns:r="http://schemas.openxmlformats.org/officeDocument/2006/relationships" xmlns:p="http://schemas.openxmlformats.org/presentationml/2006/main" showMasterSp="0" showMasterPhAnim="0">
   <p:cSld>
     <p:spTree>
@@ -5882,7 +6103,7 @@
 </p:notes>
 </file>
 
-<file path=ppt/notesSlides/notesSlide52.xml><?xml version="1.0" encoding="utf-8"?>
+<file path=ppt/notesSlides/notesSlide54.xml><?xml version="1.0" encoding="utf-8"?>
 <p:notes xmlns:a="http://schemas.openxmlformats.org/drawingml/2006/main" xmlns:r="http://schemas.openxmlformats.org/officeDocument/2006/relationships" xmlns:p="http://schemas.openxmlformats.org/presentationml/2006/main" showMasterSp="0" showMasterPhAnim="0">
   <p:cSld>
     <p:spTree>
@@ -5991,7 +6212,7 @@
 </p:notes>
 </file>
 
-<file path=ppt/notesSlides/notesSlide53.xml><?xml version="1.0" encoding="utf-8"?>
+<file path=ppt/notesSlides/notesSlide55.xml><?xml version="1.0" encoding="utf-8"?>
 <p:notes xmlns:a="http://schemas.openxmlformats.org/drawingml/2006/main" xmlns:r="http://schemas.openxmlformats.org/officeDocument/2006/relationships" xmlns:p="http://schemas.openxmlformats.org/presentationml/2006/main" showMasterSp="0" showMasterPhAnim="0">
   <p:cSld>
     <p:spTree>
@@ -6100,7 +6321,7 @@
 </p:notes>
 </file>
 
-<file path=ppt/notesSlides/notesSlide54.xml><?xml version="1.0" encoding="utf-8"?>
+<file path=ppt/notesSlides/notesSlide56.xml><?xml version="1.0" encoding="utf-8"?>
 <p:notes xmlns:a="http://schemas.openxmlformats.org/drawingml/2006/main" xmlns:r="http://schemas.openxmlformats.org/officeDocument/2006/relationships" xmlns:p="http://schemas.openxmlformats.org/presentationml/2006/main" showMasterSp="0" showMasterPhAnim="0">
   <p:cSld>
     <p:spTree>
@@ -7007,7 +7228,7 @@
             </a:pPr>
             <a:fld id="{00000000-1234-1234-1234-123412341234}" type="slidenum">
               <a:rPr lang="en"/>
-              <a:t>‹#›</a:t>
+              <a:t>‹nº›</a:t>
             </a:fld>
             <a:endParaRPr/>
           </a:p>
@@ -7441,7 +7662,7 @@
             </a:pPr>
             <a:fld id="{00000000-1234-1234-1234-123412341234}" type="slidenum">
               <a:rPr lang="en"/>
-              <a:t>‹#›</a:t>
+              <a:t>‹nº›</a:t>
             </a:fld>
             <a:endParaRPr/>
           </a:p>
@@ -7751,7 +7972,7 @@
             </a:pPr>
             <a:fld id="{00000000-1234-1234-1234-123412341234}" type="slidenum">
               <a:rPr lang="en"/>
-              <a:t>‹#›</a:t>
+              <a:t>‹nº›</a:t>
             </a:fld>
             <a:endParaRPr/>
           </a:p>
@@ -8406,7 +8627,7 @@
             </a:pPr>
             <a:fld id="{00000000-1234-1234-1234-123412341234}" type="slidenum">
               <a:rPr lang="en"/>
-              <a:t>‹#›</a:t>
+              <a:t>‹nº›</a:t>
             </a:fld>
             <a:endParaRPr/>
           </a:p>
@@ -8674,7 +8895,7 @@
             </a:pPr>
             <a:fld id="{00000000-1234-1234-1234-123412341234}" type="slidenum">
               <a:rPr lang="en"/>
-              <a:t>‹#›</a:t>
+              <a:t>‹nº›</a:t>
             </a:fld>
             <a:endParaRPr/>
           </a:p>
@@ -9421,7 +9642,7 @@
             </a:pPr>
             <a:fld id="{00000000-1234-1234-1234-123412341234}" type="slidenum">
               <a:rPr lang="en"/>
-              <a:t>‹#›</a:t>
+              <a:t>‹nº›</a:t>
             </a:fld>
             <a:endParaRPr/>
           </a:p>
@@ -10178,7 +10399,7 @@
           <a:p>
             <a:pPr lvl="0"/>
             <a:r>
-              <a:rPr lang="pt-BR" sz="4400" dirty="0" smtClean="0"/>
+              <a:rPr lang="pt-BR" sz="4400" dirty="0"/>
               <a:t>Prevendo desempenho no ENEM através de fatores socioeconômicos</a:t>
             </a:r>
             <a:endParaRPr sz="4400" dirty="0"/>
@@ -10463,18 +10684,13 @@
               <a:buNone/>
             </a:pPr>
             <a:r>
-              <a:rPr lang="en-US" sz="1600" b="1" dirty="0" smtClean="0">
+              <a:rPr lang="en-US" sz="1600" b="1" dirty="0">
                 <a:solidFill>
                   <a:srgbClr val="F3F3F3"/>
                 </a:solidFill>
               </a:rPr>
               <a:t>Gustavo Coelho</a:t>
             </a:r>
-            <a:endParaRPr lang="en-US" sz="1600" b="1" dirty="0">
-              <a:solidFill>
-                <a:srgbClr val="F3F3F3"/>
-              </a:solidFill>
-            </a:endParaRPr>
           </a:p>
         </p:txBody>
       </p:sp>
@@ -10756,18 +10972,13 @@
               <a:buNone/>
             </a:pPr>
             <a:r>
-              <a:rPr lang="en-US" sz="1600" b="1" dirty="0" smtClean="0">
+              <a:rPr lang="en-US" sz="1600" b="1" dirty="0">
                 <a:solidFill>
                   <a:srgbClr val="F3F3F3"/>
                 </a:solidFill>
               </a:rPr>
               <a:t>Andre Pessoa</a:t>
             </a:r>
-            <a:endParaRPr lang="en-US" sz="1600" b="1" dirty="0">
-              <a:solidFill>
-                <a:srgbClr val="F3F3F3"/>
-              </a:solidFill>
-            </a:endParaRPr>
           </a:p>
         </p:txBody>
       </p:sp>
@@ -11049,7 +11260,7 @@
               <a:buNone/>
             </a:pPr>
             <a:r>
-              <a:rPr lang="en-US" sz="1600" b="1" dirty="0" smtClean="0">
+              <a:rPr lang="en-US" sz="1600" b="1" dirty="0">
                 <a:solidFill>
                   <a:srgbClr val="F3F3F3"/>
                 </a:solidFill>
@@ -11057,7 +11268,7 @@
               <a:t>Gerardo </a:t>
             </a:r>
             <a:r>
-              <a:rPr lang="en-US" sz="1600" b="1" dirty="0" err="1" smtClean="0">
+              <a:rPr lang="en-US" sz="1600" b="1" dirty="0" err="1">
                 <a:solidFill>
                   <a:srgbClr val="F3F3F3"/>
                 </a:solidFill>
@@ -11080,13 +11291,6 @@
   <p:transition>
     <p:fade thruBlk="1"/>
   </p:transition>
-  <p:timing>
-    <p:tnLst>
-      <p:par>
-        <p:cTn id="1" dur="indefinite" restart="never" nodeType="tmRoot"/>
-      </p:par>
-    </p:tnLst>
-  </p:timing>
 </p:sld>
 </file>
 
@@ -11134,7 +11338,7 @@
           <a:p>
             <a:pPr marL="0" lvl="0" indent="0"/>
             <a:r>
-              <a:rPr lang="pt-BR" dirty="0" smtClean="0">
+              <a:rPr lang="pt-BR" dirty="0">
                 <a:solidFill>
                   <a:srgbClr val="F3F3F3"/>
                 </a:solidFill>
@@ -11142,7 +11346,7 @@
               <a:t>Distribuição da nota média dos candidatos. </a:t>
             </a:r>
             <a:r>
-              <a:rPr lang="pt-BR" u="sng" dirty="0" smtClean="0">
+              <a:rPr lang="pt-BR" u="sng" dirty="0">
                 <a:solidFill>
                   <a:srgbClr val="F3F3F3"/>
                 </a:solidFill>
@@ -11456,7 +11660,7 @@
           <a:p>
             <a:pPr marL="0" indent="0"/>
             <a:r>
-              <a:rPr lang="pt-BR" dirty="0" smtClean="0">
+              <a:rPr lang="pt-BR" dirty="0">
                 <a:solidFill>
                   <a:srgbClr val="F3F3F3"/>
                 </a:solidFill>
@@ -11472,15 +11676,7 @@
                   <a:srgbClr val="F3F3F3"/>
                 </a:solidFill>
               </a:rPr>
-              <a:t>N</a:t>
-            </a:r>
-            <a:r>
-              <a:rPr lang="pt-BR" dirty="0" smtClean="0">
-                <a:solidFill>
-                  <a:srgbClr val="F3F3F3"/>
-                </a:solidFill>
-              </a:rPr>
-              <a:t>ota &gt; 521.84: 0 </a:t>
+              <a:t>Nota &gt; 521.84: 0 </a:t>
             </a:r>
           </a:p>
           <a:p>
@@ -11491,21 +11687,8 @@
                   <a:srgbClr val="F3F3F3"/>
                 </a:solidFill>
               </a:rPr>
-              <a:t>N</a:t>
+              <a:t>Nota &lt; 521.84: 1</a:t>
             </a:r>
-            <a:r>
-              <a:rPr lang="pt-BR" dirty="0" smtClean="0">
-                <a:solidFill>
-                  <a:srgbClr val="F3F3F3"/>
-                </a:solidFill>
-              </a:rPr>
-              <a:t>ota &lt; 521.84: 1</a:t>
-            </a:r>
-            <a:endParaRPr lang="pt-BR" dirty="0">
-              <a:solidFill>
-                <a:srgbClr val="F3F3F3"/>
-              </a:solidFill>
-            </a:endParaRPr>
           </a:p>
         </p:txBody>
       </p:sp>
@@ -11725,7 +11908,7 @@
               <a:buNone/>
             </a:pPr>
             <a:r>
-              <a:rPr lang="en" dirty="0" smtClean="0"/>
+              <a:rPr lang="en" dirty="0"/>
               <a:t>Análise Exploratória</a:t>
             </a:r>
             <a:endParaRPr dirty="0"/>
@@ -11767,7 +11950,7 @@
               <a:buNone/>
             </a:pPr>
             <a:r>
-              <a:rPr lang="en" dirty="0" smtClean="0"/>
+              <a:rPr lang="en" dirty="0"/>
               <a:t>Identificando padrões visuais</a:t>
             </a:r>
             <a:endParaRPr dirty="0"/>
@@ -11842,13 +12025,6 @@
   <p:clrMapOvr>
     <a:masterClrMapping/>
   </p:clrMapOvr>
-  <p:timing>
-    <p:tnLst>
-      <p:par>
-        <p:cTn id="1" dur="indefinite" restart="never" nodeType="tmRoot"/>
-      </p:par>
-    </p:tnLst>
-  </p:timing>
 </p:sld>
 </file>
 
@@ -11904,7 +12080,7 @@
               <a:buNone/>
             </a:pPr>
             <a:r>
-              <a:rPr lang="en" dirty="0" smtClean="0"/>
+              <a:rPr lang="en" dirty="0"/>
               <a:t>Alto grau de relação</a:t>
             </a:r>
             <a:endParaRPr dirty="0"/>
@@ -11946,7 +12122,7 @@
               <a:buNone/>
             </a:pPr>
             <a:r>
-              <a:rPr lang="en" sz="1600" dirty="0" smtClean="0"/>
+              <a:rPr lang="en" sz="1600" dirty="0"/>
               <a:t>Variáveis com aparente alto grau de relação com a variável alvo</a:t>
             </a:r>
             <a:endParaRPr sz="1600" dirty="0"/>
@@ -12009,13 +12185,6 @@
   <p:clrMapOvr>
     <a:masterClrMapping/>
   </p:clrMapOvr>
-  <p:timing>
-    <p:tnLst>
-      <p:par>
-        <p:cTn id="1" dur="indefinite" restart="never" nodeType="tmRoot"/>
-      </p:par>
-    </p:tnLst>
-  </p:timing>
 </p:sld>
 </file>
 
@@ -12084,15 +12253,7 @@
                   <a:srgbClr val="F3F3F3"/>
                 </a:solidFill>
               </a:rPr>
-              <a:t> e a variável </a:t>
-            </a:r>
-            <a:r>
-              <a:rPr lang="pt-BR" dirty="0" smtClean="0">
-                <a:solidFill>
-                  <a:srgbClr val="F3F3F3"/>
-                </a:solidFill>
-              </a:rPr>
-              <a:t>alvo</a:t>
+              <a:t> e a variável alvo</a:t>
             </a:r>
             <a:endParaRPr dirty="0">
               <a:solidFill>
@@ -12136,13 +12297,6 @@
   <p:clrMapOvr>
     <a:masterClrMapping/>
   </p:clrMapOvr>
-  <p:timing>
-    <p:tnLst>
-      <p:par>
-        <p:cTn id="1" dur="indefinite" restart="never" nodeType="tmRoot"/>
-      </p:par>
-    </p:tnLst>
-  </p:timing>
 </p:sld>
 </file>
 
@@ -12199,11 +12353,7 @@
             </a:r>
             <a:r>
               <a:rPr lang="pt-BR" dirty="0"/>
-              <a:t> e a variável </a:t>
-            </a:r>
-            <a:r>
-              <a:rPr lang="pt-BR" dirty="0" smtClean="0"/>
-              <a:t>alvo</a:t>
+              <a:t> e a variável alvo</a:t>
             </a:r>
             <a:endParaRPr dirty="0">
               <a:solidFill>
@@ -12247,13 +12397,6 @@
   <p:clrMapOvr>
     <a:masterClrMapping/>
   </p:clrMapOvr>
-  <p:timing>
-    <p:tnLst>
-      <p:par>
-        <p:cTn id="1" dur="indefinite" restart="never" nodeType="tmRoot"/>
-      </p:par>
-    </p:tnLst>
-  </p:timing>
 </p:sld>
 </file>
 
@@ -12322,15 +12465,7 @@
                   <a:srgbClr val="F3F3F3"/>
                 </a:solidFill>
               </a:rPr>
-              <a:t> e a variável </a:t>
-            </a:r>
-            <a:r>
-              <a:rPr lang="pt-BR" sz="1600" dirty="0" smtClean="0">
-                <a:solidFill>
-                  <a:srgbClr val="F3F3F3"/>
-                </a:solidFill>
-              </a:rPr>
-              <a:t>alvo</a:t>
+              <a:t> e a variável alvo</a:t>
             </a:r>
             <a:endParaRPr sz="1600" dirty="0">
               <a:solidFill>
@@ -12374,13 +12509,6 @@
   <p:clrMapOvr>
     <a:masterClrMapping/>
   </p:clrMapOvr>
-  <p:timing>
-    <p:tnLst>
-      <p:par>
-        <p:cTn id="1" dur="indefinite" restart="never" nodeType="tmRoot"/>
-      </p:par>
-    </p:tnLst>
-  </p:timing>
 </p:sld>
 </file>
 
@@ -12436,7 +12564,7 @@
               <a:buNone/>
             </a:pPr>
             <a:r>
-              <a:rPr lang="en" dirty="0" smtClean="0"/>
+              <a:rPr lang="en" dirty="0"/>
               <a:t>Baixo grau de relação</a:t>
             </a:r>
             <a:endParaRPr dirty="0"/>
@@ -12478,7 +12606,7 @@
               <a:buNone/>
             </a:pPr>
             <a:r>
-              <a:rPr lang="en" sz="1600" dirty="0" smtClean="0"/>
+              <a:rPr lang="en" sz="1600" dirty="0"/>
               <a:t>Variáveis com aparente baixo grau de relação com a variável alvo</a:t>
             </a:r>
             <a:endParaRPr sz="1600" dirty="0"/>
@@ -12541,13 +12669,6 @@
   <p:clrMapOvr>
     <a:masterClrMapping/>
   </p:clrMapOvr>
-  <p:timing>
-    <p:tnLst>
-      <p:par>
-        <p:cTn id="1" dur="indefinite" restart="never" nodeType="tmRoot"/>
-      </p:par>
-    </p:tnLst>
-  </p:timing>
 </p:sld>
 </file>
 
@@ -12660,13 +12781,6 @@
   <p:clrMapOvr>
     <a:masterClrMapping/>
   </p:clrMapOvr>
-  <p:timing>
-    <p:tnLst>
-      <p:par>
-        <p:cTn id="1" dur="indefinite" restart="never" nodeType="tmRoot"/>
-      </p:par>
-    </p:tnLst>
-  </p:timing>
 </p:sld>
 </file>
 
@@ -12767,13 +12881,6 @@
   <p:clrMapOvr>
     <a:masterClrMapping/>
   </p:clrMapOvr>
-  <p:timing>
-    <p:tnLst>
-      <p:par>
-        <p:cTn id="1" dur="indefinite" restart="never" nodeType="tmRoot"/>
-      </p:par>
-    </p:tnLst>
-  </p:timing>
 </p:sld>
 </file>
 
@@ -12829,7 +12936,7 @@
               <a:buNone/>
             </a:pPr>
             <a:r>
-              <a:rPr lang="en" dirty="0" smtClean="0"/>
+              <a:rPr lang="en" dirty="0"/>
               <a:t>Feature Engineering</a:t>
             </a:r>
             <a:endParaRPr dirty="0"/>
@@ -12871,7 +12978,7 @@
               <a:buNone/>
             </a:pPr>
             <a:r>
-              <a:rPr lang="en" dirty="0" smtClean="0"/>
+              <a:rPr lang="en" dirty="0"/>
               <a:t>Extraindo conhecimento dos dados</a:t>
             </a:r>
             <a:endParaRPr dirty="0"/>
@@ -12946,13 +13053,6 @@
   <p:clrMapOvr>
     <a:masterClrMapping/>
   </p:clrMapOvr>
-  <p:timing>
-    <p:tnLst>
-      <p:par>
-        <p:cTn id="1" dur="indefinite" restart="never" nodeType="tmRoot"/>
-      </p:par>
-    </p:tnLst>
-  </p:timing>
 </p:sld>
 </file>
 
@@ -13008,7 +13108,7 @@
               <a:buNone/>
             </a:pPr>
             <a:r>
-              <a:rPr lang="en" dirty="0" smtClean="0">
+              <a:rPr lang="en" dirty="0">
                 <a:solidFill>
                   <a:srgbClr val="39C0BA"/>
                 </a:solidFill>
@@ -13062,7 +13162,7 @@
               <a:buChar char="◦"/>
             </a:pPr>
             <a:r>
-              <a:rPr lang="en" sz="2400" dirty="0" smtClean="0"/>
+              <a:rPr lang="en" sz="2400" dirty="0"/>
               <a:t>Desigualdade socioeconômica brasileira</a:t>
             </a:r>
             <a:endParaRPr sz="2400" dirty="0"/>
@@ -13349,31 +13449,31 @@
               <a:buSzPts val="2400"/>
             </a:pPr>
             <a:r>
-              <a:rPr lang="en-US" sz="2400" dirty="0" err="1" smtClean="0"/>
+              <a:rPr lang="en-US" sz="2400" dirty="0" err="1"/>
               <a:t>Impacto</a:t>
             </a:r>
             <a:r>
-              <a:rPr lang="en-US" sz="2400" dirty="0" smtClean="0"/>
+              <a:rPr lang="en-US" sz="2400" dirty="0"/>
               <a:t> da </a:t>
             </a:r>
             <a:r>
-              <a:rPr lang="en-US" sz="2400" dirty="0" err="1" smtClean="0"/>
+              <a:rPr lang="en-US" sz="2400" dirty="0" err="1"/>
               <a:t>desigualdade</a:t>
             </a:r>
             <a:r>
-              <a:rPr lang="en-US" sz="2400" dirty="0" smtClean="0"/>
+              <a:rPr lang="en-US" sz="2400" dirty="0"/>
               <a:t> </a:t>
             </a:r>
             <a:r>
-              <a:rPr lang="en-US" sz="2400" dirty="0" err="1" smtClean="0"/>
+              <a:rPr lang="en-US" sz="2400" dirty="0" err="1"/>
               <a:t>na</a:t>
             </a:r>
             <a:r>
-              <a:rPr lang="en-US" sz="2400" dirty="0" smtClean="0"/>
+              <a:rPr lang="en-US" sz="2400" dirty="0"/>
               <a:t> </a:t>
             </a:r>
             <a:r>
-              <a:rPr lang="en-US" sz="2400" dirty="0" err="1" smtClean="0"/>
+              <a:rPr lang="en-US" sz="2400" dirty="0" err="1"/>
               <a:t>educação</a:t>
             </a:r>
             <a:endParaRPr lang="en-US" sz="2400" dirty="0"/>
@@ -13660,14 +13760,13 @@
               <a:buSzPts val="2400"/>
             </a:pPr>
             <a:r>
-              <a:rPr lang="en-US" sz="2400" dirty="0" err="1" smtClean="0"/>
+              <a:rPr lang="en-US" sz="2400" dirty="0" err="1"/>
               <a:t>Por</a:t>
             </a:r>
             <a:r>
-              <a:rPr lang="en-US" sz="2400" dirty="0" smtClean="0"/>
+              <a:rPr lang="en-US" sz="2400" dirty="0"/>
               <a:t> que o ENEM?</a:t>
             </a:r>
-            <a:endParaRPr lang="en-US" sz="2400" dirty="0"/>
           </a:p>
         </p:txBody>
       </p:sp>
@@ -13950,11 +14049,11 @@
               </a:buClr>
             </a:pPr>
             <a:r>
-              <a:rPr lang="en-US" sz="1800" dirty="0" smtClean="0"/>
+              <a:rPr lang="en-US" sz="1800" dirty="0"/>
               <a:t>Dados </a:t>
             </a:r>
             <a:r>
-              <a:rPr lang="en-US" sz="1800" dirty="0" err="1" smtClean="0"/>
+              <a:rPr lang="en-US" sz="1800" dirty="0" err="1"/>
               <a:t>abertos</a:t>
             </a:r>
             <a:endParaRPr lang="en-US" sz="1800" dirty="0"/>
@@ -14240,31 +14339,31 @@
               </a:buClr>
             </a:pPr>
             <a:r>
-              <a:rPr lang="en-US" sz="1800" dirty="0" err="1" smtClean="0"/>
+              <a:rPr lang="en-US" sz="1800" dirty="0" err="1"/>
               <a:t>Inclui</a:t>
             </a:r>
             <a:r>
-              <a:rPr lang="en-US" sz="1800" dirty="0" smtClean="0"/>
+              <a:rPr lang="en-US" sz="1800" dirty="0"/>
               <a:t> </a:t>
             </a:r>
             <a:r>
-              <a:rPr lang="en-US" sz="1800" dirty="0" err="1" smtClean="0"/>
+              <a:rPr lang="en-US" sz="1800" dirty="0" err="1"/>
               <a:t>diversas</a:t>
             </a:r>
             <a:r>
-              <a:rPr lang="en-US" sz="1800" dirty="0" smtClean="0"/>
+              <a:rPr lang="en-US" sz="1800" dirty="0"/>
               <a:t> </a:t>
             </a:r>
             <a:r>
-              <a:rPr lang="en-US" sz="1800" dirty="0" err="1" smtClean="0"/>
+              <a:rPr lang="en-US" sz="1800" dirty="0" err="1"/>
               <a:t>camadas</a:t>
             </a:r>
             <a:r>
-              <a:rPr lang="en-US" sz="1800" dirty="0" smtClean="0"/>
+              <a:rPr lang="en-US" sz="1800" dirty="0"/>
               <a:t> </a:t>
             </a:r>
             <a:r>
-              <a:rPr lang="en-US" sz="1800" dirty="0" err="1" smtClean="0"/>
+              <a:rPr lang="en-US" sz="1800" dirty="0" err="1"/>
               <a:t>sociais</a:t>
             </a:r>
             <a:endParaRPr lang="en-US" sz="1800" dirty="0"/>
@@ -14550,19 +14649,19 @@
               </a:buClr>
             </a:pPr>
             <a:r>
-              <a:rPr lang="en-US" sz="1800" dirty="0" err="1" smtClean="0"/>
+              <a:rPr lang="en-US" sz="1800" dirty="0" err="1"/>
               <a:t>Registro</a:t>
             </a:r>
             <a:r>
-              <a:rPr lang="en-US" sz="1800" dirty="0" smtClean="0"/>
+              <a:rPr lang="en-US" sz="1800" dirty="0"/>
               <a:t> </a:t>
             </a:r>
             <a:r>
-              <a:rPr lang="en-US" sz="1800" dirty="0" err="1" smtClean="0"/>
+              <a:rPr lang="en-US" sz="1800" dirty="0" err="1"/>
               <a:t>detalhado</a:t>
             </a:r>
             <a:r>
-              <a:rPr lang="en-US" sz="1800" dirty="0" smtClean="0"/>
+              <a:rPr lang="en-US" sz="1800" dirty="0"/>
               <a:t> dos </a:t>
             </a:r>
             <a:r>
@@ -15062,15 +15161,15 @@
           <a:p>
             <a:pPr marL="0" lvl="0" indent="0"/>
             <a:r>
-              <a:rPr lang="pt-BR" b="1" u="sng" dirty="0" smtClean="0"/>
+              <a:rPr lang="pt-BR" b="1" u="sng" dirty="0"/>
               <a:t>Renda per capta</a:t>
             </a:r>
             <a:r>
-              <a:rPr lang="pt-BR" b="1" dirty="0" smtClean="0"/>
+              <a:rPr lang="pt-BR" b="1" dirty="0"/>
               <a:t>: </a:t>
             </a:r>
             <a:r>
-              <a:rPr lang="pt-BR" dirty="0" smtClean="0"/>
+              <a:rPr lang="pt-BR" dirty="0"/>
               <a:t>Renda familiar / Número de pessoas na residência</a:t>
             </a:r>
             <a:endParaRPr dirty="0">
@@ -15115,13 +15214,6 @@
   <p:clrMapOvr>
     <a:masterClrMapping/>
   </p:clrMapOvr>
-  <p:timing>
-    <p:tnLst>
-      <p:par>
-        <p:cTn id="1" dur="indefinite" restart="never" nodeType="tmRoot"/>
-      </p:par>
-    </p:tnLst>
-  </p:timing>
 </p:sld>
 </file>
 
@@ -15169,24 +15261,20 @@
           <a:p>
             <a:pPr marL="0" lvl="0" indent="0"/>
             <a:r>
-              <a:rPr lang="pt-BR" sz="1600" b="1" u="sng" dirty="0" smtClean="0"/>
+              <a:rPr lang="pt-BR" sz="1600" b="1" u="sng" dirty="0"/>
               <a:t>Pessoas por quarto</a:t>
             </a:r>
             <a:r>
-              <a:rPr lang="pt-BR" sz="1600" dirty="0" smtClean="0"/>
+              <a:rPr lang="pt-BR" sz="1600" dirty="0"/>
               <a:t>: Número de pessoas na residência</a:t>
             </a:r>
             <a:r>
-              <a:rPr lang="en-US" sz="1600" dirty="0" smtClean="0"/>
+              <a:rPr lang="en-US" sz="1600" dirty="0"/>
               <a:t> /</a:t>
             </a:r>
             <a:r>
               <a:rPr lang="pt-BR" sz="1600" dirty="0"/>
-              <a:t> Número de </a:t>
-            </a:r>
-            <a:r>
-              <a:rPr lang="pt-BR" sz="1600" dirty="0" smtClean="0"/>
-              <a:t>quartos</a:t>
+              <a:t> Número de quartos</a:t>
             </a:r>
             <a:endParaRPr sz="1600" dirty="0">
               <a:solidFill>
@@ -15230,13 +15318,6 @@
   <p:clrMapOvr>
     <a:masterClrMapping/>
   </p:clrMapOvr>
-  <p:timing>
-    <p:tnLst>
-      <p:par>
-        <p:cTn id="1" dur="indefinite" restart="never" nodeType="tmRoot"/>
-      </p:par>
-    </p:tnLst>
-  </p:timing>
 </p:sld>
 </file>
 
@@ -15284,24 +15365,12 @@
           <a:p>
             <a:pPr marL="0" indent="0"/>
             <a:r>
-              <a:rPr lang="pt-BR" sz="1400" b="1" u="sng" dirty="0" smtClean="0"/>
+              <a:rPr lang="pt-BR" sz="1400" b="1" u="sng" dirty="0"/>
               <a:t>Computadores por pessoa</a:t>
             </a:r>
             <a:r>
               <a:rPr lang="pt-BR" sz="1400" dirty="0"/>
-              <a:t>: </a:t>
-            </a:r>
-            <a:r>
-              <a:rPr lang="pt-BR" sz="1400" dirty="0" smtClean="0"/>
-              <a:t>Número </a:t>
-            </a:r>
-            <a:r>
-              <a:rPr lang="pt-BR" sz="1400" dirty="0"/>
-              <a:t>de </a:t>
-            </a:r>
-            <a:r>
-              <a:rPr lang="pt-BR" sz="1400" dirty="0" smtClean="0"/>
-              <a:t>computadores / Número de pessoas na residência</a:t>
+              <a:t>: Número de computadores / Número de pessoas na residência</a:t>
             </a:r>
             <a:endParaRPr sz="1400" dirty="0">
               <a:solidFill>
@@ -15345,13 +15414,6 @@
   <p:clrMapOvr>
     <a:masterClrMapping/>
   </p:clrMapOvr>
-  <p:timing>
-    <p:tnLst>
-      <p:par>
-        <p:cTn id="1" dur="indefinite" restart="never" nodeType="tmRoot"/>
-      </p:par>
-    </p:tnLst>
-  </p:timing>
 </p:sld>
 </file>
 
@@ -15399,11 +15461,11 @@
           <a:p>
             <a:pPr marL="0" lvl="0" indent="0"/>
             <a:r>
-              <a:rPr lang="pt-BR" sz="1400" b="1" u="sng" dirty="0" smtClean="0"/>
+              <a:rPr lang="pt-BR" sz="1400" b="1" u="sng" dirty="0"/>
               <a:t>Celulares por pessoa</a:t>
             </a:r>
             <a:r>
-              <a:rPr lang="pt-BR" sz="1400" dirty="0" smtClean="0"/>
+              <a:rPr lang="pt-BR" sz="1400" dirty="0"/>
               <a:t>: Número de celulares / Número de pessoas na residência</a:t>
             </a:r>
             <a:endParaRPr sz="1400" dirty="0">
@@ -15448,13 +15510,6 @@
   <p:clrMapOvr>
     <a:masterClrMapping/>
   </p:clrMapOvr>
-  <p:timing>
-    <p:tnLst>
-      <p:par>
-        <p:cTn id="1" dur="indefinite" restart="never" nodeType="tmRoot"/>
-      </p:par>
-    </p:tnLst>
-  </p:timing>
 </p:sld>
 </file>
 
@@ -15510,7 +15565,7 @@
               <a:buNone/>
             </a:pPr>
             <a:r>
-              <a:rPr lang="en" dirty="0" smtClean="0">
+              <a:rPr lang="en" dirty="0">
                 <a:solidFill>
                   <a:srgbClr val="39C0BA"/>
                 </a:solidFill>
@@ -15805,14 +15860,13 @@
               <a:buSzPts val="2400"/>
             </a:pPr>
             <a:r>
-              <a:rPr lang="en-US" sz="1400" dirty="0" err="1" smtClean="0"/>
+              <a:rPr lang="en-US" sz="1400" dirty="0" err="1"/>
               <a:t>Opção</a:t>
             </a:r>
             <a:r>
-              <a:rPr lang="en-US" sz="1400" dirty="0" smtClean="0"/>
+              <a:rPr lang="en-US" sz="1400" dirty="0"/>
               <a:t> 1: Naïve Encoding</a:t>
             </a:r>
-            <a:endParaRPr lang="en-US" sz="1400" dirty="0"/>
           </a:p>
         </p:txBody>
       </p:sp>
@@ -16097,42 +16151,41 @@
               <a:buNone/>
             </a:pPr>
             <a:r>
-              <a:rPr lang="en-US" sz="1400" dirty="0" smtClean="0"/>
+              <a:rPr lang="en-US" sz="1400" dirty="0"/>
               <a:t>(</a:t>
             </a:r>
             <a:r>
-              <a:rPr lang="en-US" sz="1400" dirty="0" err="1" smtClean="0"/>
+              <a:rPr lang="en-US" sz="1400" dirty="0" err="1"/>
               <a:t>Não</a:t>
             </a:r>
             <a:r>
-              <a:rPr lang="en-US" sz="1400" dirty="0" smtClean="0"/>
+              <a:rPr lang="en-US" sz="1400" dirty="0"/>
               <a:t> </a:t>
             </a:r>
             <a:r>
-              <a:rPr lang="en-US" sz="1400" dirty="0" err="1" smtClean="0"/>
+              <a:rPr lang="en-US" sz="1400" dirty="0" err="1"/>
               <a:t>garante</a:t>
             </a:r>
             <a:r>
-              <a:rPr lang="en-US" sz="1400" dirty="0" smtClean="0"/>
+              <a:rPr lang="en-US" sz="1400" dirty="0"/>
               <a:t> a </a:t>
             </a:r>
             <a:r>
-              <a:rPr lang="en-US" sz="1400" dirty="0" err="1" smtClean="0"/>
+              <a:rPr lang="en-US" sz="1400" dirty="0" err="1"/>
               <a:t>ordenação</a:t>
             </a:r>
             <a:r>
-              <a:rPr lang="en-US" sz="1400" dirty="0" smtClean="0"/>
+              <a:rPr lang="en-US" sz="1400" dirty="0"/>
               <a:t> </a:t>
             </a:r>
             <a:r>
-              <a:rPr lang="en-US" sz="1400" dirty="0" err="1" smtClean="0"/>
+              <a:rPr lang="en-US" sz="1400" dirty="0" err="1"/>
               <a:t>correta</a:t>
             </a:r>
             <a:r>
-              <a:rPr lang="en-US" sz="1400" dirty="0" smtClean="0"/>
+              <a:rPr lang="en-US" sz="1400" dirty="0"/>
               <a:t>)</a:t>
             </a:r>
-            <a:endParaRPr lang="en-US" sz="1400" dirty="0"/>
           </a:p>
         </p:txBody>
       </p:sp>
@@ -16416,14 +16469,13 @@
               <a:buSzPts val="2400"/>
             </a:pPr>
             <a:r>
-              <a:rPr lang="en-US" sz="1400" dirty="0" err="1" smtClean="0"/>
+              <a:rPr lang="en-US" sz="1400" dirty="0" err="1"/>
               <a:t>Opção</a:t>
             </a:r>
             <a:r>
-              <a:rPr lang="en-US" sz="1400" dirty="0" smtClean="0"/>
+              <a:rPr lang="en-US" sz="1400" dirty="0"/>
               <a:t> 3: Weight of Evidence</a:t>
             </a:r>
-            <a:endParaRPr lang="en-US" sz="1400" dirty="0"/>
           </a:p>
         </p:txBody>
       </p:sp>
@@ -16707,11 +16759,11 @@
               <a:buSzPts val="2400"/>
             </a:pPr>
             <a:r>
-              <a:rPr lang="en-US" sz="1400" dirty="0" err="1" smtClean="0"/>
+              <a:rPr lang="en-US" sz="1400" dirty="0" err="1"/>
               <a:t>Exemplo</a:t>
             </a:r>
             <a:r>
-              <a:rPr lang="en-US" sz="1400" dirty="0" smtClean="0"/>
+              <a:rPr lang="en-US" sz="1400" dirty="0"/>
               <a:t>:</a:t>
             </a:r>
           </a:p>
@@ -16741,8 +16793,20 @@
                 <a:tableStyleId>{F6649823-1A7D-4101-B995-9FE7C7DDEAC8}</a:tableStyleId>
               </a:tblPr>
               <a:tblGrid>
-                <a:gridCol w="686197"/>
-                <a:gridCol w="1108927"/>
+                <a:gridCol w="686197">
+                  <a:extLst>
+                    <a:ext uri="{9D8B030D-6E8A-4147-A177-3AD203B41FA5}">
+                      <a16:colId xmlns:a16="http://schemas.microsoft.com/office/drawing/2014/main" val="20000"/>
+                    </a:ext>
+                  </a:extLst>
+                </a:gridCol>
+                <a:gridCol w="1108927">
+                  <a:extLst>
+                    <a:ext uri="{9D8B030D-6E8A-4147-A177-3AD203B41FA5}">
+                      <a16:colId xmlns:a16="http://schemas.microsoft.com/office/drawing/2014/main" val="20001"/>
+                    </a:ext>
+                  </a:extLst>
+                </a:gridCol>
               </a:tblGrid>
               <a:tr h="0">
                 <a:tc>
@@ -16760,7 +16824,7 @@
                         <a:buNone/>
                       </a:pPr>
                       <a:r>
-                        <a:rPr lang="en-US" sz="700" dirty="0" smtClean="0">
+                        <a:rPr lang="en-US" sz="700" dirty="0">
                           <a:solidFill>
                             <a:srgbClr val="F3F3F3"/>
                           </a:solidFill>
@@ -16838,7 +16902,7 @@
                         <a:buNone/>
                       </a:pPr>
                       <a:r>
-                        <a:rPr lang="en" sz="700" dirty="0" smtClean="0">
+                        <a:rPr lang="en" sz="700" dirty="0">
                           <a:solidFill>
                             <a:srgbClr val="F3F3F3"/>
                           </a:solidFill>
@@ -16901,6 +16965,11 @@
                     </a:lnB>
                   </a:tcPr>
                 </a:tc>
+                <a:extLst>
+                  <a:ext uri="{0D108BD9-81ED-4DB2-BD59-A6C34878D82A}">
+                    <a16:rowId xmlns:a16="http://schemas.microsoft.com/office/drawing/2014/main" val="10000"/>
+                  </a:ext>
+                </a:extLst>
               </a:tr>
               <a:tr h="0">
                 <a:tc>
@@ -16918,7 +16987,7 @@
                         <a:buNone/>
                       </a:pPr>
                       <a:r>
-                        <a:rPr lang="en-US" sz="700" dirty="0" smtClean="0">
+                        <a:rPr lang="en-US" sz="700" dirty="0">
                           <a:solidFill>
                             <a:srgbClr val="F3F3F3"/>
                           </a:solidFill>
@@ -16994,7 +17063,7 @@
                         <a:buNone/>
                       </a:pPr>
                       <a:r>
-                        <a:rPr lang="en" sz="700" dirty="0" smtClean="0">
+                        <a:rPr lang="en" sz="700" dirty="0">
                           <a:solidFill>
                             <a:srgbClr val="F3F3F3"/>
                           </a:solidFill>
@@ -17055,6 +17124,11 @@
                     </a:lnB>
                   </a:tcPr>
                 </a:tc>
+                <a:extLst>
+                  <a:ext uri="{0D108BD9-81ED-4DB2-BD59-A6C34878D82A}">
+                    <a16:rowId xmlns:a16="http://schemas.microsoft.com/office/drawing/2014/main" val="10001"/>
+                  </a:ext>
+                </a:extLst>
               </a:tr>
               <a:tr h="0">
                 <a:tc>
@@ -17072,7 +17146,7 @@
                         <a:buNone/>
                       </a:pPr>
                       <a:r>
-                        <a:rPr lang="en" sz="700" dirty="0" smtClean="0">
+                        <a:rPr lang="en" sz="700" dirty="0">
                           <a:solidFill>
                             <a:srgbClr val="F3F3F3"/>
                           </a:solidFill>
@@ -17148,7 +17222,7 @@
                         <a:buNone/>
                       </a:pPr>
                       <a:r>
-                        <a:rPr lang="en" sz="700" dirty="0" smtClean="0">
+                        <a:rPr lang="en" sz="700" dirty="0">
                           <a:solidFill>
                             <a:srgbClr val="F3F3F3"/>
                           </a:solidFill>
@@ -17209,6 +17283,11 @@
                     </a:lnB>
                   </a:tcPr>
                 </a:tc>
+                <a:extLst>
+                  <a:ext uri="{0D108BD9-81ED-4DB2-BD59-A6C34878D82A}">
+                    <a16:rowId xmlns:a16="http://schemas.microsoft.com/office/drawing/2014/main" val="10002"/>
+                  </a:ext>
+                </a:extLst>
               </a:tr>
               <a:tr h="0">
                 <a:tc>
@@ -17226,7 +17305,7 @@
                         <a:buNone/>
                       </a:pPr>
                       <a:r>
-                        <a:rPr lang="en" sz="700" dirty="0" smtClean="0">
+                        <a:rPr lang="en" sz="700" dirty="0">
                           <a:solidFill>
                             <a:srgbClr val="F3F3F3"/>
                           </a:solidFill>
@@ -17302,7 +17381,7 @@
                         <a:buNone/>
                       </a:pPr>
                       <a:r>
-                        <a:rPr lang="en" sz="700" dirty="0" smtClean="0">
+                        <a:rPr lang="en" sz="700" dirty="0">
                           <a:solidFill>
                             <a:srgbClr val="F3F3F3"/>
                           </a:solidFill>
@@ -17363,6 +17442,11 @@
                     </a:lnB>
                   </a:tcPr>
                 </a:tc>
+                <a:extLst>
+                  <a:ext uri="{0D108BD9-81ED-4DB2-BD59-A6C34878D82A}">
+                    <a16:rowId xmlns:a16="http://schemas.microsoft.com/office/drawing/2014/main" val="10003"/>
+                  </a:ext>
+                </a:extLst>
               </a:tr>
               <a:tr h="0">
                 <a:tc>
@@ -17380,7 +17464,7 @@
                         <a:buNone/>
                       </a:pPr>
                       <a:r>
-                        <a:rPr lang="en-US" sz="700" dirty="0" smtClean="0">
+                        <a:rPr lang="en-US" sz="700" dirty="0">
                           <a:solidFill>
                             <a:srgbClr val="F3F3F3"/>
                           </a:solidFill>
@@ -17456,7 +17540,7 @@
                         <a:buNone/>
                       </a:pPr>
                       <a:r>
-                        <a:rPr lang="en-US" sz="700" dirty="0" smtClean="0">
+                        <a:rPr lang="en-US" sz="700" dirty="0">
                           <a:solidFill>
                             <a:srgbClr val="F3F3F3"/>
                           </a:solidFill>
@@ -17517,6 +17601,11 @@
                     </a:lnB>
                   </a:tcPr>
                 </a:tc>
+                <a:extLst>
+                  <a:ext uri="{0D108BD9-81ED-4DB2-BD59-A6C34878D82A}">
+                    <a16:rowId xmlns:a16="http://schemas.microsoft.com/office/drawing/2014/main" val="10004"/>
+                  </a:ext>
+                </a:extLst>
               </a:tr>
               <a:tr h="0">
                 <a:tc>
@@ -17534,7 +17623,7 @@
                         <a:buNone/>
                       </a:pPr>
                       <a:r>
-                        <a:rPr lang="en-US" sz="700" dirty="0" smtClean="0">
+                        <a:rPr lang="en-US" sz="700" dirty="0">
                           <a:solidFill>
                             <a:srgbClr val="F3F3F3"/>
                           </a:solidFill>
@@ -17610,7 +17699,7 @@
                         <a:buNone/>
                       </a:pPr>
                       <a:r>
-                        <a:rPr lang="en-US" sz="700" dirty="0" smtClean="0">
+                        <a:rPr lang="en-US" sz="700" dirty="0">
                           <a:solidFill>
                             <a:srgbClr val="F3F3F3"/>
                           </a:solidFill>
@@ -17671,6 +17760,11 @@
                     </a:lnB>
                   </a:tcPr>
                 </a:tc>
+                <a:extLst>
+                  <a:ext uri="{0D108BD9-81ED-4DB2-BD59-A6C34878D82A}">
+                    <a16:rowId xmlns:a16="http://schemas.microsoft.com/office/drawing/2014/main" val="10005"/>
+                  </a:ext>
+                </a:extLst>
               </a:tr>
               <a:tr h="0">
                 <a:tc>
@@ -17688,7 +17782,7 @@
                         <a:buNone/>
                       </a:pPr>
                       <a:r>
-                        <a:rPr lang="en-US" sz="700" dirty="0" smtClean="0">
+                        <a:rPr lang="en-US" sz="700" dirty="0">
                           <a:solidFill>
                             <a:srgbClr val="F3F3F3"/>
                           </a:solidFill>
@@ -17764,7 +17858,7 @@
                         <a:buNone/>
                       </a:pPr>
                       <a:r>
-                        <a:rPr lang="en-US" sz="700" dirty="0" smtClean="0">
+                        <a:rPr lang="en-US" sz="700" dirty="0">
                           <a:solidFill>
                             <a:srgbClr val="F3F3F3"/>
                           </a:solidFill>
@@ -17825,6 +17919,11 @@
                     </a:lnB>
                   </a:tcPr>
                 </a:tc>
+                <a:extLst>
+                  <a:ext uri="{0D108BD9-81ED-4DB2-BD59-A6C34878D82A}">
+                    <a16:rowId xmlns:a16="http://schemas.microsoft.com/office/drawing/2014/main" val="10006"/>
+                  </a:ext>
+                </a:extLst>
               </a:tr>
               <a:tr h="0">
                 <a:tc>
@@ -17842,7 +17941,7 @@
                         <a:buNone/>
                       </a:pPr>
                       <a:r>
-                        <a:rPr lang="en-US" sz="700" dirty="0" smtClean="0">
+                        <a:rPr lang="en-US" sz="700" dirty="0">
                           <a:solidFill>
                             <a:srgbClr val="F3F3F3"/>
                           </a:solidFill>
@@ -17918,7 +18017,7 @@
                         <a:buNone/>
                       </a:pPr>
                       <a:r>
-                        <a:rPr lang="en-US" sz="700" dirty="0" smtClean="0">
+                        <a:rPr lang="en-US" sz="700" dirty="0">
                           <a:solidFill>
                             <a:srgbClr val="F3F3F3"/>
                           </a:solidFill>
@@ -17979,6 +18078,11 @@
                     </a:lnB>
                   </a:tcPr>
                 </a:tc>
+                <a:extLst>
+                  <a:ext uri="{0D108BD9-81ED-4DB2-BD59-A6C34878D82A}">
+                    <a16:rowId xmlns:a16="http://schemas.microsoft.com/office/drawing/2014/main" val="10007"/>
+                  </a:ext>
+                </a:extLst>
               </a:tr>
               <a:tr h="0">
                 <a:tc>
@@ -17996,7 +18100,7 @@
                         <a:buNone/>
                       </a:pPr>
                       <a:r>
-                        <a:rPr lang="en-US" sz="700" dirty="0" smtClean="0">
+                        <a:rPr lang="en-US" sz="700" dirty="0">
                           <a:solidFill>
                             <a:srgbClr val="F3F3F3"/>
                           </a:solidFill>
@@ -18074,7 +18178,7 @@
                         <a:buNone/>
                       </a:pPr>
                       <a:r>
-                        <a:rPr lang="en-US" sz="700" dirty="0" smtClean="0">
+                        <a:rPr lang="en-US" sz="700" dirty="0">
                           <a:solidFill>
                             <a:srgbClr val="F3F3F3"/>
                           </a:solidFill>
@@ -18137,6 +18241,11 @@
                     </a:lnB>
                   </a:tcPr>
                 </a:tc>
+                <a:extLst>
+                  <a:ext uri="{0D108BD9-81ED-4DB2-BD59-A6C34878D82A}">
+                    <a16:rowId xmlns:a16="http://schemas.microsoft.com/office/drawing/2014/main" val="10008"/>
+                  </a:ext>
+                </a:extLst>
               </a:tr>
             </a:tbl>
           </a:graphicData>
@@ -18601,7 +18710,7 @@
                     </m:oMath>
                   </m:oMathPara>
                 </a14:m>
-                <a:endParaRPr lang="en-US" sz="1400" dirty="0" smtClean="0"/>
+                <a:endParaRPr lang="en-US" sz="1400" dirty="0"/>
               </a:p>
             </p:txBody>
           </p:sp>
@@ -18672,8 +18781,20 @@
                 <a:tableStyleId>{F6649823-1A7D-4101-B995-9FE7C7DDEAC8}</a:tableStyleId>
               </a:tblPr>
               <a:tblGrid>
-                <a:gridCol w="686197"/>
-                <a:gridCol w="1108927"/>
+                <a:gridCol w="686197">
+                  <a:extLst>
+                    <a:ext uri="{9D8B030D-6E8A-4147-A177-3AD203B41FA5}">
+                      <a16:colId xmlns:a16="http://schemas.microsoft.com/office/drawing/2014/main" val="20000"/>
+                    </a:ext>
+                  </a:extLst>
+                </a:gridCol>
+                <a:gridCol w="1108927">
+                  <a:extLst>
+                    <a:ext uri="{9D8B030D-6E8A-4147-A177-3AD203B41FA5}">
+                      <a16:colId xmlns:a16="http://schemas.microsoft.com/office/drawing/2014/main" val="20001"/>
+                    </a:ext>
+                  </a:extLst>
+                </a:gridCol>
               </a:tblGrid>
               <a:tr h="0">
                 <a:tc>
@@ -18691,7 +18812,7 @@
                         <a:buNone/>
                       </a:pPr>
                       <a:r>
-                        <a:rPr lang="en-US" sz="700" dirty="0" smtClean="0">
+                        <a:rPr lang="en-US" sz="700" dirty="0">
                           <a:solidFill>
                             <a:srgbClr val="F3F3F3"/>
                           </a:solidFill>
@@ -18769,7 +18890,7 @@
                         <a:buNone/>
                       </a:pPr>
                       <a:r>
-                        <a:rPr lang="en" sz="700" dirty="0" smtClean="0">
+                        <a:rPr lang="en" sz="700" dirty="0">
                           <a:solidFill>
                             <a:srgbClr val="F3F3F3"/>
                           </a:solidFill>
@@ -18832,6 +18953,11 @@
                     </a:lnB>
                   </a:tcPr>
                 </a:tc>
+                <a:extLst>
+                  <a:ext uri="{0D108BD9-81ED-4DB2-BD59-A6C34878D82A}">
+                    <a16:rowId xmlns:a16="http://schemas.microsoft.com/office/drawing/2014/main" val="10000"/>
+                  </a:ext>
+                </a:extLst>
               </a:tr>
               <a:tr h="0">
                 <a:tc>
@@ -18849,7 +18975,7 @@
                         <a:buNone/>
                       </a:pPr>
                       <a:r>
-                        <a:rPr lang="en-US" sz="700" dirty="0" smtClean="0">
+                        <a:rPr lang="en-US" sz="700" dirty="0">
                           <a:solidFill>
                             <a:srgbClr val="F3F3F3"/>
                           </a:solidFill>
@@ -18925,7 +19051,7 @@
                         <a:buNone/>
                       </a:pPr>
                       <a:r>
-                        <a:rPr lang="en-US" sz="700" dirty="0" smtClean="0">
+                        <a:rPr lang="en-US" sz="700" dirty="0">
                           <a:solidFill>
                             <a:srgbClr val="F3F3F3"/>
                           </a:solidFill>
@@ -18986,6 +19112,11 @@
                     </a:lnB>
                   </a:tcPr>
                 </a:tc>
+                <a:extLst>
+                  <a:ext uri="{0D108BD9-81ED-4DB2-BD59-A6C34878D82A}">
+                    <a16:rowId xmlns:a16="http://schemas.microsoft.com/office/drawing/2014/main" val="10001"/>
+                  </a:ext>
+                </a:extLst>
               </a:tr>
               <a:tr h="0">
                 <a:tc>
@@ -19003,7 +19134,7 @@
                         <a:buNone/>
                       </a:pPr>
                       <a:r>
-                        <a:rPr lang="en-US" sz="700" dirty="0" smtClean="0">
+                        <a:rPr lang="en-US" sz="700" dirty="0">
                           <a:solidFill>
                             <a:srgbClr val="F3F3F3"/>
                           </a:solidFill>
@@ -19079,7 +19210,7 @@
                         <a:buNone/>
                       </a:pPr>
                       <a:r>
-                        <a:rPr lang="en-US" sz="700" dirty="0" smtClean="0">
+                        <a:rPr lang="en-US" sz="700" dirty="0">
                           <a:solidFill>
                             <a:srgbClr val="F3F3F3"/>
                           </a:solidFill>
@@ -19140,6 +19271,11 @@
                     </a:lnB>
                   </a:tcPr>
                 </a:tc>
+                <a:extLst>
+                  <a:ext uri="{0D108BD9-81ED-4DB2-BD59-A6C34878D82A}">
+                    <a16:rowId xmlns:a16="http://schemas.microsoft.com/office/drawing/2014/main" val="10002"/>
+                  </a:ext>
+                </a:extLst>
               </a:tr>
               <a:tr h="0">
                 <a:tc>
@@ -19157,7 +19293,7 @@
                         <a:buNone/>
                       </a:pPr>
                       <a:r>
-                        <a:rPr lang="en-US" sz="700" dirty="0" smtClean="0">
+                        <a:rPr lang="en-US" sz="700" dirty="0">
                           <a:solidFill>
                             <a:srgbClr val="F3F3F3"/>
                           </a:solidFill>
@@ -19233,7 +19369,7 @@
                         <a:buNone/>
                       </a:pPr>
                       <a:r>
-                        <a:rPr lang="en-US" sz="700" dirty="0" smtClean="0">
+                        <a:rPr lang="en-US" sz="700" dirty="0">
                           <a:solidFill>
                             <a:srgbClr val="F3F3F3"/>
                           </a:solidFill>
@@ -19294,6 +19430,11 @@
                     </a:lnB>
                   </a:tcPr>
                 </a:tc>
+                <a:extLst>
+                  <a:ext uri="{0D108BD9-81ED-4DB2-BD59-A6C34878D82A}">
+                    <a16:rowId xmlns:a16="http://schemas.microsoft.com/office/drawing/2014/main" val="10003"/>
+                  </a:ext>
+                </a:extLst>
               </a:tr>
               <a:tr h="0">
                 <a:tc>
@@ -19311,7 +19452,7 @@
                         <a:buNone/>
                       </a:pPr>
                       <a:r>
-                        <a:rPr lang="en-US" sz="700" dirty="0" smtClean="0">
+                        <a:rPr lang="en-US" sz="700" dirty="0">
                           <a:solidFill>
                             <a:srgbClr val="F3F3F3"/>
                           </a:solidFill>
@@ -19387,7 +19528,7 @@
                         <a:buNone/>
                       </a:pPr>
                       <a:r>
-                        <a:rPr lang="en-US" sz="700" dirty="0" smtClean="0">
+                        <a:rPr lang="en-US" sz="700" dirty="0">
                           <a:solidFill>
                             <a:srgbClr val="F3F3F3"/>
                           </a:solidFill>
@@ -19448,6 +19589,11 @@
                     </a:lnB>
                   </a:tcPr>
                 </a:tc>
+                <a:extLst>
+                  <a:ext uri="{0D108BD9-81ED-4DB2-BD59-A6C34878D82A}">
+                    <a16:rowId xmlns:a16="http://schemas.microsoft.com/office/drawing/2014/main" val="10004"/>
+                  </a:ext>
+                </a:extLst>
               </a:tr>
               <a:tr h="0">
                 <a:tc>
@@ -19465,7 +19611,7 @@
                         <a:buNone/>
                       </a:pPr>
                       <a:r>
-                        <a:rPr lang="en-US" sz="700" dirty="0" smtClean="0">
+                        <a:rPr lang="en-US" sz="700" dirty="0">
                           <a:solidFill>
                             <a:srgbClr val="F3F3F3"/>
                           </a:solidFill>
@@ -19541,7 +19687,7 @@
                         <a:buNone/>
                       </a:pPr>
                       <a:r>
-                        <a:rPr lang="en-US" sz="700" dirty="0" smtClean="0">
+                        <a:rPr lang="en-US" sz="700" dirty="0">
                           <a:solidFill>
                             <a:srgbClr val="F3F3F3"/>
                           </a:solidFill>
@@ -19602,6 +19748,11 @@
                     </a:lnB>
                   </a:tcPr>
                 </a:tc>
+                <a:extLst>
+                  <a:ext uri="{0D108BD9-81ED-4DB2-BD59-A6C34878D82A}">
+                    <a16:rowId xmlns:a16="http://schemas.microsoft.com/office/drawing/2014/main" val="10005"/>
+                  </a:ext>
+                </a:extLst>
               </a:tr>
               <a:tr h="0">
                 <a:tc>
@@ -19619,7 +19770,7 @@
                         <a:buNone/>
                       </a:pPr>
                       <a:r>
-                        <a:rPr lang="en-US" sz="700" dirty="0" smtClean="0">
+                        <a:rPr lang="en-US" sz="700" dirty="0">
                           <a:solidFill>
                             <a:srgbClr val="F3F3F3"/>
                           </a:solidFill>
@@ -19695,7 +19846,7 @@
                         <a:buNone/>
                       </a:pPr>
                       <a:r>
-                        <a:rPr lang="en-US" sz="700" dirty="0" smtClean="0">
+                        <a:rPr lang="en-US" sz="700" dirty="0">
                           <a:solidFill>
                             <a:srgbClr val="F3F3F3"/>
                           </a:solidFill>
@@ -19756,6 +19907,11 @@
                     </a:lnB>
                   </a:tcPr>
                 </a:tc>
+                <a:extLst>
+                  <a:ext uri="{0D108BD9-81ED-4DB2-BD59-A6C34878D82A}">
+                    <a16:rowId xmlns:a16="http://schemas.microsoft.com/office/drawing/2014/main" val="10006"/>
+                  </a:ext>
+                </a:extLst>
               </a:tr>
               <a:tr h="0">
                 <a:tc>
@@ -19773,7 +19929,7 @@
                         <a:buNone/>
                       </a:pPr>
                       <a:r>
-                        <a:rPr lang="en-US" sz="700" dirty="0" smtClean="0">
+                        <a:rPr lang="en-US" sz="700" dirty="0">
                           <a:solidFill>
                             <a:srgbClr val="F3F3F3"/>
                           </a:solidFill>
@@ -19849,7 +20005,7 @@
                         <a:buNone/>
                       </a:pPr>
                       <a:r>
-                        <a:rPr lang="en-US" sz="700" dirty="0" smtClean="0">
+                        <a:rPr lang="en-US" sz="700" dirty="0">
                           <a:solidFill>
                             <a:srgbClr val="F3F3F3"/>
                           </a:solidFill>
@@ -19910,6 +20066,11 @@
                     </a:lnB>
                   </a:tcPr>
                 </a:tc>
+                <a:extLst>
+                  <a:ext uri="{0D108BD9-81ED-4DB2-BD59-A6C34878D82A}">
+                    <a16:rowId xmlns:a16="http://schemas.microsoft.com/office/drawing/2014/main" val="10007"/>
+                  </a:ext>
+                </a:extLst>
               </a:tr>
               <a:tr h="0">
                 <a:tc>
@@ -19927,7 +20088,7 @@
                         <a:buNone/>
                       </a:pPr>
                       <a:r>
-                        <a:rPr lang="en-US" sz="700" dirty="0" smtClean="0">
+                        <a:rPr lang="en-US" sz="700" dirty="0">
                           <a:solidFill>
                             <a:srgbClr val="F3F3F3"/>
                           </a:solidFill>
@@ -20005,7 +20166,7 @@
                         <a:buNone/>
                       </a:pPr>
                       <a:r>
-                        <a:rPr lang="en-US" sz="700" dirty="0" smtClean="0">
+                        <a:rPr lang="en-US" sz="700" dirty="0">
                           <a:solidFill>
                             <a:srgbClr val="F3F3F3"/>
                           </a:solidFill>
@@ -20068,6 +20229,11 @@
                     </a:lnB>
                   </a:tcPr>
                 </a:tc>
+                <a:extLst>
+                  <a:ext uri="{0D108BD9-81ED-4DB2-BD59-A6C34878D82A}">
+                    <a16:rowId xmlns:a16="http://schemas.microsoft.com/office/drawing/2014/main" val="10008"/>
+                  </a:ext>
+                </a:extLst>
               </a:tr>
             </a:tbl>
           </a:graphicData>
@@ -20353,14 +20519,13 @@
               <a:buSzPts val="2400"/>
             </a:pPr>
             <a:r>
-              <a:rPr lang="en-US" sz="1400" dirty="0" err="1" smtClean="0"/>
+              <a:rPr lang="en-US" sz="1400" dirty="0" err="1"/>
               <a:t>Opção</a:t>
             </a:r>
             <a:r>
-              <a:rPr lang="en-US" sz="1400" dirty="0" smtClean="0"/>
+              <a:rPr lang="en-US" sz="1400" dirty="0"/>
               <a:t> 2: One hot encoding</a:t>
             </a:r>
-            <a:endParaRPr lang="en-US" sz="1400" dirty="0"/>
           </a:p>
         </p:txBody>
       </p:sp>
@@ -20645,42 +20810,41 @@
               <a:buNone/>
             </a:pPr>
             <a:r>
-              <a:rPr lang="en-US" sz="1400" dirty="0" smtClean="0"/>
+              <a:rPr lang="en-US" sz="1400" dirty="0"/>
               <a:t>(</a:t>
             </a:r>
             <a:r>
-              <a:rPr lang="en-US" sz="1400" dirty="0" err="1" smtClean="0"/>
+              <a:rPr lang="en-US" sz="1400" dirty="0" err="1"/>
               <a:t>Resulta</a:t>
             </a:r>
             <a:r>
-              <a:rPr lang="en-US" sz="1400" dirty="0" smtClean="0"/>
+              <a:rPr lang="en-US" sz="1400" dirty="0"/>
               <a:t> </a:t>
             </a:r>
             <a:r>
-              <a:rPr lang="en-US" sz="1400" dirty="0" err="1" smtClean="0"/>
+              <a:rPr lang="en-US" sz="1400" dirty="0" err="1"/>
               <a:t>em</a:t>
             </a:r>
             <a:r>
-              <a:rPr lang="en-US" sz="1400" dirty="0" smtClean="0"/>
+              <a:rPr lang="en-US" sz="1400" dirty="0"/>
               <a:t> </a:t>
             </a:r>
             <a:r>
-              <a:rPr lang="en-US" sz="1400" dirty="0" err="1" smtClean="0"/>
+              <a:rPr lang="en-US" sz="1400" dirty="0" err="1"/>
               <a:t>muitas</a:t>
             </a:r>
             <a:r>
-              <a:rPr lang="en-US" sz="1400" dirty="0" smtClean="0"/>
+              <a:rPr lang="en-US" sz="1400" dirty="0"/>
               <a:t> </a:t>
             </a:r>
             <a:r>
-              <a:rPr lang="en-US" sz="1400" dirty="0" err="1" smtClean="0"/>
+              <a:rPr lang="en-US" sz="1400" dirty="0" err="1"/>
               <a:t>variáveis</a:t>
             </a:r>
             <a:r>
-              <a:rPr lang="en-US" sz="1400" dirty="0" smtClean="0"/>
+              <a:rPr lang="en-US" sz="1400" dirty="0"/>
               <a:t>)</a:t>
             </a:r>
-            <a:endParaRPr lang="en-US" sz="1400" dirty="0"/>
           </a:p>
         </p:txBody>
       </p:sp>
@@ -21515,7 +21679,7 @@
               <a:buNone/>
             </a:pPr>
             <a:r>
-              <a:rPr lang="en" dirty="0" smtClean="0"/>
+              <a:rPr lang="en" dirty="0"/>
               <a:t>Seleção de variáveis</a:t>
             </a:r>
             <a:endParaRPr dirty="0"/>
@@ -21557,7 +21721,7 @@
               <a:buNone/>
             </a:pPr>
             <a:r>
-              <a:rPr lang="en" dirty="0" smtClean="0"/>
+              <a:rPr lang="en" dirty="0"/>
               <a:t>Análise de importância</a:t>
             </a:r>
             <a:endParaRPr dirty="0"/>
@@ -21632,13 +21796,6 @@
   <p:clrMapOvr>
     <a:masterClrMapping/>
   </p:clrMapOvr>
-  <p:timing>
-    <p:tnLst>
-      <p:par>
-        <p:cTn id="1" dur="indefinite" restart="never" nodeType="tmRoot"/>
-      </p:par>
-    </p:tnLst>
-  </p:timing>
 </p:sld>
 </file>
 
@@ -21694,7 +21851,7 @@
               <a:buNone/>
             </a:pPr>
             <a:r>
-              <a:rPr lang="en" dirty="0" smtClean="0"/>
+              <a:rPr lang="en" dirty="0"/>
               <a:t>Data Fairness</a:t>
             </a:r>
             <a:endParaRPr dirty="0"/>
@@ -21736,7 +21893,7 @@
               <a:buNone/>
             </a:pPr>
             <a:r>
-              <a:rPr lang="en" dirty="0" smtClean="0"/>
+              <a:rPr lang="en" dirty="0"/>
               <a:t>Como tratar variáveis sensíveis</a:t>
             </a:r>
             <a:endParaRPr dirty="0"/>
@@ -21799,13 +21956,6 @@
   <p:clrMapOvr>
     <a:masterClrMapping/>
   </p:clrMapOvr>
-  <p:timing>
-    <p:tnLst>
-      <p:par>
-        <p:cTn id="1" dur="indefinite" restart="never" nodeType="tmRoot"/>
-      </p:par>
-    </p:tnLst>
-  </p:timing>
 </p:sld>
 </file>
 
@@ -21861,7 +22011,7 @@
               <a:buNone/>
             </a:pPr>
             <a:r>
-              <a:rPr lang="en" dirty="0" smtClean="0"/>
+              <a:rPr lang="en" dirty="0"/>
               <a:t>Data Fairness</a:t>
             </a:r>
             <a:endParaRPr dirty="0"/>
@@ -21899,62 +22049,61 @@
               </a:spcBef>
             </a:pPr>
             <a:r>
-              <a:rPr lang="pt-BR" i="1" dirty="0" smtClean="0"/>
+              <a:rPr lang="pt-BR" i="1" dirty="0"/>
               <a:t>“</a:t>
             </a:r>
             <a:r>
-              <a:rPr lang="pt-BR" i="1" dirty="0" err="1" smtClean="0"/>
+              <a:rPr lang="pt-BR" i="1" dirty="0" err="1"/>
               <a:t>Weapons</a:t>
             </a:r>
             <a:r>
-              <a:rPr lang="pt-BR" i="1" dirty="0" smtClean="0"/>
+              <a:rPr lang="pt-BR" i="1" dirty="0"/>
               <a:t> </a:t>
             </a:r>
             <a:r>
-              <a:rPr lang="pt-BR" i="1" dirty="0" err="1" smtClean="0"/>
+              <a:rPr lang="pt-BR" i="1" dirty="0" err="1"/>
               <a:t>of</a:t>
             </a:r>
             <a:r>
-              <a:rPr lang="pt-BR" i="1" dirty="0" smtClean="0"/>
+              <a:rPr lang="pt-BR" i="1" dirty="0"/>
               <a:t> </a:t>
             </a:r>
             <a:r>
-              <a:rPr lang="pt-BR" i="1" dirty="0" err="1" smtClean="0"/>
+              <a:rPr lang="pt-BR" i="1" dirty="0" err="1"/>
               <a:t>Math</a:t>
             </a:r>
             <a:r>
-              <a:rPr lang="pt-BR" i="1" dirty="0" smtClean="0"/>
+              <a:rPr lang="pt-BR" i="1" dirty="0"/>
               <a:t> </a:t>
             </a:r>
             <a:r>
-              <a:rPr lang="pt-BR" i="1" dirty="0" err="1" smtClean="0"/>
+              <a:rPr lang="pt-BR" i="1" dirty="0" err="1"/>
               <a:t>Destruction</a:t>
             </a:r>
             <a:r>
-              <a:rPr lang="pt-BR" i="1" dirty="0" smtClean="0"/>
+              <a:rPr lang="pt-BR" i="1" dirty="0"/>
               <a:t>” </a:t>
             </a:r>
             <a:r>
-              <a:rPr lang="pt-BR" dirty="0" smtClean="0"/>
+              <a:rPr lang="pt-BR" dirty="0"/>
               <a:t>(</a:t>
             </a:r>
             <a:r>
-              <a:rPr lang="pt-BR" dirty="0" err="1" smtClean="0"/>
+              <a:rPr lang="pt-BR" dirty="0" err="1"/>
               <a:t>Cathy</a:t>
             </a:r>
             <a:r>
-              <a:rPr lang="pt-BR" dirty="0" smtClean="0"/>
+              <a:rPr lang="pt-BR" dirty="0"/>
               <a:t> </a:t>
             </a:r>
             <a:r>
-              <a:rPr lang="pt-BR" dirty="0" err="1" smtClean="0"/>
+              <a:rPr lang="pt-BR" dirty="0" err="1"/>
               <a:t>O’Neil</a:t>
             </a:r>
             <a:r>
-              <a:rPr lang="pt-BR" dirty="0" smtClean="0"/>
+              <a:rPr lang="pt-BR" dirty="0"/>
               <a:t>): </a:t>
             </a:r>
-            <a:endParaRPr lang="pt-BR" dirty="0"/>
           </a:p>
         </p:txBody>
       </p:sp>
@@ -22285,10 +22434,9 @@
               <a:buChar char="•"/>
             </a:pPr>
             <a:r>
-              <a:rPr lang="pt-BR" dirty="0" smtClean="0"/>
+              <a:rPr lang="pt-BR" dirty="0"/>
               <a:t>Modelo opaco (não interpretável)</a:t>
             </a:r>
-            <a:endParaRPr lang="pt-BR" dirty="0"/>
           </a:p>
         </p:txBody>
       </p:sp>
@@ -22573,10 +22721,9 @@
               <a:buChar char="•"/>
             </a:pPr>
             <a:r>
-              <a:rPr lang="pt-BR" dirty="0" smtClean="0"/>
+              <a:rPr lang="pt-BR" dirty="0"/>
               <a:t>Modelo retroalimenta desigualdades</a:t>
             </a:r>
-            <a:endParaRPr lang="pt-BR" dirty="0"/>
           </a:p>
         </p:txBody>
       </p:sp>
@@ -22861,10 +23008,9 @@
               <a:buChar char="•"/>
             </a:pPr>
             <a:r>
-              <a:rPr lang="pt-BR" dirty="0" smtClean="0"/>
+              <a:rPr lang="pt-BR" dirty="0"/>
               <a:t>Modelo tem capacidade de crescer exponencialmente</a:t>
             </a:r>
-            <a:endParaRPr lang="pt-BR" dirty="0"/>
           </a:p>
         </p:txBody>
       </p:sp>
@@ -23151,7 +23297,7 @@
               <a:buNone/>
             </a:pPr>
             <a:r>
-              <a:rPr lang="en" dirty="0" smtClean="0"/>
+              <a:rPr lang="en" dirty="0"/>
               <a:t>Índice Gini</a:t>
             </a:r>
             <a:endParaRPr dirty="0"/>
@@ -23190,13 +23336,8 @@
             </a:pPr>
             <a:r>
               <a:rPr lang="pt-BR" dirty="0"/>
-              <a:t>Análise de importância através do ganho de informação das </a:t>
+              <a:t>Análise de importância através do ganho de informação das variáveis através de:</a:t>
             </a:r>
-            <a:r>
-              <a:rPr lang="pt-BR" dirty="0" smtClean="0"/>
-              <a:t>variáveis através de:</a:t>
-            </a:r>
-            <a:endParaRPr lang="pt-BR" dirty="0"/>
           </a:p>
         </p:txBody>
       </p:sp>
@@ -23525,14 +23666,13 @@
               </a:spcBef>
             </a:pPr>
             <a:r>
-              <a:rPr lang="pt-BR" b="1" dirty="0" smtClean="0"/>
+              <a:rPr lang="pt-BR" b="1" dirty="0"/>
               <a:t>Limitações</a:t>
             </a:r>
             <a:r>
-              <a:rPr lang="pt-BR" dirty="0" smtClean="0"/>
+              <a:rPr lang="pt-BR" dirty="0"/>
               <a:t>: Distorção em variáveis de alta cardinalidade </a:t>
             </a:r>
-            <a:endParaRPr lang="pt-BR" dirty="0"/>
           </a:p>
         </p:txBody>
       </p:sp>
@@ -24261,13 +24401,6 @@
       </p:transition>
     </mc:Fallback>
   </mc:AlternateContent>
-  <p:timing>
-    <p:tnLst>
-      <p:par>
-        <p:cTn id="1" dur="indefinite" restart="never" nodeType="tmRoot"/>
-      </p:par>
-    </p:tnLst>
-  </p:timing>
 </p:sld>
 </file>
 
@@ -24323,7 +24456,7 @@
               <a:buNone/>
             </a:pPr>
             <a:r>
-              <a:rPr lang="en" dirty="0" smtClean="0">
+              <a:rPr lang="en" dirty="0">
                 <a:solidFill>
                   <a:srgbClr val="39C0BA"/>
                 </a:solidFill>
@@ -24377,7 +24510,7 @@
               <a:buChar char="◦"/>
             </a:pPr>
             <a:r>
-              <a:rPr lang="en" sz="2000" dirty="0" smtClean="0"/>
+              <a:rPr lang="en" sz="2000" dirty="0"/>
               <a:t>Prever se desempenho será abaixo da média</a:t>
             </a:r>
             <a:endParaRPr sz="2000" dirty="0"/>
@@ -24663,14 +24796,13 @@
               </a:buClr>
             </a:pPr>
             <a:r>
-              <a:rPr lang="pt-BR" sz="1600" dirty="0" smtClean="0"/>
+              <a:rPr lang="pt-BR" sz="1600" dirty="0"/>
               <a:t>Métricas de avaliação: Precisão e </a:t>
             </a:r>
             <a:r>
-              <a:rPr lang="pt-BR" sz="1600" i="1" u="sng" dirty="0" smtClean="0"/>
+              <a:rPr lang="pt-BR" sz="1600" i="1" u="sng" dirty="0"/>
               <a:t>Recall</a:t>
             </a:r>
-            <a:endParaRPr lang="pt-BR" sz="1600" i="1" u="sng" dirty="0"/>
           </a:p>
         </p:txBody>
       </p:sp>
@@ -24953,10 +25085,9 @@
               </a:buClr>
             </a:pPr>
             <a:r>
-              <a:rPr lang="pt-BR" sz="1600" dirty="0" smtClean="0"/>
+              <a:rPr lang="pt-BR" sz="1600" dirty="0"/>
               <a:t>Mínimo esperado: &gt;50%</a:t>
             </a:r>
-            <a:endParaRPr lang="pt-BR" sz="1600" dirty="0"/>
           </a:p>
         </p:txBody>
       </p:sp>
@@ -25239,10 +25370,9 @@
               </a:buClr>
             </a:pPr>
             <a:r>
-              <a:rPr lang="pt-BR" sz="1800" dirty="0" smtClean="0"/>
+              <a:rPr lang="pt-BR" sz="1800" dirty="0"/>
               <a:t>Máximo esperado: &lt;90%</a:t>
             </a:r>
-            <a:endParaRPr lang="pt-BR" sz="1800" dirty="0"/>
           </a:p>
         </p:txBody>
       </p:sp>
@@ -25526,10 +25656,9 @@
               <a:buSzPts val="2400"/>
             </a:pPr>
             <a:r>
-              <a:rPr lang="pt-BR" sz="2000" dirty="0" smtClean="0"/>
+              <a:rPr lang="pt-BR" sz="2000" dirty="0"/>
               <a:t>Menor quantidade possível de atributos</a:t>
             </a:r>
-            <a:endParaRPr lang="pt-BR" sz="2000" dirty="0"/>
           </a:p>
         </p:txBody>
       </p:sp>
@@ -25813,26 +25942,25 @@
               <a:buSzPts val="2400"/>
             </a:pPr>
             <a:r>
-              <a:rPr lang="pt-BR" sz="2000" dirty="0" smtClean="0"/>
+              <a:rPr lang="pt-BR" sz="2000" dirty="0"/>
               <a:t>Modelo deve ser </a:t>
             </a:r>
             <a:r>
-              <a:rPr lang="pt-BR" sz="2000" u="sng" dirty="0" smtClean="0"/>
+              <a:rPr lang="pt-BR" sz="2000" u="sng" dirty="0"/>
               <a:t>justo</a:t>
             </a:r>
             <a:r>
-              <a:rPr lang="pt-BR" sz="2000" dirty="0" smtClean="0"/>
+              <a:rPr lang="pt-BR" sz="2000" dirty="0"/>
               <a:t> (Data </a:t>
             </a:r>
             <a:r>
-              <a:rPr lang="pt-BR" sz="2000" dirty="0" err="1" smtClean="0"/>
+              <a:rPr lang="pt-BR" sz="2000" dirty="0" err="1"/>
               <a:t>Fairness</a:t>
             </a:r>
             <a:r>
-              <a:rPr lang="pt-BR" sz="2000" dirty="0" smtClean="0"/>
+              <a:rPr lang="pt-BR" sz="2000" dirty="0"/>
               <a:t>)</a:t>
             </a:r>
-            <a:endParaRPr lang="pt-BR" sz="2000" dirty="0"/>
           </a:p>
         </p:txBody>
       </p:sp>
@@ -26116,10 +26244,9 @@
               <a:buSzPts val="2400"/>
             </a:pPr>
             <a:r>
-              <a:rPr lang="pt-BR" sz="2000" dirty="0" smtClean="0"/>
+              <a:rPr lang="pt-BR" sz="2000" dirty="0"/>
               <a:t>Definir Clusters através das variáveis usadas no modelo</a:t>
             </a:r>
-            <a:endParaRPr lang="pt-BR" sz="2000" dirty="0"/>
           </a:p>
         </p:txBody>
       </p:sp>
@@ -27067,14 +27194,13 @@
               </a:spcBef>
             </a:pPr>
             <a:r>
-              <a:rPr lang="pt-BR" b="1" dirty="0" smtClean="0"/>
+              <a:rPr lang="pt-BR" b="1" dirty="0"/>
               <a:t>Limitação</a:t>
             </a:r>
             <a:r>
-              <a:rPr lang="pt-BR" dirty="0" smtClean="0"/>
+              <a:rPr lang="pt-BR" dirty="0"/>
               <a:t>: Dependente do modelo escolhido como referência</a:t>
             </a:r>
-            <a:endParaRPr lang="pt-BR" dirty="0"/>
           </a:p>
         </p:txBody>
       </p:sp>
@@ -27221,11 +27347,11 @@
           <a:p>
             <a:pPr marL="0" lvl="0" indent="0"/>
             <a:r>
-              <a:rPr lang="pt-BR" sz="1400" dirty="0" smtClean="0"/>
+              <a:rPr lang="pt-BR" sz="1400" dirty="0"/>
               <a:t>Importância por permutação usando Classificador </a:t>
             </a:r>
             <a:r>
-              <a:rPr lang="pt-BR" sz="1400" dirty="0" err="1" smtClean="0"/>
+              <a:rPr lang="pt-BR" sz="1400" dirty="0" err="1"/>
               <a:t>XGBoost</a:t>
             </a:r>
             <a:endParaRPr sz="1400" dirty="0">
@@ -27270,13 +27396,6 @@
   <p:clrMapOvr>
     <a:masterClrMapping/>
   </p:clrMapOvr>
-  <p:timing>
-    <p:tnLst>
-      <p:par>
-        <p:cTn id="1" dur="indefinite" restart="never" nodeType="tmRoot"/>
-      </p:par>
-    </p:tnLst>
-  </p:timing>
 </p:sld>
 </file>
 
@@ -27324,7 +27443,7 @@
           <a:p>
             <a:pPr lvl="0"/>
             <a:r>
-              <a:rPr lang="en" sz="3200" dirty="0" smtClean="0"/>
+              <a:rPr lang="en" sz="3200" dirty="0"/>
               <a:t>Seleção por remoção recursiva</a:t>
             </a:r>
             <a:endParaRPr dirty="0"/>
@@ -27362,10 +27481,9 @@
               </a:spcBef>
             </a:pPr>
             <a:r>
-              <a:rPr lang="pt-BR" dirty="0" smtClean="0"/>
+              <a:rPr lang="pt-BR" dirty="0"/>
               <a:t>Remoção de variáveis recursivamente de acordo com alguma métrica de importância</a:t>
             </a:r>
-            <a:endParaRPr lang="pt-BR" dirty="0"/>
           </a:p>
         </p:txBody>
       </p:sp>
@@ -27425,13 +27543,6 @@
   <p:clrMapOvr>
     <a:masterClrMapping/>
   </p:clrMapOvr>
-  <p:timing>
-    <p:tnLst>
-      <p:par>
-        <p:cTn id="1" dur="indefinite" restart="never" nodeType="tmRoot"/>
-      </p:par>
-    </p:tnLst>
-  </p:timing>
 </p:sld>
 </file>
 
@@ -27503,11 +27614,11 @@
           <a:p>
             <a:pPr marL="0" lvl="0" indent="0"/>
             <a:r>
-              <a:rPr lang="pt-BR" sz="1400" dirty="0" smtClean="0"/>
+              <a:rPr lang="pt-BR" sz="1400" dirty="0"/>
               <a:t>Desempenho do modelo ao remover recursivamente variável de menor Índice </a:t>
             </a:r>
             <a:r>
-              <a:rPr lang="pt-BR" sz="1400" dirty="0" err="1" smtClean="0"/>
+              <a:rPr lang="pt-BR" sz="1400" dirty="0" err="1"/>
               <a:t>Gini</a:t>
             </a:r>
             <a:endParaRPr sz="1400" dirty="0">
@@ -27712,7 +27823,7 @@
           <a:p>
             <a:pPr marL="0" lvl="0" indent="0"/>
             <a:r>
-              <a:rPr lang="pt-BR" sz="1400" dirty="0" smtClean="0"/>
+              <a:rPr lang="pt-BR" sz="1400" dirty="0"/>
               <a:t>Desempenho do modelo ao remover recursivamente variável de menor Importância por permutação</a:t>
             </a:r>
             <a:endParaRPr sz="1400" dirty="0">
@@ -27893,7 +28004,7 @@
           <a:p>
             <a:pPr lvl="0"/>
             <a:r>
-              <a:rPr lang="en" sz="3200" dirty="0" smtClean="0"/>
+              <a:rPr lang="en" sz="3200" dirty="0"/>
               <a:t>Backward Feature Selection</a:t>
             </a:r>
             <a:endParaRPr dirty="0"/>
@@ -27933,10 +28044,9 @@
               <a:buChar char="•"/>
             </a:pPr>
             <a:r>
-              <a:rPr lang="pt-BR" dirty="0" smtClean="0"/>
+              <a:rPr lang="pt-BR" dirty="0"/>
               <a:t>Gera modelo com as n variáveis</a:t>
             </a:r>
-            <a:endParaRPr lang="pt-BR" dirty="0"/>
           </a:p>
         </p:txBody>
       </p:sp>
@@ -28267,11 +28377,11 @@
               <a:buChar char="•"/>
             </a:pPr>
             <a:r>
-              <a:rPr lang="pt-BR" dirty="0" smtClean="0"/>
+              <a:rPr lang="pt-BR" dirty="0"/>
               <a:t>Testa modelos para todas combinações de n-1 </a:t>
             </a:r>
             <a:r>
-              <a:rPr lang="pt-BR" dirty="0" err="1" smtClean="0"/>
+              <a:rPr lang="pt-BR" dirty="0" err="1"/>
               <a:t>features</a:t>
             </a:r>
             <a:endParaRPr lang="pt-BR" dirty="0"/>
@@ -28559,10 +28669,9 @@
               <a:buChar char="•"/>
             </a:pPr>
             <a:r>
-              <a:rPr lang="pt-BR" dirty="0" smtClean="0"/>
+              <a:rPr lang="pt-BR" dirty="0"/>
               <a:t>Escolhe a melhor combinação</a:t>
             </a:r>
-            <a:endParaRPr lang="pt-BR" dirty="0"/>
           </a:p>
         </p:txBody>
       </p:sp>
@@ -28847,10 +28956,9 @@
               <a:buChar char="•"/>
             </a:pPr>
             <a:r>
-              <a:rPr lang="pt-BR" dirty="0" smtClean="0"/>
+              <a:rPr lang="pt-BR" dirty="0"/>
               <a:t>Repete até que haja 1 variável</a:t>
             </a:r>
-            <a:endParaRPr lang="pt-BR" dirty="0"/>
           </a:p>
         </p:txBody>
       </p:sp>
@@ -29215,23 +29323,23 @@
           <a:p>
             <a:pPr marL="0" lvl="0" indent="0"/>
             <a:r>
-              <a:rPr lang="pt-BR" sz="1400" dirty="0" smtClean="0"/>
+              <a:rPr lang="pt-BR" sz="1400" dirty="0"/>
               <a:t>Resultados do </a:t>
             </a:r>
             <a:r>
-              <a:rPr lang="pt-BR" sz="1400" dirty="0" err="1" smtClean="0"/>
+              <a:rPr lang="pt-BR" sz="1400" dirty="0" err="1"/>
               <a:t>Backward</a:t>
             </a:r>
             <a:r>
-              <a:rPr lang="pt-BR" sz="1400" dirty="0" smtClean="0"/>
+              <a:rPr lang="pt-BR" sz="1400" dirty="0"/>
               <a:t> </a:t>
             </a:r>
             <a:r>
-              <a:rPr lang="pt-BR" sz="1400" dirty="0" err="1" smtClean="0"/>
+              <a:rPr lang="pt-BR" sz="1400" dirty="0" err="1"/>
               <a:t>Selection</a:t>
             </a:r>
             <a:r>
-              <a:rPr lang="pt-BR" sz="1400" dirty="0" smtClean="0"/>
+              <a:rPr lang="pt-BR" sz="1400" dirty="0"/>
               <a:t> por variável removida</a:t>
             </a:r>
             <a:endParaRPr sz="1400" dirty="0">
@@ -29420,7 +29528,7 @@
               <a:buNone/>
             </a:pPr>
             <a:r>
-              <a:rPr lang="en" dirty="0" smtClean="0">
+              <a:rPr lang="en" dirty="0">
                 <a:solidFill>
                   <a:srgbClr val="39C0BA"/>
                 </a:solidFill>
@@ -29459,10 +29567,34 @@
                 <a:tableStyleId>{F6649823-1A7D-4101-B995-9FE7C7DDEAC8}</a:tableStyleId>
               </a:tblPr>
               <a:tblGrid>
-                <a:gridCol w="2380293"/>
-                <a:gridCol w="1447252"/>
-                <a:gridCol w="1645931"/>
-                <a:gridCol w="1761688"/>
+                <a:gridCol w="2380293">
+                  <a:extLst>
+                    <a:ext uri="{9D8B030D-6E8A-4147-A177-3AD203B41FA5}">
+                      <a16:colId xmlns:a16="http://schemas.microsoft.com/office/drawing/2014/main" val="20000"/>
+                    </a:ext>
+                  </a:extLst>
+                </a:gridCol>
+                <a:gridCol w="1447252">
+                  <a:extLst>
+                    <a:ext uri="{9D8B030D-6E8A-4147-A177-3AD203B41FA5}">
+                      <a16:colId xmlns:a16="http://schemas.microsoft.com/office/drawing/2014/main" val="20001"/>
+                    </a:ext>
+                  </a:extLst>
+                </a:gridCol>
+                <a:gridCol w="1645931">
+                  <a:extLst>
+                    <a:ext uri="{9D8B030D-6E8A-4147-A177-3AD203B41FA5}">
+                      <a16:colId xmlns:a16="http://schemas.microsoft.com/office/drawing/2014/main" val="20002"/>
+                    </a:ext>
+                  </a:extLst>
+                </a:gridCol>
+                <a:gridCol w="1761688">
+                  <a:extLst>
+                    <a:ext uri="{9D8B030D-6E8A-4147-A177-3AD203B41FA5}">
+                      <a16:colId xmlns:a16="http://schemas.microsoft.com/office/drawing/2014/main" val="20003"/>
+                    </a:ext>
+                  </a:extLst>
+                </a:gridCol>
               </a:tblGrid>
               <a:tr h="0">
                 <a:tc>
@@ -29480,7 +29612,7 @@
                         <a:buNone/>
                       </a:pPr>
                       <a:r>
-                        <a:rPr lang="en-US" sz="1000" dirty="0" err="1" smtClean="0">
+                        <a:rPr lang="en-US" sz="1000" dirty="0" err="1">
                           <a:solidFill>
                             <a:srgbClr val="F3F3F3"/>
                           </a:solidFill>
@@ -29556,7 +29688,7 @@
                         <a:buNone/>
                       </a:pPr>
                       <a:r>
-                        <a:rPr lang="en-US" sz="1000" dirty="0" err="1" smtClean="0">
+                        <a:rPr lang="en-US" sz="1000" dirty="0" err="1">
                           <a:solidFill>
                             <a:srgbClr val="F3F3F3"/>
                           </a:solidFill>
@@ -29632,7 +29764,7 @@
                         <a:buNone/>
                       </a:pPr>
                       <a:r>
-                        <a:rPr lang="en-US" sz="1000" dirty="0" smtClean="0">
+                        <a:rPr lang="en-US" sz="1000" dirty="0">
                           <a:solidFill>
                             <a:srgbClr val="F3F3F3"/>
                           </a:solidFill>
@@ -29708,7 +29840,7 @@
                         <a:buNone/>
                       </a:pPr>
                       <a:r>
-                        <a:rPr lang="en-US" sz="1000" dirty="0" err="1" smtClean="0">
+                        <a:rPr lang="en-US" sz="1000" dirty="0" err="1">
                           <a:solidFill>
                             <a:srgbClr val="F3F3F3"/>
                           </a:solidFill>
@@ -29720,7 +29852,7 @@
                         <a:t>Número</a:t>
                       </a:r>
                       <a:r>
-                        <a:rPr lang="en-US" sz="1000" dirty="0" smtClean="0">
+                        <a:rPr lang="en-US" sz="1000" dirty="0">
                           <a:solidFill>
                             <a:srgbClr val="F3F3F3"/>
                           </a:solidFill>
@@ -29732,7 +29864,7 @@
                         <a:t> de </a:t>
                       </a:r>
                       <a:r>
-                        <a:rPr lang="en-US" sz="1000" dirty="0" err="1" smtClean="0">
+                        <a:rPr lang="en-US" sz="1000" dirty="0" err="1">
                           <a:solidFill>
                             <a:srgbClr val="F3F3F3"/>
                           </a:solidFill>
@@ -29793,6 +29925,11 @@
                     </a:lnB>
                   </a:tcPr>
                 </a:tc>
+                <a:extLst>
+                  <a:ext uri="{0D108BD9-81ED-4DB2-BD59-A6C34878D82A}">
+                    <a16:rowId xmlns:a16="http://schemas.microsoft.com/office/drawing/2014/main" val="10000"/>
+                  </a:ext>
+                </a:extLst>
               </a:tr>
               <a:tr h="292608">
                 <a:tc>
@@ -29820,7 +29957,7 @@
                         <a:defRPr/>
                       </a:pPr>
                       <a:r>
-                        <a:rPr lang="en-US" sz="1000" dirty="0" err="1" smtClean="0">
+                        <a:rPr lang="en-US" sz="1000" dirty="0" err="1">
                           <a:solidFill>
                             <a:srgbClr val="F3F3F3"/>
                           </a:solidFill>
@@ -29832,7 +29969,7 @@
                         <a:t>Remoção</a:t>
                       </a:r>
                       <a:r>
-                        <a:rPr lang="en-US" sz="1000" dirty="0" smtClean="0">
+                        <a:rPr lang="en-US" sz="1000" dirty="0">
                           <a:solidFill>
                             <a:srgbClr val="F3F3F3"/>
                           </a:solidFill>
@@ -29844,7 +29981,7 @@
                         <a:t> </a:t>
                       </a:r>
                       <a:r>
-                        <a:rPr lang="en-US" sz="1000" dirty="0" err="1" smtClean="0">
+                        <a:rPr lang="en-US" sz="1000" dirty="0" err="1">
                           <a:solidFill>
                             <a:srgbClr val="F3F3F3"/>
                           </a:solidFill>
@@ -29856,7 +29993,7 @@
                         <a:t>Recursiva</a:t>
                       </a:r>
                       <a:r>
-                        <a:rPr lang="en-US" sz="1000" baseline="0" dirty="0" smtClean="0">
+                        <a:rPr lang="en-US" sz="1000" baseline="0" dirty="0">
                           <a:solidFill>
                             <a:srgbClr val="F3F3F3"/>
                           </a:solidFill>
@@ -29932,7 +30069,7 @@
                         <a:buNone/>
                       </a:pPr>
                       <a:r>
-                        <a:rPr lang="en-US" sz="1000" b="0" dirty="0" smtClean="0">
+                        <a:rPr lang="en-US" sz="1000" b="0" dirty="0">
                           <a:solidFill>
                             <a:srgbClr val="F3F3F3"/>
                           </a:solidFill>
@@ -30008,7 +30145,7 @@
                         <a:buNone/>
                       </a:pPr>
                       <a:r>
-                        <a:rPr lang="en-US" sz="1000" b="0" dirty="0" smtClean="0">
+                        <a:rPr lang="en-US" sz="1000" b="0" dirty="0">
                           <a:solidFill>
                             <a:srgbClr val="F3F3F3"/>
                           </a:solidFill>
@@ -30084,7 +30221,7 @@
                         <a:buNone/>
                       </a:pPr>
                       <a:r>
-                        <a:rPr lang="en-US" sz="1000" b="0" dirty="0" smtClean="0">
+                        <a:rPr lang="en-US" sz="1000" b="0" dirty="0">
                           <a:solidFill>
                             <a:srgbClr val="F3F3F3"/>
                           </a:solidFill>
@@ -30145,6 +30282,11 @@
                     </a:lnB>
                   </a:tcPr>
                 </a:tc>
+                <a:extLst>
+                  <a:ext uri="{0D108BD9-81ED-4DB2-BD59-A6C34878D82A}">
+                    <a16:rowId xmlns:a16="http://schemas.microsoft.com/office/drawing/2014/main" val="10001"/>
+                  </a:ext>
+                </a:extLst>
               </a:tr>
               <a:tr h="0">
                 <a:tc>
@@ -30162,7 +30304,7 @@
                         <a:buNone/>
                       </a:pPr>
                       <a:r>
-                        <a:rPr lang="en-US" sz="1000" dirty="0" err="1" smtClean="0">
+                        <a:rPr lang="en-US" sz="1000" dirty="0" err="1">
                           <a:solidFill>
                             <a:srgbClr val="F3F3F3"/>
                           </a:solidFill>
@@ -30174,7 +30316,7 @@
                         <a:t>Remoção</a:t>
                       </a:r>
                       <a:r>
-                        <a:rPr lang="en-US" sz="1000" dirty="0" smtClean="0">
+                        <a:rPr lang="en-US" sz="1000" dirty="0">
                           <a:solidFill>
                             <a:srgbClr val="F3F3F3"/>
                           </a:solidFill>
@@ -30186,7 +30328,7 @@
                         <a:t> </a:t>
                       </a:r>
                       <a:r>
-                        <a:rPr lang="en-US" sz="1000" dirty="0" err="1" smtClean="0">
+                        <a:rPr lang="en-US" sz="1000" dirty="0" err="1">
                           <a:solidFill>
                             <a:srgbClr val="F3F3F3"/>
                           </a:solidFill>
@@ -30198,7 +30340,7 @@
                         <a:t>Recursiva</a:t>
                       </a:r>
                       <a:r>
-                        <a:rPr lang="en-US" sz="1000" baseline="0" dirty="0" smtClean="0">
+                        <a:rPr lang="en-US" sz="1000" baseline="0" dirty="0">
                           <a:solidFill>
                             <a:srgbClr val="F3F3F3"/>
                           </a:solidFill>
@@ -30210,7 +30352,7 @@
                         <a:t> (</a:t>
                       </a:r>
                       <a:r>
-                        <a:rPr lang="en-US" sz="1000" baseline="0" dirty="0" err="1" smtClean="0">
+                        <a:rPr lang="en-US" sz="1000" baseline="0" dirty="0" err="1">
                           <a:solidFill>
                             <a:srgbClr val="F3F3F3"/>
                           </a:solidFill>
@@ -30222,7 +30364,7 @@
                         <a:t>Permutação</a:t>
                       </a:r>
                       <a:r>
-                        <a:rPr lang="en-US" sz="1000" baseline="0" dirty="0" smtClean="0">
+                        <a:rPr lang="en-US" sz="1000" baseline="0" dirty="0">
                           <a:solidFill>
                             <a:srgbClr val="F3F3F3"/>
                           </a:solidFill>
@@ -30298,7 +30440,7 @@
                         <a:buNone/>
                       </a:pPr>
                       <a:r>
-                        <a:rPr lang="en-US" sz="1000" b="0" dirty="0" smtClean="0">
+                        <a:rPr lang="en-US" sz="1000" b="0" dirty="0">
                           <a:solidFill>
                             <a:srgbClr val="F3F3F3"/>
                           </a:solidFill>
@@ -30374,7 +30516,7 @@
                         <a:buNone/>
                       </a:pPr>
                       <a:r>
-                        <a:rPr lang="en-US" sz="1000" b="0" dirty="0" smtClean="0">
+                        <a:rPr lang="en-US" sz="1000" b="0" dirty="0">
                           <a:solidFill>
                             <a:srgbClr val="F3F3F3"/>
                           </a:solidFill>
@@ -30450,7 +30592,7 @@
                         <a:buNone/>
                       </a:pPr>
                       <a:r>
-                        <a:rPr lang="en-US" sz="1000" b="0" dirty="0" smtClean="0">
+                        <a:rPr lang="en-US" sz="1000" b="0" dirty="0">
                           <a:solidFill>
                             <a:srgbClr val="F3F3F3"/>
                           </a:solidFill>
@@ -30511,6 +30653,11 @@
                     </a:lnB>
                   </a:tcPr>
                 </a:tc>
+                <a:extLst>
+                  <a:ext uri="{0D108BD9-81ED-4DB2-BD59-A6C34878D82A}">
+                    <a16:rowId xmlns:a16="http://schemas.microsoft.com/office/drawing/2014/main" val="10002"/>
+                  </a:ext>
+                </a:extLst>
               </a:tr>
               <a:tr h="0">
                 <a:tc>
@@ -30528,7 +30675,7 @@
                         <a:buNone/>
                       </a:pPr>
                       <a:r>
-                        <a:rPr lang="en-US" sz="1000" dirty="0" smtClean="0">
+                        <a:rPr lang="en-US" sz="1000" dirty="0">
                           <a:solidFill>
                             <a:srgbClr val="F3F3F3"/>
                           </a:solidFill>
@@ -30604,7 +30751,7 @@
                         <a:buNone/>
                       </a:pPr>
                       <a:r>
-                        <a:rPr lang="en-US" sz="1000" b="0" dirty="0" smtClean="0">
+                        <a:rPr lang="en-US" sz="1000" b="0" dirty="0">
                           <a:solidFill>
                             <a:srgbClr val="F3F3F3"/>
                           </a:solidFill>
@@ -30680,7 +30827,7 @@
                         <a:buNone/>
                       </a:pPr>
                       <a:r>
-                        <a:rPr lang="en-US" sz="1000" b="0" dirty="0" smtClean="0">
+                        <a:rPr lang="en-US" sz="1000" b="0" dirty="0">
                           <a:solidFill>
                             <a:srgbClr val="F3F3F3"/>
                           </a:solidFill>
@@ -30756,7 +30903,7 @@
                         <a:buNone/>
                       </a:pPr>
                       <a:r>
-                        <a:rPr lang="en-US" sz="1000" b="0" dirty="0" smtClean="0">
+                        <a:rPr lang="en-US" sz="1000" b="0" dirty="0">
                           <a:solidFill>
                             <a:srgbClr val="F3F3F3"/>
                           </a:solidFill>
@@ -30817,6 +30964,11 @@
                     </a:lnB>
                   </a:tcPr>
                 </a:tc>
+                <a:extLst>
+                  <a:ext uri="{0D108BD9-81ED-4DB2-BD59-A6C34878D82A}">
+                    <a16:rowId xmlns:a16="http://schemas.microsoft.com/office/drawing/2014/main" val="10003"/>
+                  </a:ext>
+                </a:extLst>
               </a:tr>
             </a:tbl>
           </a:graphicData>
@@ -31147,10 +31299,9 @@
               <a:buNone/>
             </a:pPr>
             <a:r>
-              <a:rPr lang="pt-BR" sz="2400" dirty="0" smtClean="0"/>
+              <a:rPr lang="pt-BR" sz="2400" dirty="0"/>
               <a:t>Método escolhido</a:t>
             </a:r>
-            <a:endParaRPr lang="pt-BR" sz="2400" dirty="0"/>
           </a:p>
         </p:txBody>
       </p:sp>
@@ -31457,19 +31608,19 @@
           <a:p>
             <a:pPr marL="0" lvl="0" indent="0"/>
             <a:r>
-              <a:rPr lang="pt-BR" sz="1400" dirty="0" err="1" smtClean="0"/>
+              <a:rPr lang="pt-BR" sz="1400" dirty="0" err="1"/>
               <a:t>Impotância</a:t>
             </a:r>
             <a:r>
-              <a:rPr lang="pt-BR" sz="1400" dirty="0" smtClean="0"/>
+              <a:rPr lang="pt-BR" sz="1400" dirty="0"/>
               <a:t> por </a:t>
             </a:r>
             <a:r>
-              <a:rPr lang="pt-BR" sz="1400" dirty="0" err="1" smtClean="0"/>
+              <a:rPr lang="pt-BR" sz="1400" dirty="0" err="1"/>
               <a:t>Permutãção</a:t>
             </a:r>
             <a:r>
-              <a:rPr lang="pt-BR" sz="1400" dirty="0" smtClean="0"/>
+              <a:rPr lang="pt-BR" sz="1400" dirty="0"/>
               <a:t> dos atributos mantidos ao final da seleção</a:t>
             </a:r>
             <a:endParaRPr sz="1400" dirty="0">
@@ -31514,13 +31665,6 @@
   <p:clrMapOvr>
     <a:masterClrMapping/>
   </p:clrMapOvr>
-  <p:timing>
-    <p:tnLst>
-      <p:par>
-        <p:cTn id="1" dur="indefinite" restart="never" nodeType="tmRoot"/>
-      </p:par>
-    </p:tnLst>
-  </p:timing>
 </p:sld>
 </file>
 
@@ -31576,7 +31720,7 @@
               <a:buNone/>
             </a:pPr>
             <a:r>
-              <a:rPr lang="en" dirty="0" smtClean="0"/>
+              <a:rPr lang="en" dirty="0"/>
               <a:t>Análise Preditora</a:t>
             </a:r>
             <a:endParaRPr dirty="0"/>
@@ -31618,7 +31762,7 @@
               <a:buNone/>
             </a:pPr>
             <a:r>
-              <a:rPr lang="en" dirty="0" smtClean="0"/>
+              <a:rPr lang="en" dirty="0"/>
               <a:t>Prevendo desempenho</a:t>
             </a:r>
             <a:endParaRPr dirty="0"/>
@@ -31693,13 +31837,6 @@
   <p:clrMapOvr>
     <a:masterClrMapping/>
   </p:clrMapOvr>
-  <p:timing>
-    <p:tnLst>
-      <p:par>
-        <p:cTn id="1" dur="indefinite" restart="never" nodeType="tmRoot"/>
-      </p:par>
-    </p:tnLst>
-  </p:timing>
 </p:sld>
 </file>
 
@@ -31763,7 +31900,7 @@
               <a:buNone/>
             </a:pPr>
             <a:r>
-              <a:rPr lang="en" dirty="0" smtClean="0"/>
+              <a:rPr lang="en" dirty="0"/>
               <a:t>Estrutura da Apresentação</a:t>
             </a:r>
             <a:endParaRPr dirty="0"/>
@@ -31831,7 +31968,7 @@
               <a:buNone/>
             </a:pPr>
             <a:r>
-              <a:rPr lang="en" sz="1800" dirty="0" smtClean="0">
+              <a:rPr lang="en" sz="1800" dirty="0">
                 <a:solidFill>
                   <a:srgbClr val="F3F3F3"/>
                 </a:solidFill>
@@ -31889,7 +32026,7 @@
               <a:buNone/>
             </a:pPr>
             <a:r>
-              <a:rPr lang="en" sz="1800" dirty="0" smtClean="0">
+              <a:rPr lang="en" sz="1800" dirty="0">
                 <a:solidFill>
                   <a:srgbClr val="F3F3F3"/>
                 </a:solidFill>
@@ -31947,7 +32084,7 @@
               <a:buNone/>
             </a:pPr>
             <a:r>
-              <a:rPr lang="en" sz="1800" dirty="0" smtClean="0">
+              <a:rPr lang="en" sz="1800" dirty="0">
                 <a:solidFill>
                   <a:srgbClr val="F3F3F3"/>
                 </a:solidFill>
@@ -32005,7 +32142,7 @@
               <a:buNone/>
             </a:pPr>
             <a:r>
-              <a:rPr lang="en" sz="1800" dirty="0" smtClean="0">
+              <a:rPr lang="en" sz="1800" dirty="0">
                 <a:solidFill>
                   <a:srgbClr val="F3F3F3"/>
                 </a:solidFill>
@@ -32063,7 +32200,7 @@
               <a:buNone/>
             </a:pPr>
             <a:r>
-              <a:rPr lang="en" sz="1800" dirty="0" smtClean="0">
+              <a:rPr lang="en" sz="1800" dirty="0">
                 <a:solidFill>
                   <a:srgbClr val="F3F3F3"/>
                 </a:solidFill>
@@ -32121,7 +32258,7 @@
               <a:buNone/>
             </a:pPr>
             <a:r>
-              <a:rPr lang="en" sz="1800" dirty="0" smtClean="0">
+              <a:rPr lang="en" sz="1800" dirty="0">
                 <a:solidFill>
                   <a:srgbClr val="F3F3F3"/>
                 </a:solidFill>
@@ -32179,7 +32316,7 @@
               <a:buNone/>
             </a:pPr>
             <a:r>
-              <a:rPr lang="en" sz="1800" dirty="0" smtClean="0">
+              <a:rPr lang="en" sz="1800" dirty="0">
                 <a:solidFill>
                   <a:srgbClr val="F3F3F3"/>
                 </a:solidFill>
@@ -33262,7 +33399,7 @@
           <a:p>
             <a:pPr marL="0" lvl="0" indent="0"/>
             <a:r>
-              <a:rPr lang="pt-BR" sz="1400" dirty="0" smtClean="0"/>
+              <a:rPr lang="pt-BR" sz="1400" dirty="0"/>
               <a:t>Resultado do modelo</a:t>
             </a:r>
             <a:endParaRPr sz="1400" dirty="0">
@@ -33273,302 +33410,276 @@
           </a:p>
         </p:txBody>
       </p:sp>
-      <p:sp>
-        <p:nvSpPr>
-          <p:cNvPr id="5" name="Google Shape;275;p30"/>
-          <p:cNvSpPr txBox="1">
-            <a:spLocks/>
-          </p:cNvSpPr>
-          <p:nvPr/>
-        </p:nvSpPr>
-        <p:spPr>
-          <a:xfrm>
-            <a:off x="6474642" y="441175"/>
-            <a:ext cx="2106970" cy="736675"/>
-          </a:xfrm>
-          <a:prstGeom prst="rect">
-            <a:avLst/>
-          </a:prstGeom>
-          <a:noFill/>
-          <a:ln>
-            <a:noFill/>
-          </a:ln>
-        </p:spPr>
-        <p:txBody>
-          <a:bodyPr spcFirstLastPara="1" wrap="square" lIns="91425" tIns="91425" rIns="91425" bIns="91425" anchor="t" anchorCtr="0">
-            <a:noAutofit/>
-          </a:bodyPr>
-          <a:lstStyle>
-            <a:defPPr marR="0" lvl="0" algn="l" rtl="0">
-              <a:lnSpc>
-                <a:spcPct val="100000"/>
-              </a:lnSpc>
-              <a:spcBef>
-                <a:spcPts val="0"/>
-              </a:spcBef>
-              <a:spcAft>
-                <a:spcPts val="0"/>
-              </a:spcAft>
-            </a:defPPr>
-            <a:lvl1pPr marL="457200" marR="0" lvl="0" indent="-228600" algn="l" rtl="0">
-              <a:lnSpc>
-                <a:spcPct val="100000"/>
-              </a:lnSpc>
-              <a:spcBef>
-                <a:spcPts val="360"/>
-              </a:spcBef>
-              <a:spcAft>
-                <a:spcPts val="0"/>
-              </a:spcAft>
-              <a:buClr>
-                <a:schemeClr val="accent1"/>
-              </a:buClr>
-              <a:buSzPts val="1800"/>
-              <a:buFont typeface="Quicksand"/>
-              <a:buNone/>
-              <a:defRPr sz="1800" b="0" i="0" u="none" strike="noStrike" cap="none">
-                <a:solidFill>
-                  <a:schemeClr val="lt1"/>
-                </a:solidFill>
-                <a:latin typeface="Quicksand"/>
-                <a:ea typeface="Quicksand"/>
-                <a:cs typeface="Quicksand"/>
-                <a:sym typeface="Quicksand"/>
-              </a:defRPr>
-            </a:lvl1pPr>
-            <a:lvl2pPr marL="914400" marR="0" lvl="1" indent="-381000" algn="l" rtl="0">
-              <a:lnSpc>
-                <a:spcPct val="100000"/>
-              </a:lnSpc>
-              <a:spcBef>
-                <a:spcPts val="0"/>
-              </a:spcBef>
-              <a:spcAft>
-                <a:spcPts val="0"/>
-              </a:spcAft>
-              <a:buClr>
-                <a:schemeClr val="accent1"/>
-              </a:buClr>
-              <a:buSzPts val="2400"/>
-              <a:buFont typeface="Quicksand"/>
-              <a:buChar char="▫"/>
-              <a:defRPr sz="2400" b="0" i="0" u="none" strike="noStrike" cap="none">
-                <a:solidFill>
-                  <a:schemeClr val="lt1"/>
-                </a:solidFill>
-                <a:latin typeface="Quicksand"/>
-                <a:ea typeface="Quicksand"/>
-                <a:cs typeface="Quicksand"/>
-                <a:sym typeface="Quicksand"/>
-              </a:defRPr>
-            </a:lvl2pPr>
-            <a:lvl3pPr marL="1371600" marR="0" lvl="2" indent="-381000" algn="l" rtl="0">
-              <a:lnSpc>
-                <a:spcPct val="100000"/>
-              </a:lnSpc>
-              <a:spcBef>
-                <a:spcPts val="0"/>
-              </a:spcBef>
-              <a:spcAft>
-                <a:spcPts val="0"/>
-              </a:spcAft>
-              <a:buClr>
-                <a:schemeClr val="accent1"/>
-              </a:buClr>
-              <a:buSzPts val="2400"/>
-              <a:buFont typeface="Quicksand"/>
-              <a:buChar char="■"/>
-              <a:defRPr sz="2400" b="0" i="0" u="none" strike="noStrike" cap="none">
-                <a:solidFill>
-                  <a:schemeClr val="lt1"/>
-                </a:solidFill>
-                <a:latin typeface="Quicksand"/>
-                <a:ea typeface="Quicksand"/>
-                <a:cs typeface="Quicksand"/>
-                <a:sym typeface="Quicksand"/>
-              </a:defRPr>
-            </a:lvl3pPr>
-            <a:lvl4pPr marL="1828800" marR="0" lvl="3" indent="-381000" algn="l" rtl="0">
-              <a:lnSpc>
-                <a:spcPct val="100000"/>
-              </a:lnSpc>
-              <a:spcBef>
-                <a:spcPts val="0"/>
-              </a:spcBef>
-              <a:spcAft>
-                <a:spcPts val="0"/>
-              </a:spcAft>
-              <a:buClr>
-                <a:schemeClr val="lt1"/>
-              </a:buClr>
-              <a:buSzPts val="2400"/>
-              <a:buFont typeface="Quicksand"/>
-              <a:buChar char="●"/>
-              <a:defRPr sz="2400" b="0" i="0" u="none" strike="noStrike" cap="none">
-                <a:solidFill>
-                  <a:schemeClr val="lt1"/>
-                </a:solidFill>
-                <a:latin typeface="Quicksand"/>
-                <a:ea typeface="Quicksand"/>
-                <a:cs typeface="Quicksand"/>
-                <a:sym typeface="Quicksand"/>
-              </a:defRPr>
-            </a:lvl4pPr>
-            <a:lvl5pPr marL="2286000" marR="0" lvl="4" indent="-381000" algn="l" rtl="0">
-              <a:lnSpc>
-                <a:spcPct val="100000"/>
-              </a:lnSpc>
-              <a:spcBef>
-                <a:spcPts val="0"/>
-              </a:spcBef>
-              <a:spcAft>
-                <a:spcPts val="0"/>
-              </a:spcAft>
-              <a:buClr>
-                <a:schemeClr val="lt1"/>
-              </a:buClr>
-              <a:buSzPts val="2400"/>
-              <a:buFont typeface="Quicksand"/>
-              <a:buChar char="○"/>
-              <a:defRPr sz="2400" b="0" i="0" u="none" strike="noStrike" cap="none">
-                <a:solidFill>
-                  <a:schemeClr val="lt1"/>
-                </a:solidFill>
-                <a:latin typeface="Quicksand"/>
-                <a:ea typeface="Quicksand"/>
-                <a:cs typeface="Quicksand"/>
-                <a:sym typeface="Quicksand"/>
-              </a:defRPr>
-            </a:lvl5pPr>
-            <a:lvl6pPr marL="2743200" marR="0" lvl="5" indent="-381000" algn="l" rtl="0">
-              <a:lnSpc>
-                <a:spcPct val="100000"/>
-              </a:lnSpc>
-              <a:spcBef>
-                <a:spcPts val="0"/>
-              </a:spcBef>
-              <a:spcAft>
-                <a:spcPts val="0"/>
-              </a:spcAft>
-              <a:buClr>
-                <a:schemeClr val="lt1"/>
-              </a:buClr>
-              <a:buSzPts val="2400"/>
-              <a:buFont typeface="Quicksand"/>
-              <a:buChar char="■"/>
-              <a:defRPr sz="2400" b="0" i="0" u="none" strike="noStrike" cap="none">
-                <a:solidFill>
-                  <a:schemeClr val="lt1"/>
-                </a:solidFill>
-                <a:latin typeface="Quicksand"/>
-                <a:ea typeface="Quicksand"/>
-                <a:cs typeface="Quicksand"/>
-                <a:sym typeface="Quicksand"/>
-              </a:defRPr>
-            </a:lvl6pPr>
-            <a:lvl7pPr marL="3200400" marR="0" lvl="6" indent="-381000" algn="l" rtl="0">
-              <a:lnSpc>
-                <a:spcPct val="100000"/>
-              </a:lnSpc>
-              <a:spcBef>
-                <a:spcPts val="0"/>
-              </a:spcBef>
-              <a:spcAft>
-                <a:spcPts val="0"/>
-              </a:spcAft>
-              <a:buClr>
-                <a:schemeClr val="lt1"/>
-              </a:buClr>
-              <a:buSzPts val="2400"/>
-              <a:buFont typeface="Quicksand"/>
-              <a:buChar char="●"/>
-              <a:defRPr sz="2400" b="0" i="0" u="none" strike="noStrike" cap="none">
-                <a:solidFill>
-                  <a:schemeClr val="lt1"/>
-                </a:solidFill>
-                <a:latin typeface="Quicksand"/>
-                <a:ea typeface="Quicksand"/>
-                <a:cs typeface="Quicksand"/>
-                <a:sym typeface="Quicksand"/>
-              </a:defRPr>
-            </a:lvl7pPr>
-            <a:lvl8pPr marL="3657600" marR="0" lvl="7" indent="-381000" algn="l" rtl="0">
-              <a:lnSpc>
-                <a:spcPct val="100000"/>
-              </a:lnSpc>
-              <a:spcBef>
-                <a:spcPts val="0"/>
-              </a:spcBef>
-              <a:spcAft>
-                <a:spcPts val="0"/>
-              </a:spcAft>
-              <a:buClr>
-                <a:schemeClr val="lt1"/>
-              </a:buClr>
-              <a:buSzPts val="2400"/>
-              <a:buFont typeface="Quicksand"/>
-              <a:buChar char="○"/>
-              <a:defRPr sz="2400" b="0" i="0" u="none" strike="noStrike" cap="none">
-                <a:solidFill>
-                  <a:schemeClr val="lt1"/>
-                </a:solidFill>
-                <a:latin typeface="Quicksand"/>
-                <a:ea typeface="Quicksand"/>
-                <a:cs typeface="Quicksand"/>
-                <a:sym typeface="Quicksand"/>
-              </a:defRPr>
-            </a:lvl8pPr>
-            <a:lvl9pPr marL="4114800" marR="0" lvl="8" indent="-381000" algn="l" rtl="0">
-              <a:lnSpc>
-                <a:spcPct val="100000"/>
-              </a:lnSpc>
-              <a:spcBef>
-                <a:spcPts val="0"/>
-              </a:spcBef>
-              <a:spcAft>
-                <a:spcPts val="0"/>
-              </a:spcAft>
-              <a:buClr>
-                <a:schemeClr val="lt1"/>
-              </a:buClr>
-              <a:buSzPts val="2400"/>
-              <a:buFont typeface="Quicksand"/>
-              <a:buChar char="■"/>
-              <a:defRPr sz="2400" b="0" i="0" u="none" strike="noStrike" cap="none">
-                <a:solidFill>
-                  <a:schemeClr val="lt1"/>
-                </a:solidFill>
-                <a:latin typeface="Quicksand"/>
-                <a:ea typeface="Quicksand"/>
-                <a:cs typeface="Quicksand"/>
-                <a:sym typeface="Quicksand"/>
-              </a:defRPr>
-            </a:lvl9pPr>
-          </a:lstStyle>
-          <a:p>
-            <a:pPr marL="0" indent="0"/>
-            <a:r>
-              <a:rPr lang="pt-BR" dirty="0" smtClean="0"/>
-              <a:t>Precisão: XX,XX%</a:t>
-            </a:r>
-          </a:p>
-          <a:p>
-            <a:pPr marL="0" indent="0"/>
-            <a:r>
-              <a:rPr lang="pt-BR" dirty="0" smtClean="0"/>
-              <a:t>Recall: XX,XX%</a:t>
-            </a:r>
-          </a:p>
-          <a:p>
-            <a:pPr marL="0" indent="0"/>
-            <a:endParaRPr lang="pt-BR" dirty="0">
-              <a:solidFill>
-                <a:srgbClr val="F3F3F3"/>
-              </a:solidFill>
-            </a:endParaRPr>
-          </a:p>
-        </p:txBody>
-      </p:sp>
+      <p:graphicFrame>
+        <p:nvGraphicFramePr>
+          <p:cNvPr id="2" name="Tabela 2">
+            <a:extLst>
+              <a:ext uri="{FF2B5EF4-FFF2-40B4-BE49-F238E27FC236}">
+                <a16:creationId xmlns:a16="http://schemas.microsoft.com/office/drawing/2014/main" id="{F9ADB667-99F7-4AA7-9BEC-7D1394F187FE}"/>
+              </a:ext>
+            </a:extLst>
+          </p:cNvPr>
+          <p:cNvGraphicFramePr>
+            <a:graphicFrameLocks noGrp="1"/>
+          </p:cNvGraphicFramePr>
+          <p:nvPr>
+            <p:extLst>
+              <p:ext uri="{D42A27DB-BD31-4B8C-83A1-F6EECF244321}">
+                <p14:modId xmlns:p14="http://schemas.microsoft.com/office/powerpoint/2010/main" val="3435025256"/>
+              </p:ext>
+            </p:extLst>
+          </p:nvPr>
+        </p:nvGraphicFramePr>
+        <p:xfrm>
+          <a:off x="1687032" y="1830070"/>
+          <a:ext cx="6096000" cy="1483360"/>
+        </p:xfrm>
+        <a:graphic>
+          <a:graphicData uri="http://schemas.openxmlformats.org/drawingml/2006/table">
+            <a:tbl>
+              <a:tblPr firstRow="1" bandRow="1">
+                <a:tableStyleId>{3C2FFA5D-87B4-456A-9821-1D502468CF0F}</a:tableStyleId>
+              </a:tblPr>
+              <a:tblGrid>
+                <a:gridCol w="2032000">
+                  <a:extLst>
+                    <a:ext uri="{9D8B030D-6E8A-4147-A177-3AD203B41FA5}">
+                      <a16:colId xmlns:a16="http://schemas.microsoft.com/office/drawing/2014/main" val="4109364869"/>
+                    </a:ext>
+                  </a:extLst>
+                </a:gridCol>
+                <a:gridCol w="2032000">
+                  <a:extLst>
+                    <a:ext uri="{9D8B030D-6E8A-4147-A177-3AD203B41FA5}">
+                      <a16:colId xmlns:a16="http://schemas.microsoft.com/office/drawing/2014/main" val="1444595101"/>
+                    </a:ext>
+                  </a:extLst>
+                </a:gridCol>
+                <a:gridCol w="2032000">
+                  <a:extLst>
+                    <a:ext uri="{9D8B030D-6E8A-4147-A177-3AD203B41FA5}">
+                      <a16:colId xmlns:a16="http://schemas.microsoft.com/office/drawing/2014/main" val="451104903"/>
+                    </a:ext>
+                  </a:extLst>
+                </a:gridCol>
+              </a:tblGrid>
+              <a:tr h="370840">
+                <a:tc>
+                  <a:txBody>
+                    <a:bodyPr/>
+                    <a:lstStyle/>
+                    <a:p>
+                      <a:endParaRPr lang="en-US" dirty="0"/>
+                    </a:p>
+                  </a:txBody>
+                  <a:tcPr/>
+                </a:tc>
+                <a:tc>
+                  <a:txBody>
+                    <a:bodyPr/>
+                    <a:lstStyle/>
+                    <a:p>
+                      <a:pPr algn="ctr"/>
+                      <a:r>
+                        <a:rPr lang="pt-BR" dirty="0">
+                          <a:solidFill>
+                            <a:schemeClr val="tx1"/>
+                          </a:solidFill>
+                        </a:rPr>
+                        <a:t>Precisão</a:t>
+                      </a:r>
+                      <a:endParaRPr lang="en-US" dirty="0">
+                        <a:solidFill>
+                          <a:schemeClr val="tx1"/>
+                        </a:solidFill>
+                      </a:endParaRPr>
+                    </a:p>
+                  </a:txBody>
+                  <a:tcPr/>
+                </a:tc>
+                <a:tc>
+                  <a:txBody>
+                    <a:bodyPr/>
+                    <a:lstStyle/>
+                    <a:p>
+                      <a:pPr algn="ctr"/>
+                      <a:r>
+                        <a:rPr lang="pt-BR" dirty="0">
+                          <a:solidFill>
+                            <a:schemeClr val="tx1"/>
+                          </a:solidFill>
+                        </a:rPr>
+                        <a:t>Recall</a:t>
+                      </a:r>
+                      <a:endParaRPr lang="en-US" dirty="0">
+                        <a:solidFill>
+                          <a:schemeClr val="tx1"/>
+                        </a:solidFill>
+                      </a:endParaRPr>
+                    </a:p>
+                  </a:txBody>
+                  <a:tcPr/>
+                </a:tc>
+                <a:extLst>
+                  <a:ext uri="{0D108BD9-81ED-4DB2-BD59-A6C34878D82A}">
+                    <a16:rowId xmlns:a16="http://schemas.microsoft.com/office/drawing/2014/main" val="2738894546"/>
+                  </a:ext>
+                </a:extLst>
+              </a:tr>
+              <a:tr h="370840">
+                <a:tc>
+                  <a:txBody>
+                    <a:bodyPr/>
+                    <a:lstStyle/>
+                    <a:p>
+                      <a:r>
+                        <a:rPr lang="pt-BR" dirty="0"/>
+                        <a:t>Gradient Boosting</a:t>
+                      </a:r>
+                      <a:endParaRPr lang="en-US" dirty="0"/>
+                    </a:p>
+                  </a:txBody>
+                  <a:tcPr/>
+                </a:tc>
+                <a:tc>
+                  <a:txBody>
+                    <a:bodyPr/>
+                    <a:lstStyle/>
+                    <a:p>
+                      <a:pPr algn="ctr"/>
+                      <a:r>
+                        <a:rPr lang="en-US" dirty="0"/>
+                        <a:t>70.4</a:t>
+                      </a:r>
+                    </a:p>
+                  </a:txBody>
+                  <a:tcPr/>
+                </a:tc>
+                <a:tc>
+                  <a:txBody>
+                    <a:bodyPr/>
+                    <a:lstStyle/>
+                    <a:p>
+                      <a:pPr algn="ctr"/>
+                      <a:r>
+                        <a:rPr lang="en-US" dirty="0"/>
+                        <a:t>74.4</a:t>
+                      </a:r>
+                    </a:p>
+                  </a:txBody>
+                  <a:tcPr/>
+                </a:tc>
+                <a:extLst>
+                  <a:ext uri="{0D108BD9-81ED-4DB2-BD59-A6C34878D82A}">
+                    <a16:rowId xmlns:a16="http://schemas.microsoft.com/office/drawing/2014/main" val="2713390973"/>
+                  </a:ext>
+                </a:extLst>
+              </a:tr>
+              <a:tr h="370840">
+                <a:tc>
+                  <a:txBody>
+                    <a:bodyPr/>
+                    <a:lstStyle/>
+                    <a:p>
+                      <a:r>
+                        <a:rPr lang="pt-BR" dirty="0"/>
+                        <a:t>Random Forest</a:t>
+                      </a:r>
+                      <a:endParaRPr lang="en-US" dirty="0"/>
+                    </a:p>
+                  </a:txBody>
+                  <a:tcPr/>
+                </a:tc>
+                <a:tc>
+                  <a:txBody>
+                    <a:bodyPr/>
+                    <a:lstStyle/>
+                    <a:p>
+                      <a:pPr algn="ctr"/>
+                      <a:r>
+                        <a:rPr lang="pt-BR" dirty="0"/>
+                        <a:t>68.2</a:t>
+                      </a:r>
+                      <a:endParaRPr lang="en-US" dirty="0"/>
+                    </a:p>
+                  </a:txBody>
+                  <a:tcPr/>
+                </a:tc>
+                <a:tc>
+                  <a:txBody>
+                    <a:bodyPr/>
+                    <a:lstStyle/>
+                    <a:p>
+                      <a:pPr algn="ctr"/>
+                      <a:r>
+                        <a:rPr lang="pt-BR" dirty="0"/>
+                        <a:t>70.3</a:t>
+                      </a:r>
+                      <a:endParaRPr lang="en-US" dirty="0"/>
+                    </a:p>
+                  </a:txBody>
+                  <a:tcPr/>
+                </a:tc>
+                <a:extLst>
+                  <a:ext uri="{0D108BD9-81ED-4DB2-BD59-A6C34878D82A}">
+                    <a16:rowId xmlns:a16="http://schemas.microsoft.com/office/drawing/2014/main" val="1625292355"/>
+                  </a:ext>
+                </a:extLst>
+              </a:tr>
+              <a:tr h="370840">
+                <a:tc>
+                  <a:txBody>
+                    <a:bodyPr/>
+                    <a:lstStyle/>
+                    <a:p>
+                      <a:r>
+                        <a:rPr lang="pt-BR" dirty="0"/>
+                        <a:t>Árvore de Decisão</a:t>
+                      </a:r>
+                      <a:endParaRPr lang="en-US" dirty="0"/>
+                    </a:p>
+                  </a:txBody>
+                  <a:tcPr/>
+                </a:tc>
+                <a:tc>
+                  <a:txBody>
+                    <a:bodyPr/>
+                    <a:lstStyle/>
+                    <a:p>
+                      <a:pPr algn="ctr"/>
+                      <a:r>
+                        <a:rPr lang="en-US" dirty="0"/>
+                        <a:t>62.3</a:t>
+                      </a:r>
+                    </a:p>
+                  </a:txBody>
+                  <a:tcPr/>
+                </a:tc>
+                <a:tc>
+                  <a:txBody>
+                    <a:bodyPr/>
+                    <a:lstStyle/>
+                    <a:p>
+                      <a:pPr algn="ctr"/>
+                      <a:r>
+                        <a:rPr lang="pt-BR" dirty="0"/>
+                        <a:t>60.6</a:t>
+                      </a:r>
+                      <a:endParaRPr lang="en-US" dirty="0"/>
+                    </a:p>
+                  </a:txBody>
+                  <a:tcPr/>
+                </a:tc>
+                <a:extLst>
+                  <a:ext uri="{0D108BD9-81ED-4DB2-BD59-A6C34878D82A}">
+                    <a16:rowId xmlns:a16="http://schemas.microsoft.com/office/drawing/2014/main" val="2147003619"/>
+                  </a:ext>
+                </a:extLst>
+              </a:tr>
+            </a:tbl>
+          </a:graphicData>
+        </a:graphic>
+      </p:graphicFrame>
     </p:spTree>
     <p:extLst>
       <p:ext uri="{BB962C8B-B14F-4D97-AF65-F5344CB8AC3E}">
@@ -33579,13 +33690,6 @@
   <p:clrMapOvr>
     <a:masterClrMapping/>
   </p:clrMapOvr>
-  <p:timing>
-    <p:tnLst>
-      <p:par>
-        <p:cTn id="1" dur="indefinite" restart="never" nodeType="tmRoot"/>
-      </p:par>
-    </p:tnLst>
-  </p:timing>
 </p:sld>
 </file>
 
@@ -33619,7 +33723,7 @@
         <p:spPr>
           <a:xfrm>
             <a:off x="1165474" y="4331317"/>
-            <a:ext cx="7892414" cy="434100"/>
+            <a:ext cx="7892414" cy="680162"/>
           </a:xfrm>
           <a:prstGeom prst="rect">
             <a:avLst/>
@@ -33633,10 +33737,94 @@
           <a:p>
             <a:pPr marL="0" lvl="0" indent="0"/>
             <a:r>
-              <a:rPr lang="pt-BR" sz="1400" dirty="0" smtClean="0"/>
-              <a:t>Arvore de decisão do modelo</a:t>
+              <a:rPr lang="pt-BR" sz="1400" dirty="0"/>
+              <a:t>Estudo do número de nós</a:t>
             </a:r>
-            <a:endParaRPr sz="1400" dirty="0">
+          </a:p>
+        </p:txBody>
+      </p:sp>
+      <p:sp>
+        <p:nvSpPr>
+          <p:cNvPr id="9" name="CaixaDeTexto 8">
+            <a:extLst>
+              <a:ext uri="{FF2B5EF4-FFF2-40B4-BE49-F238E27FC236}">
+                <a16:creationId xmlns:a16="http://schemas.microsoft.com/office/drawing/2014/main" id="{03AD3CF0-B395-40F0-B324-ED057E6BE432}"/>
+              </a:ext>
+            </a:extLst>
+          </p:cNvPr>
+          <p:cNvSpPr txBox="1"/>
+          <p:nvPr/>
+        </p:nvSpPr>
+        <p:spPr>
+          <a:xfrm>
+            <a:off x="7683965" y="465342"/>
+            <a:ext cx="1565310" cy="1384995"/>
+          </a:xfrm>
+          <a:prstGeom prst="rect">
+            <a:avLst/>
+          </a:prstGeom>
+          <a:noFill/>
+        </p:spPr>
+        <p:txBody>
+          <a:bodyPr wrap="square">
+            <a:spAutoFit/>
+          </a:bodyPr>
+          <a:lstStyle/>
+          <a:p>
+            <a:pPr marL="0" lvl="0" indent="0"/>
+            <a:r>
+              <a:rPr lang="pt-BR" sz="1400" b="1" dirty="0">
+                <a:solidFill>
+                  <a:srgbClr val="F3F3F3"/>
+                </a:solidFill>
+              </a:rPr>
+              <a:t>128 nós</a:t>
+            </a:r>
+          </a:p>
+          <a:p>
+            <a:pPr marL="0" lvl="0" indent="0"/>
+            <a:endParaRPr lang="pt-BR" sz="1400" b="1" dirty="0">
+              <a:solidFill>
+                <a:srgbClr val="F3F3F3"/>
+              </a:solidFill>
+            </a:endParaRPr>
+          </a:p>
+          <a:p>
+            <a:pPr marL="0" lvl="0" indent="0"/>
+            <a:r>
+              <a:rPr lang="pt-BR" dirty="0">
+                <a:solidFill>
+                  <a:srgbClr val="F3F3F3"/>
+                </a:solidFill>
+              </a:rPr>
+              <a:t>99% acurácia</a:t>
+            </a:r>
+          </a:p>
+          <a:p>
+            <a:pPr marL="0" lvl="0" indent="0"/>
+            <a:r>
+              <a:rPr lang="pt-BR" dirty="0">
+                <a:solidFill>
+                  <a:srgbClr val="F3F3F3"/>
+                </a:solidFill>
+              </a:rPr>
+              <a:t>99% recall</a:t>
+            </a:r>
+          </a:p>
+          <a:p>
+            <a:pPr marL="0" lvl="0" indent="0"/>
+            <a:r>
+              <a:rPr lang="pt-BR" dirty="0">
+                <a:solidFill>
+                  <a:srgbClr val="F3F3F3"/>
+                </a:solidFill>
+              </a:rPr>
+              <a:t>97% precisão</a:t>
+            </a:r>
+          </a:p>
+          <a:p>
+            <a:pPr marL="0" lvl="0" indent="0"/>
+            <a:endParaRPr lang="pt-BR" sz="1400" b="1" dirty="0">
               <a:solidFill>
                 <a:srgbClr val="F3F3F3"/>
               </a:solidFill>
@@ -33644,23 +33832,46 @@
           </a:p>
         </p:txBody>
       </p:sp>
+      <p:pic>
+        <p:nvPicPr>
+          <p:cNvPr id="8" name="Imagem 7">
+            <a:extLst>
+              <a:ext uri="{FF2B5EF4-FFF2-40B4-BE49-F238E27FC236}">
+                <a16:creationId xmlns:a16="http://schemas.microsoft.com/office/drawing/2014/main" id="{C37FFCEC-7530-4D58-8A4C-A2846E77C60D}"/>
+              </a:ext>
+            </a:extLst>
+          </p:cNvPr>
+          <p:cNvPicPr>
+            <a:picLocks noChangeAspect="1"/>
+          </p:cNvPicPr>
+          <p:nvPr/>
+        </p:nvPicPr>
+        <p:blipFill>
+          <a:blip r:embed="rId3"/>
+          <a:stretch>
+            <a:fillRect/>
+          </a:stretch>
+        </p:blipFill>
+        <p:spPr>
+          <a:xfrm>
+            <a:off x="1001676" y="1157840"/>
+            <a:ext cx="6597059" cy="3223986"/>
+          </a:xfrm>
+          <a:prstGeom prst="rect">
+            <a:avLst/>
+          </a:prstGeom>
+        </p:spPr>
+      </p:pic>
     </p:spTree>
     <p:extLst>
       <p:ext uri="{BB962C8B-B14F-4D97-AF65-F5344CB8AC3E}">
-        <p14:creationId xmlns:p14="http://schemas.microsoft.com/office/powerpoint/2010/main" val="2428869842"/>
+        <p14:creationId xmlns:p14="http://schemas.microsoft.com/office/powerpoint/2010/main" val="3556433294"/>
       </p:ext>
     </p:extLst>
   </p:cSld>
   <p:clrMapOvr>
     <a:masterClrMapping/>
   </p:clrMapOvr>
-  <p:timing>
-    <p:tnLst>
-      <p:par>
-        <p:cTn id="1" dur="indefinite" restart="never" nodeType="tmRoot"/>
-      </p:par>
-    </p:tnLst>
-  </p:timing>
 </p:sld>
 </file>
 
@@ -33669,7 +33880,7 @@
   <p:cSld>
     <p:spTree>
       <p:nvGrpSpPr>
-        <p:cNvPr id="1" name="Shape 93"/>
+        <p:cNvPr id="1" name="Shape 274"/>
         <p:cNvGrpSpPr/>
         <p:nvPr/>
       </p:nvGrpSpPr>
@@ -33683,60 +33894,18 @@
       </p:grpSpPr>
       <p:sp>
         <p:nvSpPr>
-          <p:cNvPr id="94" name="Google Shape;94;p15"/>
+          <p:cNvPr id="275" name="Google Shape;275;p30"/>
           <p:cNvSpPr txBox="1">
             <a:spLocks noGrp="1"/>
           </p:cNvSpPr>
           <p:nvPr>
-            <p:ph type="ctrTitle"/>
+            <p:ph type="body" idx="1"/>
           </p:nvPr>
         </p:nvSpPr>
         <p:spPr>
           <a:xfrm>
-            <a:off x="1530175" y="2307788"/>
-            <a:ext cx="6767100" cy="532200"/>
-          </a:xfrm>
-          <a:prstGeom prst="rect">
-            <a:avLst/>
-          </a:prstGeom>
-        </p:spPr>
-        <p:txBody>
-          <a:bodyPr spcFirstLastPara="1" wrap="square" lIns="91425" tIns="91425" rIns="91425" bIns="91425" anchor="ctr" anchorCtr="0">
-            <a:noAutofit/>
-          </a:bodyPr>
-          <a:lstStyle/>
-          <a:p>
-            <a:pPr marL="0" lvl="0" indent="0" algn="l" rtl="0">
-              <a:spcBef>
-                <a:spcPts val="0"/>
-              </a:spcBef>
-              <a:spcAft>
-                <a:spcPts val="0"/>
-              </a:spcAft>
-              <a:buNone/>
-            </a:pPr>
-            <a:r>
-              <a:rPr lang="en" dirty="0" smtClean="0"/>
-              <a:t>Redução de dimensionalidade</a:t>
-            </a:r>
-            <a:endParaRPr dirty="0"/>
-          </a:p>
-        </p:txBody>
-      </p:sp>
-      <p:sp>
-        <p:nvSpPr>
-          <p:cNvPr id="95" name="Google Shape;95;p15"/>
-          <p:cNvSpPr txBox="1">
-            <a:spLocks noGrp="1"/>
-          </p:cNvSpPr>
-          <p:nvPr>
-            <p:ph type="subTitle" idx="1"/>
-          </p:nvPr>
-        </p:nvSpPr>
-        <p:spPr>
-          <a:xfrm>
-            <a:off x="1567326" y="2782913"/>
-            <a:ext cx="6927900" cy="353100"/>
+            <a:off x="1165474" y="4331317"/>
+            <a:ext cx="7892414" cy="680162"/>
           </a:xfrm>
           <a:prstGeom prst="rect">
             <a:avLst/>
@@ -33748,94 +33917,137 @@
           </a:bodyPr>
           <a:lstStyle/>
           <a:p>
-            <a:pPr marL="0" lvl="0" indent="0" algn="l" rtl="0">
-              <a:spcBef>
-                <a:spcPts val="0"/>
-              </a:spcBef>
-              <a:spcAft>
-                <a:spcPts val="0"/>
-              </a:spcAft>
-              <a:buNone/>
-            </a:pPr>
+            <a:pPr marL="0" lvl="0" indent="0"/>
             <a:r>
-              <a:rPr lang="en" dirty="0" smtClean="0"/>
-              <a:t>Usando PCA (</a:t>
+              <a:rPr lang="pt-BR" sz="1400" dirty="0"/>
+              <a:t>Estudo do número de nós</a:t>
+            </a:r>
+          </a:p>
+          <a:p>
+            <a:pPr marL="0" indent="0"/>
+            <a:r>
+              <a:rPr lang="pt-BR" sz="1400" dirty="0"/>
+              <a:t>Melhor resultado: </a:t>
             </a:r>
             <a:r>
-              <a:rPr lang="en" i="1" dirty="0" smtClean="0"/>
-              <a:t>Principal Component Analysis</a:t>
+              <a:rPr lang="pt-BR" sz="1400" b="1" dirty="0">
+                <a:solidFill>
+                  <a:srgbClr val="F3F3F3"/>
+                </a:solidFill>
+              </a:rPr>
+              <a:t>128 nós</a:t>
             </a:r>
-            <a:r>
-              <a:rPr lang="en" dirty="0" smtClean="0"/>
-              <a:t>) para visualização bidimensional dos dados</a:t>
-            </a:r>
-            <a:endParaRPr dirty="0"/>
+          </a:p>
+          <a:p>
+            <a:pPr marL="0" lvl="0" indent="0"/>
+            <a:endParaRPr lang="pt-BR" sz="1400" dirty="0"/>
           </a:p>
         </p:txBody>
       </p:sp>
       <p:sp>
         <p:nvSpPr>
-          <p:cNvPr id="96" name="Google Shape;96;p15"/>
+          <p:cNvPr id="9" name="CaixaDeTexto 8">
+            <a:extLst>
+              <a:ext uri="{FF2B5EF4-FFF2-40B4-BE49-F238E27FC236}">
+                <a16:creationId xmlns:a16="http://schemas.microsoft.com/office/drawing/2014/main" id="{03AD3CF0-B395-40F0-B324-ED057E6BE432}"/>
+              </a:ext>
+            </a:extLst>
+          </p:cNvPr>
           <p:cNvSpPr txBox="1"/>
           <p:nvPr/>
         </p:nvSpPr>
         <p:spPr>
           <a:xfrm>
-            <a:off x="526358" y="2279925"/>
-            <a:ext cx="802500" cy="589800"/>
+            <a:off x="7258493" y="409638"/>
+            <a:ext cx="2097107" cy="523220"/>
           </a:xfrm>
           <a:prstGeom prst="rect">
             <a:avLst/>
           </a:prstGeom>
           <a:noFill/>
-          <a:ln>
-            <a:noFill/>
-          </a:ln>
         </p:spPr>
         <p:txBody>
-          <a:bodyPr spcFirstLastPara="1" wrap="square" lIns="91425" tIns="91425" rIns="91425" bIns="91425" anchor="ctr" anchorCtr="0">
-            <a:noAutofit/>
+          <a:bodyPr wrap="square">
+            <a:spAutoFit/>
           </a:bodyPr>
           <a:lstStyle/>
           <a:p>
-            <a:pPr marL="0" lvl="0" indent="0" algn="ctr" rtl="0">
-              <a:spcBef>
-                <a:spcPts val="0"/>
-              </a:spcBef>
-              <a:spcAft>
-                <a:spcPts val="0"/>
-              </a:spcAft>
-              <a:buNone/>
-            </a:pPr>
-            <a:endParaRPr sz="3000" dirty="0">
+            <a:pPr marL="0" lvl="0" indent="0"/>
+            <a:r>
+              <a:rPr lang="pt-BR" sz="1400" b="1" dirty="0" err="1">
+                <a:solidFill>
+                  <a:srgbClr val="F3F3F3"/>
+                </a:solidFill>
+              </a:rPr>
+              <a:t>Precision</a:t>
+            </a:r>
+            <a:r>
+              <a:rPr lang="pt-BR" b="1" dirty="0">
+                <a:solidFill>
+                  <a:srgbClr val="F3F3F3"/>
+                </a:solidFill>
+              </a:rPr>
+              <a:t>: 69,3%</a:t>
+            </a:r>
+            <a:endParaRPr lang="pt-BR" dirty="0">
               <a:solidFill>
-                <a:srgbClr val="2E3037"/>
+                <a:srgbClr val="F3F3F3"/>
               </a:solidFill>
-              <a:latin typeface="Quicksand"/>
-              <a:ea typeface="Quicksand"/>
-              <a:cs typeface="Quicksand"/>
-              <a:sym typeface="Quicksand"/>
             </a:endParaRPr>
+          </a:p>
+          <a:p>
+            <a:pPr marL="0" lvl="0" indent="0"/>
+            <a:r>
+              <a:rPr lang="pt-BR" sz="1400" b="1" dirty="0">
+                <a:solidFill>
+                  <a:srgbClr val="F3F3F3"/>
+                </a:solidFill>
+              </a:rPr>
+              <a:t>Recall: 74,1</a:t>
+            </a:r>
           </a:p>
         </p:txBody>
       </p:sp>
+      <p:pic>
+        <p:nvPicPr>
+          <p:cNvPr id="8" name="Imagem 7">
+            <a:extLst>
+              <a:ext uri="{FF2B5EF4-FFF2-40B4-BE49-F238E27FC236}">
+                <a16:creationId xmlns:a16="http://schemas.microsoft.com/office/drawing/2014/main" id="{C37FFCEC-7530-4D58-8A4C-A2846E77C60D}"/>
+              </a:ext>
+            </a:extLst>
+          </p:cNvPr>
+          <p:cNvPicPr>
+            <a:picLocks noChangeAspect="1"/>
+          </p:cNvPicPr>
+          <p:nvPr/>
+        </p:nvPicPr>
+        <p:blipFill>
+          <a:blip r:embed="rId3"/>
+          <a:stretch>
+            <a:fillRect/>
+          </a:stretch>
+        </p:blipFill>
+        <p:spPr>
+          <a:xfrm>
+            <a:off x="1001676" y="1157840"/>
+            <a:ext cx="6597059" cy="3223986"/>
+          </a:xfrm>
+          <a:prstGeom prst="rect">
+            <a:avLst/>
+          </a:prstGeom>
+        </p:spPr>
+      </p:pic>
     </p:spTree>
     <p:extLst>
       <p:ext uri="{BB962C8B-B14F-4D97-AF65-F5344CB8AC3E}">
-        <p14:creationId xmlns:p14="http://schemas.microsoft.com/office/powerpoint/2010/main" val="3168752306"/>
+        <p14:creationId xmlns:p14="http://schemas.microsoft.com/office/powerpoint/2010/main" val="3882095615"/>
       </p:ext>
     </p:extLst>
   </p:cSld>
   <p:clrMapOvr>
     <a:masterClrMapping/>
   </p:clrMapOvr>
-  <p:timing>
-    <p:tnLst>
-      <p:par>
-        <p:cTn id="1" dur="indefinite" restart="never" nodeType="tmRoot"/>
-      </p:par>
-    </p:tnLst>
-  </p:timing>
 </p:sld>
 </file>
 
@@ -33883,8 +34095,8 @@
           <a:p>
             <a:pPr marL="0" lvl="0" indent="0"/>
             <a:r>
-              <a:rPr lang="pt-BR" sz="1400" dirty="0" smtClean="0"/>
-              <a:t>Visualização bidimensional da variável alvo através de PCA (Variância Explicada de 38%)</a:t>
+              <a:rPr lang="pt-BR" sz="1400" dirty="0"/>
+              <a:t>Arvore de decisão do modelo</a:t>
             </a:r>
             <a:endParaRPr sz="1400" dirty="0">
               <a:solidFill>
@@ -33896,7 +34108,13 @@
       </p:sp>
       <p:pic>
         <p:nvPicPr>
-          <p:cNvPr id="2" name="Picture 1"/>
+          <p:cNvPr id="4" name="Imagem 3">
+            <a:extLst>
+              <a:ext uri="{FF2B5EF4-FFF2-40B4-BE49-F238E27FC236}">
+                <a16:creationId xmlns:a16="http://schemas.microsoft.com/office/drawing/2014/main" id="{A3521D33-D3C9-4872-8971-E8173BF85E5C}"/>
+              </a:ext>
+            </a:extLst>
+          </p:cNvPr>
           <p:cNvPicPr>
             <a:picLocks noChangeAspect="1"/>
           </p:cNvPicPr>
@@ -33910,8 +34128,8 @@
         </p:blipFill>
         <p:spPr>
           <a:xfrm>
-            <a:off x="1768406" y="0"/>
-            <a:ext cx="6686550" cy="4333875"/>
+            <a:off x="1039104" y="928508"/>
+            <a:ext cx="7885155" cy="3286484"/>
           </a:xfrm>
           <a:prstGeom prst="rect">
             <a:avLst/>
@@ -33921,20 +34139,13 @@
     </p:spTree>
     <p:extLst>
       <p:ext uri="{BB962C8B-B14F-4D97-AF65-F5344CB8AC3E}">
-        <p14:creationId xmlns:p14="http://schemas.microsoft.com/office/powerpoint/2010/main" val="167554841"/>
+        <p14:creationId xmlns:p14="http://schemas.microsoft.com/office/powerpoint/2010/main" val="2428869842"/>
       </p:ext>
     </p:extLst>
   </p:cSld>
   <p:clrMapOvr>
     <a:masterClrMapping/>
   </p:clrMapOvr>
-  <p:timing>
-    <p:tnLst>
-      <p:par>
-        <p:cTn id="1" dur="indefinite" restart="never" nodeType="tmRoot"/>
-      </p:par>
-    </p:tnLst>
-  </p:timing>
 </p:sld>
 </file>
 
@@ -33943,7 +34154,7 @@
   <p:cSld>
     <p:spTree>
       <p:nvGrpSpPr>
-        <p:cNvPr id="1" name="Shape 274"/>
+        <p:cNvPr id="1" name=""/>
         <p:cNvGrpSpPr/>
         <p:nvPr/>
       </p:nvGrpSpPr>
@@ -33957,60 +34168,96 @@
       </p:grpSpPr>
       <p:sp>
         <p:nvSpPr>
-          <p:cNvPr id="275" name="Google Shape;275;p30"/>
-          <p:cNvSpPr txBox="1">
+          <p:cNvPr id="2" name="Espaço Reservado para Texto 1">
+            <a:extLst>
+              <a:ext uri="{FF2B5EF4-FFF2-40B4-BE49-F238E27FC236}">
+                <a16:creationId xmlns:a16="http://schemas.microsoft.com/office/drawing/2014/main" id="{7B57A469-7F3B-41BE-8A9B-4BC0DBBE9A05}"/>
+              </a:ext>
+            </a:extLst>
+          </p:cNvPr>
+          <p:cNvSpPr>
             <a:spLocks noGrp="1"/>
           </p:cNvSpPr>
           <p:nvPr>
             <p:ph type="body" idx="1"/>
           </p:nvPr>
         </p:nvSpPr>
-        <p:spPr>
-          <a:xfrm>
-            <a:off x="1165474" y="4331317"/>
-            <a:ext cx="7892414" cy="434100"/>
-          </a:xfrm>
-          <a:prstGeom prst="rect">
-            <a:avLst/>
-          </a:prstGeom>
-        </p:spPr>
+        <p:spPr/>
         <p:txBody>
-          <a:bodyPr spcFirstLastPara="1" wrap="square" lIns="91425" tIns="91425" rIns="91425" bIns="91425" anchor="t" anchorCtr="0">
-            <a:noAutofit/>
-          </a:bodyPr>
+          <a:bodyPr/>
           <a:lstStyle/>
           <a:p>
-            <a:pPr marL="0" lvl="0" indent="0"/>
+            <a:pPr marL="0" indent="0"/>
             <a:r>
-              <a:rPr lang="pt-BR" sz="1400" dirty="0" smtClean="0"/>
-              <a:t>Visualização bidimensional das previsões</a:t>
+              <a:rPr lang="pt-BR" sz="1400" dirty="0"/>
+              <a:t>Árvore única X Floresta</a:t>
             </a:r>
-            <a:endParaRPr sz="1400" dirty="0">
-              <a:solidFill>
-                <a:srgbClr val="F3F3F3"/>
-              </a:solidFill>
-            </a:endParaRPr>
+            <a:endParaRPr lang="en-US" sz="1400" dirty="0"/>
+          </a:p>
+        </p:txBody>
+      </p:sp>
+      <p:sp>
+        <p:nvSpPr>
+          <p:cNvPr id="3" name="Espaço Reservado para Número de Slide 2">
+            <a:extLst>
+              <a:ext uri="{FF2B5EF4-FFF2-40B4-BE49-F238E27FC236}">
+                <a16:creationId xmlns:a16="http://schemas.microsoft.com/office/drawing/2014/main" id="{BF47341B-0FCE-4E26-8A98-CBDC6B5445B8}"/>
+              </a:ext>
+            </a:extLst>
+          </p:cNvPr>
+          <p:cNvSpPr>
+            <a:spLocks noGrp="1"/>
+          </p:cNvSpPr>
+          <p:nvPr>
+            <p:ph type="sldNum" idx="12"/>
+          </p:nvPr>
+        </p:nvSpPr>
+        <p:spPr/>
+        <p:txBody>
+          <a:bodyPr/>
+          <a:lstStyle/>
+          <a:p>
+            <a:pPr marL="0" lvl="0" indent="0" algn="r" rtl="0">
+              <a:spcBef>
+                <a:spcPts val="0"/>
+              </a:spcBef>
+              <a:spcAft>
+                <a:spcPts val="0"/>
+              </a:spcAft>
+              <a:buNone/>
+            </a:pPr>
+            <a:fld id="{00000000-1234-1234-1234-123412341234}" type="slidenum">
+              <a:rPr lang="en-US" smtClean="0"/>
+              <a:t>44</a:t>
+            </a:fld>
+            <a:endParaRPr lang="en-US"/>
           </a:p>
         </p:txBody>
       </p:sp>
       <p:pic>
         <p:nvPicPr>
-          <p:cNvPr id="2" name="Picture 1"/>
+          <p:cNvPr id="5" name="Imagem 4">
+            <a:extLst>
+              <a:ext uri="{FF2B5EF4-FFF2-40B4-BE49-F238E27FC236}">
+                <a16:creationId xmlns:a16="http://schemas.microsoft.com/office/drawing/2014/main" id="{DA15430E-5067-4109-9F61-5056163D63DF}"/>
+              </a:ext>
+            </a:extLst>
+          </p:cNvPr>
           <p:cNvPicPr>
             <a:picLocks noChangeAspect="1"/>
           </p:cNvPicPr>
           <p:nvPr/>
         </p:nvPicPr>
         <p:blipFill>
-          <a:blip r:embed="rId3"/>
+          <a:blip r:embed="rId2"/>
           <a:stretch>
             <a:fillRect/>
           </a:stretch>
         </p:blipFill>
         <p:spPr>
           <a:xfrm>
-            <a:off x="1763643" y="0"/>
-            <a:ext cx="6696075" cy="4343400"/>
+            <a:off x="1250281" y="858126"/>
+            <a:ext cx="6798796" cy="3473191"/>
           </a:xfrm>
           <a:prstGeom prst="rect">
             <a:avLst/>
@@ -34020,20 +34267,13 @@
     </p:spTree>
     <p:extLst>
       <p:ext uri="{BB962C8B-B14F-4D97-AF65-F5344CB8AC3E}">
-        <p14:creationId xmlns:p14="http://schemas.microsoft.com/office/powerpoint/2010/main" val="3244032261"/>
+        <p14:creationId xmlns:p14="http://schemas.microsoft.com/office/powerpoint/2010/main" val="934592533"/>
       </p:ext>
     </p:extLst>
   </p:cSld>
   <p:clrMapOvr>
     <a:masterClrMapping/>
   </p:clrMapOvr>
-  <p:timing>
-    <p:tnLst>
-      <p:par>
-        <p:cTn id="1" dur="indefinite" restart="never" nodeType="tmRoot"/>
-      </p:par>
-    </p:tnLst>
-  </p:timing>
 </p:sld>
 </file>
 
@@ -34042,7 +34282,7 @@
   <p:cSld>
     <p:spTree>
       <p:nvGrpSpPr>
-        <p:cNvPr id="1" name="Shape 274"/>
+        <p:cNvPr id="1" name="Shape 93"/>
         <p:cNvGrpSpPr/>
         <p:nvPr/>
       </p:nvGrpSpPr>
@@ -34056,18 +34296,60 @@
       </p:grpSpPr>
       <p:sp>
         <p:nvSpPr>
-          <p:cNvPr id="275" name="Google Shape;275;p30"/>
+          <p:cNvPr id="94" name="Google Shape;94;p15"/>
           <p:cNvSpPr txBox="1">
             <a:spLocks noGrp="1"/>
           </p:cNvSpPr>
           <p:nvPr>
-            <p:ph type="body" idx="1"/>
+            <p:ph type="ctrTitle"/>
           </p:nvPr>
         </p:nvSpPr>
         <p:spPr>
           <a:xfrm>
-            <a:off x="1165474" y="4331317"/>
-            <a:ext cx="7892414" cy="434100"/>
+            <a:off x="1530175" y="2307788"/>
+            <a:ext cx="6767100" cy="532200"/>
+          </a:xfrm>
+          <a:prstGeom prst="rect">
+            <a:avLst/>
+          </a:prstGeom>
+        </p:spPr>
+        <p:txBody>
+          <a:bodyPr spcFirstLastPara="1" wrap="square" lIns="91425" tIns="91425" rIns="91425" bIns="91425" anchor="ctr" anchorCtr="0">
+            <a:noAutofit/>
+          </a:bodyPr>
+          <a:lstStyle/>
+          <a:p>
+            <a:pPr marL="0" lvl="0" indent="0" algn="l" rtl="0">
+              <a:spcBef>
+                <a:spcPts val="0"/>
+              </a:spcBef>
+              <a:spcAft>
+                <a:spcPts val="0"/>
+              </a:spcAft>
+              <a:buNone/>
+            </a:pPr>
+            <a:r>
+              <a:rPr lang="en" dirty="0"/>
+              <a:t>Redução de dimensionalidade</a:t>
+            </a:r>
+            <a:endParaRPr dirty="0"/>
+          </a:p>
+        </p:txBody>
+      </p:sp>
+      <p:sp>
+        <p:nvSpPr>
+          <p:cNvPr id="95" name="Google Shape;95;p15"/>
+          <p:cNvSpPr txBox="1">
+            <a:spLocks noGrp="1"/>
+          </p:cNvSpPr>
+          <p:nvPr>
+            <p:ph type="subTitle" idx="1"/>
+          </p:nvPr>
+        </p:nvSpPr>
+        <p:spPr>
+          <a:xfrm>
+            <a:off x="1567326" y="2782913"/>
+            <a:ext cx="6927900" cy="353100"/>
           </a:xfrm>
           <a:prstGeom prst="rect">
             <a:avLst/>
@@ -34079,60 +34361,87 @@
           </a:bodyPr>
           <a:lstStyle/>
           <a:p>
-            <a:pPr marL="0" lvl="0" indent="0"/>
+            <a:pPr marL="0" lvl="0" indent="0" algn="l" rtl="0">
+              <a:spcBef>
+                <a:spcPts val="0"/>
+              </a:spcBef>
+              <a:spcAft>
+                <a:spcPts val="0"/>
+              </a:spcAft>
+              <a:buNone/>
+            </a:pPr>
             <a:r>
-              <a:rPr lang="pt-BR" sz="1400" dirty="0" smtClean="0"/>
-              <a:t>Visualização bidimensional da Renda Mensal familiar</a:t>
+              <a:rPr lang="en" dirty="0"/>
+              <a:t>Usando PCA (</a:t>
             </a:r>
-            <a:endParaRPr sz="1400" dirty="0">
+            <a:r>
+              <a:rPr lang="en" i="1" dirty="0"/>
+              <a:t>Principal Component Analysis</a:t>
+            </a:r>
+            <a:r>
+              <a:rPr lang="en" dirty="0"/>
+              <a:t>) para visualização bidimensional dos dados</a:t>
+            </a:r>
+            <a:endParaRPr dirty="0"/>
+          </a:p>
+        </p:txBody>
+      </p:sp>
+      <p:sp>
+        <p:nvSpPr>
+          <p:cNvPr id="96" name="Google Shape;96;p15"/>
+          <p:cNvSpPr txBox="1"/>
+          <p:nvPr/>
+        </p:nvSpPr>
+        <p:spPr>
+          <a:xfrm>
+            <a:off x="526358" y="2279925"/>
+            <a:ext cx="802500" cy="589800"/>
+          </a:xfrm>
+          <a:prstGeom prst="rect">
+            <a:avLst/>
+          </a:prstGeom>
+          <a:noFill/>
+          <a:ln>
+            <a:noFill/>
+          </a:ln>
+        </p:spPr>
+        <p:txBody>
+          <a:bodyPr spcFirstLastPara="1" wrap="square" lIns="91425" tIns="91425" rIns="91425" bIns="91425" anchor="ctr" anchorCtr="0">
+            <a:noAutofit/>
+          </a:bodyPr>
+          <a:lstStyle/>
+          <a:p>
+            <a:pPr marL="0" lvl="0" indent="0" algn="ctr" rtl="0">
+              <a:spcBef>
+                <a:spcPts val="0"/>
+              </a:spcBef>
+              <a:spcAft>
+                <a:spcPts val="0"/>
+              </a:spcAft>
+              <a:buNone/>
+            </a:pPr>
+            <a:endParaRPr sz="3000" dirty="0">
               <a:solidFill>
-                <a:srgbClr val="F3F3F3"/>
+                <a:srgbClr val="2E3037"/>
               </a:solidFill>
+              <a:latin typeface="Quicksand"/>
+              <a:ea typeface="Quicksand"/>
+              <a:cs typeface="Quicksand"/>
+              <a:sym typeface="Quicksand"/>
             </a:endParaRPr>
           </a:p>
         </p:txBody>
       </p:sp>
-      <p:pic>
-        <p:nvPicPr>
-          <p:cNvPr id="3" name="Picture 2"/>
-          <p:cNvPicPr>
-            <a:picLocks noChangeAspect="1"/>
-          </p:cNvPicPr>
-          <p:nvPr/>
-        </p:nvPicPr>
-        <p:blipFill>
-          <a:blip r:embed="rId3"/>
-          <a:stretch>
-            <a:fillRect/>
-          </a:stretch>
-        </p:blipFill>
-        <p:spPr>
-          <a:xfrm>
-            <a:off x="1758881" y="0"/>
-            <a:ext cx="6705600" cy="4343400"/>
-          </a:xfrm>
-          <a:prstGeom prst="rect">
-            <a:avLst/>
-          </a:prstGeom>
-        </p:spPr>
-      </p:pic>
     </p:spTree>
     <p:extLst>
       <p:ext uri="{BB962C8B-B14F-4D97-AF65-F5344CB8AC3E}">
-        <p14:creationId xmlns:p14="http://schemas.microsoft.com/office/powerpoint/2010/main" val="1560109330"/>
+        <p14:creationId xmlns:p14="http://schemas.microsoft.com/office/powerpoint/2010/main" val="3168752306"/>
       </p:ext>
     </p:extLst>
   </p:cSld>
   <p:clrMapOvr>
     <a:masterClrMapping/>
   </p:clrMapOvr>
-  <p:timing>
-    <p:tnLst>
-      <p:par>
-        <p:cTn id="1" dur="indefinite" restart="never" nodeType="tmRoot"/>
-      </p:par>
-    </p:tnLst>
-  </p:timing>
 </p:sld>
 </file>
 
@@ -34180,7 +34489,283 @@
           <a:p>
             <a:pPr marL="0" lvl="0" indent="0"/>
             <a:r>
-              <a:rPr lang="pt-BR" sz="1400" dirty="0" smtClean="0"/>
+              <a:rPr lang="pt-BR" sz="1400" dirty="0"/>
+              <a:t>Visualização bidimensional da variável alvo através de PCA (Variância Explicada de 38%)</a:t>
+            </a:r>
+            <a:endParaRPr sz="1400" dirty="0">
+              <a:solidFill>
+                <a:srgbClr val="F3F3F3"/>
+              </a:solidFill>
+            </a:endParaRPr>
+          </a:p>
+        </p:txBody>
+      </p:sp>
+      <p:pic>
+        <p:nvPicPr>
+          <p:cNvPr id="2" name="Picture 1"/>
+          <p:cNvPicPr>
+            <a:picLocks noChangeAspect="1"/>
+          </p:cNvPicPr>
+          <p:nvPr/>
+        </p:nvPicPr>
+        <p:blipFill>
+          <a:blip r:embed="rId3"/>
+          <a:stretch>
+            <a:fillRect/>
+          </a:stretch>
+        </p:blipFill>
+        <p:spPr>
+          <a:xfrm>
+            <a:off x="1768406" y="0"/>
+            <a:ext cx="6686550" cy="4333875"/>
+          </a:xfrm>
+          <a:prstGeom prst="rect">
+            <a:avLst/>
+          </a:prstGeom>
+        </p:spPr>
+      </p:pic>
+    </p:spTree>
+    <p:extLst>
+      <p:ext uri="{BB962C8B-B14F-4D97-AF65-F5344CB8AC3E}">
+        <p14:creationId xmlns:p14="http://schemas.microsoft.com/office/powerpoint/2010/main" val="167554841"/>
+      </p:ext>
+    </p:extLst>
+  </p:cSld>
+  <p:clrMapOvr>
+    <a:masterClrMapping/>
+  </p:clrMapOvr>
+</p:sld>
+</file>
+
+<file path=ppt/slides/slide47.xml><?xml version="1.0" encoding="utf-8"?>
+<p:sld xmlns:a="http://schemas.openxmlformats.org/drawingml/2006/main" xmlns:r="http://schemas.openxmlformats.org/officeDocument/2006/relationships" xmlns:p="http://schemas.openxmlformats.org/presentationml/2006/main">
+  <p:cSld>
+    <p:spTree>
+      <p:nvGrpSpPr>
+        <p:cNvPr id="1" name="Shape 274"/>
+        <p:cNvGrpSpPr/>
+        <p:nvPr/>
+      </p:nvGrpSpPr>
+      <p:grpSpPr>
+        <a:xfrm>
+          <a:off x="0" y="0"/>
+          <a:ext cx="0" cy="0"/>
+          <a:chOff x="0" y="0"/>
+          <a:chExt cx="0" cy="0"/>
+        </a:xfrm>
+      </p:grpSpPr>
+      <p:sp>
+        <p:nvSpPr>
+          <p:cNvPr id="275" name="Google Shape;275;p30"/>
+          <p:cNvSpPr txBox="1">
+            <a:spLocks noGrp="1"/>
+          </p:cNvSpPr>
+          <p:nvPr>
+            <p:ph type="body" idx="1"/>
+          </p:nvPr>
+        </p:nvSpPr>
+        <p:spPr>
+          <a:xfrm>
+            <a:off x="1165474" y="4331317"/>
+            <a:ext cx="7892414" cy="434100"/>
+          </a:xfrm>
+          <a:prstGeom prst="rect">
+            <a:avLst/>
+          </a:prstGeom>
+        </p:spPr>
+        <p:txBody>
+          <a:bodyPr spcFirstLastPara="1" wrap="square" lIns="91425" tIns="91425" rIns="91425" bIns="91425" anchor="t" anchorCtr="0">
+            <a:noAutofit/>
+          </a:bodyPr>
+          <a:lstStyle/>
+          <a:p>
+            <a:pPr marL="0" lvl="0" indent="0"/>
+            <a:r>
+              <a:rPr lang="pt-BR" sz="1400" dirty="0"/>
+              <a:t>Visualização bidimensional das previsões</a:t>
+            </a:r>
+            <a:endParaRPr sz="1400" dirty="0">
+              <a:solidFill>
+                <a:srgbClr val="F3F3F3"/>
+              </a:solidFill>
+            </a:endParaRPr>
+          </a:p>
+        </p:txBody>
+      </p:sp>
+      <p:pic>
+        <p:nvPicPr>
+          <p:cNvPr id="2" name="Picture 1"/>
+          <p:cNvPicPr>
+            <a:picLocks noChangeAspect="1"/>
+          </p:cNvPicPr>
+          <p:nvPr/>
+        </p:nvPicPr>
+        <p:blipFill>
+          <a:blip r:embed="rId3"/>
+          <a:stretch>
+            <a:fillRect/>
+          </a:stretch>
+        </p:blipFill>
+        <p:spPr>
+          <a:xfrm>
+            <a:off x="1763643" y="0"/>
+            <a:ext cx="6696075" cy="4343400"/>
+          </a:xfrm>
+          <a:prstGeom prst="rect">
+            <a:avLst/>
+          </a:prstGeom>
+        </p:spPr>
+      </p:pic>
+    </p:spTree>
+    <p:extLst>
+      <p:ext uri="{BB962C8B-B14F-4D97-AF65-F5344CB8AC3E}">
+        <p14:creationId xmlns:p14="http://schemas.microsoft.com/office/powerpoint/2010/main" val="3244032261"/>
+      </p:ext>
+    </p:extLst>
+  </p:cSld>
+  <p:clrMapOvr>
+    <a:masterClrMapping/>
+  </p:clrMapOvr>
+</p:sld>
+</file>
+
+<file path=ppt/slides/slide48.xml><?xml version="1.0" encoding="utf-8"?>
+<p:sld xmlns:a="http://schemas.openxmlformats.org/drawingml/2006/main" xmlns:r="http://schemas.openxmlformats.org/officeDocument/2006/relationships" xmlns:p="http://schemas.openxmlformats.org/presentationml/2006/main">
+  <p:cSld>
+    <p:spTree>
+      <p:nvGrpSpPr>
+        <p:cNvPr id="1" name="Shape 274"/>
+        <p:cNvGrpSpPr/>
+        <p:nvPr/>
+      </p:nvGrpSpPr>
+      <p:grpSpPr>
+        <a:xfrm>
+          <a:off x="0" y="0"/>
+          <a:ext cx="0" cy="0"/>
+          <a:chOff x="0" y="0"/>
+          <a:chExt cx="0" cy="0"/>
+        </a:xfrm>
+      </p:grpSpPr>
+      <p:sp>
+        <p:nvSpPr>
+          <p:cNvPr id="275" name="Google Shape;275;p30"/>
+          <p:cNvSpPr txBox="1">
+            <a:spLocks noGrp="1"/>
+          </p:cNvSpPr>
+          <p:nvPr>
+            <p:ph type="body" idx="1"/>
+          </p:nvPr>
+        </p:nvSpPr>
+        <p:spPr>
+          <a:xfrm>
+            <a:off x="1165474" y="4331317"/>
+            <a:ext cx="7892414" cy="434100"/>
+          </a:xfrm>
+          <a:prstGeom prst="rect">
+            <a:avLst/>
+          </a:prstGeom>
+        </p:spPr>
+        <p:txBody>
+          <a:bodyPr spcFirstLastPara="1" wrap="square" lIns="91425" tIns="91425" rIns="91425" bIns="91425" anchor="t" anchorCtr="0">
+            <a:noAutofit/>
+          </a:bodyPr>
+          <a:lstStyle/>
+          <a:p>
+            <a:pPr marL="0" lvl="0" indent="0"/>
+            <a:r>
+              <a:rPr lang="pt-BR" sz="1400" dirty="0"/>
+              <a:t>Visualização bidimensional da Renda Mensal familiar</a:t>
+            </a:r>
+            <a:endParaRPr sz="1400" dirty="0">
+              <a:solidFill>
+                <a:srgbClr val="F3F3F3"/>
+              </a:solidFill>
+            </a:endParaRPr>
+          </a:p>
+        </p:txBody>
+      </p:sp>
+      <p:pic>
+        <p:nvPicPr>
+          <p:cNvPr id="3" name="Picture 2"/>
+          <p:cNvPicPr>
+            <a:picLocks noChangeAspect="1"/>
+          </p:cNvPicPr>
+          <p:nvPr/>
+        </p:nvPicPr>
+        <p:blipFill>
+          <a:blip r:embed="rId3"/>
+          <a:stretch>
+            <a:fillRect/>
+          </a:stretch>
+        </p:blipFill>
+        <p:spPr>
+          <a:xfrm>
+            <a:off x="1758881" y="0"/>
+            <a:ext cx="6705600" cy="4343400"/>
+          </a:xfrm>
+          <a:prstGeom prst="rect">
+            <a:avLst/>
+          </a:prstGeom>
+        </p:spPr>
+      </p:pic>
+    </p:spTree>
+    <p:extLst>
+      <p:ext uri="{BB962C8B-B14F-4D97-AF65-F5344CB8AC3E}">
+        <p14:creationId xmlns:p14="http://schemas.microsoft.com/office/powerpoint/2010/main" val="1560109330"/>
+      </p:ext>
+    </p:extLst>
+  </p:cSld>
+  <p:clrMapOvr>
+    <a:masterClrMapping/>
+  </p:clrMapOvr>
+</p:sld>
+</file>
+
+<file path=ppt/slides/slide49.xml><?xml version="1.0" encoding="utf-8"?>
+<p:sld xmlns:a="http://schemas.openxmlformats.org/drawingml/2006/main" xmlns:r="http://schemas.openxmlformats.org/officeDocument/2006/relationships" xmlns:p="http://schemas.openxmlformats.org/presentationml/2006/main">
+  <p:cSld>
+    <p:spTree>
+      <p:nvGrpSpPr>
+        <p:cNvPr id="1" name="Shape 274"/>
+        <p:cNvGrpSpPr/>
+        <p:nvPr/>
+      </p:nvGrpSpPr>
+      <p:grpSpPr>
+        <a:xfrm>
+          <a:off x="0" y="0"/>
+          <a:ext cx="0" cy="0"/>
+          <a:chOff x="0" y="0"/>
+          <a:chExt cx="0" cy="0"/>
+        </a:xfrm>
+      </p:grpSpPr>
+      <p:sp>
+        <p:nvSpPr>
+          <p:cNvPr id="275" name="Google Shape;275;p30"/>
+          <p:cNvSpPr txBox="1">
+            <a:spLocks noGrp="1"/>
+          </p:cNvSpPr>
+          <p:nvPr>
+            <p:ph type="body" idx="1"/>
+          </p:nvPr>
+        </p:nvSpPr>
+        <p:spPr>
+          <a:xfrm>
+            <a:off x="1165474" y="4331317"/>
+            <a:ext cx="7892414" cy="434100"/>
+          </a:xfrm>
+          <a:prstGeom prst="rect">
+            <a:avLst/>
+          </a:prstGeom>
+        </p:spPr>
+        <p:txBody>
+          <a:bodyPr spcFirstLastPara="1" wrap="square" lIns="91425" tIns="91425" rIns="91425" bIns="91425" anchor="t" anchorCtr="0">
+            <a:noAutofit/>
+          </a:bodyPr>
+          <a:lstStyle/>
+          <a:p>
+            <a:pPr marL="0" lvl="0" indent="0"/>
+            <a:r>
+              <a:rPr lang="pt-BR" sz="1400" dirty="0"/>
               <a:t>Visualização bidimensional da língua estrangeira escolhida</a:t>
             </a:r>
             <a:endParaRPr sz="1400" dirty="0">
@@ -34225,17 +34810,10 @@
   <p:clrMapOvr>
     <a:masterClrMapping/>
   </p:clrMapOvr>
-  <p:timing>
-    <p:tnLst>
-      <p:par>
-        <p:cTn id="1" dur="indefinite" restart="never" nodeType="tmRoot"/>
-      </p:par>
-    </p:tnLst>
-  </p:timing>
 </p:sld>
 </file>
 
-<file path=ppt/slides/slide47.xml><?xml version="1.0" encoding="utf-8"?>
+<file path=ppt/slides/slide5.xml><?xml version="1.0" encoding="utf-8"?>
 <p:sld xmlns:a="http://schemas.openxmlformats.org/drawingml/2006/main" xmlns:r="http://schemas.openxmlformats.org/officeDocument/2006/relationships" xmlns:p="http://schemas.openxmlformats.org/presentationml/2006/main">
   <p:cSld>
     <p:spTree>
@@ -34287,7 +34865,179 @@
               <a:buNone/>
             </a:pPr>
             <a:r>
-              <a:rPr lang="en" dirty="0" smtClean="0"/>
+              <a:rPr lang="en" dirty="0"/>
+              <a:t>Corregamento e pré-processamento</a:t>
+            </a:r>
+            <a:endParaRPr dirty="0"/>
+          </a:p>
+        </p:txBody>
+      </p:sp>
+      <p:sp>
+        <p:nvSpPr>
+          <p:cNvPr id="95" name="Google Shape;95;p15"/>
+          <p:cNvSpPr txBox="1">
+            <a:spLocks noGrp="1"/>
+          </p:cNvSpPr>
+          <p:nvPr>
+            <p:ph type="subTitle" idx="1"/>
+          </p:nvPr>
+        </p:nvSpPr>
+        <p:spPr>
+          <a:xfrm>
+            <a:off x="1567326" y="2782913"/>
+            <a:ext cx="6927900" cy="353100"/>
+          </a:xfrm>
+          <a:prstGeom prst="rect">
+            <a:avLst/>
+          </a:prstGeom>
+        </p:spPr>
+        <p:txBody>
+          <a:bodyPr spcFirstLastPara="1" wrap="square" lIns="91425" tIns="91425" rIns="91425" bIns="91425" anchor="t" anchorCtr="0">
+            <a:noAutofit/>
+          </a:bodyPr>
+          <a:lstStyle/>
+          <a:p>
+            <a:pPr marL="0" lvl="0" indent="0" algn="l" rtl="0">
+              <a:spcBef>
+                <a:spcPts val="0"/>
+              </a:spcBef>
+              <a:spcAft>
+                <a:spcPts val="0"/>
+              </a:spcAft>
+              <a:buNone/>
+            </a:pPr>
+            <a:r>
+              <a:rPr lang="en" dirty="0"/>
+              <a:t>Corregando os dados e realizando os devidos tratamentos</a:t>
+            </a:r>
+            <a:endParaRPr dirty="0"/>
+          </a:p>
+        </p:txBody>
+      </p:sp>
+      <p:sp>
+        <p:nvSpPr>
+          <p:cNvPr id="96" name="Google Shape;96;p15"/>
+          <p:cNvSpPr txBox="1"/>
+          <p:nvPr/>
+        </p:nvSpPr>
+        <p:spPr>
+          <a:xfrm>
+            <a:off x="526358" y="2279925"/>
+            <a:ext cx="802500" cy="589800"/>
+          </a:xfrm>
+          <a:prstGeom prst="rect">
+            <a:avLst/>
+          </a:prstGeom>
+          <a:noFill/>
+          <a:ln>
+            <a:noFill/>
+          </a:ln>
+        </p:spPr>
+        <p:txBody>
+          <a:bodyPr spcFirstLastPara="1" wrap="square" lIns="91425" tIns="91425" rIns="91425" bIns="91425" anchor="ctr" anchorCtr="0">
+            <a:noAutofit/>
+          </a:bodyPr>
+          <a:lstStyle/>
+          <a:p>
+            <a:pPr marL="0" lvl="0" indent="0" algn="ctr" rtl="0">
+              <a:spcBef>
+                <a:spcPts val="0"/>
+              </a:spcBef>
+              <a:spcAft>
+                <a:spcPts val="0"/>
+              </a:spcAft>
+              <a:buNone/>
+            </a:pPr>
+            <a:r>
+              <a:rPr lang="en" sz="3000">
+                <a:solidFill>
+                  <a:srgbClr val="2E3037"/>
+                </a:solidFill>
+                <a:latin typeface="Quicksand"/>
+                <a:ea typeface="Quicksand"/>
+                <a:cs typeface="Quicksand"/>
+                <a:sym typeface="Quicksand"/>
+              </a:rPr>
+              <a:t>1</a:t>
+            </a:r>
+            <a:endParaRPr sz="3000">
+              <a:solidFill>
+                <a:srgbClr val="2E3037"/>
+              </a:solidFill>
+              <a:latin typeface="Quicksand"/>
+              <a:ea typeface="Quicksand"/>
+              <a:cs typeface="Quicksand"/>
+              <a:sym typeface="Quicksand"/>
+            </a:endParaRPr>
+          </a:p>
+        </p:txBody>
+      </p:sp>
+    </p:spTree>
+    <p:extLst>
+      <p:ext uri="{BB962C8B-B14F-4D97-AF65-F5344CB8AC3E}">
+        <p14:creationId xmlns:p14="http://schemas.microsoft.com/office/powerpoint/2010/main" val="1390330183"/>
+      </p:ext>
+    </p:extLst>
+  </p:cSld>
+  <p:clrMapOvr>
+    <a:masterClrMapping/>
+  </p:clrMapOvr>
+</p:sld>
+</file>
+
+<file path=ppt/slides/slide50.xml><?xml version="1.0" encoding="utf-8"?>
+<p:sld xmlns:a="http://schemas.openxmlformats.org/drawingml/2006/main" xmlns:r="http://schemas.openxmlformats.org/officeDocument/2006/relationships" xmlns:p="http://schemas.openxmlformats.org/presentationml/2006/main">
+  <p:cSld>
+    <p:spTree>
+      <p:nvGrpSpPr>
+        <p:cNvPr id="1" name="Shape 93"/>
+        <p:cNvGrpSpPr/>
+        <p:nvPr/>
+      </p:nvGrpSpPr>
+      <p:grpSpPr>
+        <a:xfrm>
+          <a:off x="0" y="0"/>
+          <a:ext cx="0" cy="0"/>
+          <a:chOff x="0" y="0"/>
+          <a:chExt cx="0" cy="0"/>
+        </a:xfrm>
+      </p:grpSpPr>
+      <p:sp>
+        <p:nvSpPr>
+          <p:cNvPr id="94" name="Google Shape;94;p15"/>
+          <p:cNvSpPr txBox="1">
+            <a:spLocks noGrp="1"/>
+          </p:cNvSpPr>
+          <p:nvPr>
+            <p:ph type="ctrTitle"/>
+          </p:nvPr>
+        </p:nvSpPr>
+        <p:spPr>
+          <a:xfrm>
+            <a:off x="1530175" y="2307788"/>
+            <a:ext cx="6767100" cy="532200"/>
+          </a:xfrm>
+          <a:prstGeom prst="rect">
+            <a:avLst/>
+          </a:prstGeom>
+        </p:spPr>
+        <p:txBody>
+          <a:bodyPr spcFirstLastPara="1" wrap="square" lIns="91425" tIns="91425" rIns="91425" bIns="91425" anchor="ctr" anchorCtr="0">
+            <a:noAutofit/>
+          </a:bodyPr>
+          <a:lstStyle/>
+          <a:p>
+            <a:pPr marL="0" lvl="0" indent="0" algn="l" rtl="0">
+              <a:spcBef>
+                <a:spcPts val="0"/>
+              </a:spcBef>
+              <a:spcAft>
+                <a:spcPts val="0"/>
+              </a:spcAft>
+              <a:buNone/>
+            </a:pPr>
+            <a:r>
+              <a:rPr lang="en" dirty="0"/>
               <a:t>Clusterização</a:t>
             </a:r>
             <a:endParaRPr dirty="0"/>
@@ -34329,7 +35079,7 @@
               <a:buNone/>
             </a:pPr>
             <a:r>
-              <a:rPr lang="en" dirty="0" smtClean="0"/>
+              <a:rPr lang="en" dirty="0"/>
               <a:t>Segmentando os candidatos com K-Means</a:t>
             </a:r>
             <a:endParaRPr dirty="0"/>
@@ -34371,7 +35121,7 @@
               <a:buNone/>
             </a:pPr>
             <a:r>
-              <a:rPr lang="en-US" sz="3000" dirty="0" smtClean="0">
+              <a:rPr lang="en-US" sz="3000" dirty="0">
                 <a:solidFill>
                   <a:srgbClr val="2E3037"/>
                 </a:solidFill>
@@ -34404,17 +35154,10 @@
   <p:clrMapOvr>
     <a:masterClrMapping/>
   </p:clrMapOvr>
-  <p:timing>
-    <p:tnLst>
-      <p:par>
-        <p:cTn id="1" dur="indefinite" restart="never" nodeType="tmRoot"/>
-      </p:par>
-    </p:tnLst>
-  </p:timing>
 </p:sld>
 </file>
 
-<file path=ppt/slides/slide48.xml><?xml version="1.0" encoding="utf-8"?>
+<file path=ppt/slides/slide51.xml><?xml version="1.0" encoding="utf-8"?>
 <p:sld xmlns:a="http://schemas.openxmlformats.org/drawingml/2006/main" xmlns:r="http://schemas.openxmlformats.org/officeDocument/2006/relationships" xmlns:p="http://schemas.openxmlformats.org/presentationml/2006/main">
   <p:cSld>
     <p:bg>
@@ -34490,15 +35233,15 @@
           <a:p>
             <a:pPr marL="0" lvl="0" indent="0"/>
             <a:r>
-              <a:rPr lang="pt-BR" sz="1400" dirty="0" smtClean="0"/>
+              <a:rPr lang="pt-BR" sz="1400" dirty="0"/>
               <a:t>Método </a:t>
             </a:r>
             <a:r>
-              <a:rPr lang="pt-BR" sz="1400" dirty="0" err="1" smtClean="0"/>
+              <a:rPr lang="pt-BR" sz="1400" dirty="0" err="1"/>
               <a:t>Elbow</a:t>
             </a:r>
             <a:r>
-              <a:rPr lang="pt-BR" sz="1400" dirty="0" smtClean="0"/>
+              <a:rPr lang="pt-BR" sz="1400" dirty="0"/>
               <a:t> para definição do número de Clusters</a:t>
             </a:r>
             <a:endParaRPr sz="1400" dirty="0">
@@ -34784,18 +35527,13 @@
           <a:p>
             <a:pPr marL="0" indent="0"/>
             <a:r>
-              <a:rPr lang="pt-BR" sz="1400" dirty="0" smtClean="0">
+              <a:rPr lang="pt-BR" sz="1400" dirty="0">
                 <a:solidFill>
                   <a:srgbClr val="F3F3F3"/>
                 </a:solidFill>
               </a:rPr>
               <a:t>Ponto de maior curvatura</a:t>
             </a:r>
-            <a:endParaRPr lang="pt-BR" sz="1400" dirty="0">
-              <a:solidFill>
-                <a:srgbClr val="F3F3F3"/>
-              </a:solidFill>
-            </a:endParaRPr>
           </a:p>
         </p:txBody>
       </p:sp>
@@ -35043,7 +35781,7 @@
 </p:sld>
 </file>
 
-<file path=ppt/slides/slide49.xml><?xml version="1.0" encoding="utf-8"?>
+<file path=ppt/slides/slide52.xml><?xml version="1.0" encoding="utf-8"?>
 <p:sld xmlns:a="http://schemas.openxmlformats.org/drawingml/2006/main" xmlns:r="http://schemas.openxmlformats.org/officeDocument/2006/relationships" xmlns:p="http://schemas.openxmlformats.org/presentationml/2006/main">
   <p:cSld>
     <p:spTree>
@@ -35111,7 +35849,7 @@
           <a:p>
             <a:pPr marL="0" lvl="0" indent="0"/>
             <a:r>
-              <a:rPr lang="pt-BR" sz="1100" dirty="0" smtClean="0"/>
+              <a:rPr lang="pt-BR" sz="1100" dirty="0"/>
               <a:t>Clusters</a:t>
             </a:r>
           </a:p>
@@ -35400,7 +36138,7 @@
           <a:p>
             <a:pPr marL="0" indent="0"/>
             <a:r>
-              <a:rPr lang="pt-BR" sz="1100" dirty="0" smtClean="0"/>
+              <a:rPr lang="pt-BR" sz="1100" dirty="0"/>
               <a:t>Variável Alvo</a:t>
             </a:r>
           </a:p>
@@ -35692,7 +36430,7 @@
               <a:buChar char="•"/>
             </a:pPr>
             <a:r>
-              <a:rPr lang="pt-BR" sz="1100" dirty="0" smtClean="0"/>
+              <a:rPr lang="pt-BR" sz="1100" dirty="0"/>
               <a:t>72% do conjunto de dados</a:t>
             </a:r>
           </a:p>
@@ -35702,7 +36440,7 @@
               <a:buChar char="•"/>
             </a:pPr>
             <a:r>
-              <a:rPr lang="pt-BR" sz="1100" dirty="0" smtClean="0"/>
+              <a:rPr lang="pt-BR" sz="1100" dirty="0"/>
               <a:t>62% abaixo / 38% acima da média</a:t>
             </a:r>
           </a:p>
@@ -36024,7 +36762,7 @@
           <a:p>
             <a:pPr marL="0" indent="0"/>
             <a:r>
-              <a:rPr lang="pt-BR" sz="1200" dirty="0" smtClean="0"/>
+              <a:rPr lang="pt-BR" sz="1200" dirty="0"/>
               <a:t>Estatísticas do Cluster 1:</a:t>
             </a:r>
             <a:endParaRPr lang="pt-BR" sz="1200" dirty="0">
@@ -36313,7 +37051,7 @@
               <a:buChar char="•"/>
             </a:pPr>
             <a:r>
-              <a:rPr lang="pt-BR" sz="1100" dirty="0" smtClean="0"/>
+              <a:rPr lang="pt-BR" sz="1100" dirty="0"/>
               <a:t>28% do conjunto de dados</a:t>
             </a:r>
           </a:p>
@@ -36323,24 +37061,8 @@
               <a:buChar char="•"/>
             </a:pPr>
             <a:r>
-              <a:rPr lang="pt-BR" sz="1100" dirty="0" smtClean="0"/>
-              <a:t>20% abaixo </a:t>
-            </a:r>
-            <a:r>
               <a:rPr lang="pt-BR" sz="1100" dirty="0"/>
-              <a:t>/ </a:t>
-            </a:r>
-            <a:r>
-              <a:rPr lang="pt-BR" sz="1100" dirty="0" smtClean="0"/>
-              <a:t>80% </a:t>
-            </a:r>
-            <a:r>
-              <a:rPr lang="pt-BR" sz="1100" dirty="0"/>
-              <a:t>acima da </a:t>
-            </a:r>
-            <a:r>
-              <a:rPr lang="pt-BR" sz="1100" dirty="0" smtClean="0"/>
-              <a:t>média</a:t>
+              <a:t>20% abaixo / 80% acima da média</a:t>
             </a:r>
           </a:p>
           <a:p>
@@ -36352,7 +37074,7 @@
           </a:p>
           <a:p>
             <a:pPr marL="0" indent="0"/>
-            <a:endParaRPr lang="pt-BR" sz="1100" dirty="0" smtClean="0"/>
+            <a:endParaRPr lang="pt-BR" sz="1100" dirty="0"/>
           </a:p>
           <a:p>
             <a:pPr marL="171450" indent="-171450">
@@ -36642,7 +37364,7 @@
           <a:p>
             <a:pPr marL="0" indent="0"/>
             <a:r>
-              <a:rPr lang="pt-BR" sz="1200" dirty="0" smtClean="0"/>
+              <a:rPr lang="pt-BR" sz="1200" dirty="0"/>
               <a:t>Estatísticas do Cluster 0:</a:t>
             </a:r>
             <a:endParaRPr lang="pt-BR" sz="1200" dirty="0">
@@ -36963,7 +37685,7 @@
           <a:p>
             <a:pPr marL="0" indent="0"/>
             <a:r>
-              <a:rPr lang="pt-BR" sz="1400" dirty="0" smtClean="0"/>
+              <a:rPr lang="pt-BR" sz="1400" dirty="0"/>
               <a:t>Dividindo o conjunto de dados em dois Clusters</a:t>
             </a:r>
             <a:endParaRPr lang="pt-BR" sz="1400" dirty="0">
@@ -37394,186 +38116,7 @@
 </p:sld>
 </file>
 
-<file path=ppt/slides/slide5.xml><?xml version="1.0" encoding="utf-8"?>
-<p:sld xmlns:a="http://schemas.openxmlformats.org/drawingml/2006/main" xmlns:r="http://schemas.openxmlformats.org/officeDocument/2006/relationships" xmlns:p="http://schemas.openxmlformats.org/presentationml/2006/main">
-  <p:cSld>
-    <p:spTree>
-      <p:nvGrpSpPr>
-        <p:cNvPr id="1" name="Shape 93"/>
-        <p:cNvGrpSpPr/>
-        <p:nvPr/>
-      </p:nvGrpSpPr>
-      <p:grpSpPr>
-        <a:xfrm>
-          <a:off x="0" y="0"/>
-          <a:ext cx="0" cy="0"/>
-          <a:chOff x="0" y="0"/>
-          <a:chExt cx="0" cy="0"/>
-        </a:xfrm>
-      </p:grpSpPr>
-      <p:sp>
-        <p:nvSpPr>
-          <p:cNvPr id="94" name="Google Shape;94;p15"/>
-          <p:cNvSpPr txBox="1">
-            <a:spLocks noGrp="1"/>
-          </p:cNvSpPr>
-          <p:nvPr>
-            <p:ph type="ctrTitle"/>
-          </p:nvPr>
-        </p:nvSpPr>
-        <p:spPr>
-          <a:xfrm>
-            <a:off x="1530175" y="2307788"/>
-            <a:ext cx="6767100" cy="532200"/>
-          </a:xfrm>
-          <a:prstGeom prst="rect">
-            <a:avLst/>
-          </a:prstGeom>
-        </p:spPr>
-        <p:txBody>
-          <a:bodyPr spcFirstLastPara="1" wrap="square" lIns="91425" tIns="91425" rIns="91425" bIns="91425" anchor="ctr" anchorCtr="0">
-            <a:noAutofit/>
-          </a:bodyPr>
-          <a:lstStyle/>
-          <a:p>
-            <a:pPr marL="0" lvl="0" indent="0" algn="l" rtl="0">
-              <a:spcBef>
-                <a:spcPts val="0"/>
-              </a:spcBef>
-              <a:spcAft>
-                <a:spcPts val="0"/>
-              </a:spcAft>
-              <a:buNone/>
-            </a:pPr>
-            <a:r>
-              <a:rPr lang="en" dirty="0" smtClean="0"/>
-              <a:t>Corregamento e pré-processamento</a:t>
-            </a:r>
-            <a:endParaRPr dirty="0"/>
-          </a:p>
-        </p:txBody>
-      </p:sp>
-      <p:sp>
-        <p:nvSpPr>
-          <p:cNvPr id="95" name="Google Shape;95;p15"/>
-          <p:cNvSpPr txBox="1">
-            <a:spLocks noGrp="1"/>
-          </p:cNvSpPr>
-          <p:nvPr>
-            <p:ph type="subTitle" idx="1"/>
-          </p:nvPr>
-        </p:nvSpPr>
-        <p:spPr>
-          <a:xfrm>
-            <a:off x="1567326" y="2782913"/>
-            <a:ext cx="6927900" cy="353100"/>
-          </a:xfrm>
-          <a:prstGeom prst="rect">
-            <a:avLst/>
-          </a:prstGeom>
-        </p:spPr>
-        <p:txBody>
-          <a:bodyPr spcFirstLastPara="1" wrap="square" lIns="91425" tIns="91425" rIns="91425" bIns="91425" anchor="t" anchorCtr="0">
-            <a:noAutofit/>
-          </a:bodyPr>
-          <a:lstStyle/>
-          <a:p>
-            <a:pPr marL="0" lvl="0" indent="0" algn="l" rtl="0">
-              <a:spcBef>
-                <a:spcPts val="0"/>
-              </a:spcBef>
-              <a:spcAft>
-                <a:spcPts val="0"/>
-              </a:spcAft>
-              <a:buNone/>
-            </a:pPr>
-            <a:r>
-              <a:rPr lang="en" dirty="0" smtClean="0"/>
-              <a:t>Corregando os dados e realizando os devidos tratamentos</a:t>
-            </a:r>
-            <a:endParaRPr dirty="0"/>
-          </a:p>
-        </p:txBody>
-      </p:sp>
-      <p:sp>
-        <p:nvSpPr>
-          <p:cNvPr id="96" name="Google Shape;96;p15"/>
-          <p:cNvSpPr txBox="1"/>
-          <p:nvPr/>
-        </p:nvSpPr>
-        <p:spPr>
-          <a:xfrm>
-            <a:off x="526358" y="2279925"/>
-            <a:ext cx="802500" cy="589800"/>
-          </a:xfrm>
-          <a:prstGeom prst="rect">
-            <a:avLst/>
-          </a:prstGeom>
-          <a:noFill/>
-          <a:ln>
-            <a:noFill/>
-          </a:ln>
-        </p:spPr>
-        <p:txBody>
-          <a:bodyPr spcFirstLastPara="1" wrap="square" lIns="91425" tIns="91425" rIns="91425" bIns="91425" anchor="ctr" anchorCtr="0">
-            <a:noAutofit/>
-          </a:bodyPr>
-          <a:lstStyle/>
-          <a:p>
-            <a:pPr marL="0" lvl="0" indent="0" algn="ctr" rtl="0">
-              <a:spcBef>
-                <a:spcPts val="0"/>
-              </a:spcBef>
-              <a:spcAft>
-                <a:spcPts val="0"/>
-              </a:spcAft>
-              <a:buNone/>
-            </a:pPr>
-            <a:r>
-              <a:rPr lang="en" sz="3000">
-                <a:solidFill>
-                  <a:srgbClr val="2E3037"/>
-                </a:solidFill>
-                <a:latin typeface="Quicksand"/>
-                <a:ea typeface="Quicksand"/>
-                <a:cs typeface="Quicksand"/>
-                <a:sym typeface="Quicksand"/>
-              </a:rPr>
-              <a:t>1</a:t>
-            </a:r>
-            <a:endParaRPr sz="3000">
-              <a:solidFill>
-                <a:srgbClr val="2E3037"/>
-              </a:solidFill>
-              <a:latin typeface="Quicksand"/>
-              <a:ea typeface="Quicksand"/>
-              <a:cs typeface="Quicksand"/>
-              <a:sym typeface="Quicksand"/>
-            </a:endParaRPr>
-          </a:p>
-        </p:txBody>
-      </p:sp>
-    </p:spTree>
-    <p:extLst>
-      <p:ext uri="{BB962C8B-B14F-4D97-AF65-F5344CB8AC3E}">
-        <p14:creationId xmlns:p14="http://schemas.microsoft.com/office/powerpoint/2010/main" val="1390330183"/>
-      </p:ext>
-    </p:extLst>
-  </p:cSld>
-  <p:clrMapOvr>
-    <a:masterClrMapping/>
-  </p:clrMapOvr>
-  <p:timing>
-    <p:tnLst>
-      <p:par>
-        <p:cTn id="1" dur="indefinite" restart="never" nodeType="tmRoot"/>
-      </p:par>
-    </p:tnLst>
-  </p:timing>
-</p:sld>
-</file>
-
-<file path=ppt/slides/slide50.xml><?xml version="1.0" encoding="utf-8"?>
+<file path=ppt/slides/slide53.xml><?xml version="1.0" encoding="utf-8"?>
 <p:sld xmlns:a="http://schemas.openxmlformats.org/drawingml/2006/main" xmlns:r="http://schemas.openxmlformats.org/officeDocument/2006/relationships" xmlns:p="http://schemas.openxmlformats.org/presentationml/2006/main">
   <p:cSld>
     <p:spTree>
@@ -37641,7 +38184,7 @@
           <a:p>
             <a:pPr marL="0" lvl="0" indent="0"/>
             <a:r>
-              <a:rPr lang="pt-BR" sz="1100" dirty="0" smtClean="0"/>
+              <a:rPr lang="pt-BR" sz="1100" dirty="0"/>
               <a:t>Clusters</a:t>
             </a:r>
           </a:p>
@@ -37930,7 +38473,7 @@
           <a:p>
             <a:pPr marL="0" indent="0"/>
             <a:r>
-              <a:rPr lang="pt-BR" sz="1100" dirty="0" smtClean="0"/>
+              <a:rPr lang="pt-BR" sz="1100" dirty="0"/>
               <a:t>Variável Alvo</a:t>
             </a:r>
           </a:p>
@@ -38222,7 +38765,7 @@
               <a:buChar char="•"/>
             </a:pPr>
             <a:r>
-              <a:rPr lang="pt-BR" sz="900" dirty="0" smtClean="0"/>
+              <a:rPr lang="pt-BR" sz="900" dirty="0"/>
               <a:t>47% do conjunto de dados</a:t>
             </a:r>
           </a:p>
@@ -38232,13 +38775,13 @@
               <a:buChar char="•"/>
             </a:pPr>
             <a:r>
-              <a:rPr lang="pt-BR" sz="900" dirty="0" smtClean="0"/>
+              <a:rPr lang="pt-BR" sz="900" dirty="0"/>
               <a:t>70% abaixo / 30% acima da média</a:t>
             </a:r>
           </a:p>
           <a:p>
             <a:pPr marL="0" indent="0"/>
-            <a:endParaRPr lang="pt-BR" sz="900" dirty="0" smtClean="0"/>
+            <a:endParaRPr lang="pt-BR" sz="900" dirty="0"/>
           </a:p>
           <a:p>
             <a:pPr marL="171450" indent="-171450">
@@ -38561,7 +39104,7 @@
           <a:p>
             <a:pPr marL="0" indent="0"/>
             <a:r>
-              <a:rPr lang="pt-BR" sz="1200" dirty="0" smtClean="0"/>
+              <a:rPr lang="pt-BR" sz="1200" dirty="0"/>
               <a:t>Estatísticas do Cluster 0:</a:t>
             </a:r>
             <a:endParaRPr lang="pt-BR" sz="1200" dirty="0">
@@ -38850,7 +39393,7 @@
               <a:buChar char="•"/>
             </a:pPr>
             <a:r>
-              <a:rPr lang="pt-BR" sz="900" dirty="0" smtClean="0"/>
+              <a:rPr lang="pt-BR" sz="900" dirty="0"/>
               <a:t>42% do conjunto de dados</a:t>
             </a:r>
           </a:p>
@@ -38860,25 +39403,13 @@
               <a:buChar char="•"/>
             </a:pPr>
             <a:r>
-              <a:rPr lang="pt-BR" sz="900" dirty="0" smtClean="0"/>
-              <a:t>39% abaixo </a:t>
-            </a:r>
-            <a:r>
               <a:rPr lang="pt-BR" sz="900" dirty="0"/>
-              <a:t>/ </a:t>
-            </a:r>
-            <a:r>
-              <a:rPr lang="pt-BR" sz="900" dirty="0" smtClean="0"/>
-              <a:t>61% </a:t>
-            </a:r>
-            <a:r>
-              <a:rPr lang="pt-BR" sz="900" dirty="0"/>
-              <a:t>acima da média</a:t>
+              <a:t>39% abaixo / 61% acima da média</a:t>
             </a:r>
           </a:p>
           <a:p>
             <a:pPr marL="0" indent="0"/>
-            <a:endParaRPr lang="pt-BR" sz="900" dirty="0" smtClean="0"/>
+            <a:endParaRPr lang="pt-BR" sz="900" dirty="0"/>
           </a:p>
           <a:p>
             <a:pPr marL="171450" indent="-171450">
@@ -39168,16 +39699,8 @@
           <a:p>
             <a:pPr marL="0" indent="0"/>
             <a:r>
-              <a:rPr lang="pt-BR" sz="1200" dirty="0" smtClean="0"/>
-              <a:t>Estatísticas do Cluster </a:t>
-            </a:r>
-            <a:r>
               <a:rPr lang="pt-BR" sz="1200" dirty="0"/>
-              <a:t>1</a:t>
-            </a:r>
-            <a:r>
-              <a:rPr lang="pt-BR" sz="1200" dirty="0" smtClean="0"/>
-              <a:t>:</a:t>
+              <a:t>Estatísticas do Cluster 1:</a:t>
             </a:r>
             <a:endParaRPr lang="pt-BR" sz="1200" dirty="0">
               <a:solidFill>
@@ -39500,7 +40023,7 @@
               <a:buChar char="•"/>
             </a:pPr>
             <a:r>
-              <a:rPr lang="pt-BR" sz="900" dirty="0" smtClean="0"/>
+              <a:rPr lang="pt-BR" sz="900" dirty="0"/>
               <a:t>11% do conjunto de dados</a:t>
             </a:r>
           </a:p>
@@ -39511,28 +40034,12 @@
             </a:pPr>
             <a:r>
               <a:rPr lang="pt-BR" sz="900" dirty="0"/>
-              <a:t>1</a:t>
-            </a:r>
-            <a:r>
-              <a:rPr lang="pt-BR" sz="900" dirty="0" smtClean="0"/>
-              <a:t>0% </a:t>
-            </a:r>
-            <a:r>
-              <a:rPr lang="pt-BR" sz="900" dirty="0"/>
-              <a:t>abaixo </a:t>
-            </a:r>
-            <a:r>
-              <a:rPr lang="pt-BR" sz="900" dirty="0" smtClean="0"/>
-              <a:t>/ 90% </a:t>
-            </a:r>
-            <a:r>
-              <a:rPr lang="pt-BR" sz="900" dirty="0"/>
-              <a:t>acima da média</a:t>
+              <a:t>10% abaixo / 90% acima da média</a:t>
             </a:r>
           </a:p>
           <a:p>
             <a:pPr marL="0" indent="0"/>
-            <a:endParaRPr lang="pt-BR" sz="900" dirty="0" smtClean="0"/>
+            <a:endParaRPr lang="pt-BR" sz="900" dirty="0"/>
           </a:p>
           <a:p>
             <a:pPr marL="171450" indent="-171450">
@@ -39822,16 +40329,8 @@
           <a:p>
             <a:pPr marL="0" indent="0"/>
             <a:r>
-              <a:rPr lang="pt-BR" sz="1200" dirty="0" smtClean="0"/>
-              <a:t>Estatísticas do Cluster </a:t>
-            </a:r>
-            <a:r>
               <a:rPr lang="pt-BR" sz="1200" dirty="0"/>
-              <a:t>2</a:t>
-            </a:r>
-            <a:r>
-              <a:rPr lang="pt-BR" sz="1200" dirty="0" smtClean="0"/>
-              <a:t>:</a:t>
+              <a:t>Estatísticas do Cluster 2:</a:t>
             </a:r>
             <a:endParaRPr lang="pt-BR" sz="1200" dirty="0">
               <a:solidFill>
@@ -40149,7 +40648,7 @@
           <a:p>
             <a:pPr marL="0" indent="0"/>
             <a:r>
-              <a:rPr lang="pt-BR" sz="1400" dirty="0" smtClean="0"/>
+              <a:rPr lang="pt-BR" sz="1400" dirty="0"/>
               <a:t>Dividindo o conjunto de dados em três Clusters</a:t>
             </a:r>
             <a:endParaRPr lang="pt-BR" sz="1400" dirty="0">
@@ -40705,7 +41204,7 @@
 </p:sld>
 </file>
 
-<file path=ppt/slides/slide51.xml><?xml version="1.0" encoding="utf-8"?>
+<file path=ppt/slides/slide54.xml><?xml version="1.0" encoding="utf-8"?>
 <p:sld xmlns:a="http://schemas.openxmlformats.org/drawingml/2006/main" xmlns:r="http://schemas.openxmlformats.org/officeDocument/2006/relationships" xmlns:p="http://schemas.openxmlformats.org/presentationml/2006/main">
   <p:cSld>
     <p:spTree>
@@ -40757,7 +41256,7 @@
               <a:buNone/>
             </a:pPr>
             <a:r>
-              <a:rPr lang="en" dirty="0" smtClean="0"/>
+              <a:rPr lang="en" dirty="0"/>
               <a:t>Conclusões</a:t>
             </a:r>
             <a:endParaRPr dirty="0"/>
@@ -40799,7 +41298,7 @@
               <a:buNone/>
             </a:pPr>
             <a:r>
-              <a:rPr lang="en" dirty="0" smtClean="0"/>
+              <a:rPr lang="en" dirty="0"/>
               <a:t>Análise final e sugestões para trabalhos futuros</a:t>
             </a:r>
             <a:endParaRPr dirty="0"/>
@@ -40874,17 +41373,10 @@
   <p:clrMapOvr>
     <a:masterClrMapping/>
   </p:clrMapOvr>
-  <p:timing>
-    <p:tnLst>
-      <p:par>
-        <p:cTn id="1" dur="indefinite" restart="never" nodeType="tmRoot"/>
-      </p:par>
-    </p:tnLst>
-  </p:timing>
 </p:sld>
 </file>
 
-<file path=ppt/slides/slide52.xml><?xml version="1.0" encoding="utf-8"?>
+<file path=ppt/slides/slide55.xml><?xml version="1.0" encoding="utf-8"?>
 <p:sld xmlns:a="http://schemas.openxmlformats.org/drawingml/2006/main" xmlns:r="http://schemas.openxmlformats.org/officeDocument/2006/relationships" xmlns:p="http://schemas.openxmlformats.org/presentationml/2006/main">
   <p:cSld>
     <p:spTree>
@@ -40927,7 +41419,7 @@
           <a:lstStyle/>
           <a:p>
             <a:r>
-              <a:rPr lang="en-US" dirty="0" err="1" smtClean="0"/>
+              <a:rPr lang="en-US" dirty="0" err="1"/>
               <a:t>Conclusões</a:t>
             </a:r>
             <a:endParaRPr lang="en-US" dirty="0"/>
@@ -41495,63 +41987,63 @@
               </a:buClr>
             </a:pPr>
             <a:r>
-              <a:rPr lang="en-US" sz="1600" dirty="0" err="1" smtClean="0"/>
+              <a:rPr lang="en-US" sz="1600" dirty="0" err="1"/>
               <a:t>Fatores</a:t>
             </a:r>
             <a:r>
-              <a:rPr lang="en-US" sz="1600" dirty="0" smtClean="0"/>
+              <a:rPr lang="en-US" sz="1600" dirty="0"/>
               <a:t> </a:t>
             </a:r>
             <a:r>
-              <a:rPr lang="en-US" sz="1600" dirty="0" err="1" smtClean="0"/>
+              <a:rPr lang="en-US" sz="1600" dirty="0" err="1"/>
               <a:t>socioeconômicos</a:t>
             </a:r>
             <a:r>
-              <a:rPr lang="en-US" sz="1600" dirty="0" smtClean="0"/>
+              <a:rPr lang="en-US" sz="1600" dirty="0"/>
               <a:t> </a:t>
             </a:r>
             <a:r>
-              <a:rPr lang="en-US" sz="1600" dirty="0" err="1" smtClean="0"/>
+              <a:rPr lang="en-US" sz="1600" dirty="0" err="1"/>
               <a:t>identificam</a:t>
             </a:r>
             <a:r>
-              <a:rPr lang="en-US" sz="1600" dirty="0" smtClean="0"/>
+              <a:rPr lang="en-US" sz="1600" dirty="0"/>
               <a:t> 75% de </a:t>
             </a:r>
             <a:r>
-              <a:rPr lang="en-US" sz="1600" dirty="0" err="1" smtClean="0"/>
+              <a:rPr lang="en-US" sz="1600" dirty="0" err="1"/>
               <a:t>candidatos</a:t>
             </a:r>
             <a:r>
-              <a:rPr lang="en-US" sz="1600" dirty="0" smtClean="0"/>
+              <a:rPr lang="en-US" sz="1600" dirty="0"/>
               <a:t> com </a:t>
             </a:r>
             <a:r>
-              <a:rPr lang="en-US" sz="1600" dirty="0" err="1" smtClean="0"/>
+              <a:rPr lang="en-US" sz="1600" dirty="0" err="1"/>
               <a:t>desempenho</a:t>
             </a:r>
             <a:r>
-              <a:rPr lang="en-US" sz="1600" dirty="0" smtClean="0"/>
+              <a:rPr lang="en-US" sz="1600" dirty="0"/>
               <a:t> </a:t>
             </a:r>
             <a:r>
-              <a:rPr lang="en-US" sz="1600" dirty="0" err="1" smtClean="0"/>
+              <a:rPr lang="en-US" sz="1600" dirty="0" err="1"/>
               <a:t>abaixo</a:t>
             </a:r>
             <a:r>
-              <a:rPr lang="en-US" sz="1600" dirty="0" smtClean="0"/>
+              <a:rPr lang="en-US" sz="1600" dirty="0"/>
               <a:t> da </a:t>
             </a:r>
             <a:r>
-              <a:rPr lang="en-US" sz="1600" dirty="0" err="1" smtClean="0"/>
+              <a:rPr lang="en-US" sz="1600" dirty="0" err="1"/>
               <a:t>média</a:t>
             </a:r>
             <a:r>
-              <a:rPr lang="en-US" sz="1600" dirty="0" smtClean="0"/>
+              <a:rPr lang="en-US" sz="1600" dirty="0"/>
               <a:t> com 70% de </a:t>
             </a:r>
             <a:r>
-              <a:rPr lang="en-US" sz="1600" dirty="0" err="1" smtClean="0"/>
+              <a:rPr lang="en-US" sz="1600" dirty="0" err="1"/>
               <a:t>precisão</a:t>
             </a:r>
             <a:endParaRPr lang="en-US" sz="1600" dirty="0"/>
@@ -41837,50 +42329,49 @@
               </a:buClr>
             </a:pPr>
             <a:r>
-              <a:rPr lang="en-US" sz="1600" dirty="0" smtClean="0"/>
+              <a:rPr lang="en-US" sz="1600" dirty="0"/>
               <a:t>Dos 38 </a:t>
             </a:r>
             <a:r>
-              <a:rPr lang="en-US" sz="1600" dirty="0" err="1" smtClean="0"/>
+              <a:rPr lang="en-US" sz="1600" dirty="0" err="1"/>
               <a:t>atributos</a:t>
             </a:r>
             <a:r>
-              <a:rPr lang="en-US" sz="1600" dirty="0" smtClean="0"/>
+              <a:rPr lang="en-US" sz="1600" dirty="0"/>
               <a:t>, 15 </a:t>
             </a:r>
             <a:r>
-              <a:rPr lang="en-US" sz="1600" dirty="0" err="1" smtClean="0"/>
+              <a:rPr lang="en-US" sz="1600" dirty="0" err="1"/>
               <a:t>são</a:t>
             </a:r>
             <a:r>
-              <a:rPr lang="en-US" sz="1600" dirty="0" smtClean="0"/>
+              <a:rPr lang="en-US" sz="1600" dirty="0"/>
               <a:t> </a:t>
             </a:r>
             <a:r>
-              <a:rPr lang="en-US" sz="1600" dirty="0" err="1" smtClean="0"/>
+              <a:rPr lang="en-US" sz="1600" dirty="0" err="1"/>
               <a:t>suficientes</a:t>
             </a:r>
             <a:r>
-              <a:rPr lang="en-US" sz="1600" dirty="0" smtClean="0"/>
+              <a:rPr lang="en-US" sz="1600" dirty="0"/>
               <a:t> para </a:t>
             </a:r>
             <a:r>
-              <a:rPr lang="en-US" sz="1600" dirty="0" err="1" smtClean="0"/>
+              <a:rPr lang="en-US" sz="1600" dirty="0" err="1"/>
               <a:t>definir</a:t>
             </a:r>
             <a:r>
-              <a:rPr lang="en-US" sz="1600" dirty="0" smtClean="0"/>
+              <a:rPr lang="en-US" sz="1600" dirty="0"/>
               <a:t> </a:t>
             </a:r>
             <a:r>
-              <a:rPr lang="en-US" sz="1600" dirty="0" err="1" smtClean="0"/>
+              <a:rPr lang="en-US" sz="1600" dirty="0" err="1"/>
               <a:t>modelo</a:t>
             </a:r>
             <a:r>
-              <a:rPr lang="en-US" sz="1600" dirty="0" smtClean="0"/>
+              <a:rPr lang="en-US" sz="1600" dirty="0"/>
               <a:t> </a:t>
             </a:r>
-            <a:endParaRPr lang="en-US" sz="1600" dirty="0"/>
           </a:p>
         </p:txBody>
       </p:sp>
@@ -42163,14 +42654,13 @@
               </a:buClr>
             </a:pPr>
             <a:r>
-              <a:rPr lang="en-US" sz="1600" dirty="0" err="1" smtClean="0"/>
+              <a:rPr lang="en-US" sz="1600" dirty="0" err="1"/>
               <a:t>Modelo</a:t>
             </a:r>
             <a:r>
-              <a:rPr lang="en-US" sz="1600" dirty="0" smtClean="0"/>
+              <a:rPr lang="en-US" sz="1600" dirty="0"/>
               <a:t>…</a:t>
             </a:r>
-            <a:endParaRPr lang="en-US" sz="1600" dirty="0"/>
           </a:p>
         </p:txBody>
       </p:sp>
@@ -42453,47 +42943,47 @@
               </a:buClr>
             </a:pPr>
             <a:r>
-              <a:rPr lang="en-US" sz="1600" dirty="0" err="1" smtClean="0"/>
+              <a:rPr lang="en-US" sz="1600" dirty="0" err="1"/>
               <a:t>Utilização</a:t>
             </a:r>
             <a:r>
-              <a:rPr lang="en-US" sz="1600" dirty="0" smtClean="0"/>
+              <a:rPr lang="en-US" sz="1600" dirty="0"/>
               <a:t> de K-Means </a:t>
             </a:r>
             <a:r>
-              <a:rPr lang="en-US" sz="1600" dirty="0" err="1" smtClean="0"/>
+              <a:rPr lang="en-US" sz="1600" dirty="0" err="1"/>
               <a:t>resulta</a:t>
             </a:r>
             <a:r>
-              <a:rPr lang="en-US" sz="1600" dirty="0" smtClean="0"/>
+              <a:rPr lang="en-US" sz="1600" dirty="0"/>
               <a:t> </a:t>
             </a:r>
             <a:r>
-              <a:rPr lang="en-US" sz="1600" dirty="0" err="1" smtClean="0"/>
+              <a:rPr lang="en-US" sz="1600" dirty="0" err="1"/>
               <a:t>em</a:t>
             </a:r>
             <a:r>
-              <a:rPr lang="en-US" sz="1600" dirty="0" smtClean="0"/>
+              <a:rPr lang="en-US" sz="1600" dirty="0"/>
               <a:t> </a:t>
             </a:r>
             <a:r>
-              <a:rPr lang="en-US" sz="1600" dirty="0" err="1" smtClean="0"/>
+              <a:rPr lang="en-US" sz="1600" dirty="0" err="1"/>
               <a:t>três</a:t>
             </a:r>
             <a:r>
-              <a:rPr lang="en-US" sz="1600" dirty="0" smtClean="0"/>
+              <a:rPr lang="en-US" sz="1600" dirty="0"/>
               <a:t> clusters </a:t>
             </a:r>
             <a:r>
-              <a:rPr lang="en-US" sz="1600" dirty="0" err="1" smtClean="0"/>
+              <a:rPr lang="en-US" sz="1600" dirty="0" err="1"/>
               <a:t>bem</a:t>
             </a:r>
             <a:r>
-              <a:rPr lang="en-US" sz="1600" dirty="0" smtClean="0"/>
+              <a:rPr lang="en-US" sz="1600" dirty="0"/>
               <a:t> </a:t>
             </a:r>
             <a:r>
-              <a:rPr lang="en-US" sz="1600" dirty="0" err="1" smtClean="0"/>
+              <a:rPr lang="en-US" sz="1600" dirty="0" err="1"/>
               <a:t>definidos</a:t>
             </a:r>
             <a:endParaRPr lang="en-US" sz="1600" dirty="0"/>
@@ -42821,7 +43311,7 @@
 </p:sld>
 </file>
 
-<file path=ppt/slides/slide53.xml><?xml version="1.0" encoding="utf-8"?>
+<file path=ppt/slides/slide56.xml><?xml version="1.0" encoding="utf-8"?>
 <p:sld xmlns:a="http://schemas.openxmlformats.org/drawingml/2006/main" xmlns:r="http://schemas.openxmlformats.org/officeDocument/2006/relationships" xmlns:p="http://schemas.openxmlformats.org/presentationml/2006/main">
   <p:cSld>
     <p:spTree>
@@ -42864,23 +43354,23 @@
           <a:lstStyle/>
           <a:p>
             <a:r>
-              <a:rPr lang="en-US" dirty="0" err="1" smtClean="0"/>
+              <a:rPr lang="en-US" dirty="0" err="1"/>
               <a:t>Sugestões</a:t>
             </a:r>
             <a:r>
-              <a:rPr lang="en-US" dirty="0" smtClean="0"/>
+              <a:rPr lang="en-US" dirty="0"/>
               <a:t> para </a:t>
             </a:r>
             <a:r>
-              <a:rPr lang="en-US" dirty="0" err="1" smtClean="0"/>
+              <a:rPr lang="en-US" dirty="0" err="1"/>
               <a:t>próximos</a:t>
             </a:r>
             <a:r>
-              <a:rPr lang="en-US" dirty="0" smtClean="0"/>
+              <a:rPr lang="en-US" dirty="0"/>
               <a:t> </a:t>
             </a:r>
             <a:r>
-              <a:rPr lang="en-US" dirty="0" err="1" smtClean="0"/>
+              <a:rPr lang="en-US" dirty="0" err="1"/>
               <a:t>trabalhos</a:t>
             </a:r>
             <a:endParaRPr lang="en-US" dirty="0"/>
@@ -43166,42 +43656,42 @@
               </a:buClr>
             </a:pPr>
             <a:r>
-              <a:rPr lang="en-US" sz="1600" dirty="0" err="1" smtClean="0"/>
+              <a:rPr lang="en-US" sz="1600" dirty="0" err="1"/>
               <a:t>Buscar</a:t>
             </a:r>
             <a:r>
-              <a:rPr lang="en-US" sz="1600" dirty="0" smtClean="0"/>
+              <a:rPr lang="en-US" sz="1600" dirty="0"/>
               <a:t> </a:t>
             </a:r>
             <a:r>
-              <a:rPr lang="en-US" sz="1600" dirty="0" err="1" smtClean="0"/>
+              <a:rPr lang="en-US" sz="1600" dirty="0" err="1"/>
               <a:t>variáveis</a:t>
             </a:r>
             <a:r>
-              <a:rPr lang="en-US" sz="1600" dirty="0" smtClean="0"/>
+              <a:rPr lang="en-US" sz="1600" dirty="0"/>
               <a:t> que </a:t>
             </a:r>
             <a:r>
-              <a:rPr lang="en-US" sz="1600" dirty="0" err="1" smtClean="0"/>
+              <a:rPr lang="en-US" sz="1600" dirty="0" err="1"/>
               <a:t>representem</a:t>
             </a:r>
             <a:r>
-              <a:rPr lang="en-US" sz="1600" dirty="0" smtClean="0"/>
+              <a:rPr lang="en-US" sz="1600" dirty="0"/>
               <a:t> </a:t>
             </a:r>
             <a:r>
-              <a:rPr lang="en-US" sz="1600" dirty="0" err="1" smtClean="0"/>
+              <a:rPr lang="en-US" sz="1600" dirty="0" err="1"/>
               <a:t>fatores</a:t>
             </a:r>
             <a:r>
-              <a:rPr lang="en-US" sz="1600" dirty="0" smtClean="0"/>
+              <a:rPr lang="en-US" sz="1600" dirty="0"/>
               <a:t> </a:t>
             </a:r>
             <a:r>
-              <a:rPr lang="en-US" sz="1600" dirty="0" err="1" smtClean="0"/>
+              <a:rPr lang="en-US" sz="1600" dirty="0" err="1"/>
               <a:t>pedagógicos</a:t>
             </a:r>
-            <a:endParaRPr lang="en-US" sz="1600" dirty="0" smtClean="0"/>
+            <a:endParaRPr lang="en-US" sz="1600" dirty="0"/>
           </a:p>
           <a:p>
             <a:pPr lvl="2">
@@ -43210,18 +43700,17 @@
               </a:buClr>
             </a:pPr>
             <a:r>
-              <a:rPr lang="en-US" sz="1600" dirty="0" smtClean="0"/>
+              <a:rPr lang="en-US" sz="1600" dirty="0"/>
               <a:t>E.g. </a:t>
             </a:r>
             <a:r>
-              <a:rPr lang="en-US" sz="1600" dirty="0" err="1" smtClean="0"/>
+              <a:rPr lang="en-US" sz="1600" dirty="0" err="1"/>
               <a:t>evasão</a:t>
             </a:r>
             <a:r>
-              <a:rPr lang="en-US" sz="1600" dirty="0" smtClean="0"/>
+              <a:rPr lang="en-US" sz="1600" dirty="0"/>
               <a:t> escolar, IDEB, etc.</a:t>
             </a:r>
-            <a:endParaRPr lang="en-US" sz="1600" dirty="0"/>
           </a:p>
         </p:txBody>
       </p:sp>
@@ -43786,39 +44275,39 @@
               </a:buClr>
             </a:pPr>
             <a:r>
-              <a:rPr lang="en-US" sz="1600" dirty="0" err="1" smtClean="0"/>
+              <a:rPr lang="en-US" sz="1600" dirty="0" err="1"/>
               <a:t>Repetir</a:t>
             </a:r>
             <a:r>
-              <a:rPr lang="en-US" sz="1600" dirty="0" smtClean="0"/>
+              <a:rPr lang="en-US" sz="1600" dirty="0"/>
               <a:t> </a:t>
             </a:r>
             <a:r>
-              <a:rPr lang="en-US" sz="1600" dirty="0" err="1" smtClean="0"/>
+              <a:rPr lang="en-US" sz="1600" dirty="0" err="1"/>
               <a:t>análise</a:t>
             </a:r>
             <a:r>
-              <a:rPr lang="en-US" sz="1600" dirty="0" smtClean="0"/>
+              <a:rPr lang="en-US" sz="1600" dirty="0"/>
               <a:t> para </a:t>
             </a:r>
             <a:r>
-              <a:rPr lang="en-US" sz="1600" dirty="0" err="1" smtClean="0"/>
+              <a:rPr lang="en-US" sz="1600" dirty="0" err="1"/>
               <a:t>cada</a:t>
             </a:r>
             <a:r>
-              <a:rPr lang="en-US" sz="1600" dirty="0" smtClean="0"/>
+              <a:rPr lang="en-US" sz="1600" dirty="0"/>
               <a:t> </a:t>
             </a:r>
             <a:r>
-              <a:rPr lang="en-US" sz="1600" dirty="0" err="1" smtClean="0"/>
+              <a:rPr lang="en-US" sz="1600" dirty="0" err="1"/>
               <a:t>disciplina</a:t>
             </a:r>
             <a:r>
-              <a:rPr lang="en-US" sz="1600" dirty="0" smtClean="0"/>
+              <a:rPr lang="en-US" sz="1600" dirty="0"/>
               <a:t> </a:t>
             </a:r>
             <a:r>
-              <a:rPr lang="en-US" sz="1600" dirty="0" err="1" smtClean="0"/>
+              <a:rPr lang="en-US" sz="1600" dirty="0" err="1"/>
               <a:t>individualmente</a:t>
             </a:r>
             <a:endParaRPr lang="en-US" sz="1600" dirty="0"/>
@@ -44104,47 +44593,47 @@
               </a:buClr>
             </a:pPr>
             <a:r>
-              <a:rPr lang="en-US" sz="1600" dirty="0" err="1" smtClean="0"/>
+              <a:rPr lang="en-US" sz="1600" dirty="0" err="1"/>
               <a:t>Analisar</a:t>
             </a:r>
             <a:r>
-              <a:rPr lang="en-US" sz="1600" dirty="0" smtClean="0"/>
+              <a:rPr lang="en-US" sz="1600" dirty="0"/>
               <a:t> </a:t>
             </a:r>
             <a:r>
-              <a:rPr lang="en-US" sz="1600" dirty="0" err="1" smtClean="0"/>
+              <a:rPr lang="en-US" sz="1600" dirty="0" err="1"/>
               <a:t>outras</a:t>
             </a:r>
             <a:r>
-              <a:rPr lang="en-US" sz="1600" dirty="0" smtClean="0"/>
+              <a:rPr lang="en-US" sz="1600" dirty="0"/>
               <a:t> </a:t>
             </a:r>
             <a:r>
-              <a:rPr lang="en-US" sz="1600" dirty="0" err="1" smtClean="0"/>
+              <a:rPr lang="en-US" sz="1600" dirty="0" err="1"/>
               <a:t>formas</a:t>
             </a:r>
             <a:r>
-              <a:rPr lang="en-US" sz="1600" dirty="0" smtClean="0"/>
+              <a:rPr lang="en-US" sz="1600" dirty="0"/>
               <a:t> de </a:t>
             </a:r>
             <a:r>
-              <a:rPr lang="en-US" sz="1600" dirty="0" err="1" smtClean="0"/>
+              <a:rPr lang="en-US" sz="1600" dirty="0" err="1"/>
               <a:t>definir</a:t>
             </a:r>
             <a:r>
-              <a:rPr lang="en-US" sz="1600" dirty="0" smtClean="0"/>
+              <a:rPr lang="en-US" sz="1600" dirty="0"/>
               <a:t> a </a:t>
             </a:r>
             <a:r>
-              <a:rPr lang="en-US" sz="1600" dirty="0" err="1" smtClean="0"/>
+              <a:rPr lang="en-US" sz="1600" dirty="0" err="1"/>
               <a:t>variável</a:t>
             </a:r>
             <a:r>
-              <a:rPr lang="en-US" sz="1600" dirty="0" smtClean="0"/>
+              <a:rPr lang="en-US" sz="1600" dirty="0"/>
               <a:t> </a:t>
             </a:r>
             <a:r>
-              <a:rPr lang="en-US" sz="1600" dirty="0" err="1" smtClean="0"/>
+              <a:rPr lang="en-US" sz="1600" dirty="0" err="1"/>
               <a:t>alvo</a:t>
             </a:r>
             <a:endParaRPr lang="en-US" sz="1600" dirty="0"/>
@@ -44430,22 +44919,21 @@
               </a:buClr>
             </a:pPr>
             <a:r>
-              <a:rPr lang="en-US" sz="1600" dirty="0" err="1" smtClean="0"/>
+              <a:rPr lang="en-US" sz="1600" dirty="0" err="1"/>
               <a:t>Buscar</a:t>
             </a:r>
             <a:r>
-              <a:rPr lang="en-US" sz="1600" dirty="0" smtClean="0"/>
+              <a:rPr lang="en-US" sz="1600" dirty="0"/>
               <a:t> </a:t>
             </a:r>
             <a:r>
-              <a:rPr lang="en-US" sz="1600" dirty="0" err="1" smtClean="0"/>
+              <a:rPr lang="en-US" sz="1600" dirty="0" err="1"/>
               <a:t>interpretação</a:t>
             </a:r>
             <a:r>
-              <a:rPr lang="en-US" sz="1600" dirty="0" smtClean="0"/>
+              <a:rPr lang="en-US" sz="1600" dirty="0"/>
               <a:t> para clusterização</a:t>
             </a:r>
-            <a:endParaRPr lang="en-US" sz="1600" dirty="0"/>
           </a:p>
         </p:txBody>
       </p:sp>
@@ -44786,7 +45274,7 @@
 </p:sld>
 </file>
 
-<file path=ppt/slides/slide54.xml><?xml version="1.0" encoding="utf-8"?>
+<file path=ppt/slides/slide57.xml><?xml version="1.0" encoding="utf-8"?>
 <p:sld xmlns:a="http://schemas.openxmlformats.org/drawingml/2006/main" xmlns:r="http://schemas.openxmlformats.org/officeDocument/2006/relationships" xmlns:p="http://schemas.openxmlformats.org/presentationml/2006/main">
   <p:cSld>
     <p:spTree>
@@ -44838,7 +45326,7 @@
               <a:buNone/>
             </a:pPr>
             <a:r>
-              <a:rPr lang="en" sz="2200" b="1" dirty="0" smtClean="0">
+              <a:rPr lang="en" sz="2200" b="1" dirty="0">
                 <a:solidFill>
                   <a:srgbClr val="2E3037"/>
                 </a:solidFill>
@@ -44888,7 +45376,7 @@
               <a:buNone/>
             </a:pPr>
             <a:r>
-              <a:rPr lang="en" sz="3600" b="1" dirty="0" smtClean="0">
+              <a:rPr lang="en" sz="3600" b="1" dirty="0">
                 <a:solidFill>
                   <a:srgbClr val="F3F3F3"/>
                 </a:solidFill>
@@ -44913,13 +45401,6 @@
   <p:clrMapOvr>
     <a:masterClrMapping/>
   </p:clrMapOvr>
-  <p:timing>
-    <p:tnLst>
-      <p:par>
-        <p:cTn id="1" dur="indefinite" restart="never" nodeType="tmRoot"/>
-      </p:par>
-    </p:tnLst>
-  </p:timing>
 </p:sld>
 </file>
 
@@ -44975,7 +45456,7 @@
               <a:buNone/>
             </a:pPr>
             <a:r>
-              <a:rPr lang="en" dirty="0" smtClean="0"/>
+              <a:rPr lang="en" dirty="0"/>
               <a:t>Sobre os dados</a:t>
             </a:r>
             <a:endParaRPr dirty="0"/>
@@ -45256,34 +45737,13 @@
           </a:lstStyle>
           <a:p>
             <a:r>
-              <a:rPr lang="en" sz="2800" dirty="0" smtClean="0">
+              <a:rPr lang="en" sz="2800" dirty="0">
                 <a:solidFill>
                   <a:schemeClr val="bg1"/>
                 </a:solidFill>
               </a:rPr>
-              <a:t>Formato</a:t>
+              <a:t>Formato: csv</a:t>
             </a:r>
-            <a:r>
-              <a:rPr lang="en" sz="2800" dirty="0">
-                <a:solidFill>
-                  <a:schemeClr val="bg1"/>
-                </a:solidFill>
-              </a:rPr>
-              <a:t>: </a:t>
-            </a:r>
-            <a:r>
-              <a:rPr lang="en" sz="2800" dirty="0" smtClean="0">
-                <a:solidFill>
-                  <a:schemeClr val="bg1"/>
-                </a:solidFill>
-              </a:rPr>
-              <a:t>csv</a:t>
-            </a:r>
-            <a:endParaRPr lang="en" sz="2800" dirty="0">
-              <a:solidFill>
-                <a:schemeClr val="bg1"/>
-              </a:solidFill>
-            </a:endParaRPr>
           </a:p>
         </p:txBody>
       </p:sp>
@@ -45607,18 +46067,13 @@
           </a:lstStyle>
           <a:p>
             <a:r>
-              <a:rPr lang="en" sz="2800" dirty="0" smtClean="0">
+              <a:rPr lang="en" sz="2800" dirty="0">
                 <a:solidFill>
                   <a:schemeClr val="bg1"/>
                 </a:solidFill>
               </a:rPr>
               <a:t>5.095.270 registros</a:t>
             </a:r>
-            <a:endParaRPr lang="en" sz="2800" dirty="0">
-              <a:solidFill>
-                <a:schemeClr val="bg1"/>
-              </a:solidFill>
-            </a:endParaRPr>
           </a:p>
         </p:txBody>
       </p:sp>
@@ -46272,18 +46727,13 @@
           </a:lstStyle>
           <a:p>
             <a:r>
-              <a:rPr lang="en" sz="2800" dirty="0" smtClean="0">
+              <a:rPr lang="en" sz="2800" dirty="0">
                 <a:solidFill>
                   <a:schemeClr val="bg1"/>
                 </a:solidFill>
               </a:rPr>
               <a:t>Tamanho: 3,1 GB</a:t>
             </a:r>
-            <a:endParaRPr lang="en" sz="2800" dirty="0">
-              <a:solidFill>
-                <a:schemeClr val="bg1"/>
-              </a:solidFill>
-            </a:endParaRPr>
           </a:p>
         </p:txBody>
       </p:sp>
@@ -46596,18 +47046,13 @@
           </a:lstStyle>
           <a:p>
             <a:r>
-              <a:rPr lang="en" sz="2800" dirty="0" smtClean="0">
+              <a:rPr lang="en" sz="2800" dirty="0">
                 <a:solidFill>
                   <a:schemeClr val="bg1"/>
                 </a:solidFill>
               </a:rPr>
               <a:t>3.702.007 registros</a:t>
             </a:r>
-            <a:endParaRPr lang="en" sz="2800" dirty="0">
-              <a:solidFill>
-                <a:schemeClr val="bg1"/>
-              </a:solidFill>
-            </a:endParaRPr>
           </a:p>
         </p:txBody>
       </p:sp>
@@ -46885,14 +47330,13 @@
           </a:lstStyle>
           <a:p>
             <a:r>
-              <a:rPr lang="en-US" dirty="0" err="1" smtClean="0"/>
+              <a:rPr lang="en-US" dirty="0" err="1"/>
               <a:t>Removendo</a:t>
             </a:r>
             <a:r>
-              <a:rPr lang="en-US" dirty="0" smtClean="0"/>
+              <a:rPr lang="en-US" dirty="0"/>
               <a:t> NAs</a:t>
             </a:r>
-            <a:endParaRPr lang="en-US" dirty="0"/>
           </a:p>
         </p:txBody>
       </p:sp>
@@ -47205,18 +47649,13 @@
           </a:lstStyle>
           <a:p>
             <a:r>
-              <a:rPr lang="en" sz="2800" dirty="0" smtClean="0">
+              <a:rPr lang="en" sz="2800" dirty="0">
                 <a:solidFill>
                   <a:schemeClr val="bg1"/>
                 </a:solidFill>
               </a:rPr>
               <a:t>3.174.308 registros</a:t>
             </a:r>
-            <a:endParaRPr lang="en" sz="2800" dirty="0">
-              <a:solidFill>
-                <a:schemeClr val="bg1"/>
-              </a:solidFill>
-            </a:endParaRPr>
           </a:p>
         </p:txBody>
       </p:sp>
@@ -47494,14 +47933,13 @@
           </a:lstStyle>
           <a:p>
             <a:r>
-              <a:rPr lang="en-US" dirty="0" err="1" smtClean="0"/>
+              <a:rPr lang="en-US" dirty="0" err="1"/>
               <a:t>Removendo</a:t>
             </a:r>
             <a:r>
-              <a:rPr lang="en-US" dirty="0" smtClean="0"/>
+              <a:rPr lang="en-US" dirty="0"/>
               <a:t> treineiros</a:t>
             </a:r>
-            <a:endParaRPr lang="en-US" dirty="0"/>
           </a:p>
         </p:txBody>
       </p:sp>
@@ -48367,7 +48805,7 @@
               <a:t> </a:t>
             </a:r>
             <a:r>
-              <a:rPr lang="en-US" dirty="0" err="1" smtClean="0"/>
+              <a:rPr lang="en-US" dirty="0" err="1"/>
               <a:t>atributos</a:t>
             </a:r>
             <a:endParaRPr lang="en-US" dirty="0"/>
@@ -48648,18 +49086,13 @@
           </a:lstStyle>
           <a:p>
             <a:r>
-              <a:rPr lang="en" sz="2800" b="1" dirty="0" smtClean="0">
+              <a:rPr lang="en" sz="2800" b="1" dirty="0">
                 <a:solidFill>
                   <a:schemeClr val="bg1"/>
                 </a:solidFill>
               </a:rPr>
               <a:t>Resultado final: 34 atributos</a:t>
             </a:r>
-            <a:endParaRPr lang="en" sz="2800" b="1" dirty="0">
-              <a:solidFill>
-                <a:schemeClr val="bg1"/>
-              </a:solidFill>
-            </a:endParaRPr>
           </a:p>
         </p:txBody>
       </p:sp>
@@ -48944,23 +49377,23 @@
               <a:buNone/>
             </a:pPr>
             <a:r>
-              <a:rPr lang="en-US" sz="2000" dirty="0" err="1" smtClean="0"/>
+              <a:rPr lang="en-US" sz="2000" dirty="0" err="1"/>
               <a:t>Variáveis</a:t>
             </a:r>
             <a:r>
-              <a:rPr lang="en-US" sz="2000" dirty="0" smtClean="0"/>
+              <a:rPr lang="en-US" sz="2000" dirty="0"/>
               <a:t> </a:t>
             </a:r>
             <a:r>
-              <a:rPr lang="en-US" sz="2000" dirty="0" err="1" smtClean="0"/>
+              <a:rPr lang="en-US" sz="2000" dirty="0" err="1"/>
               <a:t>claramente</a:t>
             </a:r>
             <a:r>
-              <a:rPr lang="en-US" sz="2000" dirty="0" smtClean="0"/>
+              <a:rPr lang="en-US" sz="2000" dirty="0"/>
               <a:t> </a:t>
             </a:r>
             <a:r>
-              <a:rPr lang="en-US" sz="2000" dirty="0" err="1" smtClean="0"/>
+              <a:rPr lang="en-US" sz="2000" dirty="0" err="1"/>
               <a:t>irrelevantes</a:t>
             </a:r>
             <a:endParaRPr lang="en-US" sz="2000" dirty="0"/>
@@ -49246,50 +49679,49 @@
               </a:buClr>
             </a:pPr>
             <a:r>
-              <a:rPr lang="en-US" sz="1600" dirty="0" smtClean="0"/>
+              <a:rPr lang="en-US" sz="1600" dirty="0"/>
               <a:t>E.g. </a:t>
             </a:r>
             <a:r>
-              <a:rPr lang="en-US" sz="1600" dirty="0" err="1" smtClean="0"/>
+              <a:rPr lang="en-US" sz="1600" dirty="0" err="1"/>
               <a:t>código</a:t>
             </a:r>
             <a:r>
-              <a:rPr lang="en-US" sz="1600" dirty="0" smtClean="0"/>
+              <a:rPr lang="en-US" sz="1600" dirty="0"/>
               <a:t> da </a:t>
             </a:r>
             <a:r>
-              <a:rPr lang="en-US" sz="1600" dirty="0" err="1" smtClean="0"/>
+              <a:rPr lang="en-US" sz="1600" dirty="0" err="1"/>
               <a:t>prova</a:t>
             </a:r>
             <a:r>
-              <a:rPr lang="en-US" sz="1600" dirty="0" smtClean="0"/>
+              <a:rPr lang="en-US" sz="1600" dirty="0"/>
               <a:t>, </a:t>
             </a:r>
             <a:r>
-              <a:rPr lang="en-US" sz="1600" dirty="0" err="1" smtClean="0"/>
+              <a:rPr lang="en-US" sz="1600" dirty="0" err="1"/>
               <a:t>respostas</a:t>
             </a:r>
             <a:r>
-              <a:rPr lang="en-US" sz="1600" dirty="0" smtClean="0"/>
+              <a:rPr lang="en-US" sz="1600" dirty="0"/>
               <a:t>, </a:t>
             </a:r>
             <a:r>
-              <a:rPr lang="en-US" sz="1600" dirty="0" err="1" smtClean="0"/>
+              <a:rPr lang="en-US" sz="1600" dirty="0" err="1"/>
               <a:t>cadeira</a:t>
             </a:r>
             <a:r>
-              <a:rPr lang="en-US" sz="1600" dirty="0" smtClean="0"/>
+              <a:rPr lang="en-US" sz="1600" dirty="0"/>
               <a:t> para </a:t>
             </a:r>
             <a:r>
-              <a:rPr lang="en-US" sz="1600" dirty="0" err="1" smtClean="0"/>
+              <a:rPr lang="en-US" sz="1600" dirty="0" err="1"/>
               <a:t>destro</a:t>
             </a:r>
             <a:r>
-              <a:rPr lang="en-US" sz="1600" dirty="0" smtClean="0"/>
+              <a:rPr lang="en-US" sz="1600" dirty="0"/>
               <a:t>, etc.</a:t>
             </a:r>
-            <a:endParaRPr lang="en-US" sz="1600" dirty="0"/>
           </a:p>
         </p:txBody>
       </p:sp>
@@ -49620,31 +50052,31 @@
               <a:buNone/>
             </a:pPr>
             <a:r>
-              <a:rPr lang="en-US" sz="2000" dirty="0" err="1" smtClean="0"/>
+              <a:rPr lang="en-US" sz="2000" dirty="0" err="1"/>
               <a:t>Variáveis</a:t>
             </a:r>
             <a:r>
-              <a:rPr lang="en-US" sz="2000" dirty="0" smtClean="0"/>
+              <a:rPr lang="en-US" sz="2000" dirty="0"/>
               <a:t> com </a:t>
             </a:r>
             <a:r>
-              <a:rPr lang="en-US" sz="2000" dirty="0" err="1" smtClean="0"/>
+              <a:rPr lang="en-US" sz="2000" dirty="0" err="1"/>
               <a:t>muitos</a:t>
             </a:r>
             <a:r>
-              <a:rPr lang="en-US" sz="2000" dirty="0" smtClean="0"/>
+              <a:rPr lang="en-US" sz="2000" dirty="0"/>
               <a:t> </a:t>
             </a:r>
             <a:r>
-              <a:rPr lang="en-US" sz="2000" dirty="0" err="1" smtClean="0"/>
+              <a:rPr lang="en-US" sz="2000" dirty="0" err="1"/>
               <a:t>valores</a:t>
             </a:r>
             <a:r>
-              <a:rPr lang="en-US" sz="2000" dirty="0" smtClean="0"/>
+              <a:rPr lang="en-US" sz="2000" dirty="0"/>
               <a:t> </a:t>
             </a:r>
             <a:r>
-              <a:rPr lang="en-US" sz="2000" dirty="0" err="1" smtClean="0"/>
+              <a:rPr lang="en-US" sz="2000" dirty="0" err="1"/>
               <a:t>ausentes</a:t>
             </a:r>
             <a:endParaRPr lang="en-US" sz="2000" dirty="0"/>
@@ -49930,23 +50362,19 @@
               </a:buClr>
             </a:pPr>
             <a:r>
-              <a:rPr lang="en-US" sz="1600" dirty="0" smtClean="0"/>
+              <a:rPr lang="en-US" sz="1600" dirty="0"/>
               <a:t>E.g. </a:t>
             </a:r>
             <a:r>
               <a:rPr lang="en-US" sz="1600" dirty="0" err="1"/>
-              <a:t>M</a:t>
+              <a:t>Município</a:t>
             </a:r>
             <a:r>
-              <a:rPr lang="en-US" sz="1600" dirty="0" err="1" smtClean="0"/>
-              <a:t>unicípio</a:t>
-            </a:r>
-            <a:r>
-              <a:rPr lang="en-US" sz="1600" dirty="0" smtClean="0"/>
+              <a:rPr lang="en-US" sz="1600" dirty="0"/>
               <a:t> da Escola </a:t>
             </a:r>
             <a:r>
-              <a:rPr lang="en-US" sz="1600" dirty="0" err="1" smtClean="0"/>
+              <a:rPr lang="en-US" sz="1600" dirty="0" err="1"/>
               <a:t>atual</a:t>
             </a:r>
             <a:endParaRPr lang="en-US" sz="1600" dirty="0"/>
@@ -50400,7 +50828,7 @@
               <a:buNone/>
             </a:pPr>
             <a:r>
-              <a:rPr lang="en" dirty="0" smtClean="0"/>
+              <a:rPr lang="en" dirty="0"/>
               <a:t>Definindo a variável alvo</a:t>
             </a:r>
             <a:endParaRPr dirty="0"/>
@@ -50442,47 +50870,47 @@
               <a:buNone/>
             </a:pPr>
             <a:r>
-              <a:rPr lang="en-US" dirty="0" err="1" smtClean="0"/>
+              <a:rPr lang="en-US" dirty="0" err="1"/>
               <a:t>Definição</a:t>
             </a:r>
             <a:r>
-              <a:rPr lang="en-US" dirty="0" smtClean="0"/>
+              <a:rPr lang="en-US" dirty="0"/>
               <a:t> da </a:t>
             </a:r>
             <a:r>
-              <a:rPr lang="en-US" dirty="0" err="1" smtClean="0"/>
+              <a:rPr lang="en-US" dirty="0" err="1"/>
               <a:t>variável</a:t>
             </a:r>
             <a:r>
-              <a:rPr lang="en-US" dirty="0" smtClean="0"/>
+              <a:rPr lang="en-US" dirty="0"/>
               <a:t> </a:t>
             </a:r>
             <a:r>
-              <a:rPr lang="en-US" dirty="0" err="1" smtClean="0"/>
+              <a:rPr lang="en-US" dirty="0" err="1"/>
               <a:t>alvo</a:t>
             </a:r>
             <a:r>
-              <a:rPr lang="en-US" dirty="0" smtClean="0"/>
+              <a:rPr lang="en-US" dirty="0"/>
               <a:t> a </a:t>
             </a:r>
             <a:r>
-              <a:rPr lang="en-US" dirty="0" err="1" smtClean="0"/>
+              <a:rPr lang="en-US" dirty="0" err="1"/>
               <a:t>partir</a:t>
             </a:r>
             <a:r>
-              <a:rPr lang="en-US" dirty="0" smtClean="0"/>
+              <a:rPr lang="en-US" dirty="0"/>
               <a:t> das </a:t>
             </a:r>
             <a:r>
-              <a:rPr lang="en-US" dirty="0" err="1" smtClean="0"/>
+              <a:rPr lang="en-US" dirty="0" err="1"/>
               <a:t>notas</a:t>
             </a:r>
             <a:r>
-              <a:rPr lang="en-US" dirty="0" smtClean="0"/>
+              <a:rPr lang="en-US" dirty="0"/>
               <a:t> </a:t>
             </a:r>
             <a:r>
-              <a:rPr lang="en-US" dirty="0" err="1" smtClean="0"/>
+              <a:rPr lang="en-US" dirty="0" err="1"/>
               <a:t>disponíveis</a:t>
             </a:r>
             <a:endParaRPr dirty="0"/>
@@ -50587,13 +51015,6 @@
   <p:clrMapOvr>
     <a:masterClrMapping/>
   </p:clrMapOvr>
-  <p:timing>
-    <p:tnLst>
-      <p:par>
-        <p:cTn id="1" dur="indefinite" restart="never" nodeType="tmRoot"/>
-      </p:par>
-    </p:tnLst>
-  </p:timing>
 </p:sld>
 </file>
 
@@ -50654,15 +51075,7 @@
                   <a:srgbClr val="F3F3F3"/>
                 </a:solidFill>
               </a:rPr>
-              <a:t>Distribuição de </a:t>
-            </a:r>
-            <a:r>
-              <a:rPr lang="pt-BR" dirty="0" smtClean="0">
-                <a:solidFill>
-                  <a:srgbClr val="F3F3F3"/>
-                </a:solidFill>
-              </a:rPr>
-              <a:t>notas dos candidatos por disciplinas</a:t>
+              <a:t>Distribuição de notas dos candidatos por disciplinas</a:t>
             </a:r>
             <a:endParaRPr dirty="0">
               <a:solidFill>
@@ -50706,13 +51119,6 @@
   <p:clrMapOvr>
     <a:masterClrMapping/>
   </p:clrMapOvr>
-  <p:timing>
-    <p:tnLst>
-      <p:par>
-        <p:cTn id="1" dur="indefinite" restart="never" nodeType="tmRoot"/>
-      </p:par>
-    </p:tnLst>
-  </p:timing>
 </p:sld>
 </file>
 

--- a/Apresentacao_Previsao_de_Desempenho_ENEM.pptx
+++ b/Apresentacao_Previsao_de_Desempenho_ENEM.pptx
@@ -47,11 +47,11 @@
     <p:sldId id="329" r:id="rId38"/>
     <p:sldId id="300" r:id="rId39"/>
     <p:sldId id="263" r:id="rId40"/>
-    <p:sldId id="327" r:id="rId41"/>
-    <p:sldId id="340" r:id="rId42"/>
+    <p:sldId id="340" r:id="rId41"/>
+    <p:sldId id="341" r:id="rId42"/>
     <p:sldId id="342" r:id="rId43"/>
-    <p:sldId id="326" r:id="rId44"/>
-    <p:sldId id="341" r:id="rId45"/>
+    <p:sldId id="343" r:id="rId44"/>
+    <p:sldId id="344" r:id="rId45"/>
     <p:sldId id="313" r:id="rId46"/>
     <p:sldId id="305" r:id="rId47"/>
     <p:sldId id="328" r:id="rId48"/>
@@ -70,13 +70,13 @@
   <p:notesSz cx="6858000" cy="9144000"/>
   <p:embeddedFontLst>
     <p:embeddedFont>
-      <p:font typeface="Cambria Math" panose="02040503050406030204" pitchFamily="18" charset="0"/>
+      <p:font typeface="Quicksand" panose="020B0604020202020204" charset="0"/>
       <p:regular r:id="rId60"/>
+      <p:bold r:id="rId61"/>
     </p:embeddedFont>
     <p:embeddedFont>
-      <p:font typeface="Quicksand" panose="020B0604020202020204" charset="0"/>
-      <p:regular r:id="rId61"/>
-      <p:bold r:id="rId62"/>
+      <p:font typeface="Cambria Math" panose="02040503050406030204" pitchFamily="18" charset="0"/>
+      <p:regular r:id="rId62"/>
     </p:embeddedFont>
   </p:embeddedFontLst>
   <p:defaultTextStyle>
@@ -4567,7 +4567,7 @@
     </p:spTree>
     <p:extLst>
       <p:ext uri="{BB962C8B-B14F-4D97-AF65-F5344CB8AC3E}">
-        <p14:creationId xmlns:p14="http://schemas.microsoft.com/office/powerpoint/2010/main" val="3782645668"/>
+        <p14:creationId xmlns:p14="http://schemas.microsoft.com/office/powerpoint/2010/main" val="2542609693"/>
       </p:ext>
     </p:extLst>
   </p:cSld>
@@ -4676,7 +4676,7 @@
     </p:spTree>
     <p:extLst>
       <p:ext uri="{BB962C8B-B14F-4D97-AF65-F5344CB8AC3E}">
-        <p14:creationId xmlns:p14="http://schemas.microsoft.com/office/powerpoint/2010/main" val="1638400048"/>
+        <p14:creationId xmlns:p14="http://schemas.microsoft.com/office/powerpoint/2010/main" val="3510356812"/>
       </p:ext>
     </p:extLst>
   </p:cSld>
@@ -4785,7 +4785,7 @@
     </p:spTree>
     <p:extLst>
       <p:ext uri="{BB962C8B-B14F-4D97-AF65-F5344CB8AC3E}">
-        <p14:creationId xmlns:p14="http://schemas.microsoft.com/office/powerpoint/2010/main" val="1398119006"/>
+        <p14:creationId xmlns:p14="http://schemas.microsoft.com/office/powerpoint/2010/main" val="3937292857"/>
       </p:ext>
     </p:extLst>
   </p:cSld>
@@ -4894,7 +4894,7 @@
     </p:spTree>
     <p:extLst>
       <p:ext uri="{BB962C8B-B14F-4D97-AF65-F5344CB8AC3E}">
-        <p14:creationId xmlns:p14="http://schemas.microsoft.com/office/powerpoint/2010/main" val="371576252"/>
+        <p14:creationId xmlns:p14="http://schemas.microsoft.com/office/powerpoint/2010/main" val="1959179066"/>
       </p:ext>
     </p:extLst>
   </p:cSld>
@@ -7228,7 +7228,7 @@
             </a:pPr>
             <a:fld id="{00000000-1234-1234-1234-123412341234}" type="slidenum">
               <a:rPr lang="en"/>
-              <a:t>‹nº›</a:t>
+              <a:t>‹#›</a:t>
             </a:fld>
             <a:endParaRPr/>
           </a:p>
@@ -7662,7 +7662,7 @@
             </a:pPr>
             <a:fld id="{00000000-1234-1234-1234-123412341234}" type="slidenum">
               <a:rPr lang="en"/>
-              <a:t>‹nº›</a:t>
+              <a:t>‹#›</a:t>
             </a:fld>
             <a:endParaRPr/>
           </a:p>
@@ -7972,7 +7972,7 @@
             </a:pPr>
             <a:fld id="{00000000-1234-1234-1234-123412341234}" type="slidenum">
               <a:rPr lang="en"/>
-              <a:t>‹nº›</a:t>
+              <a:t>‹#›</a:t>
             </a:fld>
             <a:endParaRPr/>
           </a:p>
@@ -8627,7 +8627,7 @@
             </a:pPr>
             <a:fld id="{00000000-1234-1234-1234-123412341234}" type="slidenum">
               <a:rPr lang="en"/>
-              <a:t>‹nº›</a:t>
+              <a:t>‹#›</a:t>
             </a:fld>
             <a:endParaRPr/>
           </a:p>
@@ -8895,7 +8895,7 @@
             </a:pPr>
             <a:fld id="{00000000-1234-1234-1234-123412341234}" type="slidenum">
               <a:rPr lang="en"/>
-              <a:t>‹nº›</a:t>
+              <a:t>‹#›</a:t>
             </a:fld>
             <a:endParaRPr/>
           </a:p>
@@ -9642,7 +9642,7 @@
             </a:pPr>
             <a:fld id="{00000000-1234-1234-1234-123412341234}" type="slidenum">
               <a:rPr lang="en"/>
-              <a:t>‹nº›</a:t>
+              <a:t>‹#›</a:t>
             </a:fld>
             <a:endParaRPr/>
           </a:p>
@@ -10399,7 +10399,7 @@
           <a:p>
             <a:pPr lvl="0"/>
             <a:r>
-              <a:rPr lang="pt-BR" sz="4400" dirty="0"/>
+              <a:rPr lang="pt-BR" sz="4400" dirty="0" smtClean="0"/>
               <a:t>Prevendo desempenho no ENEM através de fatores socioeconômicos</a:t>
             </a:r>
             <a:endParaRPr sz="4400" dirty="0"/>
@@ -10684,13 +10684,18 @@
               <a:buNone/>
             </a:pPr>
             <a:r>
-              <a:rPr lang="en-US" sz="1600" b="1" dirty="0">
+              <a:rPr lang="en-US" sz="1600" b="1" dirty="0" smtClean="0">
                 <a:solidFill>
                   <a:srgbClr val="F3F3F3"/>
                 </a:solidFill>
               </a:rPr>
               <a:t>Gustavo Coelho</a:t>
             </a:r>
+            <a:endParaRPr lang="en-US" sz="1600" b="1" dirty="0">
+              <a:solidFill>
+                <a:srgbClr val="F3F3F3"/>
+              </a:solidFill>
+            </a:endParaRPr>
           </a:p>
         </p:txBody>
       </p:sp>
@@ -10972,13 +10977,18 @@
               <a:buNone/>
             </a:pPr>
             <a:r>
-              <a:rPr lang="en-US" sz="1600" b="1" dirty="0">
+              <a:rPr lang="en-US" sz="1600" b="1" dirty="0" smtClean="0">
                 <a:solidFill>
                   <a:srgbClr val="F3F3F3"/>
                 </a:solidFill>
               </a:rPr>
               <a:t>Andre Pessoa</a:t>
             </a:r>
+            <a:endParaRPr lang="en-US" sz="1600" b="1" dirty="0">
+              <a:solidFill>
+                <a:srgbClr val="F3F3F3"/>
+              </a:solidFill>
+            </a:endParaRPr>
           </a:p>
         </p:txBody>
       </p:sp>
@@ -11260,7 +11270,7 @@
               <a:buNone/>
             </a:pPr>
             <a:r>
-              <a:rPr lang="en-US" sz="1600" b="1" dirty="0">
+              <a:rPr lang="en-US" sz="1600" b="1" dirty="0" smtClean="0">
                 <a:solidFill>
                   <a:srgbClr val="F3F3F3"/>
                 </a:solidFill>
@@ -11268,7 +11278,7 @@
               <a:t>Gerardo </a:t>
             </a:r>
             <a:r>
-              <a:rPr lang="en-US" sz="1600" b="1" dirty="0" err="1">
+              <a:rPr lang="en-US" sz="1600" b="1" dirty="0" err="1" smtClean="0">
                 <a:solidFill>
                   <a:srgbClr val="F3F3F3"/>
                 </a:solidFill>
@@ -11291,6 +11301,13 @@
   <p:transition>
     <p:fade thruBlk="1"/>
   </p:transition>
+  <p:timing>
+    <p:tnLst>
+      <p:par>
+        <p:cTn id="1" dur="indefinite" restart="never" nodeType="tmRoot"/>
+      </p:par>
+    </p:tnLst>
+  </p:timing>
 </p:sld>
 </file>
 
@@ -11338,7 +11355,7 @@
           <a:p>
             <a:pPr marL="0" lvl="0" indent="0"/>
             <a:r>
-              <a:rPr lang="pt-BR" dirty="0">
+              <a:rPr lang="pt-BR" dirty="0" smtClean="0">
                 <a:solidFill>
                   <a:srgbClr val="F3F3F3"/>
                 </a:solidFill>
@@ -11346,7 +11363,7 @@
               <a:t>Distribuição da nota média dos candidatos. </a:t>
             </a:r>
             <a:r>
-              <a:rPr lang="pt-BR" u="sng" dirty="0">
+              <a:rPr lang="pt-BR" u="sng" dirty="0" smtClean="0">
                 <a:solidFill>
                   <a:srgbClr val="F3F3F3"/>
                 </a:solidFill>
@@ -11660,7 +11677,7 @@
           <a:p>
             <a:pPr marL="0" indent="0"/>
             <a:r>
-              <a:rPr lang="pt-BR" dirty="0">
+              <a:rPr lang="pt-BR" dirty="0" smtClean="0">
                 <a:solidFill>
                   <a:srgbClr val="F3F3F3"/>
                 </a:solidFill>
@@ -11676,7 +11693,15 @@
                   <a:srgbClr val="F3F3F3"/>
                 </a:solidFill>
               </a:rPr>
-              <a:t>Nota &gt; 521.84: 0 </a:t>
+              <a:t>N</a:t>
+            </a:r>
+            <a:r>
+              <a:rPr lang="pt-BR" dirty="0" smtClean="0">
+                <a:solidFill>
+                  <a:srgbClr val="F3F3F3"/>
+                </a:solidFill>
+              </a:rPr>
+              <a:t>ota &gt; 521.84: 0 </a:t>
             </a:r>
           </a:p>
           <a:p>
@@ -11687,8 +11712,21 @@
                   <a:srgbClr val="F3F3F3"/>
                 </a:solidFill>
               </a:rPr>
-              <a:t>Nota &lt; 521.84: 1</a:t>
+              <a:t>N</a:t>
             </a:r>
+            <a:r>
+              <a:rPr lang="pt-BR" dirty="0" smtClean="0">
+                <a:solidFill>
+                  <a:srgbClr val="F3F3F3"/>
+                </a:solidFill>
+              </a:rPr>
+              <a:t>ota &lt; 521.84: 1</a:t>
+            </a:r>
+            <a:endParaRPr lang="pt-BR" dirty="0">
+              <a:solidFill>
+                <a:srgbClr val="F3F3F3"/>
+              </a:solidFill>
+            </a:endParaRPr>
           </a:p>
         </p:txBody>
       </p:sp>
@@ -11908,7 +11946,7 @@
               <a:buNone/>
             </a:pPr>
             <a:r>
-              <a:rPr lang="en" dirty="0"/>
+              <a:rPr lang="en" dirty="0" smtClean="0"/>
               <a:t>Análise Exploratória</a:t>
             </a:r>
             <a:endParaRPr dirty="0"/>
@@ -11950,7 +11988,7 @@
               <a:buNone/>
             </a:pPr>
             <a:r>
-              <a:rPr lang="en" dirty="0"/>
+              <a:rPr lang="en" dirty="0" smtClean="0"/>
               <a:t>Identificando padrões visuais</a:t>
             </a:r>
             <a:endParaRPr dirty="0"/>
@@ -12025,6 +12063,13 @@
   <p:clrMapOvr>
     <a:masterClrMapping/>
   </p:clrMapOvr>
+  <p:timing>
+    <p:tnLst>
+      <p:par>
+        <p:cTn id="1" dur="indefinite" restart="never" nodeType="tmRoot"/>
+      </p:par>
+    </p:tnLst>
+  </p:timing>
 </p:sld>
 </file>
 
@@ -12080,7 +12125,7 @@
               <a:buNone/>
             </a:pPr>
             <a:r>
-              <a:rPr lang="en" dirty="0"/>
+              <a:rPr lang="en" dirty="0" smtClean="0"/>
               <a:t>Alto grau de relação</a:t>
             </a:r>
             <a:endParaRPr dirty="0"/>
@@ -12122,7 +12167,7 @@
               <a:buNone/>
             </a:pPr>
             <a:r>
-              <a:rPr lang="en" sz="1600" dirty="0"/>
+              <a:rPr lang="en" sz="1600" dirty="0" smtClean="0"/>
               <a:t>Variáveis com aparente alto grau de relação com a variável alvo</a:t>
             </a:r>
             <a:endParaRPr sz="1600" dirty="0"/>
@@ -12185,6 +12230,13 @@
   <p:clrMapOvr>
     <a:masterClrMapping/>
   </p:clrMapOvr>
+  <p:timing>
+    <p:tnLst>
+      <p:par>
+        <p:cTn id="1" dur="indefinite" restart="never" nodeType="tmRoot"/>
+      </p:par>
+    </p:tnLst>
+  </p:timing>
 </p:sld>
 </file>
 
@@ -12253,7 +12305,15 @@
                   <a:srgbClr val="F3F3F3"/>
                 </a:solidFill>
               </a:rPr>
-              <a:t> e a variável alvo</a:t>
+              <a:t> e a variável </a:t>
+            </a:r>
+            <a:r>
+              <a:rPr lang="pt-BR" dirty="0" smtClean="0">
+                <a:solidFill>
+                  <a:srgbClr val="F3F3F3"/>
+                </a:solidFill>
+              </a:rPr>
+              <a:t>alvo</a:t>
             </a:r>
             <a:endParaRPr dirty="0">
               <a:solidFill>
@@ -12297,6 +12357,13 @@
   <p:clrMapOvr>
     <a:masterClrMapping/>
   </p:clrMapOvr>
+  <p:timing>
+    <p:tnLst>
+      <p:par>
+        <p:cTn id="1" dur="indefinite" restart="never" nodeType="tmRoot"/>
+      </p:par>
+    </p:tnLst>
+  </p:timing>
 </p:sld>
 </file>
 
@@ -12353,7 +12420,11 @@
             </a:r>
             <a:r>
               <a:rPr lang="pt-BR" dirty="0"/>
-              <a:t> e a variável alvo</a:t>
+              <a:t> e a variável </a:t>
+            </a:r>
+            <a:r>
+              <a:rPr lang="pt-BR" dirty="0" smtClean="0"/>
+              <a:t>alvo</a:t>
             </a:r>
             <a:endParaRPr dirty="0">
               <a:solidFill>
@@ -12397,6 +12468,13 @@
   <p:clrMapOvr>
     <a:masterClrMapping/>
   </p:clrMapOvr>
+  <p:timing>
+    <p:tnLst>
+      <p:par>
+        <p:cTn id="1" dur="indefinite" restart="never" nodeType="tmRoot"/>
+      </p:par>
+    </p:tnLst>
+  </p:timing>
 </p:sld>
 </file>
 
@@ -12465,7 +12543,15 @@
                   <a:srgbClr val="F3F3F3"/>
                 </a:solidFill>
               </a:rPr>
-              <a:t> e a variável alvo</a:t>
+              <a:t> e a variável </a:t>
+            </a:r>
+            <a:r>
+              <a:rPr lang="pt-BR" sz="1600" dirty="0" smtClean="0">
+                <a:solidFill>
+                  <a:srgbClr val="F3F3F3"/>
+                </a:solidFill>
+              </a:rPr>
+              <a:t>alvo</a:t>
             </a:r>
             <a:endParaRPr sz="1600" dirty="0">
               <a:solidFill>
@@ -12509,6 +12595,13 @@
   <p:clrMapOvr>
     <a:masterClrMapping/>
   </p:clrMapOvr>
+  <p:timing>
+    <p:tnLst>
+      <p:par>
+        <p:cTn id="1" dur="indefinite" restart="never" nodeType="tmRoot"/>
+      </p:par>
+    </p:tnLst>
+  </p:timing>
 </p:sld>
 </file>
 
@@ -12564,7 +12657,7 @@
               <a:buNone/>
             </a:pPr>
             <a:r>
-              <a:rPr lang="en" dirty="0"/>
+              <a:rPr lang="en" dirty="0" smtClean="0"/>
               <a:t>Baixo grau de relação</a:t>
             </a:r>
             <a:endParaRPr dirty="0"/>
@@ -12606,7 +12699,7 @@
               <a:buNone/>
             </a:pPr>
             <a:r>
-              <a:rPr lang="en" sz="1600" dirty="0"/>
+              <a:rPr lang="en" sz="1600" dirty="0" smtClean="0"/>
               <a:t>Variáveis com aparente baixo grau de relação com a variável alvo</a:t>
             </a:r>
             <a:endParaRPr sz="1600" dirty="0"/>
@@ -12669,6 +12762,13 @@
   <p:clrMapOvr>
     <a:masterClrMapping/>
   </p:clrMapOvr>
+  <p:timing>
+    <p:tnLst>
+      <p:par>
+        <p:cTn id="1" dur="indefinite" restart="never" nodeType="tmRoot"/>
+      </p:par>
+    </p:tnLst>
+  </p:timing>
 </p:sld>
 </file>
 
@@ -12781,6 +12881,13 @@
   <p:clrMapOvr>
     <a:masterClrMapping/>
   </p:clrMapOvr>
+  <p:timing>
+    <p:tnLst>
+      <p:par>
+        <p:cTn id="1" dur="indefinite" restart="never" nodeType="tmRoot"/>
+      </p:par>
+    </p:tnLst>
+  </p:timing>
 </p:sld>
 </file>
 
@@ -12881,6 +12988,13 @@
   <p:clrMapOvr>
     <a:masterClrMapping/>
   </p:clrMapOvr>
+  <p:timing>
+    <p:tnLst>
+      <p:par>
+        <p:cTn id="1" dur="indefinite" restart="never" nodeType="tmRoot"/>
+      </p:par>
+    </p:tnLst>
+  </p:timing>
 </p:sld>
 </file>
 
@@ -12936,7 +13050,7 @@
               <a:buNone/>
             </a:pPr>
             <a:r>
-              <a:rPr lang="en" dirty="0"/>
+              <a:rPr lang="en" dirty="0" smtClean="0"/>
               <a:t>Feature Engineering</a:t>
             </a:r>
             <a:endParaRPr dirty="0"/>
@@ -12978,7 +13092,7 @@
               <a:buNone/>
             </a:pPr>
             <a:r>
-              <a:rPr lang="en" dirty="0"/>
+              <a:rPr lang="en" dirty="0" smtClean="0"/>
               <a:t>Extraindo conhecimento dos dados</a:t>
             </a:r>
             <a:endParaRPr dirty="0"/>
@@ -13053,6 +13167,13 @@
   <p:clrMapOvr>
     <a:masterClrMapping/>
   </p:clrMapOvr>
+  <p:timing>
+    <p:tnLst>
+      <p:par>
+        <p:cTn id="1" dur="indefinite" restart="never" nodeType="tmRoot"/>
+      </p:par>
+    </p:tnLst>
+  </p:timing>
 </p:sld>
 </file>
 
@@ -13108,7 +13229,7 @@
               <a:buNone/>
             </a:pPr>
             <a:r>
-              <a:rPr lang="en" dirty="0">
+              <a:rPr lang="en" dirty="0" smtClean="0">
                 <a:solidFill>
                   <a:srgbClr val="39C0BA"/>
                 </a:solidFill>
@@ -13162,7 +13283,7 @@
               <a:buChar char="◦"/>
             </a:pPr>
             <a:r>
-              <a:rPr lang="en" sz="2400" dirty="0"/>
+              <a:rPr lang="en" sz="2400" dirty="0" smtClean="0"/>
               <a:t>Desigualdade socioeconômica brasileira</a:t>
             </a:r>
             <a:endParaRPr sz="2400" dirty="0"/>
@@ -13449,31 +13570,31 @@
               <a:buSzPts val="2400"/>
             </a:pPr>
             <a:r>
-              <a:rPr lang="en-US" sz="2400" dirty="0" err="1"/>
+              <a:rPr lang="en-US" sz="2400" dirty="0" err="1" smtClean="0"/>
               <a:t>Impacto</a:t>
             </a:r>
             <a:r>
-              <a:rPr lang="en-US" sz="2400" dirty="0"/>
+              <a:rPr lang="en-US" sz="2400" dirty="0" smtClean="0"/>
               <a:t> da </a:t>
             </a:r>
             <a:r>
-              <a:rPr lang="en-US" sz="2400" dirty="0" err="1"/>
+              <a:rPr lang="en-US" sz="2400" dirty="0" err="1" smtClean="0"/>
               <a:t>desigualdade</a:t>
             </a:r>
             <a:r>
-              <a:rPr lang="en-US" sz="2400" dirty="0"/>
+              <a:rPr lang="en-US" sz="2400" dirty="0" smtClean="0"/>
               <a:t> </a:t>
             </a:r>
             <a:r>
-              <a:rPr lang="en-US" sz="2400" dirty="0" err="1"/>
+              <a:rPr lang="en-US" sz="2400" dirty="0" err="1" smtClean="0"/>
               <a:t>na</a:t>
             </a:r>
             <a:r>
-              <a:rPr lang="en-US" sz="2400" dirty="0"/>
+              <a:rPr lang="en-US" sz="2400" dirty="0" smtClean="0"/>
               <a:t> </a:t>
             </a:r>
             <a:r>
-              <a:rPr lang="en-US" sz="2400" dirty="0" err="1"/>
+              <a:rPr lang="en-US" sz="2400" dirty="0" err="1" smtClean="0"/>
               <a:t>educação</a:t>
             </a:r>
             <a:endParaRPr lang="en-US" sz="2400" dirty="0"/>
@@ -13760,13 +13881,14 @@
               <a:buSzPts val="2400"/>
             </a:pPr>
             <a:r>
-              <a:rPr lang="en-US" sz="2400" dirty="0" err="1"/>
+              <a:rPr lang="en-US" sz="2400" dirty="0" err="1" smtClean="0"/>
               <a:t>Por</a:t>
             </a:r>
             <a:r>
-              <a:rPr lang="en-US" sz="2400" dirty="0"/>
+              <a:rPr lang="en-US" sz="2400" dirty="0" smtClean="0"/>
               <a:t> que o ENEM?</a:t>
             </a:r>
+            <a:endParaRPr lang="en-US" sz="2400" dirty="0"/>
           </a:p>
         </p:txBody>
       </p:sp>
@@ -14049,11 +14171,11 @@
               </a:buClr>
             </a:pPr>
             <a:r>
-              <a:rPr lang="en-US" sz="1800" dirty="0"/>
+              <a:rPr lang="en-US" sz="1800" dirty="0" smtClean="0"/>
               <a:t>Dados </a:t>
             </a:r>
             <a:r>
-              <a:rPr lang="en-US" sz="1800" dirty="0" err="1"/>
+              <a:rPr lang="en-US" sz="1800" dirty="0" err="1" smtClean="0"/>
               <a:t>abertos</a:t>
             </a:r>
             <a:endParaRPr lang="en-US" sz="1800" dirty="0"/>
@@ -14339,31 +14461,31 @@
               </a:buClr>
             </a:pPr>
             <a:r>
-              <a:rPr lang="en-US" sz="1800" dirty="0" err="1"/>
+              <a:rPr lang="en-US" sz="1800" dirty="0" err="1" smtClean="0"/>
               <a:t>Inclui</a:t>
             </a:r>
             <a:r>
-              <a:rPr lang="en-US" sz="1800" dirty="0"/>
+              <a:rPr lang="en-US" sz="1800" dirty="0" smtClean="0"/>
               <a:t> </a:t>
             </a:r>
             <a:r>
-              <a:rPr lang="en-US" sz="1800" dirty="0" err="1"/>
+              <a:rPr lang="en-US" sz="1800" dirty="0" err="1" smtClean="0"/>
               <a:t>diversas</a:t>
             </a:r>
             <a:r>
-              <a:rPr lang="en-US" sz="1800" dirty="0"/>
+              <a:rPr lang="en-US" sz="1800" dirty="0" smtClean="0"/>
               <a:t> </a:t>
             </a:r>
             <a:r>
-              <a:rPr lang="en-US" sz="1800" dirty="0" err="1"/>
+              <a:rPr lang="en-US" sz="1800" dirty="0" err="1" smtClean="0"/>
               <a:t>camadas</a:t>
             </a:r>
             <a:r>
-              <a:rPr lang="en-US" sz="1800" dirty="0"/>
+              <a:rPr lang="en-US" sz="1800" dirty="0" smtClean="0"/>
               <a:t> </a:t>
             </a:r>
             <a:r>
-              <a:rPr lang="en-US" sz="1800" dirty="0" err="1"/>
+              <a:rPr lang="en-US" sz="1800" dirty="0" err="1" smtClean="0"/>
               <a:t>sociais</a:t>
             </a:r>
             <a:endParaRPr lang="en-US" sz="1800" dirty="0"/>
@@ -14649,19 +14771,19 @@
               </a:buClr>
             </a:pPr>
             <a:r>
-              <a:rPr lang="en-US" sz="1800" dirty="0" err="1"/>
+              <a:rPr lang="en-US" sz="1800" dirty="0" err="1" smtClean="0"/>
               <a:t>Registro</a:t>
             </a:r>
             <a:r>
-              <a:rPr lang="en-US" sz="1800" dirty="0"/>
+              <a:rPr lang="en-US" sz="1800" dirty="0" smtClean="0"/>
               <a:t> </a:t>
             </a:r>
             <a:r>
-              <a:rPr lang="en-US" sz="1800" dirty="0" err="1"/>
+              <a:rPr lang="en-US" sz="1800" dirty="0" err="1" smtClean="0"/>
               <a:t>detalhado</a:t>
             </a:r>
             <a:r>
-              <a:rPr lang="en-US" sz="1800" dirty="0"/>
+              <a:rPr lang="en-US" sz="1800" dirty="0" smtClean="0"/>
               <a:t> dos </a:t>
             </a:r>
             <a:r>
@@ -15161,15 +15283,15 @@
           <a:p>
             <a:pPr marL="0" lvl="0" indent="0"/>
             <a:r>
-              <a:rPr lang="pt-BR" b="1" u="sng" dirty="0"/>
+              <a:rPr lang="pt-BR" b="1" u="sng" dirty="0" smtClean="0"/>
               <a:t>Renda per capta</a:t>
             </a:r>
             <a:r>
-              <a:rPr lang="pt-BR" b="1" dirty="0"/>
+              <a:rPr lang="pt-BR" b="1" dirty="0" smtClean="0"/>
               <a:t>: </a:t>
             </a:r>
             <a:r>
-              <a:rPr lang="pt-BR" dirty="0"/>
+              <a:rPr lang="pt-BR" dirty="0" smtClean="0"/>
               <a:t>Renda familiar / Número de pessoas na residência</a:t>
             </a:r>
             <a:endParaRPr dirty="0">
@@ -15214,6 +15336,13 @@
   <p:clrMapOvr>
     <a:masterClrMapping/>
   </p:clrMapOvr>
+  <p:timing>
+    <p:tnLst>
+      <p:par>
+        <p:cTn id="1" dur="indefinite" restart="never" nodeType="tmRoot"/>
+      </p:par>
+    </p:tnLst>
+  </p:timing>
 </p:sld>
 </file>
 
@@ -15261,20 +15390,24 @@
           <a:p>
             <a:pPr marL="0" lvl="0" indent="0"/>
             <a:r>
-              <a:rPr lang="pt-BR" sz="1600" b="1" u="sng" dirty="0"/>
+              <a:rPr lang="pt-BR" sz="1600" b="1" u="sng" dirty="0" smtClean="0"/>
               <a:t>Pessoas por quarto</a:t>
             </a:r>
             <a:r>
-              <a:rPr lang="pt-BR" sz="1600" dirty="0"/>
+              <a:rPr lang="pt-BR" sz="1600" dirty="0" smtClean="0"/>
               <a:t>: Número de pessoas na residência</a:t>
             </a:r>
             <a:r>
-              <a:rPr lang="en-US" sz="1600" dirty="0"/>
+              <a:rPr lang="en-US" sz="1600" dirty="0" smtClean="0"/>
               <a:t> /</a:t>
             </a:r>
             <a:r>
               <a:rPr lang="pt-BR" sz="1600" dirty="0"/>
-              <a:t> Número de quartos</a:t>
+              <a:t> Número de </a:t>
+            </a:r>
+            <a:r>
+              <a:rPr lang="pt-BR" sz="1600" dirty="0" smtClean="0"/>
+              <a:t>quartos</a:t>
             </a:r>
             <a:endParaRPr sz="1600" dirty="0">
               <a:solidFill>
@@ -15318,6 +15451,13 @@
   <p:clrMapOvr>
     <a:masterClrMapping/>
   </p:clrMapOvr>
+  <p:timing>
+    <p:tnLst>
+      <p:par>
+        <p:cTn id="1" dur="indefinite" restart="never" nodeType="tmRoot"/>
+      </p:par>
+    </p:tnLst>
+  </p:timing>
 </p:sld>
 </file>
 
@@ -15365,12 +15505,24 @@
           <a:p>
             <a:pPr marL="0" indent="0"/>
             <a:r>
-              <a:rPr lang="pt-BR" sz="1400" b="1" u="sng" dirty="0"/>
+              <a:rPr lang="pt-BR" sz="1400" b="1" u="sng" dirty="0" smtClean="0"/>
               <a:t>Computadores por pessoa</a:t>
             </a:r>
             <a:r>
               <a:rPr lang="pt-BR" sz="1400" dirty="0"/>
-              <a:t>: Número de computadores / Número de pessoas na residência</a:t>
+              <a:t>: </a:t>
+            </a:r>
+            <a:r>
+              <a:rPr lang="pt-BR" sz="1400" dirty="0" smtClean="0"/>
+              <a:t>Número </a:t>
+            </a:r>
+            <a:r>
+              <a:rPr lang="pt-BR" sz="1400" dirty="0"/>
+              <a:t>de </a:t>
+            </a:r>
+            <a:r>
+              <a:rPr lang="pt-BR" sz="1400" dirty="0" smtClean="0"/>
+              <a:t>computadores / Número de pessoas na residência</a:t>
             </a:r>
             <a:endParaRPr sz="1400" dirty="0">
               <a:solidFill>
@@ -15414,6 +15566,13 @@
   <p:clrMapOvr>
     <a:masterClrMapping/>
   </p:clrMapOvr>
+  <p:timing>
+    <p:tnLst>
+      <p:par>
+        <p:cTn id="1" dur="indefinite" restart="never" nodeType="tmRoot"/>
+      </p:par>
+    </p:tnLst>
+  </p:timing>
 </p:sld>
 </file>
 
@@ -15461,11 +15620,11 @@
           <a:p>
             <a:pPr marL="0" lvl="0" indent="0"/>
             <a:r>
-              <a:rPr lang="pt-BR" sz="1400" b="1" u="sng" dirty="0"/>
+              <a:rPr lang="pt-BR" sz="1400" b="1" u="sng" dirty="0" smtClean="0"/>
               <a:t>Celulares por pessoa</a:t>
             </a:r>
             <a:r>
-              <a:rPr lang="pt-BR" sz="1400" dirty="0"/>
+              <a:rPr lang="pt-BR" sz="1400" dirty="0" smtClean="0"/>
               <a:t>: Número de celulares / Número de pessoas na residência</a:t>
             </a:r>
             <a:endParaRPr sz="1400" dirty="0">
@@ -15510,6 +15669,13 @@
   <p:clrMapOvr>
     <a:masterClrMapping/>
   </p:clrMapOvr>
+  <p:timing>
+    <p:tnLst>
+      <p:par>
+        <p:cTn id="1" dur="indefinite" restart="never" nodeType="tmRoot"/>
+      </p:par>
+    </p:tnLst>
+  </p:timing>
 </p:sld>
 </file>
 
@@ -15565,7 +15731,7 @@
               <a:buNone/>
             </a:pPr>
             <a:r>
-              <a:rPr lang="en" dirty="0">
+              <a:rPr lang="en" dirty="0" smtClean="0">
                 <a:solidFill>
                   <a:srgbClr val="39C0BA"/>
                 </a:solidFill>
@@ -15860,13 +16026,14 @@
               <a:buSzPts val="2400"/>
             </a:pPr>
             <a:r>
-              <a:rPr lang="en-US" sz="1400" dirty="0" err="1"/>
+              <a:rPr lang="en-US" sz="1400" dirty="0" err="1" smtClean="0"/>
               <a:t>Opção</a:t>
             </a:r>
             <a:r>
-              <a:rPr lang="en-US" sz="1400" dirty="0"/>
+              <a:rPr lang="en-US" sz="1400" dirty="0" smtClean="0"/>
               <a:t> 1: Naïve Encoding</a:t>
             </a:r>
+            <a:endParaRPr lang="en-US" sz="1400" dirty="0"/>
           </a:p>
         </p:txBody>
       </p:sp>
@@ -16151,41 +16318,42 @@
               <a:buNone/>
             </a:pPr>
             <a:r>
-              <a:rPr lang="en-US" sz="1400" dirty="0"/>
+              <a:rPr lang="en-US" sz="1400" dirty="0" smtClean="0"/>
               <a:t>(</a:t>
             </a:r>
             <a:r>
-              <a:rPr lang="en-US" sz="1400" dirty="0" err="1"/>
+              <a:rPr lang="en-US" sz="1400" dirty="0" err="1" smtClean="0"/>
               <a:t>Não</a:t>
             </a:r>
             <a:r>
-              <a:rPr lang="en-US" sz="1400" dirty="0"/>
+              <a:rPr lang="en-US" sz="1400" dirty="0" smtClean="0"/>
               <a:t> </a:t>
             </a:r>
             <a:r>
-              <a:rPr lang="en-US" sz="1400" dirty="0" err="1"/>
+              <a:rPr lang="en-US" sz="1400" dirty="0" err="1" smtClean="0"/>
               <a:t>garante</a:t>
             </a:r>
             <a:r>
-              <a:rPr lang="en-US" sz="1400" dirty="0"/>
+              <a:rPr lang="en-US" sz="1400" dirty="0" smtClean="0"/>
               <a:t> a </a:t>
             </a:r>
             <a:r>
-              <a:rPr lang="en-US" sz="1400" dirty="0" err="1"/>
+              <a:rPr lang="en-US" sz="1400" dirty="0" err="1" smtClean="0"/>
               <a:t>ordenação</a:t>
             </a:r>
             <a:r>
-              <a:rPr lang="en-US" sz="1400" dirty="0"/>
+              <a:rPr lang="en-US" sz="1400" dirty="0" smtClean="0"/>
               <a:t> </a:t>
             </a:r>
             <a:r>
-              <a:rPr lang="en-US" sz="1400" dirty="0" err="1"/>
+              <a:rPr lang="en-US" sz="1400" dirty="0" err="1" smtClean="0"/>
               <a:t>correta</a:t>
             </a:r>
             <a:r>
-              <a:rPr lang="en-US" sz="1400" dirty="0"/>
+              <a:rPr lang="en-US" sz="1400" dirty="0" smtClean="0"/>
               <a:t>)</a:t>
             </a:r>
+            <a:endParaRPr lang="en-US" sz="1400" dirty="0"/>
           </a:p>
         </p:txBody>
       </p:sp>
@@ -16469,13 +16637,14 @@
               <a:buSzPts val="2400"/>
             </a:pPr>
             <a:r>
-              <a:rPr lang="en-US" sz="1400" dirty="0" err="1"/>
+              <a:rPr lang="en-US" sz="1400" dirty="0" err="1" smtClean="0"/>
               <a:t>Opção</a:t>
             </a:r>
             <a:r>
-              <a:rPr lang="en-US" sz="1400" dirty="0"/>
+              <a:rPr lang="en-US" sz="1400" dirty="0" smtClean="0"/>
               <a:t> 3: Weight of Evidence</a:t>
             </a:r>
+            <a:endParaRPr lang="en-US" sz="1400" dirty="0"/>
           </a:p>
         </p:txBody>
       </p:sp>
@@ -16759,11 +16928,11 @@
               <a:buSzPts val="2400"/>
             </a:pPr>
             <a:r>
-              <a:rPr lang="en-US" sz="1400" dirty="0" err="1"/>
+              <a:rPr lang="en-US" sz="1400" dirty="0" err="1" smtClean="0"/>
               <a:t>Exemplo</a:t>
             </a:r>
             <a:r>
-              <a:rPr lang="en-US" sz="1400" dirty="0"/>
+              <a:rPr lang="en-US" sz="1400" dirty="0" smtClean="0"/>
               <a:t>:</a:t>
             </a:r>
           </a:p>
@@ -16776,7 +16945,7 @@
           <p:nvPr>
             <p:extLst>
               <p:ext uri="{D42A27DB-BD31-4B8C-83A1-F6EECF244321}">
-                <p14:modId xmlns:p14="http://schemas.microsoft.com/office/powerpoint/2010/main" val="3202165428"/>
+                <p14:modId xmlns:p14="http://schemas.microsoft.com/office/powerpoint/2010/main" val="302732695"/>
               </p:ext>
             </p:extLst>
           </p:nvPr>
@@ -16793,20 +16962,8 @@
                 <a:tableStyleId>{F6649823-1A7D-4101-B995-9FE7C7DDEAC8}</a:tableStyleId>
               </a:tblPr>
               <a:tblGrid>
-                <a:gridCol w="686197">
-                  <a:extLst>
-                    <a:ext uri="{9D8B030D-6E8A-4147-A177-3AD203B41FA5}">
-                      <a16:colId xmlns:a16="http://schemas.microsoft.com/office/drawing/2014/main" val="20000"/>
-                    </a:ext>
-                  </a:extLst>
-                </a:gridCol>
-                <a:gridCol w="1108927">
-                  <a:extLst>
-                    <a:ext uri="{9D8B030D-6E8A-4147-A177-3AD203B41FA5}">
-                      <a16:colId xmlns:a16="http://schemas.microsoft.com/office/drawing/2014/main" val="20001"/>
-                    </a:ext>
-                  </a:extLst>
-                </a:gridCol>
+                <a:gridCol w="686197"/>
+                <a:gridCol w="1108927"/>
               </a:tblGrid>
               <a:tr h="0">
                 <a:tc>
@@ -16824,7 +16981,7 @@
                         <a:buNone/>
                       </a:pPr>
                       <a:r>
-                        <a:rPr lang="en-US" sz="700" dirty="0">
+                        <a:rPr lang="en-US" sz="700" dirty="0" smtClean="0">
                           <a:solidFill>
                             <a:srgbClr val="F3F3F3"/>
                           </a:solidFill>
@@ -16833,7 +16990,7 @@
                           <a:cs typeface="Quicksand"/>
                           <a:sym typeface="Quicksand"/>
                         </a:rPr>
-                        <a:t>Encoder “Naïve”</a:t>
+                        <a:t>Naïve Encoder</a:t>
                       </a:r>
                       <a:endParaRPr sz="700" dirty="0">
                         <a:solidFill>
@@ -16902,7 +17059,7 @@
                         <a:buNone/>
                       </a:pPr>
                       <a:r>
-                        <a:rPr lang="en" sz="700" dirty="0">
+                        <a:rPr lang="en" sz="700" dirty="0" smtClean="0">
                           <a:solidFill>
                             <a:srgbClr val="F3F3F3"/>
                           </a:solidFill>
@@ -16965,11 +17122,6 @@
                     </a:lnB>
                   </a:tcPr>
                 </a:tc>
-                <a:extLst>
-                  <a:ext uri="{0D108BD9-81ED-4DB2-BD59-A6C34878D82A}">
-                    <a16:rowId xmlns:a16="http://schemas.microsoft.com/office/drawing/2014/main" val="10000"/>
-                  </a:ext>
-                </a:extLst>
               </a:tr>
               <a:tr h="0">
                 <a:tc>
@@ -16987,7 +17139,7 @@
                         <a:buNone/>
                       </a:pPr>
                       <a:r>
-                        <a:rPr lang="en-US" sz="700" dirty="0">
+                        <a:rPr lang="en-US" sz="700" dirty="0" smtClean="0">
                           <a:solidFill>
                             <a:srgbClr val="F3F3F3"/>
                           </a:solidFill>
@@ -17063,7 +17215,7 @@
                         <a:buNone/>
                       </a:pPr>
                       <a:r>
-                        <a:rPr lang="en" sz="700" dirty="0">
+                        <a:rPr lang="en" sz="700" dirty="0" smtClean="0">
                           <a:solidFill>
                             <a:srgbClr val="F3F3F3"/>
                           </a:solidFill>
@@ -17124,11 +17276,6 @@
                     </a:lnB>
                   </a:tcPr>
                 </a:tc>
-                <a:extLst>
-                  <a:ext uri="{0D108BD9-81ED-4DB2-BD59-A6C34878D82A}">
-                    <a16:rowId xmlns:a16="http://schemas.microsoft.com/office/drawing/2014/main" val="10001"/>
-                  </a:ext>
-                </a:extLst>
               </a:tr>
               <a:tr h="0">
                 <a:tc>
@@ -17146,7 +17293,7 @@
                         <a:buNone/>
                       </a:pPr>
                       <a:r>
-                        <a:rPr lang="en" sz="700" dirty="0">
+                        <a:rPr lang="en" sz="700" dirty="0" smtClean="0">
                           <a:solidFill>
                             <a:srgbClr val="F3F3F3"/>
                           </a:solidFill>
@@ -17222,7 +17369,7 @@
                         <a:buNone/>
                       </a:pPr>
                       <a:r>
-                        <a:rPr lang="en" sz="700" dirty="0">
+                        <a:rPr lang="en" sz="700" dirty="0" smtClean="0">
                           <a:solidFill>
                             <a:srgbClr val="F3F3F3"/>
                           </a:solidFill>
@@ -17283,11 +17430,6 @@
                     </a:lnB>
                   </a:tcPr>
                 </a:tc>
-                <a:extLst>
-                  <a:ext uri="{0D108BD9-81ED-4DB2-BD59-A6C34878D82A}">
-                    <a16:rowId xmlns:a16="http://schemas.microsoft.com/office/drawing/2014/main" val="10002"/>
-                  </a:ext>
-                </a:extLst>
               </a:tr>
               <a:tr h="0">
                 <a:tc>
@@ -17305,7 +17447,7 @@
                         <a:buNone/>
                       </a:pPr>
                       <a:r>
-                        <a:rPr lang="en" sz="700" dirty="0">
+                        <a:rPr lang="en" sz="700" dirty="0" smtClean="0">
                           <a:solidFill>
                             <a:srgbClr val="F3F3F3"/>
                           </a:solidFill>
@@ -17381,7 +17523,7 @@
                         <a:buNone/>
                       </a:pPr>
                       <a:r>
-                        <a:rPr lang="en" sz="700" dirty="0">
+                        <a:rPr lang="en" sz="700" dirty="0" smtClean="0">
                           <a:solidFill>
                             <a:srgbClr val="F3F3F3"/>
                           </a:solidFill>
@@ -17442,11 +17584,6 @@
                     </a:lnB>
                   </a:tcPr>
                 </a:tc>
-                <a:extLst>
-                  <a:ext uri="{0D108BD9-81ED-4DB2-BD59-A6C34878D82A}">
-                    <a16:rowId xmlns:a16="http://schemas.microsoft.com/office/drawing/2014/main" val="10003"/>
-                  </a:ext>
-                </a:extLst>
               </a:tr>
               <a:tr h="0">
                 <a:tc>
@@ -17464,7 +17601,7 @@
                         <a:buNone/>
                       </a:pPr>
                       <a:r>
-                        <a:rPr lang="en-US" sz="700" dirty="0">
+                        <a:rPr lang="en-US" sz="700" dirty="0" smtClean="0">
                           <a:solidFill>
                             <a:srgbClr val="F3F3F3"/>
                           </a:solidFill>
@@ -17540,7 +17677,7 @@
                         <a:buNone/>
                       </a:pPr>
                       <a:r>
-                        <a:rPr lang="en-US" sz="700" dirty="0">
+                        <a:rPr lang="en-US" sz="700" dirty="0" smtClean="0">
                           <a:solidFill>
                             <a:srgbClr val="F3F3F3"/>
                           </a:solidFill>
@@ -17601,11 +17738,6 @@
                     </a:lnB>
                   </a:tcPr>
                 </a:tc>
-                <a:extLst>
-                  <a:ext uri="{0D108BD9-81ED-4DB2-BD59-A6C34878D82A}">
-                    <a16:rowId xmlns:a16="http://schemas.microsoft.com/office/drawing/2014/main" val="10004"/>
-                  </a:ext>
-                </a:extLst>
               </a:tr>
               <a:tr h="0">
                 <a:tc>
@@ -17623,7 +17755,7 @@
                         <a:buNone/>
                       </a:pPr>
                       <a:r>
-                        <a:rPr lang="en-US" sz="700" dirty="0">
+                        <a:rPr lang="en-US" sz="700" dirty="0" smtClean="0">
                           <a:solidFill>
                             <a:srgbClr val="F3F3F3"/>
                           </a:solidFill>
@@ -17699,7 +17831,7 @@
                         <a:buNone/>
                       </a:pPr>
                       <a:r>
-                        <a:rPr lang="en-US" sz="700" dirty="0">
+                        <a:rPr lang="en-US" sz="700" dirty="0" smtClean="0">
                           <a:solidFill>
                             <a:srgbClr val="F3F3F3"/>
                           </a:solidFill>
@@ -17760,11 +17892,6 @@
                     </a:lnB>
                   </a:tcPr>
                 </a:tc>
-                <a:extLst>
-                  <a:ext uri="{0D108BD9-81ED-4DB2-BD59-A6C34878D82A}">
-                    <a16:rowId xmlns:a16="http://schemas.microsoft.com/office/drawing/2014/main" val="10005"/>
-                  </a:ext>
-                </a:extLst>
               </a:tr>
               <a:tr h="0">
                 <a:tc>
@@ -17782,7 +17909,7 @@
                         <a:buNone/>
                       </a:pPr>
                       <a:r>
-                        <a:rPr lang="en-US" sz="700" dirty="0">
+                        <a:rPr lang="en-US" sz="700" dirty="0" smtClean="0">
                           <a:solidFill>
                             <a:srgbClr val="F3F3F3"/>
                           </a:solidFill>
@@ -17858,7 +17985,7 @@
                         <a:buNone/>
                       </a:pPr>
                       <a:r>
-                        <a:rPr lang="en-US" sz="700" dirty="0">
+                        <a:rPr lang="en-US" sz="700" dirty="0" smtClean="0">
                           <a:solidFill>
                             <a:srgbClr val="F3F3F3"/>
                           </a:solidFill>
@@ -17919,11 +18046,6 @@
                     </a:lnB>
                   </a:tcPr>
                 </a:tc>
-                <a:extLst>
-                  <a:ext uri="{0D108BD9-81ED-4DB2-BD59-A6C34878D82A}">
-                    <a16:rowId xmlns:a16="http://schemas.microsoft.com/office/drawing/2014/main" val="10006"/>
-                  </a:ext>
-                </a:extLst>
               </a:tr>
               <a:tr h="0">
                 <a:tc>
@@ -17941,7 +18063,7 @@
                         <a:buNone/>
                       </a:pPr>
                       <a:r>
-                        <a:rPr lang="en-US" sz="700" dirty="0">
+                        <a:rPr lang="en-US" sz="700" dirty="0" smtClean="0">
                           <a:solidFill>
                             <a:srgbClr val="F3F3F3"/>
                           </a:solidFill>
@@ -18017,7 +18139,7 @@
                         <a:buNone/>
                       </a:pPr>
                       <a:r>
-                        <a:rPr lang="en-US" sz="700" dirty="0">
+                        <a:rPr lang="en-US" sz="700" dirty="0" smtClean="0">
                           <a:solidFill>
                             <a:srgbClr val="F3F3F3"/>
                           </a:solidFill>
@@ -18078,11 +18200,6 @@
                     </a:lnB>
                   </a:tcPr>
                 </a:tc>
-                <a:extLst>
-                  <a:ext uri="{0D108BD9-81ED-4DB2-BD59-A6C34878D82A}">
-                    <a16:rowId xmlns:a16="http://schemas.microsoft.com/office/drawing/2014/main" val="10007"/>
-                  </a:ext>
-                </a:extLst>
               </a:tr>
               <a:tr h="0">
                 <a:tc>
@@ -18100,7 +18217,7 @@
                         <a:buNone/>
                       </a:pPr>
                       <a:r>
-                        <a:rPr lang="en-US" sz="700" dirty="0">
+                        <a:rPr lang="en-US" sz="700" dirty="0" smtClean="0">
                           <a:solidFill>
                             <a:srgbClr val="F3F3F3"/>
                           </a:solidFill>
@@ -18178,7 +18295,7 @@
                         <a:buNone/>
                       </a:pPr>
                       <a:r>
-                        <a:rPr lang="en-US" sz="700" dirty="0">
+                        <a:rPr lang="en-US" sz="700" dirty="0" smtClean="0">
                           <a:solidFill>
                             <a:srgbClr val="F3F3F3"/>
                           </a:solidFill>
@@ -18241,11 +18358,6 @@
                     </a:lnB>
                   </a:tcPr>
                 </a:tc>
-                <a:extLst>
-                  <a:ext uri="{0D108BD9-81ED-4DB2-BD59-A6C34878D82A}">
-                    <a16:rowId xmlns:a16="http://schemas.microsoft.com/office/drawing/2014/main" val="10008"/>
-                  </a:ext>
-                </a:extLst>
               </a:tr>
             </a:tbl>
           </a:graphicData>
@@ -18710,7 +18822,7 @@
                     </m:oMath>
                   </m:oMathPara>
                 </a14:m>
-                <a:endParaRPr lang="en-US" sz="1400" dirty="0"/>
+                <a:endParaRPr lang="en-US" sz="1400" dirty="0" smtClean="0"/>
               </a:p>
             </p:txBody>
           </p:sp>
@@ -18781,20 +18893,8 @@
                 <a:tableStyleId>{F6649823-1A7D-4101-B995-9FE7C7DDEAC8}</a:tableStyleId>
               </a:tblPr>
               <a:tblGrid>
-                <a:gridCol w="686197">
-                  <a:extLst>
-                    <a:ext uri="{9D8B030D-6E8A-4147-A177-3AD203B41FA5}">
-                      <a16:colId xmlns:a16="http://schemas.microsoft.com/office/drawing/2014/main" val="20000"/>
-                    </a:ext>
-                  </a:extLst>
-                </a:gridCol>
-                <a:gridCol w="1108927">
-                  <a:extLst>
-                    <a:ext uri="{9D8B030D-6E8A-4147-A177-3AD203B41FA5}">
-                      <a16:colId xmlns:a16="http://schemas.microsoft.com/office/drawing/2014/main" val="20001"/>
-                    </a:ext>
-                  </a:extLst>
-                </a:gridCol>
+                <a:gridCol w="686197"/>
+                <a:gridCol w="1108927"/>
               </a:tblGrid>
               <a:tr h="0">
                 <a:tc>
@@ -18812,7 +18912,7 @@
                         <a:buNone/>
                       </a:pPr>
                       <a:r>
-                        <a:rPr lang="en-US" sz="700" dirty="0">
+                        <a:rPr lang="en-US" sz="700" dirty="0" smtClean="0">
                           <a:solidFill>
                             <a:srgbClr val="F3F3F3"/>
                           </a:solidFill>
@@ -18890,7 +18990,7 @@
                         <a:buNone/>
                       </a:pPr>
                       <a:r>
-                        <a:rPr lang="en" sz="700" dirty="0">
+                        <a:rPr lang="en" sz="700" dirty="0" smtClean="0">
                           <a:solidFill>
                             <a:srgbClr val="F3F3F3"/>
                           </a:solidFill>
@@ -18953,11 +19053,6 @@
                     </a:lnB>
                   </a:tcPr>
                 </a:tc>
-                <a:extLst>
-                  <a:ext uri="{0D108BD9-81ED-4DB2-BD59-A6C34878D82A}">
-                    <a16:rowId xmlns:a16="http://schemas.microsoft.com/office/drawing/2014/main" val="10000"/>
-                  </a:ext>
-                </a:extLst>
               </a:tr>
               <a:tr h="0">
                 <a:tc>
@@ -18975,7 +19070,7 @@
                         <a:buNone/>
                       </a:pPr>
                       <a:r>
-                        <a:rPr lang="en-US" sz="700" dirty="0">
+                        <a:rPr lang="en-US" sz="700" dirty="0" smtClean="0">
                           <a:solidFill>
                             <a:srgbClr val="F3F3F3"/>
                           </a:solidFill>
@@ -19051,7 +19146,7 @@
                         <a:buNone/>
                       </a:pPr>
                       <a:r>
-                        <a:rPr lang="en-US" sz="700" dirty="0">
+                        <a:rPr lang="en-US" sz="700" dirty="0" smtClean="0">
                           <a:solidFill>
                             <a:srgbClr val="F3F3F3"/>
                           </a:solidFill>
@@ -19112,11 +19207,6 @@
                     </a:lnB>
                   </a:tcPr>
                 </a:tc>
-                <a:extLst>
-                  <a:ext uri="{0D108BD9-81ED-4DB2-BD59-A6C34878D82A}">
-                    <a16:rowId xmlns:a16="http://schemas.microsoft.com/office/drawing/2014/main" val="10001"/>
-                  </a:ext>
-                </a:extLst>
               </a:tr>
               <a:tr h="0">
                 <a:tc>
@@ -19134,7 +19224,7 @@
                         <a:buNone/>
                       </a:pPr>
                       <a:r>
-                        <a:rPr lang="en-US" sz="700" dirty="0">
+                        <a:rPr lang="en-US" sz="700" dirty="0" smtClean="0">
                           <a:solidFill>
                             <a:srgbClr val="F3F3F3"/>
                           </a:solidFill>
@@ -19210,7 +19300,7 @@
                         <a:buNone/>
                       </a:pPr>
                       <a:r>
-                        <a:rPr lang="en-US" sz="700" dirty="0">
+                        <a:rPr lang="en-US" sz="700" dirty="0" smtClean="0">
                           <a:solidFill>
                             <a:srgbClr val="F3F3F3"/>
                           </a:solidFill>
@@ -19271,11 +19361,6 @@
                     </a:lnB>
                   </a:tcPr>
                 </a:tc>
-                <a:extLst>
-                  <a:ext uri="{0D108BD9-81ED-4DB2-BD59-A6C34878D82A}">
-                    <a16:rowId xmlns:a16="http://schemas.microsoft.com/office/drawing/2014/main" val="10002"/>
-                  </a:ext>
-                </a:extLst>
               </a:tr>
               <a:tr h="0">
                 <a:tc>
@@ -19293,7 +19378,7 @@
                         <a:buNone/>
                       </a:pPr>
                       <a:r>
-                        <a:rPr lang="en-US" sz="700" dirty="0">
+                        <a:rPr lang="en-US" sz="700" dirty="0" smtClean="0">
                           <a:solidFill>
                             <a:srgbClr val="F3F3F3"/>
                           </a:solidFill>
@@ -19369,7 +19454,7 @@
                         <a:buNone/>
                       </a:pPr>
                       <a:r>
-                        <a:rPr lang="en-US" sz="700" dirty="0">
+                        <a:rPr lang="en-US" sz="700" dirty="0" smtClean="0">
                           <a:solidFill>
                             <a:srgbClr val="F3F3F3"/>
                           </a:solidFill>
@@ -19430,11 +19515,6 @@
                     </a:lnB>
                   </a:tcPr>
                 </a:tc>
-                <a:extLst>
-                  <a:ext uri="{0D108BD9-81ED-4DB2-BD59-A6C34878D82A}">
-                    <a16:rowId xmlns:a16="http://schemas.microsoft.com/office/drawing/2014/main" val="10003"/>
-                  </a:ext>
-                </a:extLst>
               </a:tr>
               <a:tr h="0">
                 <a:tc>
@@ -19452,7 +19532,7 @@
                         <a:buNone/>
                       </a:pPr>
                       <a:r>
-                        <a:rPr lang="en-US" sz="700" dirty="0">
+                        <a:rPr lang="en-US" sz="700" dirty="0" smtClean="0">
                           <a:solidFill>
                             <a:srgbClr val="F3F3F3"/>
                           </a:solidFill>
@@ -19528,7 +19608,7 @@
                         <a:buNone/>
                       </a:pPr>
                       <a:r>
-                        <a:rPr lang="en-US" sz="700" dirty="0">
+                        <a:rPr lang="en-US" sz="700" dirty="0" smtClean="0">
                           <a:solidFill>
                             <a:srgbClr val="F3F3F3"/>
                           </a:solidFill>
@@ -19589,11 +19669,6 @@
                     </a:lnB>
                   </a:tcPr>
                 </a:tc>
-                <a:extLst>
-                  <a:ext uri="{0D108BD9-81ED-4DB2-BD59-A6C34878D82A}">
-                    <a16:rowId xmlns:a16="http://schemas.microsoft.com/office/drawing/2014/main" val="10004"/>
-                  </a:ext>
-                </a:extLst>
               </a:tr>
               <a:tr h="0">
                 <a:tc>
@@ -19611,7 +19686,7 @@
                         <a:buNone/>
                       </a:pPr>
                       <a:r>
-                        <a:rPr lang="en-US" sz="700" dirty="0">
+                        <a:rPr lang="en-US" sz="700" dirty="0" smtClean="0">
                           <a:solidFill>
                             <a:srgbClr val="F3F3F3"/>
                           </a:solidFill>
@@ -19687,7 +19762,7 @@
                         <a:buNone/>
                       </a:pPr>
                       <a:r>
-                        <a:rPr lang="en-US" sz="700" dirty="0">
+                        <a:rPr lang="en-US" sz="700" dirty="0" smtClean="0">
                           <a:solidFill>
                             <a:srgbClr val="F3F3F3"/>
                           </a:solidFill>
@@ -19748,11 +19823,6 @@
                     </a:lnB>
                   </a:tcPr>
                 </a:tc>
-                <a:extLst>
-                  <a:ext uri="{0D108BD9-81ED-4DB2-BD59-A6C34878D82A}">
-                    <a16:rowId xmlns:a16="http://schemas.microsoft.com/office/drawing/2014/main" val="10005"/>
-                  </a:ext>
-                </a:extLst>
               </a:tr>
               <a:tr h="0">
                 <a:tc>
@@ -19770,7 +19840,7 @@
                         <a:buNone/>
                       </a:pPr>
                       <a:r>
-                        <a:rPr lang="en-US" sz="700" dirty="0">
+                        <a:rPr lang="en-US" sz="700" dirty="0" smtClean="0">
                           <a:solidFill>
                             <a:srgbClr val="F3F3F3"/>
                           </a:solidFill>
@@ -19846,7 +19916,7 @@
                         <a:buNone/>
                       </a:pPr>
                       <a:r>
-                        <a:rPr lang="en-US" sz="700" dirty="0">
+                        <a:rPr lang="en-US" sz="700" dirty="0" smtClean="0">
                           <a:solidFill>
                             <a:srgbClr val="F3F3F3"/>
                           </a:solidFill>
@@ -19907,11 +19977,6 @@
                     </a:lnB>
                   </a:tcPr>
                 </a:tc>
-                <a:extLst>
-                  <a:ext uri="{0D108BD9-81ED-4DB2-BD59-A6C34878D82A}">
-                    <a16:rowId xmlns:a16="http://schemas.microsoft.com/office/drawing/2014/main" val="10006"/>
-                  </a:ext>
-                </a:extLst>
               </a:tr>
               <a:tr h="0">
                 <a:tc>
@@ -19929,7 +19994,7 @@
                         <a:buNone/>
                       </a:pPr>
                       <a:r>
-                        <a:rPr lang="en-US" sz="700" dirty="0">
+                        <a:rPr lang="en-US" sz="700" dirty="0" smtClean="0">
                           <a:solidFill>
                             <a:srgbClr val="F3F3F3"/>
                           </a:solidFill>
@@ -20005,7 +20070,7 @@
                         <a:buNone/>
                       </a:pPr>
                       <a:r>
-                        <a:rPr lang="en-US" sz="700" dirty="0">
+                        <a:rPr lang="en-US" sz="700" dirty="0" smtClean="0">
                           <a:solidFill>
                             <a:srgbClr val="F3F3F3"/>
                           </a:solidFill>
@@ -20066,11 +20131,6 @@
                     </a:lnB>
                   </a:tcPr>
                 </a:tc>
-                <a:extLst>
-                  <a:ext uri="{0D108BD9-81ED-4DB2-BD59-A6C34878D82A}">
-                    <a16:rowId xmlns:a16="http://schemas.microsoft.com/office/drawing/2014/main" val="10007"/>
-                  </a:ext>
-                </a:extLst>
               </a:tr>
               <a:tr h="0">
                 <a:tc>
@@ -20088,7 +20148,7 @@
                         <a:buNone/>
                       </a:pPr>
                       <a:r>
-                        <a:rPr lang="en-US" sz="700" dirty="0">
+                        <a:rPr lang="en-US" sz="700" dirty="0" smtClean="0">
                           <a:solidFill>
                             <a:srgbClr val="F3F3F3"/>
                           </a:solidFill>
@@ -20166,7 +20226,7 @@
                         <a:buNone/>
                       </a:pPr>
                       <a:r>
-                        <a:rPr lang="en-US" sz="700" dirty="0">
+                        <a:rPr lang="en-US" sz="700" dirty="0" smtClean="0">
                           <a:solidFill>
                             <a:srgbClr val="F3F3F3"/>
                           </a:solidFill>
@@ -20229,11 +20289,6 @@
                     </a:lnB>
                   </a:tcPr>
                 </a:tc>
-                <a:extLst>
-                  <a:ext uri="{0D108BD9-81ED-4DB2-BD59-A6C34878D82A}">
-                    <a16:rowId xmlns:a16="http://schemas.microsoft.com/office/drawing/2014/main" val="10008"/>
-                  </a:ext>
-                </a:extLst>
               </a:tr>
             </a:tbl>
           </a:graphicData>
@@ -20519,13 +20574,14 @@
               <a:buSzPts val="2400"/>
             </a:pPr>
             <a:r>
-              <a:rPr lang="en-US" sz="1400" dirty="0" err="1"/>
+              <a:rPr lang="en-US" sz="1400" dirty="0" err="1" smtClean="0"/>
               <a:t>Opção</a:t>
             </a:r>
             <a:r>
-              <a:rPr lang="en-US" sz="1400" dirty="0"/>
+              <a:rPr lang="en-US" sz="1400" dirty="0" smtClean="0"/>
               <a:t> 2: One hot encoding</a:t>
             </a:r>
+            <a:endParaRPr lang="en-US" sz="1400" dirty="0"/>
           </a:p>
         </p:txBody>
       </p:sp>
@@ -20810,41 +20866,42 @@
               <a:buNone/>
             </a:pPr>
             <a:r>
-              <a:rPr lang="en-US" sz="1400" dirty="0"/>
+              <a:rPr lang="en-US" sz="1400" dirty="0" smtClean="0"/>
               <a:t>(</a:t>
             </a:r>
             <a:r>
-              <a:rPr lang="en-US" sz="1400" dirty="0" err="1"/>
+              <a:rPr lang="en-US" sz="1400" dirty="0" err="1" smtClean="0"/>
               <a:t>Resulta</a:t>
             </a:r>
             <a:r>
-              <a:rPr lang="en-US" sz="1400" dirty="0"/>
+              <a:rPr lang="en-US" sz="1400" dirty="0" smtClean="0"/>
               <a:t> </a:t>
             </a:r>
             <a:r>
-              <a:rPr lang="en-US" sz="1400" dirty="0" err="1"/>
+              <a:rPr lang="en-US" sz="1400" dirty="0" err="1" smtClean="0"/>
               <a:t>em</a:t>
             </a:r>
             <a:r>
-              <a:rPr lang="en-US" sz="1400" dirty="0"/>
+              <a:rPr lang="en-US" sz="1400" dirty="0" smtClean="0"/>
               <a:t> </a:t>
             </a:r>
             <a:r>
-              <a:rPr lang="en-US" sz="1400" dirty="0" err="1"/>
+              <a:rPr lang="en-US" sz="1400" dirty="0" err="1" smtClean="0"/>
               <a:t>muitas</a:t>
             </a:r>
             <a:r>
-              <a:rPr lang="en-US" sz="1400" dirty="0"/>
+              <a:rPr lang="en-US" sz="1400" dirty="0" smtClean="0"/>
               <a:t> </a:t>
             </a:r>
             <a:r>
-              <a:rPr lang="en-US" sz="1400" dirty="0" err="1"/>
+              <a:rPr lang="en-US" sz="1400" dirty="0" err="1" smtClean="0"/>
               <a:t>variáveis</a:t>
             </a:r>
             <a:r>
-              <a:rPr lang="en-US" sz="1400" dirty="0"/>
+              <a:rPr lang="en-US" sz="1400" dirty="0" smtClean="0"/>
               <a:t>)</a:t>
             </a:r>
+            <a:endParaRPr lang="en-US" sz="1400" dirty="0"/>
           </a:p>
         </p:txBody>
       </p:sp>
@@ -21679,7 +21736,7 @@
               <a:buNone/>
             </a:pPr>
             <a:r>
-              <a:rPr lang="en" dirty="0"/>
+              <a:rPr lang="en" dirty="0" smtClean="0"/>
               <a:t>Seleção de variáveis</a:t>
             </a:r>
             <a:endParaRPr dirty="0"/>
@@ -21721,7 +21778,7 @@
               <a:buNone/>
             </a:pPr>
             <a:r>
-              <a:rPr lang="en" dirty="0"/>
+              <a:rPr lang="en" dirty="0" smtClean="0"/>
               <a:t>Análise de importância</a:t>
             </a:r>
             <a:endParaRPr dirty="0"/>
@@ -21796,6 +21853,13 @@
   <p:clrMapOvr>
     <a:masterClrMapping/>
   </p:clrMapOvr>
+  <p:timing>
+    <p:tnLst>
+      <p:par>
+        <p:cTn id="1" dur="indefinite" restart="never" nodeType="tmRoot"/>
+      </p:par>
+    </p:tnLst>
+  </p:timing>
 </p:sld>
 </file>
 
@@ -21851,7 +21915,7 @@
               <a:buNone/>
             </a:pPr>
             <a:r>
-              <a:rPr lang="en" dirty="0"/>
+              <a:rPr lang="en" dirty="0" smtClean="0"/>
               <a:t>Data Fairness</a:t>
             </a:r>
             <a:endParaRPr dirty="0"/>
@@ -21893,7 +21957,7 @@
               <a:buNone/>
             </a:pPr>
             <a:r>
-              <a:rPr lang="en" dirty="0"/>
+              <a:rPr lang="en" dirty="0" smtClean="0"/>
               <a:t>Como tratar variáveis sensíveis</a:t>
             </a:r>
             <a:endParaRPr dirty="0"/>
@@ -21956,6 +22020,13 @@
   <p:clrMapOvr>
     <a:masterClrMapping/>
   </p:clrMapOvr>
+  <p:timing>
+    <p:tnLst>
+      <p:par>
+        <p:cTn id="1" dur="indefinite" restart="never" nodeType="tmRoot"/>
+      </p:par>
+    </p:tnLst>
+  </p:timing>
 </p:sld>
 </file>
 
@@ -22011,7 +22082,7 @@
               <a:buNone/>
             </a:pPr>
             <a:r>
-              <a:rPr lang="en" dirty="0"/>
+              <a:rPr lang="en" dirty="0" smtClean="0"/>
               <a:t>Data Fairness</a:t>
             </a:r>
             <a:endParaRPr dirty="0"/>
@@ -22049,61 +22120,62 @@
               </a:spcBef>
             </a:pPr>
             <a:r>
-              <a:rPr lang="pt-BR" i="1" dirty="0"/>
+              <a:rPr lang="pt-BR" i="1" dirty="0" smtClean="0"/>
               <a:t>“</a:t>
             </a:r>
             <a:r>
-              <a:rPr lang="pt-BR" i="1" dirty="0" err="1"/>
+              <a:rPr lang="pt-BR" i="1" dirty="0" err="1" smtClean="0"/>
               <a:t>Weapons</a:t>
             </a:r>
             <a:r>
-              <a:rPr lang="pt-BR" i="1" dirty="0"/>
+              <a:rPr lang="pt-BR" i="1" dirty="0" smtClean="0"/>
               <a:t> </a:t>
             </a:r>
             <a:r>
-              <a:rPr lang="pt-BR" i="1" dirty="0" err="1"/>
+              <a:rPr lang="pt-BR" i="1" dirty="0" err="1" smtClean="0"/>
               <a:t>of</a:t>
             </a:r>
             <a:r>
-              <a:rPr lang="pt-BR" i="1" dirty="0"/>
+              <a:rPr lang="pt-BR" i="1" dirty="0" smtClean="0"/>
               <a:t> </a:t>
             </a:r>
             <a:r>
-              <a:rPr lang="pt-BR" i="1" dirty="0" err="1"/>
+              <a:rPr lang="pt-BR" i="1" dirty="0" err="1" smtClean="0"/>
               <a:t>Math</a:t>
             </a:r>
             <a:r>
-              <a:rPr lang="pt-BR" i="1" dirty="0"/>
+              <a:rPr lang="pt-BR" i="1" dirty="0" smtClean="0"/>
               <a:t> </a:t>
             </a:r>
             <a:r>
-              <a:rPr lang="pt-BR" i="1" dirty="0" err="1"/>
+              <a:rPr lang="pt-BR" i="1" dirty="0" err="1" smtClean="0"/>
               <a:t>Destruction</a:t>
             </a:r>
             <a:r>
-              <a:rPr lang="pt-BR" i="1" dirty="0"/>
+              <a:rPr lang="pt-BR" i="1" dirty="0" smtClean="0"/>
               <a:t>” </a:t>
             </a:r>
             <a:r>
-              <a:rPr lang="pt-BR" dirty="0"/>
+              <a:rPr lang="pt-BR" dirty="0" smtClean="0"/>
               <a:t>(</a:t>
             </a:r>
             <a:r>
-              <a:rPr lang="pt-BR" dirty="0" err="1"/>
+              <a:rPr lang="pt-BR" dirty="0" err="1" smtClean="0"/>
               <a:t>Cathy</a:t>
             </a:r>
             <a:r>
-              <a:rPr lang="pt-BR" dirty="0"/>
+              <a:rPr lang="pt-BR" dirty="0" smtClean="0"/>
               <a:t> </a:t>
             </a:r>
             <a:r>
-              <a:rPr lang="pt-BR" dirty="0" err="1"/>
+              <a:rPr lang="pt-BR" dirty="0" err="1" smtClean="0"/>
               <a:t>O’Neil</a:t>
             </a:r>
             <a:r>
-              <a:rPr lang="pt-BR" dirty="0"/>
+              <a:rPr lang="pt-BR" dirty="0" smtClean="0"/>
               <a:t>): </a:t>
             </a:r>
+            <a:endParaRPr lang="pt-BR" dirty="0"/>
           </a:p>
         </p:txBody>
       </p:sp>
@@ -22434,9 +22506,10 @@
               <a:buChar char="•"/>
             </a:pPr>
             <a:r>
-              <a:rPr lang="pt-BR" dirty="0"/>
+              <a:rPr lang="pt-BR" dirty="0" smtClean="0"/>
               <a:t>Modelo opaco (não interpretável)</a:t>
             </a:r>
+            <a:endParaRPr lang="pt-BR" dirty="0"/>
           </a:p>
         </p:txBody>
       </p:sp>
@@ -22721,9 +22794,10 @@
               <a:buChar char="•"/>
             </a:pPr>
             <a:r>
-              <a:rPr lang="pt-BR" dirty="0"/>
+              <a:rPr lang="pt-BR" dirty="0" smtClean="0"/>
               <a:t>Modelo retroalimenta desigualdades</a:t>
             </a:r>
+            <a:endParaRPr lang="pt-BR" dirty="0"/>
           </a:p>
         </p:txBody>
       </p:sp>
@@ -23008,9 +23082,10 @@
               <a:buChar char="•"/>
             </a:pPr>
             <a:r>
-              <a:rPr lang="pt-BR" dirty="0"/>
+              <a:rPr lang="pt-BR" dirty="0" smtClean="0"/>
               <a:t>Modelo tem capacidade de crescer exponencialmente</a:t>
             </a:r>
+            <a:endParaRPr lang="pt-BR" dirty="0"/>
           </a:p>
         </p:txBody>
       </p:sp>
@@ -23297,7 +23372,7 @@
               <a:buNone/>
             </a:pPr>
             <a:r>
-              <a:rPr lang="en" dirty="0"/>
+              <a:rPr lang="en" dirty="0" smtClean="0"/>
               <a:t>Índice Gini</a:t>
             </a:r>
             <a:endParaRPr dirty="0"/>
@@ -23336,8 +23411,13 @@
             </a:pPr>
             <a:r>
               <a:rPr lang="pt-BR" dirty="0"/>
-              <a:t>Análise de importância através do ganho de informação das variáveis através de:</a:t>
+              <a:t>Análise de importância através do ganho de informação das </a:t>
             </a:r>
+            <a:r>
+              <a:rPr lang="pt-BR" dirty="0" smtClean="0"/>
+              <a:t>variáveis através de:</a:t>
+            </a:r>
+            <a:endParaRPr lang="pt-BR" dirty="0"/>
           </a:p>
         </p:txBody>
       </p:sp>
@@ -23666,13 +23746,14 @@
               </a:spcBef>
             </a:pPr>
             <a:r>
-              <a:rPr lang="pt-BR" b="1" dirty="0"/>
+              <a:rPr lang="pt-BR" b="1" dirty="0" smtClean="0"/>
               <a:t>Limitações</a:t>
             </a:r>
             <a:r>
-              <a:rPr lang="pt-BR" dirty="0"/>
+              <a:rPr lang="pt-BR" dirty="0" smtClean="0"/>
               <a:t>: Distorção em variáveis de alta cardinalidade </a:t>
             </a:r>
+            <a:endParaRPr lang="pt-BR" dirty="0"/>
           </a:p>
         </p:txBody>
       </p:sp>
@@ -24401,6 +24482,13 @@
       </p:transition>
     </mc:Fallback>
   </mc:AlternateContent>
+  <p:timing>
+    <p:tnLst>
+      <p:par>
+        <p:cTn id="1" dur="indefinite" restart="never" nodeType="tmRoot"/>
+      </p:par>
+    </p:tnLst>
+  </p:timing>
 </p:sld>
 </file>
 
@@ -24456,7 +24544,7 @@
               <a:buNone/>
             </a:pPr>
             <a:r>
-              <a:rPr lang="en" dirty="0">
+              <a:rPr lang="en" dirty="0" smtClean="0">
                 <a:solidFill>
                   <a:srgbClr val="39C0BA"/>
                 </a:solidFill>
@@ -24510,7 +24598,7 @@
               <a:buChar char="◦"/>
             </a:pPr>
             <a:r>
-              <a:rPr lang="en" sz="2000" dirty="0"/>
+              <a:rPr lang="en" sz="2000" dirty="0" smtClean="0"/>
               <a:t>Prever se desempenho será abaixo da média</a:t>
             </a:r>
             <a:endParaRPr sz="2000" dirty="0"/>
@@ -24796,13 +24884,14 @@
               </a:buClr>
             </a:pPr>
             <a:r>
-              <a:rPr lang="pt-BR" sz="1600" dirty="0"/>
+              <a:rPr lang="pt-BR" sz="1600" dirty="0" smtClean="0"/>
               <a:t>Métricas de avaliação: Precisão e </a:t>
             </a:r>
             <a:r>
-              <a:rPr lang="pt-BR" sz="1600" i="1" u="sng" dirty="0"/>
+              <a:rPr lang="pt-BR" sz="1600" i="1" u="sng" dirty="0" smtClean="0"/>
               <a:t>Recall</a:t>
             </a:r>
+            <a:endParaRPr lang="pt-BR" sz="1600" i="1" u="sng" dirty="0"/>
           </a:p>
         </p:txBody>
       </p:sp>
@@ -25085,9 +25174,10 @@
               </a:buClr>
             </a:pPr>
             <a:r>
-              <a:rPr lang="pt-BR" sz="1600" dirty="0"/>
+              <a:rPr lang="pt-BR" sz="1600" dirty="0" smtClean="0"/>
               <a:t>Mínimo esperado: &gt;50%</a:t>
             </a:r>
+            <a:endParaRPr lang="pt-BR" sz="1600" dirty="0"/>
           </a:p>
         </p:txBody>
       </p:sp>
@@ -25370,9 +25460,10 @@
               </a:buClr>
             </a:pPr>
             <a:r>
-              <a:rPr lang="pt-BR" sz="1800" dirty="0"/>
+              <a:rPr lang="pt-BR" sz="1800" dirty="0" smtClean="0"/>
               <a:t>Máximo esperado: &lt;90%</a:t>
             </a:r>
+            <a:endParaRPr lang="pt-BR" sz="1800" dirty="0"/>
           </a:p>
         </p:txBody>
       </p:sp>
@@ -25656,9 +25747,10 @@
               <a:buSzPts val="2400"/>
             </a:pPr>
             <a:r>
-              <a:rPr lang="pt-BR" sz="2000" dirty="0"/>
+              <a:rPr lang="pt-BR" sz="2000" dirty="0" smtClean="0"/>
               <a:t>Menor quantidade possível de atributos</a:t>
             </a:r>
+            <a:endParaRPr lang="pt-BR" sz="2000" dirty="0"/>
           </a:p>
         </p:txBody>
       </p:sp>
@@ -25942,25 +26034,26 @@
               <a:buSzPts val="2400"/>
             </a:pPr>
             <a:r>
-              <a:rPr lang="pt-BR" sz="2000" dirty="0"/>
+              <a:rPr lang="pt-BR" sz="2000" dirty="0" smtClean="0"/>
               <a:t>Modelo deve ser </a:t>
             </a:r>
             <a:r>
-              <a:rPr lang="pt-BR" sz="2000" u="sng" dirty="0"/>
+              <a:rPr lang="pt-BR" sz="2000" u="sng" dirty="0" smtClean="0"/>
               <a:t>justo</a:t>
             </a:r>
             <a:r>
-              <a:rPr lang="pt-BR" sz="2000" dirty="0"/>
+              <a:rPr lang="pt-BR" sz="2000" dirty="0" smtClean="0"/>
               <a:t> (Data </a:t>
             </a:r>
             <a:r>
-              <a:rPr lang="pt-BR" sz="2000" dirty="0" err="1"/>
+              <a:rPr lang="pt-BR" sz="2000" dirty="0" err="1" smtClean="0"/>
               <a:t>Fairness</a:t>
             </a:r>
             <a:r>
-              <a:rPr lang="pt-BR" sz="2000" dirty="0"/>
+              <a:rPr lang="pt-BR" sz="2000" dirty="0" smtClean="0"/>
               <a:t>)</a:t>
             </a:r>
+            <a:endParaRPr lang="pt-BR" sz="2000" dirty="0"/>
           </a:p>
         </p:txBody>
       </p:sp>
@@ -26244,9 +26337,10 @@
               <a:buSzPts val="2400"/>
             </a:pPr>
             <a:r>
-              <a:rPr lang="pt-BR" sz="2000" dirty="0"/>
+              <a:rPr lang="pt-BR" sz="2000" dirty="0" smtClean="0"/>
               <a:t>Definir Clusters através das variáveis usadas no modelo</a:t>
             </a:r>
+            <a:endParaRPr lang="pt-BR" sz="2000" dirty="0"/>
           </a:p>
         </p:txBody>
       </p:sp>
@@ -27194,13 +27288,14 @@
               </a:spcBef>
             </a:pPr>
             <a:r>
-              <a:rPr lang="pt-BR" b="1" dirty="0"/>
+              <a:rPr lang="pt-BR" b="1" dirty="0" smtClean="0"/>
               <a:t>Limitação</a:t>
             </a:r>
             <a:r>
-              <a:rPr lang="pt-BR" dirty="0"/>
+              <a:rPr lang="pt-BR" dirty="0" smtClean="0"/>
               <a:t>: Dependente do modelo escolhido como referência</a:t>
             </a:r>
+            <a:endParaRPr lang="pt-BR" dirty="0"/>
           </a:p>
         </p:txBody>
       </p:sp>
@@ -27347,11 +27442,11 @@
           <a:p>
             <a:pPr marL="0" lvl="0" indent="0"/>
             <a:r>
-              <a:rPr lang="pt-BR" sz="1400" dirty="0"/>
+              <a:rPr lang="pt-BR" sz="1400" dirty="0" smtClean="0"/>
               <a:t>Importância por permutação usando Classificador </a:t>
             </a:r>
             <a:r>
-              <a:rPr lang="pt-BR" sz="1400" dirty="0" err="1"/>
+              <a:rPr lang="pt-BR" sz="1400" dirty="0" err="1" smtClean="0"/>
               <a:t>XGBoost</a:t>
             </a:r>
             <a:endParaRPr sz="1400" dirty="0">
@@ -27396,6 +27491,13 @@
   <p:clrMapOvr>
     <a:masterClrMapping/>
   </p:clrMapOvr>
+  <p:timing>
+    <p:tnLst>
+      <p:par>
+        <p:cTn id="1" dur="indefinite" restart="never" nodeType="tmRoot"/>
+      </p:par>
+    </p:tnLst>
+  </p:timing>
 </p:sld>
 </file>
 
@@ -27443,7 +27545,7 @@
           <a:p>
             <a:pPr lvl="0"/>
             <a:r>
-              <a:rPr lang="en" sz="3200" dirty="0"/>
+              <a:rPr lang="en" sz="3200" dirty="0" smtClean="0"/>
               <a:t>Seleção por remoção recursiva</a:t>
             </a:r>
             <a:endParaRPr dirty="0"/>
@@ -27481,9 +27583,10 @@
               </a:spcBef>
             </a:pPr>
             <a:r>
-              <a:rPr lang="pt-BR" dirty="0"/>
+              <a:rPr lang="pt-BR" dirty="0" smtClean="0"/>
               <a:t>Remoção de variáveis recursivamente de acordo com alguma métrica de importância</a:t>
             </a:r>
+            <a:endParaRPr lang="pt-BR" dirty="0"/>
           </a:p>
         </p:txBody>
       </p:sp>
@@ -27543,6 +27646,13 @@
   <p:clrMapOvr>
     <a:masterClrMapping/>
   </p:clrMapOvr>
+  <p:timing>
+    <p:tnLst>
+      <p:par>
+        <p:cTn id="1" dur="indefinite" restart="never" nodeType="tmRoot"/>
+      </p:par>
+    </p:tnLst>
+  </p:timing>
 </p:sld>
 </file>
 
@@ -27614,11 +27724,11 @@
           <a:p>
             <a:pPr marL="0" lvl="0" indent="0"/>
             <a:r>
-              <a:rPr lang="pt-BR" sz="1400" dirty="0"/>
+              <a:rPr lang="pt-BR" sz="1400" dirty="0" smtClean="0"/>
               <a:t>Desempenho do modelo ao remover recursivamente variável de menor Índice </a:t>
             </a:r>
             <a:r>
-              <a:rPr lang="pt-BR" sz="1400" dirty="0" err="1"/>
+              <a:rPr lang="pt-BR" sz="1400" dirty="0" err="1" smtClean="0"/>
               <a:t>Gini</a:t>
             </a:r>
             <a:endParaRPr sz="1400" dirty="0">
@@ -27823,7 +27933,7 @@
           <a:p>
             <a:pPr marL="0" lvl="0" indent="0"/>
             <a:r>
-              <a:rPr lang="pt-BR" sz="1400" dirty="0"/>
+              <a:rPr lang="pt-BR" sz="1400" dirty="0" smtClean="0"/>
               <a:t>Desempenho do modelo ao remover recursivamente variável de menor Importância por permutação</a:t>
             </a:r>
             <a:endParaRPr sz="1400" dirty="0">
@@ -28004,7 +28114,7 @@
           <a:p>
             <a:pPr lvl="0"/>
             <a:r>
-              <a:rPr lang="en" sz="3200" dirty="0"/>
+              <a:rPr lang="en" sz="3200" dirty="0" smtClean="0"/>
               <a:t>Backward Feature Selection</a:t>
             </a:r>
             <a:endParaRPr dirty="0"/>
@@ -28044,9 +28154,10 @@
               <a:buChar char="•"/>
             </a:pPr>
             <a:r>
-              <a:rPr lang="pt-BR" dirty="0"/>
+              <a:rPr lang="pt-BR" dirty="0" smtClean="0"/>
               <a:t>Gera modelo com as n variáveis</a:t>
             </a:r>
+            <a:endParaRPr lang="pt-BR" dirty="0"/>
           </a:p>
         </p:txBody>
       </p:sp>
@@ -28377,11 +28488,11 @@
               <a:buChar char="•"/>
             </a:pPr>
             <a:r>
-              <a:rPr lang="pt-BR" dirty="0"/>
+              <a:rPr lang="pt-BR" dirty="0" smtClean="0"/>
               <a:t>Testa modelos para todas combinações de n-1 </a:t>
             </a:r>
             <a:r>
-              <a:rPr lang="pt-BR" dirty="0" err="1"/>
+              <a:rPr lang="pt-BR" dirty="0" err="1" smtClean="0"/>
               <a:t>features</a:t>
             </a:r>
             <a:endParaRPr lang="pt-BR" dirty="0"/>
@@ -28669,9 +28780,10 @@
               <a:buChar char="•"/>
             </a:pPr>
             <a:r>
-              <a:rPr lang="pt-BR" dirty="0"/>
+              <a:rPr lang="pt-BR" dirty="0" smtClean="0"/>
               <a:t>Escolhe a melhor combinação</a:t>
             </a:r>
+            <a:endParaRPr lang="pt-BR" dirty="0"/>
           </a:p>
         </p:txBody>
       </p:sp>
@@ -28956,9 +29068,10 @@
               <a:buChar char="•"/>
             </a:pPr>
             <a:r>
-              <a:rPr lang="pt-BR" dirty="0"/>
+              <a:rPr lang="pt-BR" dirty="0" smtClean="0"/>
               <a:t>Repete até que haja 1 variável</a:t>
             </a:r>
+            <a:endParaRPr lang="pt-BR" dirty="0"/>
           </a:p>
         </p:txBody>
       </p:sp>
@@ -29323,23 +29436,23 @@
           <a:p>
             <a:pPr marL="0" lvl="0" indent="0"/>
             <a:r>
-              <a:rPr lang="pt-BR" sz="1400" dirty="0"/>
+              <a:rPr lang="pt-BR" sz="1400" dirty="0" smtClean="0"/>
               <a:t>Resultados do </a:t>
             </a:r>
             <a:r>
-              <a:rPr lang="pt-BR" sz="1400" dirty="0" err="1"/>
+              <a:rPr lang="pt-BR" sz="1400" dirty="0" err="1" smtClean="0"/>
               <a:t>Backward</a:t>
             </a:r>
             <a:r>
-              <a:rPr lang="pt-BR" sz="1400" dirty="0"/>
+              <a:rPr lang="pt-BR" sz="1400" dirty="0" smtClean="0"/>
               <a:t> </a:t>
             </a:r>
             <a:r>
-              <a:rPr lang="pt-BR" sz="1400" dirty="0" err="1"/>
+              <a:rPr lang="pt-BR" sz="1400" dirty="0" err="1" smtClean="0"/>
               <a:t>Selection</a:t>
             </a:r>
             <a:r>
-              <a:rPr lang="pt-BR" sz="1400" dirty="0"/>
+              <a:rPr lang="pt-BR" sz="1400" dirty="0" smtClean="0"/>
               <a:t> por variável removida</a:t>
             </a:r>
             <a:endParaRPr sz="1400" dirty="0">
@@ -29528,7 +29641,7 @@
               <a:buNone/>
             </a:pPr>
             <a:r>
-              <a:rPr lang="en" dirty="0">
+              <a:rPr lang="en" dirty="0" smtClean="0">
                 <a:solidFill>
                   <a:srgbClr val="39C0BA"/>
                 </a:solidFill>
@@ -29567,34 +29680,10 @@
                 <a:tableStyleId>{F6649823-1A7D-4101-B995-9FE7C7DDEAC8}</a:tableStyleId>
               </a:tblPr>
               <a:tblGrid>
-                <a:gridCol w="2380293">
-                  <a:extLst>
-                    <a:ext uri="{9D8B030D-6E8A-4147-A177-3AD203B41FA5}">
-                      <a16:colId xmlns:a16="http://schemas.microsoft.com/office/drawing/2014/main" val="20000"/>
-                    </a:ext>
-                  </a:extLst>
-                </a:gridCol>
-                <a:gridCol w="1447252">
-                  <a:extLst>
-                    <a:ext uri="{9D8B030D-6E8A-4147-A177-3AD203B41FA5}">
-                      <a16:colId xmlns:a16="http://schemas.microsoft.com/office/drawing/2014/main" val="20001"/>
-                    </a:ext>
-                  </a:extLst>
-                </a:gridCol>
-                <a:gridCol w="1645931">
-                  <a:extLst>
-                    <a:ext uri="{9D8B030D-6E8A-4147-A177-3AD203B41FA5}">
-                      <a16:colId xmlns:a16="http://schemas.microsoft.com/office/drawing/2014/main" val="20002"/>
-                    </a:ext>
-                  </a:extLst>
-                </a:gridCol>
-                <a:gridCol w="1761688">
-                  <a:extLst>
-                    <a:ext uri="{9D8B030D-6E8A-4147-A177-3AD203B41FA5}">
-                      <a16:colId xmlns:a16="http://schemas.microsoft.com/office/drawing/2014/main" val="20003"/>
-                    </a:ext>
-                  </a:extLst>
-                </a:gridCol>
+                <a:gridCol w="2380293"/>
+                <a:gridCol w="1447252"/>
+                <a:gridCol w="1645931"/>
+                <a:gridCol w="1761688"/>
               </a:tblGrid>
               <a:tr h="0">
                 <a:tc>
@@ -29612,7 +29701,7 @@
                         <a:buNone/>
                       </a:pPr>
                       <a:r>
-                        <a:rPr lang="en-US" sz="1000" dirty="0" err="1">
+                        <a:rPr lang="en-US" sz="1000" dirty="0" err="1" smtClean="0">
                           <a:solidFill>
                             <a:srgbClr val="F3F3F3"/>
                           </a:solidFill>
@@ -29688,7 +29777,7 @@
                         <a:buNone/>
                       </a:pPr>
                       <a:r>
-                        <a:rPr lang="en-US" sz="1000" dirty="0" err="1">
+                        <a:rPr lang="en-US" sz="1000" dirty="0" err="1" smtClean="0">
                           <a:solidFill>
                             <a:srgbClr val="F3F3F3"/>
                           </a:solidFill>
@@ -29764,7 +29853,7 @@
                         <a:buNone/>
                       </a:pPr>
                       <a:r>
-                        <a:rPr lang="en-US" sz="1000" dirty="0">
+                        <a:rPr lang="en-US" sz="1000" dirty="0" smtClean="0">
                           <a:solidFill>
                             <a:srgbClr val="F3F3F3"/>
                           </a:solidFill>
@@ -29840,7 +29929,7 @@
                         <a:buNone/>
                       </a:pPr>
                       <a:r>
-                        <a:rPr lang="en-US" sz="1000" dirty="0" err="1">
+                        <a:rPr lang="en-US" sz="1000" dirty="0" err="1" smtClean="0">
                           <a:solidFill>
                             <a:srgbClr val="F3F3F3"/>
                           </a:solidFill>
@@ -29852,7 +29941,7 @@
                         <a:t>Número</a:t>
                       </a:r>
                       <a:r>
-                        <a:rPr lang="en-US" sz="1000" dirty="0">
+                        <a:rPr lang="en-US" sz="1000" dirty="0" smtClean="0">
                           <a:solidFill>
                             <a:srgbClr val="F3F3F3"/>
                           </a:solidFill>
@@ -29864,7 +29953,7 @@
                         <a:t> de </a:t>
                       </a:r>
                       <a:r>
-                        <a:rPr lang="en-US" sz="1000" dirty="0" err="1">
+                        <a:rPr lang="en-US" sz="1000" dirty="0" err="1" smtClean="0">
                           <a:solidFill>
                             <a:srgbClr val="F3F3F3"/>
                           </a:solidFill>
@@ -29925,11 +30014,6 @@
                     </a:lnB>
                   </a:tcPr>
                 </a:tc>
-                <a:extLst>
-                  <a:ext uri="{0D108BD9-81ED-4DB2-BD59-A6C34878D82A}">
-                    <a16:rowId xmlns:a16="http://schemas.microsoft.com/office/drawing/2014/main" val="10000"/>
-                  </a:ext>
-                </a:extLst>
               </a:tr>
               <a:tr h="292608">
                 <a:tc>
@@ -29957,7 +30041,7 @@
                         <a:defRPr/>
                       </a:pPr>
                       <a:r>
-                        <a:rPr lang="en-US" sz="1000" dirty="0" err="1">
+                        <a:rPr lang="en-US" sz="1000" dirty="0" err="1" smtClean="0">
                           <a:solidFill>
                             <a:srgbClr val="F3F3F3"/>
                           </a:solidFill>
@@ -29969,7 +30053,7 @@
                         <a:t>Remoção</a:t>
                       </a:r>
                       <a:r>
-                        <a:rPr lang="en-US" sz="1000" dirty="0">
+                        <a:rPr lang="en-US" sz="1000" dirty="0" smtClean="0">
                           <a:solidFill>
                             <a:srgbClr val="F3F3F3"/>
                           </a:solidFill>
@@ -29981,7 +30065,7 @@
                         <a:t> </a:t>
                       </a:r>
                       <a:r>
-                        <a:rPr lang="en-US" sz="1000" dirty="0" err="1">
+                        <a:rPr lang="en-US" sz="1000" dirty="0" err="1" smtClean="0">
                           <a:solidFill>
                             <a:srgbClr val="F3F3F3"/>
                           </a:solidFill>
@@ -29993,7 +30077,7 @@
                         <a:t>Recursiva</a:t>
                       </a:r>
                       <a:r>
-                        <a:rPr lang="en-US" sz="1000" baseline="0" dirty="0">
+                        <a:rPr lang="en-US" sz="1000" baseline="0" dirty="0" smtClean="0">
                           <a:solidFill>
                             <a:srgbClr val="F3F3F3"/>
                           </a:solidFill>
@@ -30069,7 +30153,7 @@
                         <a:buNone/>
                       </a:pPr>
                       <a:r>
-                        <a:rPr lang="en-US" sz="1000" b="0" dirty="0">
+                        <a:rPr lang="en-US" sz="1000" b="0" dirty="0" smtClean="0">
                           <a:solidFill>
                             <a:srgbClr val="F3F3F3"/>
                           </a:solidFill>
@@ -30145,7 +30229,7 @@
                         <a:buNone/>
                       </a:pPr>
                       <a:r>
-                        <a:rPr lang="en-US" sz="1000" b="0" dirty="0">
+                        <a:rPr lang="en-US" sz="1000" b="0" dirty="0" smtClean="0">
                           <a:solidFill>
                             <a:srgbClr val="F3F3F3"/>
                           </a:solidFill>
@@ -30221,7 +30305,7 @@
                         <a:buNone/>
                       </a:pPr>
                       <a:r>
-                        <a:rPr lang="en-US" sz="1000" b="0" dirty="0">
+                        <a:rPr lang="en-US" sz="1000" b="0" dirty="0" smtClean="0">
                           <a:solidFill>
                             <a:srgbClr val="F3F3F3"/>
                           </a:solidFill>
@@ -30282,11 +30366,6 @@
                     </a:lnB>
                   </a:tcPr>
                 </a:tc>
-                <a:extLst>
-                  <a:ext uri="{0D108BD9-81ED-4DB2-BD59-A6C34878D82A}">
-                    <a16:rowId xmlns:a16="http://schemas.microsoft.com/office/drawing/2014/main" val="10001"/>
-                  </a:ext>
-                </a:extLst>
               </a:tr>
               <a:tr h="0">
                 <a:tc>
@@ -30304,7 +30383,7 @@
                         <a:buNone/>
                       </a:pPr>
                       <a:r>
-                        <a:rPr lang="en-US" sz="1000" dirty="0" err="1">
+                        <a:rPr lang="en-US" sz="1000" dirty="0" err="1" smtClean="0">
                           <a:solidFill>
                             <a:srgbClr val="F3F3F3"/>
                           </a:solidFill>
@@ -30316,7 +30395,7 @@
                         <a:t>Remoção</a:t>
                       </a:r>
                       <a:r>
-                        <a:rPr lang="en-US" sz="1000" dirty="0">
+                        <a:rPr lang="en-US" sz="1000" dirty="0" smtClean="0">
                           <a:solidFill>
                             <a:srgbClr val="F3F3F3"/>
                           </a:solidFill>
@@ -30328,7 +30407,7 @@
                         <a:t> </a:t>
                       </a:r>
                       <a:r>
-                        <a:rPr lang="en-US" sz="1000" dirty="0" err="1">
+                        <a:rPr lang="en-US" sz="1000" dirty="0" err="1" smtClean="0">
                           <a:solidFill>
                             <a:srgbClr val="F3F3F3"/>
                           </a:solidFill>
@@ -30340,7 +30419,7 @@
                         <a:t>Recursiva</a:t>
                       </a:r>
                       <a:r>
-                        <a:rPr lang="en-US" sz="1000" baseline="0" dirty="0">
+                        <a:rPr lang="en-US" sz="1000" baseline="0" dirty="0" smtClean="0">
                           <a:solidFill>
                             <a:srgbClr val="F3F3F3"/>
                           </a:solidFill>
@@ -30352,7 +30431,7 @@
                         <a:t> (</a:t>
                       </a:r>
                       <a:r>
-                        <a:rPr lang="en-US" sz="1000" baseline="0" dirty="0" err="1">
+                        <a:rPr lang="en-US" sz="1000" baseline="0" dirty="0" err="1" smtClean="0">
                           <a:solidFill>
                             <a:srgbClr val="F3F3F3"/>
                           </a:solidFill>
@@ -30364,7 +30443,7 @@
                         <a:t>Permutação</a:t>
                       </a:r>
                       <a:r>
-                        <a:rPr lang="en-US" sz="1000" baseline="0" dirty="0">
+                        <a:rPr lang="en-US" sz="1000" baseline="0" dirty="0" smtClean="0">
                           <a:solidFill>
                             <a:srgbClr val="F3F3F3"/>
                           </a:solidFill>
@@ -30440,7 +30519,7 @@
                         <a:buNone/>
                       </a:pPr>
                       <a:r>
-                        <a:rPr lang="en-US" sz="1000" b="0" dirty="0">
+                        <a:rPr lang="en-US" sz="1000" b="0" dirty="0" smtClean="0">
                           <a:solidFill>
                             <a:srgbClr val="F3F3F3"/>
                           </a:solidFill>
@@ -30516,7 +30595,7 @@
                         <a:buNone/>
                       </a:pPr>
                       <a:r>
-                        <a:rPr lang="en-US" sz="1000" b="0" dirty="0">
+                        <a:rPr lang="en-US" sz="1000" b="0" dirty="0" smtClean="0">
                           <a:solidFill>
                             <a:srgbClr val="F3F3F3"/>
                           </a:solidFill>
@@ -30592,7 +30671,7 @@
                         <a:buNone/>
                       </a:pPr>
                       <a:r>
-                        <a:rPr lang="en-US" sz="1000" b="0" dirty="0">
+                        <a:rPr lang="en-US" sz="1000" b="0" dirty="0" smtClean="0">
                           <a:solidFill>
                             <a:srgbClr val="F3F3F3"/>
                           </a:solidFill>
@@ -30653,11 +30732,6 @@
                     </a:lnB>
                   </a:tcPr>
                 </a:tc>
-                <a:extLst>
-                  <a:ext uri="{0D108BD9-81ED-4DB2-BD59-A6C34878D82A}">
-                    <a16:rowId xmlns:a16="http://schemas.microsoft.com/office/drawing/2014/main" val="10002"/>
-                  </a:ext>
-                </a:extLst>
               </a:tr>
               <a:tr h="0">
                 <a:tc>
@@ -30675,7 +30749,7 @@
                         <a:buNone/>
                       </a:pPr>
                       <a:r>
-                        <a:rPr lang="en-US" sz="1000" dirty="0">
+                        <a:rPr lang="en-US" sz="1000" dirty="0" smtClean="0">
                           <a:solidFill>
                             <a:srgbClr val="F3F3F3"/>
                           </a:solidFill>
@@ -30751,7 +30825,7 @@
                         <a:buNone/>
                       </a:pPr>
                       <a:r>
-                        <a:rPr lang="en-US" sz="1000" b="0" dirty="0">
+                        <a:rPr lang="en-US" sz="1000" b="0" dirty="0" smtClean="0">
                           <a:solidFill>
                             <a:srgbClr val="F3F3F3"/>
                           </a:solidFill>
@@ -30827,7 +30901,7 @@
                         <a:buNone/>
                       </a:pPr>
                       <a:r>
-                        <a:rPr lang="en-US" sz="1000" b="0" dirty="0">
+                        <a:rPr lang="en-US" sz="1000" b="0" dirty="0" smtClean="0">
                           <a:solidFill>
                             <a:srgbClr val="F3F3F3"/>
                           </a:solidFill>
@@ -30903,7 +30977,7 @@
                         <a:buNone/>
                       </a:pPr>
                       <a:r>
-                        <a:rPr lang="en-US" sz="1000" b="0" dirty="0">
+                        <a:rPr lang="en-US" sz="1000" b="0" dirty="0" smtClean="0">
                           <a:solidFill>
                             <a:srgbClr val="F3F3F3"/>
                           </a:solidFill>
@@ -30964,11 +31038,6 @@
                     </a:lnB>
                   </a:tcPr>
                 </a:tc>
-                <a:extLst>
-                  <a:ext uri="{0D108BD9-81ED-4DB2-BD59-A6C34878D82A}">
-                    <a16:rowId xmlns:a16="http://schemas.microsoft.com/office/drawing/2014/main" val="10003"/>
-                  </a:ext>
-                </a:extLst>
               </a:tr>
             </a:tbl>
           </a:graphicData>
@@ -31299,9 +31368,10 @@
               <a:buNone/>
             </a:pPr>
             <a:r>
-              <a:rPr lang="pt-BR" sz="2400" dirty="0"/>
+              <a:rPr lang="pt-BR" sz="2400" dirty="0" smtClean="0"/>
               <a:t>Método escolhido</a:t>
             </a:r>
+            <a:endParaRPr lang="pt-BR" sz="2400" dirty="0"/>
           </a:p>
         </p:txBody>
       </p:sp>
@@ -31608,19 +31678,19 @@
           <a:p>
             <a:pPr marL="0" lvl="0" indent="0"/>
             <a:r>
-              <a:rPr lang="pt-BR" sz="1400" dirty="0" err="1"/>
+              <a:rPr lang="pt-BR" sz="1400" dirty="0" err="1" smtClean="0"/>
               <a:t>Impotância</a:t>
             </a:r>
             <a:r>
-              <a:rPr lang="pt-BR" sz="1400" dirty="0"/>
+              <a:rPr lang="pt-BR" sz="1400" dirty="0" smtClean="0"/>
               <a:t> por </a:t>
             </a:r>
             <a:r>
-              <a:rPr lang="pt-BR" sz="1400" dirty="0" err="1"/>
+              <a:rPr lang="pt-BR" sz="1400" dirty="0" err="1" smtClean="0"/>
               <a:t>Permutãção</a:t>
             </a:r>
             <a:r>
-              <a:rPr lang="pt-BR" sz="1400" dirty="0"/>
+              <a:rPr lang="pt-BR" sz="1400" dirty="0" smtClean="0"/>
               <a:t> dos atributos mantidos ao final da seleção</a:t>
             </a:r>
             <a:endParaRPr sz="1400" dirty="0">
@@ -31665,6 +31735,13 @@
   <p:clrMapOvr>
     <a:masterClrMapping/>
   </p:clrMapOvr>
+  <p:timing>
+    <p:tnLst>
+      <p:par>
+        <p:cTn id="1" dur="indefinite" restart="never" nodeType="tmRoot"/>
+      </p:par>
+    </p:tnLst>
+  </p:timing>
 </p:sld>
 </file>
 
@@ -31720,7 +31797,7 @@
               <a:buNone/>
             </a:pPr>
             <a:r>
-              <a:rPr lang="en" dirty="0"/>
+              <a:rPr lang="en" dirty="0" smtClean="0"/>
               <a:t>Análise Preditora</a:t>
             </a:r>
             <a:endParaRPr dirty="0"/>
@@ -31762,7 +31839,7 @@
               <a:buNone/>
             </a:pPr>
             <a:r>
-              <a:rPr lang="en" dirty="0"/>
+              <a:rPr lang="en" dirty="0" smtClean="0"/>
               <a:t>Prevendo desempenho</a:t>
             </a:r>
             <a:endParaRPr dirty="0"/>
@@ -31837,6 +31914,13 @@
   <p:clrMapOvr>
     <a:masterClrMapping/>
   </p:clrMapOvr>
+  <p:timing>
+    <p:tnLst>
+      <p:par>
+        <p:cTn id="1" dur="indefinite" restart="never" nodeType="tmRoot"/>
+      </p:par>
+    </p:tnLst>
+  </p:timing>
 </p:sld>
 </file>
 
@@ -31900,7 +31984,7 @@
               <a:buNone/>
             </a:pPr>
             <a:r>
-              <a:rPr lang="en" dirty="0"/>
+              <a:rPr lang="en" dirty="0" smtClean="0"/>
               <a:t>Estrutura da Apresentação</a:t>
             </a:r>
             <a:endParaRPr dirty="0"/>
@@ -31968,7 +32052,7 @@
               <a:buNone/>
             </a:pPr>
             <a:r>
-              <a:rPr lang="en" sz="1800" dirty="0">
+              <a:rPr lang="en" sz="1800" dirty="0" smtClean="0">
                 <a:solidFill>
                   <a:srgbClr val="F3F3F3"/>
                 </a:solidFill>
@@ -32026,7 +32110,7 @@
               <a:buNone/>
             </a:pPr>
             <a:r>
-              <a:rPr lang="en" sz="1800" dirty="0">
+              <a:rPr lang="en" sz="1800" dirty="0" smtClean="0">
                 <a:solidFill>
                   <a:srgbClr val="F3F3F3"/>
                 </a:solidFill>
@@ -32084,7 +32168,7 @@
               <a:buNone/>
             </a:pPr>
             <a:r>
-              <a:rPr lang="en" sz="1800" dirty="0">
+              <a:rPr lang="en" sz="1800" dirty="0" smtClean="0">
                 <a:solidFill>
                   <a:srgbClr val="F3F3F3"/>
                 </a:solidFill>
@@ -32142,7 +32226,7 @@
               <a:buNone/>
             </a:pPr>
             <a:r>
-              <a:rPr lang="en" sz="1800" dirty="0">
+              <a:rPr lang="en" sz="1800" dirty="0" smtClean="0">
                 <a:solidFill>
                   <a:srgbClr val="F3F3F3"/>
                 </a:solidFill>
@@ -32200,7 +32284,7 @@
               <a:buNone/>
             </a:pPr>
             <a:r>
-              <a:rPr lang="en" sz="1800" dirty="0">
+              <a:rPr lang="en" sz="1800" dirty="0" smtClean="0">
                 <a:solidFill>
                   <a:srgbClr val="F3F3F3"/>
                 </a:solidFill>
@@ -32258,7 +32342,7 @@
               <a:buNone/>
             </a:pPr>
             <a:r>
-              <a:rPr lang="en" sz="1800" dirty="0">
+              <a:rPr lang="en" sz="1800" dirty="0" smtClean="0">
                 <a:solidFill>
                   <a:srgbClr val="F3F3F3"/>
                 </a:solidFill>
@@ -32316,7 +32400,7 @@
               <a:buNone/>
             </a:pPr>
             <a:r>
-              <a:rPr lang="en" sz="1800" dirty="0">
+              <a:rPr lang="en" sz="1800" dirty="0" smtClean="0">
                 <a:solidFill>
                   <a:srgbClr val="F3F3F3"/>
                 </a:solidFill>
@@ -33415,7 +33499,7 @@
           <p:cNvPr id="2" name="Tabela 2">
             <a:extLst>
               <a:ext uri="{FF2B5EF4-FFF2-40B4-BE49-F238E27FC236}">
-                <a16:creationId xmlns:a16="http://schemas.microsoft.com/office/drawing/2014/main" id="{F9ADB667-99F7-4AA7-9BEC-7D1394F187FE}"/>
+                <a16:creationId xmlns="" xmlns:a16="http://schemas.microsoft.com/office/drawing/2014/main" id="{F9ADB667-99F7-4AA7-9BEC-7D1394F187FE}"/>
               </a:ext>
             </a:extLst>
           </p:cNvPr>
@@ -33423,11 +33507,7 @@
             <a:graphicFrameLocks noGrp="1"/>
           </p:cNvGraphicFramePr>
           <p:nvPr>
-            <p:extLst>
-              <p:ext uri="{D42A27DB-BD31-4B8C-83A1-F6EECF244321}">
-                <p14:modId xmlns:p14="http://schemas.microsoft.com/office/powerpoint/2010/main" val="3435025256"/>
-              </p:ext>
-            </p:extLst>
+            <p:extLst/>
           </p:nvPr>
         </p:nvGraphicFramePr>
         <p:xfrm>
@@ -33444,21 +33524,21 @@
                 <a:gridCol w="2032000">
                   <a:extLst>
                     <a:ext uri="{9D8B030D-6E8A-4147-A177-3AD203B41FA5}">
-                      <a16:colId xmlns:a16="http://schemas.microsoft.com/office/drawing/2014/main" val="4109364869"/>
+                      <a16:colId xmlns="" xmlns:a16="http://schemas.microsoft.com/office/drawing/2014/main" val="4109364869"/>
                     </a:ext>
                   </a:extLst>
                 </a:gridCol>
                 <a:gridCol w="2032000">
                   <a:extLst>
                     <a:ext uri="{9D8B030D-6E8A-4147-A177-3AD203B41FA5}">
-                      <a16:colId xmlns:a16="http://schemas.microsoft.com/office/drawing/2014/main" val="1444595101"/>
+                      <a16:colId xmlns="" xmlns:a16="http://schemas.microsoft.com/office/drawing/2014/main" val="1444595101"/>
                     </a:ext>
                   </a:extLst>
                 </a:gridCol>
                 <a:gridCol w="2032000">
                   <a:extLst>
                     <a:ext uri="{9D8B030D-6E8A-4147-A177-3AD203B41FA5}">
-                      <a16:colId xmlns:a16="http://schemas.microsoft.com/office/drawing/2014/main" val="451104903"/>
+                      <a16:colId xmlns="" xmlns:a16="http://schemas.microsoft.com/office/drawing/2014/main" val="451104903"/>
                     </a:ext>
                   </a:extLst>
                 </a:gridCol>
@@ -33522,7 +33602,7 @@
                 </a:tc>
                 <a:extLst>
                   <a:ext uri="{0D108BD9-81ED-4DB2-BD59-A6C34878D82A}">
-                    <a16:rowId xmlns:a16="http://schemas.microsoft.com/office/drawing/2014/main" val="2738894546"/>
+                    <a16:rowId xmlns="" xmlns:a16="http://schemas.microsoft.com/office/drawing/2014/main" val="2738894546"/>
                   </a:ext>
                 </a:extLst>
               </a:tr>
@@ -33571,7 +33651,7 @@
                 </a:tc>
                 <a:extLst>
                   <a:ext uri="{0D108BD9-81ED-4DB2-BD59-A6C34878D82A}">
-                    <a16:rowId xmlns:a16="http://schemas.microsoft.com/office/drawing/2014/main" val="2713390973"/>
+                    <a16:rowId xmlns="" xmlns:a16="http://schemas.microsoft.com/office/drawing/2014/main" val="2713390973"/>
                   </a:ext>
                 </a:extLst>
               </a:tr>
@@ -33622,7 +33702,7 @@
                 </a:tc>
                 <a:extLst>
                   <a:ext uri="{0D108BD9-81ED-4DB2-BD59-A6C34878D82A}">
-                    <a16:rowId xmlns:a16="http://schemas.microsoft.com/office/drawing/2014/main" val="1625292355"/>
+                    <a16:rowId xmlns="" xmlns:a16="http://schemas.microsoft.com/office/drawing/2014/main" val="1625292355"/>
                   </a:ext>
                 </a:extLst>
               </a:tr>
@@ -33672,7 +33752,7 @@
                 </a:tc>
                 <a:extLst>
                   <a:ext uri="{0D108BD9-81ED-4DB2-BD59-A6C34878D82A}">
-                    <a16:rowId xmlns:a16="http://schemas.microsoft.com/office/drawing/2014/main" val="2147003619"/>
+                    <a16:rowId xmlns="" xmlns:a16="http://schemas.microsoft.com/office/drawing/2014/main" val="2147003619"/>
                   </a:ext>
                 </a:extLst>
               </a:tr>
@@ -33683,7 +33763,7 @@
     </p:spTree>
     <p:extLst>
       <p:ext uri="{BB962C8B-B14F-4D97-AF65-F5344CB8AC3E}">
-        <p14:creationId xmlns:p14="http://schemas.microsoft.com/office/powerpoint/2010/main" val="2275517369"/>
+        <p14:creationId xmlns:p14="http://schemas.microsoft.com/office/powerpoint/2010/main" val="2352394721"/>
       </p:ext>
     </p:extLst>
   </p:cSld>
@@ -33748,7 +33828,7 @@
           <p:cNvPr id="9" name="CaixaDeTexto 8">
             <a:extLst>
               <a:ext uri="{FF2B5EF4-FFF2-40B4-BE49-F238E27FC236}">
-                <a16:creationId xmlns:a16="http://schemas.microsoft.com/office/drawing/2014/main" id="{03AD3CF0-B395-40F0-B324-ED057E6BE432}"/>
+                <a16:creationId xmlns="" xmlns:a16="http://schemas.microsoft.com/office/drawing/2014/main" id="{03AD3CF0-B395-40F0-B324-ED057E6BE432}"/>
               </a:ext>
             </a:extLst>
           </p:cNvPr>
@@ -33837,7 +33917,7 @@
           <p:cNvPr id="8" name="Imagem 7">
             <a:extLst>
               <a:ext uri="{FF2B5EF4-FFF2-40B4-BE49-F238E27FC236}">
-                <a16:creationId xmlns:a16="http://schemas.microsoft.com/office/drawing/2014/main" id="{C37FFCEC-7530-4D58-8A4C-A2846E77C60D}"/>
+                <a16:creationId xmlns="" xmlns:a16="http://schemas.microsoft.com/office/drawing/2014/main" id="{C37FFCEC-7530-4D58-8A4C-A2846E77C60D}"/>
               </a:ext>
             </a:extLst>
           </p:cNvPr>
@@ -33865,7 +33945,7 @@
     </p:spTree>
     <p:extLst>
       <p:ext uri="{BB962C8B-B14F-4D97-AF65-F5344CB8AC3E}">
-        <p14:creationId xmlns:p14="http://schemas.microsoft.com/office/powerpoint/2010/main" val="3556433294"/>
+        <p14:creationId xmlns:p14="http://schemas.microsoft.com/office/powerpoint/2010/main" val="3638645143"/>
       </p:ext>
     </p:extLst>
   </p:cSld>
@@ -33949,7 +34029,7 @@
           <p:cNvPr id="9" name="CaixaDeTexto 8">
             <a:extLst>
               <a:ext uri="{FF2B5EF4-FFF2-40B4-BE49-F238E27FC236}">
-                <a16:creationId xmlns:a16="http://schemas.microsoft.com/office/drawing/2014/main" id="{03AD3CF0-B395-40F0-B324-ED057E6BE432}"/>
+                <a16:creationId xmlns="" xmlns:a16="http://schemas.microsoft.com/office/drawing/2014/main" id="{03AD3CF0-B395-40F0-B324-ED057E6BE432}"/>
               </a:ext>
             </a:extLst>
           </p:cNvPr>
@@ -34013,7 +34093,7 @@
           <p:cNvPr id="8" name="Imagem 7">
             <a:extLst>
               <a:ext uri="{FF2B5EF4-FFF2-40B4-BE49-F238E27FC236}">
-                <a16:creationId xmlns:a16="http://schemas.microsoft.com/office/drawing/2014/main" id="{C37FFCEC-7530-4D58-8A4C-A2846E77C60D}"/>
+                <a16:creationId xmlns="" xmlns:a16="http://schemas.microsoft.com/office/drawing/2014/main" id="{C37FFCEC-7530-4D58-8A4C-A2846E77C60D}"/>
               </a:ext>
             </a:extLst>
           </p:cNvPr>
@@ -34041,7 +34121,7 @@
     </p:spTree>
     <p:extLst>
       <p:ext uri="{BB962C8B-B14F-4D97-AF65-F5344CB8AC3E}">
-        <p14:creationId xmlns:p14="http://schemas.microsoft.com/office/powerpoint/2010/main" val="3882095615"/>
+        <p14:creationId xmlns:p14="http://schemas.microsoft.com/office/powerpoint/2010/main" val="308239579"/>
       </p:ext>
     </p:extLst>
   </p:cSld>
@@ -34111,7 +34191,7 @@
           <p:cNvPr id="4" name="Imagem 3">
             <a:extLst>
               <a:ext uri="{FF2B5EF4-FFF2-40B4-BE49-F238E27FC236}">
-                <a16:creationId xmlns:a16="http://schemas.microsoft.com/office/drawing/2014/main" id="{A3521D33-D3C9-4872-8971-E8173BF85E5C}"/>
+                <a16:creationId xmlns="" xmlns:a16="http://schemas.microsoft.com/office/drawing/2014/main" id="{A3521D33-D3C9-4872-8971-E8173BF85E5C}"/>
               </a:ext>
             </a:extLst>
           </p:cNvPr>
@@ -34139,7 +34219,7 @@
     </p:spTree>
     <p:extLst>
       <p:ext uri="{BB962C8B-B14F-4D97-AF65-F5344CB8AC3E}">
-        <p14:creationId xmlns:p14="http://schemas.microsoft.com/office/powerpoint/2010/main" val="2428869842"/>
+        <p14:creationId xmlns:p14="http://schemas.microsoft.com/office/powerpoint/2010/main" val="3496568634"/>
       </p:ext>
     </p:extLst>
   </p:cSld>
@@ -34171,7 +34251,7 @@
           <p:cNvPr id="2" name="Espaço Reservado para Texto 1">
             <a:extLst>
               <a:ext uri="{FF2B5EF4-FFF2-40B4-BE49-F238E27FC236}">
-                <a16:creationId xmlns:a16="http://schemas.microsoft.com/office/drawing/2014/main" id="{7B57A469-7F3B-41BE-8A9B-4BC0DBBE9A05}"/>
+                <a16:creationId xmlns="" xmlns:a16="http://schemas.microsoft.com/office/drawing/2014/main" id="{7B57A469-7F3B-41BE-8A9B-4BC0DBBE9A05}"/>
               </a:ext>
             </a:extLst>
           </p:cNvPr>
@@ -34201,7 +34281,7 @@
           <p:cNvPr id="3" name="Espaço Reservado para Número de Slide 2">
             <a:extLst>
               <a:ext uri="{FF2B5EF4-FFF2-40B4-BE49-F238E27FC236}">
-                <a16:creationId xmlns:a16="http://schemas.microsoft.com/office/drawing/2014/main" id="{BF47341B-0FCE-4E26-8A98-CBDC6B5445B8}"/>
+                <a16:creationId xmlns="" xmlns:a16="http://schemas.microsoft.com/office/drawing/2014/main" id="{BF47341B-0FCE-4E26-8A98-CBDC6B5445B8}"/>
               </a:ext>
             </a:extLst>
           </p:cNvPr>
@@ -34239,7 +34319,7 @@
           <p:cNvPr id="5" name="Imagem 4">
             <a:extLst>
               <a:ext uri="{FF2B5EF4-FFF2-40B4-BE49-F238E27FC236}">
-                <a16:creationId xmlns:a16="http://schemas.microsoft.com/office/drawing/2014/main" id="{DA15430E-5067-4109-9F61-5056163D63DF}"/>
+                <a16:creationId xmlns="" xmlns:a16="http://schemas.microsoft.com/office/drawing/2014/main" id="{DA15430E-5067-4109-9F61-5056163D63DF}"/>
               </a:ext>
             </a:extLst>
           </p:cNvPr>
@@ -34267,7 +34347,7 @@
     </p:spTree>
     <p:extLst>
       <p:ext uri="{BB962C8B-B14F-4D97-AF65-F5344CB8AC3E}">
-        <p14:creationId xmlns:p14="http://schemas.microsoft.com/office/powerpoint/2010/main" val="934592533"/>
+        <p14:creationId xmlns:p14="http://schemas.microsoft.com/office/powerpoint/2010/main" val="3107382012"/>
       </p:ext>
     </p:extLst>
   </p:cSld>
@@ -34329,7 +34409,7 @@
               <a:buNone/>
             </a:pPr>
             <a:r>
-              <a:rPr lang="en" dirty="0"/>
+              <a:rPr lang="en" dirty="0" smtClean="0"/>
               <a:t>Redução de dimensionalidade</a:t>
             </a:r>
             <a:endParaRPr dirty="0"/>
@@ -34371,15 +34451,15 @@
               <a:buNone/>
             </a:pPr>
             <a:r>
-              <a:rPr lang="en" dirty="0"/>
+              <a:rPr lang="en" dirty="0" smtClean="0"/>
               <a:t>Usando PCA (</a:t>
             </a:r>
             <a:r>
-              <a:rPr lang="en" i="1" dirty="0"/>
+              <a:rPr lang="en" i="1" dirty="0" smtClean="0"/>
               <a:t>Principal Component Analysis</a:t>
             </a:r>
             <a:r>
-              <a:rPr lang="en" dirty="0"/>
+              <a:rPr lang="en" dirty="0" smtClean="0"/>
               <a:t>) para visualização bidimensional dos dados</a:t>
             </a:r>
             <a:endParaRPr dirty="0"/>
@@ -34442,6 +34522,13 @@
   <p:clrMapOvr>
     <a:masterClrMapping/>
   </p:clrMapOvr>
+  <p:timing>
+    <p:tnLst>
+      <p:par>
+        <p:cTn id="1" dur="indefinite" restart="never" nodeType="tmRoot"/>
+      </p:par>
+    </p:tnLst>
+  </p:timing>
 </p:sld>
 </file>
 
@@ -34489,7 +34576,7 @@
           <a:p>
             <a:pPr marL="0" lvl="0" indent="0"/>
             <a:r>
-              <a:rPr lang="pt-BR" sz="1400" dirty="0"/>
+              <a:rPr lang="pt-BR" sz="1400" dirty="0" smtClean="0"/>
               <a:t>Visualização bidimensional da variável alvo através de PCA (Variância Explicada de 38%)</a:t>
             </a:r>
             <a:endParaRPr sz="1400" dirty="0">
@@ -34534,6 +34621,13 @@
   <p:clrMapOvr>
     <a:masterClrMapping/>
   </p:clrMapOvr>
+  <p:timing>
+    <p:tnLst>
+      <p:par>
+        <p:cTn id="1" dur="indefinite" restart="never" nodeType="tmRoot"/>
+      </p:par>
+    </p:tnLst>
+  </p:timing>
 </p:sld>
 </file>
 
@@ -34581,7 +34675,7 @@
           <a:p>
             <a:pPr marL="0" lvl="0" indent="0"/>
             <a:r>
-              <a:rPr lang="pt-BR" sz="1400" dirty="0"/>
+              <a:rPr lang="pt-BR" sz="1400" dirty="0" smtClean="0"/>
               <a:t>Visualização bidimensional das previsões</a:t>
             </a:r>
             <a:endParaRPr sz="1400" dirty="0">
@@ -34626,6 +34720,13 @@
   <p:clrMapOvr>
     <a:masterClrMapping/>
   </p:clrMapOvr>
+  <p:timing>
+    <p:tnLst>
+      <p:par>
+        <p:cTn id="1" dur="indefinite" restart="never" nodeType="tmRoot"/>
+      </p:par>
+    </p:tnLst>
+  </p:timing>
 </p:sld>
 </file>
 
@@ -34673,8 +34774,24 @@
           <a:p>
             <a:pPr marL="0" lvl="0" indent="0"/>
             <a:r>
+              <a:rPr lang="pt-BR" sz="1400" dirty="0" smtClean="0"/>
+              <a:t>Visualização bidimensional da </a:t>
+            </a:r>
+            <a:r>
+              <a:rPr lang="pt-BR" sz="1400" dirty="0" smtClean="0"/>
+              <a:t>renda </a:t>
+            </a:r>
+            <a:r>
               <a:rPr lang="pt-BR" sz="1400" dirty="0"/>
-              <a:t>Visualização bidimensional da Renda Mensal familiar</a:t>
+              <a:t>m</a:t>
+            </a:r>
+            <a:r>
+              <a:rPr lang="pt-BR" sz="1400" dirty="0" smtClean="0"/>
+              <a:t>ensal </a:t>
+            </a:r>
+            <a:r>
+              <a:rPr lang="pt-BR" sz="1400" dirty="0" smtClean="0"/>
+              <a:t>familiar</a:t>
             </a:r>
             <a:endParaRPr sz="1400" dirty="0">
               <a:solidFill>
@@ -34718,6 +34835,13 @@
   <p:clrMapOvr>
     <a:masterClrMapping/>
   </p:clrMapOvr>
+  <p:timing>
+    <p:tnLst>
+      <p:par>
+        <p:cTn id="1" dur="indefinite" restart="never" nodeType="tmRoot"/>
+      </p:par>
+    </p:tnLst>
+  </p:timing>
 </p:sld>
 </file>
 
@@ -34765,7 +34889,7 @@
           <a:p>
             <a:pPr marL="0" lvl="0" indent="0"/>
             <a:r>
-              <a:rPr lang="pt-BR" sz="1400" dirty="0"/>
+              <a:rPr lang="pt-BR" sz="1400" dirty="0" smtClean="0"/>
               <a:t>Visualização bidimensional da língua estrangeira escolhida</a:t>
             </a:r>
             <a:endParaRPr sz="1400" dirty="0">
@@ -34810,6 +34934,13 @@
   <p:clrMapOvr>
     <a:masterClrMapping/>
   </p:clrMapOvr>
+  <p:timing>
+    <p:tnLst>
+      <p:par>
+        <p:cTn id="1" dur="indefinite" restart="never" nodeType="tmRoot"/>
+      </p:par>
+    </p:tnLst>
+  </p:timing>
 </p:sld>
 </file>
 
@@ -34865,7 +34996,7 @@
               <a:buNone/>
             </a:pPr>
             <a:r>
-              <a:rPr lang="en" dirty="0"/>
+              <a:rPr lang="en" dirty="0" smtClean="0"/>
               <a:t>Corregamento e pré-processamento</a:t>
             </a:r>
             <a:endParaRPr dirty="0"/>
@@ -34907,7 +35038,7 @@
               <a:buNone/>
             </a:pPr>
             <a:r>
-              <a:rPr lang="en" dirty="0"/>
+              <a:rPr lang="en" dirty="0" smtClean="0"/>
               <a:t>Corregando os dados e realizando os devidos tratamentos</a:t>
             </a:r>
             <a:endParaRPr dirty="0"/>
@@ -34982,6 +35113,13 @@
   <p:clrMapOvr>
     <a:masterClrMapping/>
   </p:clrMapOvr>
+  <p:timing>
+    <p:tnLst>
+      <p:par>
+        <p:cTn id="1" dur="indefinite" restart="never" nodeType="tmRoot"/>
+      </p:par>
+    </p:tnLst>
+  </p:timing>
 </p:sld>
 </file>
 
@@ -35037,7 +35175,7 @@
               <a:buNone/>
             </a:pPr>
             <a:r>
-              <a:rPr lang="en" dirty="0"/>
+              <a:rPr lang="en" dirty="0" smtClean="0"/>
               <a:t>Clusterização</a:t>
             </a:r>
             <a:endParaRPr dirty="0"/>
@@ -35079,7 +35217,7 @@
               <a:buNone/>
             </a:pPr>
             <a:r>
-              <a:rPr lang="en" dirty="0"/>
+              <a:rPr lang="en" dirty="0" smtClean="0"/>
               <a:t>Segmentando os candidatos com K-Means</a:t>
             </a:r>
             <a:endParaRPr dirty="0"/>
@@ -35121,7 +35259,7 @@
               <a:buNone/>
             </a:pPr>
             <a:r>
-              <a:rPr lang="en-US" sz="3000" dirty="0">
+              <a:rPr lang="en-US" sz="3000" dirty="0" smtClean="0">
                 <a:solidFill>
                   <a:srgbClr val="2E3037"/>
                 </a:solidFill>
@@ -35154,6 +35292,13 @@
   <p:clrMapOvr>
     <a:masterClrMapping/>
   </p:clrMapOvr>
+  <p:timing>
+    <p:tnLst>
+      <p:par>
+        <p:cTn id="1" dur="indefinite" restart="never" nodeType="tmRoot"/>
+      </p:par>
+    </p:tnLst>
+  </p:timing>
 </p:sld>
 </file>
 
@@ -35233,15 +35378,15 @@
           <a:p>
             <a:pPr marL="0" lvl="0" indent="0"/>
             <a:r>
-              <a:rPr lang="pt-BR" sz="1400" dirty="0"/>
+              <a:rPr lang="pt-BR" sz="1400" dirty="0" smtClean="0"/>
               <a:t>Método </a:t>
             </a:r>
             <a:r>
-              <a:rPr lang="pt-BR" sz="1400" dirty="0" err="1"/>
+              <a:rPr lang="pt-BR" sz="1400" dirty="0" err="1" smtClean="0"/>
               <a:t>Elbow</a:t>
             </a:r>
             <a:r>
-              <a:rPr lang="pt-BR" sz="1400" dirty="0"/>
+              <a:rPr lang="pt-BR" sz="1400" dirty="0" smtClean="0"/>
               <a:t> para definição do número de Clusters</a:t>
             </a:r>
             <a:endParaRPr sz="1400" dirty="0">
@@ -35527,13 +35672,18 @@
           <a:p>
             <a:pPr marL="0" indent="0"/>
             <a:r>
-              <a:rPr lang="pt-BR" sz="1400" dirty="0">
+              <a:rPr lang="pt-BR" sz="1400" dirty="0" smtClean="0">
                 <a:solidFill>
                   <a:srgbClr val="F3F3F3"/>
                 </a:solidFill>
               </a:rPr>
               <a:t>Ponto de maior curvatura</a:t>
             </a:r>
+            <a:endParaRPr lang="pt-BR" sz="1400" dirty="0">
+              <a:solidFill>
+                <a:srgbClr val="F3F3F3"/>
+              </a:solidFill>
+            </a:endParaRPr>
           </a:p>
         </p:txBody>
       </p:sp>
@@ -35849,7 +35999,7 @@
           <a:p>
             <a:pPr marL="0" lvl="0" indent="0"/>
             <a:r>
-              <a:rPr lang="pt-BR" sz="1100" dirty="0"/>
+              <a:rPr lang="pt-BR" sz="1100" dirty="0" smtClean="0"/>
               <a:t>Clusters</a:t>
             </a:r>
           </a:p>
@@ -36138,7 +36288,7 @@
           <a:p>
             <a:pPr marL="0" indent="0"/>
             <a:r>
-              <a:rPr lang="pt-BR" sz="1100" dirty="0"/>
+              <a:rPr lang="pt-BR" sz="1100" dirty="0" smtClean="0"/>
               <a:t>Variável Alvo</a:t>
             </a:r>
           </a:p>
@@ -36430,7 +36580,7 @@
               <a:buChar char="•"/>
             </a:pPr>
             <a:r>
-              <a:rPr lang="pt-BR" sz="1100" dirty="0"/>
+              <a:rPr lang="pt-BR" sz="1100" dirty="0" smtClean="0"/>
               <a:t>72% do conjunto de dados</a:t>
             </a:r>
           </a:p>
@@ -36440,7 +36590,7 @@
               <a:buChar char="•"/>
             </a:pPr>
             <a:r>
-              <a:rPr lang="pt-BR" sz="1100" dirty="0"/>
+              <a:rPr lang="pt-BR" sz="1100" dirty="0" smtClean="0"/>
               <a:t>62% abaixo / 38% acima da média</a:t>
             </a:r>
           </a:p>
@@ -36762,7 +36912,7 @@
           <a:p>
             <a:pPr marL="0" indent="0"/>
             <a:r>
-              <a:rPr lang="pt-BR" sz="1200" dirty="0"/>
+              <a:rPr lang="pt-BR" sz="1200" dirty="0" smtClean="0"/>
               <a:t>Estatísticas do Cluster 1:</a:t>
             </a:r>
             <a:endParaRPr lang="pt-BR" sz="1200" dirty="0">
@@ -37051,7 +37201,7 @@
               <a:buChar char="•"/>
             </a:pPr>
             <a:r>
-              <a:rPr lang="pt-BR" sz="1100" dirty="0"/>
+              <a:rPr lang="pt-BR" sz="1100" dirty="0" smtClean="0"/>
               <a:t>28% do conjunto de dados</a:t>
             </a:r>
           </a:p>
@@ -37061,8 +37211,24 @@
               <a:buChar char="•"/>
             </a:pPr>
             <a:r>
+              <a:rPr lang="pt-BR" sz="1100" dirty="0" smtClean="0"/>
+              <a:t>20% abaixo </a:t>
+            </a:r>
+            <a:r>
               <a:rPr lang="pt-BR" sz="1100" dirty="0"/>
-              <a:t>20% abaixo / 80% acima da média</a:t>
+              <a:t>/ </a:t>
+            </a:r>
+            <a:r>
+              <a:rPr lang="pt-BR" sz="1100" dirty="0" smtClean="0"/>
+              <a:t>80% </a:t>
+            </a:r>
+            <a:r>
+              <a:rPr lang="pt-BR" sz="1100" dirty="0"/>
+              <a:t>acima da </a:t>
+            </a:r>
+            <a:r>
+              <a:rPr lang="pt-BR" sz="1100" dirty="0" smtClean="0"/>
+              <a:t>média</a:t>
             </a:r>
           </a:p>
           <a:p>
@@ -37074,7 +37240,7 @@
           </a:p>
           <a:p>
             <a:pPr marL="0" indent="0"/>
-            <a:endParaRPr lang="pt-BR" sz="1100" dirty="0"/>
+            <a:endParaRPr lang="pt-BR" sz="1100" dirty="0" smtClean="0"/>
           </a:p>
           <a:p>
             <a:pPr marL="171450" indent="-171450">
@@ -37364,7 +37530,7 @@
           <a:p>
             <a:pPr marL="0" indent="0"/>
             <a:r>
-              <a:rPr lang="pt-BR" sz="1200" dirty="0"/>
+              <a:rPr lang="pt-BR" sz="1200" dirty="0" smtClean="0"/>
               <a:t>Estatísticas do Cluster 0:</a:t>
             </a:r>
             <a:endParaRPr lang="pt-BR" sz="1200" dirty="0">
@@ -37685,7 +37851,7 @@
           <a:p>
             <a:pPr marL="0" indent="0"/>
             <a:r>
-              <a:rPr lang="pt-BR" sz="1400" dirty="0"/>
+              <a:rPr lang="pt-BR" sz="1400" dirty="0" smtClean="0"/>
               <a:t>Dividindo o conjunto de dados em dois Clusters</a:t>
             </a:r>
             <a:endParaRPr lang="pt-BR" sz="1400" dirty="0">
@@ -38184,7 +38350,7 @@
           <a:p>
             <a:pPr marL="0" lvl="0" indent="0"/>
             <a:r>
-              <a:rPr lang="pt-BR" sz="1100" dirty="0"/>
+              <a:rPr lang="pt-BR" sz="1100" dirty="0" smtClean="0"/>
               <a:t>Clusters</a:t>
             </a:r>
           </a:p>
@@ -38473,7 +38639,7 @@
           <a:p>
             <a:pPr marL="0" indent="0"/>
             <a:r>
-              <a:rPr lang="pt-BR" sz="1100" dirty="0"/>
+              <a:rPr lang="pt-BR" sz="1100" dirty="0" smtClean="0"/>
               <a:t>Variável Alvo</a:t>
             </a:r>
           </a:p>
@@ -38765,7 +38931,7 @@
               <a:buChar char="•"/>
             </a:pPr>
             <a:r>
-              <a:rPr lang="pt-BR" sz="900" dirty="0"/>
+              <a:rPr lang="pt-BR" sz="900" dirty="0" smtClean="0"/>
               <a:t>47% do conjunto de dados</a:t>
             </a:r>
           </a:p>
@@ -38775,13 +38941,13 @@
               <a:buChar char="•"/>
             </a:pPr>
             <a:r>
-              <a:rPr lang="pt-BR" sz="900" dirty="0"/>
+              <a:rPr lang="pt-BR" sz="900" dirty="0" smtClean="0"/>
               <a:t>70% abaixo / 30% acima da média</a:t>
             </a:r>
           </a:p>
           <a:p>
             <a:pPr marL="0" indent="0"/>
-            <a:endParaRPr lang="pt-BR" sz="900" dirty="0"/>
+            <a:endParaRPr lang="pt-BR" sz="900" dirty="0" smtClean="0"/>
           </a:p>
           <a:p>
             <a:pPr marL="171450" indent="-171450">
@@ -39104,7 +39270,7 @@
           <a:p>
             <a:pPr marL="0" indent="0"/>
             <a:r>
-              <a:rPr lang="pt-BR" sz="1200" dirty="0"/>
+              <a:rPr lang="pt-BR" sz="1200" dirty="0" smtClean="0"/>
               <a:t>Estatísticas do Cluster 0:</a:t>
             </a:r>
             <a:endParaRPr lang="pt-BR" sz="1200" dirty="0">
@@ -39393,7 +39559,7 @@
               <a:buChar char="•"/>
             </a:pPr>
             <a:r>
-              <a:rPr lang="pt-BR" sz="900" dirty="0"/>
+              <a:rPr lang="pt-BR" sz="900" dirty="0" smtClean="0"/>
               <a:t>42% do conjunto de dados</a:t>
             </a:r>
           </a:p>
@@ -39403,13 +39569,25 @@
               <a:buChar char="•"/>
             </a:pPr>
             <a:r>
+              <a:rPr lang="pt-BR" sz="900" dirty="0" smtClean="0"/>
+              <a:t>39% abaixo </a:t>
+            </a:r>
+            <a:r>
               <a:rPr lang="pt-BR" sz="900" dirty="0"/>
-              <a:t>39% abaixo / 61% acima da média</a:t>
+              <a:t>/ </a:t>
+            </a:r>
+            <a:r>
+              <a:rPr lang="pt-BR" sz="900" dirty="0" smtClean="0"/>
+              <a:t>61% </a:t>
+            </a:r>
+            <a:r>
+              <a:rPr lang="pt-BR" sz="900" dirty="0"/>
+              <a:t>acima da média</a:t>
             </a:r>
           </a:p>
           <a:p>
             <a:pPr marL="0" indent="0"/>
-            <a:endParaRPr lang="pt-BR" sz="900" dirty="0"/>
+            <a:endParaRPr lang="pt-BR" sz="900" dirty="0" smtClean="0"/>
           </a:p>
           <a:p>
             <a:pPr marL="171450" indent="-171450">
@@ -39699,8 +39877,16 @@
           <a:p>
             <a:pPr marL="0" indent="0"/>
             <a:r>
+              <a:rPr lang="pt-BR" sz="1200" dirty="0" smtClean="0"/>
+              <a:t>Estatísticas do Cluster </a:t>
+            </a:r>
+            <a:r>
               <a:rPr lang="pt-BR" sz="1200" dirty="0"/>
-              <a:t>Estatísticas do Cluster 1:</a:t>
+              <a:t>1</a:t>
+            </a:r>
+            <a:r>
+              <a:rPr lang="pt-BR" sz="1200" dirty="0" smtClean="0"/>
+              <a:t>:</a:t>
             </a:r>
             <a:endParaRPr lang="pt-BR" sz="1200" dirty="0">
               <a:solidFill>
@@ -40023,7 +40209,7 @@
               <a:buChar char="•"/>
             </a:pPr>
             <a:r>
-              <a:rPr lang="pt-BR" sz="900" dirty="0"/>
+              <a:rPr lang="pt-BR" sz="900" dirty="0" smtClean="0"/>
               <a:t>11% do conjunto de dados</a:t>
             </a:r>
           </a:p>
@@ -40034,12 +40220,28 @@
             </a:pPr>
             <a:r>
               <a:rPr lang="pt-BR" sz="900" dirty="0"/>
-              <a:t>10% abaixo / 90% acima da média</a:t>
+              <a:t>1</a:t>
+            </a:r>
+            <a:r>
+              <a:rPr lang="pt-BR" sz="900" dirty="0" smtClean="0"/>
+              <a:t>0% </a:t>
+            </a:r>
+            <a:r>
+              <a:rPr lang="pt-BR" sz="900" dirty="0"/>
+              <a:t>abaixo </a:t>
+            </a:r>
+            <a:r>
+              <a:rPr lang="pt-BR" sz="900" dirty="0" smtClean="0"/>
+              <a:t>/ 90% </a:t>
+            </a:r>
+            <a:r>
+              <a:rPr lang="pt-BR" sz="900" dirty="0"/>
+              <a:t>acima da média</a:t>
             </a:r>
           </a:p>
           <a:p>
             <a:pPr marL="0" indent="0"/>
-            <a:endParaRPr lang="pt-BR" sz="900" dirty="0"/>
+            <a:endParaRPr lang="pt-BR" sz="900" dirty="0" smtClean="0"/>
           </a:p>
           <a:p>
             <a:pPr marL="171450" indent="-171450">
@@ -40329,8 +40531,16 @@
           <a:p>
             <a:pPr marL="0" indent="0"/>
             <a:r>
+              <a:rPr lang="pt-BR" sz="1200" dirty="0" smtClean="0"/>
+              <a:t>Estatísticas do Cluster </a:t>
+            </a:r>
+            <a:r>
               <a:rPr lang="pt-BR" sz="1200" dirty="0"/>
-              <a:t>Estatísticas do Cluster 2:</a:t>
+              <a:t>2</a:t>
+            </a:r>
+            <a:r>
+              <a:rPr lang="pt-BR" sz="1200" dirty="0" smtClean="0"/>
+              <a:t>:</a:t>
             </a:r>
             <a:endParaRPr lang="pt-BR" sz="1200" dirty="0">
               <a:solidFill>
@@ -40648,7 +40858,7 @@
           <a:p>
             <a:pPr marL="0" indent="0"/>
             <a:r>
-              <a:rPr lang="pt-BR" sz="1400" dirty="0"/>
+              <a:rPr lang="pt-BR" sz="1400" dirty="0" smtClean="0"/>
               <a:t>Dividindo o conjunto de dados em três Clusters</a:t>
             </a:r>
             <a:endParaRPr lang="pt-BR" sz="1400" dirty="0">
@@ -41256,7 +41466,7 @@
               <a:buNone/>
             </a:pPr>
             <a:r>
-              <a:rPr lang="en" dirty="0"/>
+              <a:rPr lang="en" dirty="0" smtClean="0"/>
               <a:t>Conclusões</a:t>
             </a:r>
             <a:endParaRPr dirty="0"/>
@@ -41298,7 +41508,7 @@
               <a:buNone/>
             </a:pPr>
             <a:r>
-              <a:rPr lang="en" dirty="0"/>
+              <a:rPr lang="en" dirty="0" smtClean="0"/>
               <a:t>Análise final e sugestões para trabalhos futuros</a:t>
             </a:r>
             <a:endParaRPr dirty="0"/>
@@ -41373,6 +41583,13 @@
   <p:clrMapOvr>
     <a:masterClrMapping/>
   </p:clrMapOvr>
+  <p:timing>
+    <p:tnLst>
+      <p:par>
+        <p:cTn id="1" dur="indefinite" restart="never" nodeType="tmRoot"/>
+      </p:par>
+    </p:tnLst>
+  </p:timing>
 </p:sld>
 </file>
 
@@ -41419,7 +41636,7 @@
           <a:lstStyle/>
           <a:p>
             <a:r>
-              <a:rPr lang="en-US" dirty="0" err="1"/>
+              <a:rPr lang="en-US" dirty="0" err="1" smtClean="0"/>
               <a:t>Conclusões</a:t>
             </a:r>
             <a:endParaRPr lang="en-US" dirty="0"/>
@@ -41987,63 +42204,63 @@
               </a:buClr>
             </a:pPr>
             <a:r>
-              <a:rPr lang="en-US" sz="1600" dirty="0" err="1"/>
+              <a:rPr lang="en-US" sz="1600" dirty="0" err="1" smtClean="0"/>
               <a:t>Fatores</a:t>
             </a:r>
             <a:r>
-              <a:rPr lang="en-US" sz="1600" dirty="0"/>
+              <a:rPr lang="en-US" sz="1600" dirty="0" smtClean="0"/>
               <a:t> </a:t>
             </a:r>
             <a:r>
-              <a:rPr lang="en-US" sz="1600" dirty="0" err="1"/>
+              <a:rPr lang="en-US" sz="1600" dirty="0" err="1" smtClean="0"/>
               <a:t>socioeconômicos</a:t>
             </a:r>
             <a:r>
-              <a:rPr lang="en-US" sz="1600" dirty="0"/>
+              <a:rPr lang="en-US" sz="1600" dirty="0" smtClean="0"/>
               <a:t> </a:t>
             </a:r>
             <a:r>
-              <a:rPr lang="en-US" sz="1600" dirty="0" err="1"/>
+              <a:rPr lang="en-US" sz="1600" dirty="0" err="1" smtClean="0"/>
               <a:t>identificam</a:t>
             </a:r>
             <a:r>
-              <a:rPr lang="en-US" sz="1600" dirty="0"/>
+              <a:rPr lang="en-US" sz="1600" dirty="0" smtClean="0"/>
               <a:t> 75% de </a:t>
             </a:r>
             <a:r>
-              <a:rPr lang="en-US" sz="1600" dirty="0" err="1"/>
+              <a:rPr lang="en-US" sz="1600" dirty="0" err="1" smtClean="0"/>
               <a:t>candidatos</a:t>
             </a:r>
             <a:r>
-              <a:rPr lang="en-US" sz="1600" dirty="0"/>
+              <a:rPr lang="en-US" sz="1600" dirty="0" smtClean="0"/>
               <a:t> com </a:t>
             </a:r>
             <a:r>
-              <a:rPr lang="en-US" sz="1600" dirty="0" err="1"/>
+              <a:rPr lang="en-US" sz="1600" dirty="0" err="1" smtClean="0"/>
               <a:t>desempenho</a:t>
             </a:r>
             <a:r>
-              <a:rPr lang="en-US" sz="1600" dirty="0"/>
+              <a:rPr lang="en-US" sz="1600" dirty="0" smtClean="0"/>
               <a:t> </a:t>
             </a:r>
             <a:r>
-              <a:rPr lang="en-US" sz="1600" dirty="0" err="1"/>
+              <a:rPr lang="en-US" sz="1600" dirty="0" err="1" smtClean="0"/>
               <a:t>abaixo</a:t>
             </a:r>
             <a:r>
-              <a:rPr lang="en-US" sz="1600" dirty="0"/>
+              <a:rPr lang="en-US" sz="1600" dirty="0" smtClean="0"/>
               <a:t> da </a:t>
             </a:r>
             <a:r>
-              <a:rPr lang="en-US" sz="1600" dirty="0" err="1"/>
+              <a:rPr lang="en-US" sz="1600" dirty="0" err="1" smtClean="0"/>
               <a:t>média</a:t>
             </a:r>
             <a:r>
-              <a:rPr lang="en-US" sz="1600" dirty="0"/>
+              <a:rPr lang="en-US" sz="1600" dirty="0" smtClean="0"/>
               <a:t> com 70% de </a:t>
             </a:r>
             <a:r>
-              <a:rPr lang="en-US" sz="1600" dirty="0" err="1"/>
+              <a:rPr lang="en-US" sz="1600" dirty="0" err="1" smtClean="0"/>
               <a:t>precisão</a:t>
             </a:r>
             <a:endParaRPr lang="en-US" sz="1600" dirty="0"/>
@@ -42329,49 +42546,50 @@
               </a:buClr>
             </a:pPr>
             <a:r>
-              <a:rPr lang="en-US" sz="1600" dirty="0"/>
+              <a:rPr lang="en-US" sz="1600" dirty="0" smtClean="0"/>
               <a:t>Dos 38 </a:t>
             </a:r>
             <a:r>
-              <a:rPr lang="en-US" sz="1600" dirty="0" err="1"/>
+              <a:rPr lang="en-US" sz="1600" dirty="0" err="1" smtClean="0"/>
               <a:t>atributos</a:t>
             </a:r>
             <a:r>
-              <a:rPr lang="en-US" sz="1600" dirty="0"/>
+              <a:rPr lang="en-US" sz="1600" dirty="0" smtClean="0"/>
               <a:t>, 15 </a:t>
             </a:r>
             <a:r>
-              <a:rPr lang="en-US" sz="1600" dirty="0" err="1"/>
+              <a:rPr lang="en-US" sz="1600" dirty="0" err="1" smtClean="0"/>
               <a:t>são</a:t>
             </a:r>
             <a:r>
-              <a:rPr lang="en-US" sz="1600" dirty="0"/>
+              <a:rPr lang="en-US" sz="1600" dirty="0" smtClean="0"/>
               <a:t> </a:t>
             </a:r>
             <a:r>
-              <a:rPr lang="en-US" sz="1600" dirty="0" err="1"/>
+              <a:rPr lang="en-US" sz="1600" dirty="0" err="1" smtClean="0"/>
               <a:t>suficientes</a:t>
             </a:r>
             <a:r>
-              <a:rPr lang="en-US" sz="1600" dirty="0"/>
+              <a:rPr lang="en-US" sz="1600" dirty="0" smtClean="0"/>
               <a:t> para </a:t>
             </a:r>
             <a:r>
-              <a:rPr lang="en-US" sz="1600" dirty="0" err="1"/>
+              <a:rPr lang="en-US" sz="1600" dirty="0" err="1" smtClean="0"/>
               <a:t>definir</a:t>
             </a:r>
             <a:r>
-              <a:rPr lang="en-US" sz="1600" dirty="0"/>
+              <a:rPr lang="en-US" sz="1600" dirty="0" smtClean="0"/>
               <a:t> </a:t>
             </a:r>
             <a:r>
-              <a:rPr lang="en-US" sz="1600" dirty="0" err="1"/>
+              <a:rPr lang="en-US" sz="1600" dirty="0" err="1" smtClean="0"/>
               <a:t>modelo</a:t>
             </a:r>
             <a:r>
-              <a:rPr lang="en-US" sz="1600" dirty="0"/>
+              <a:rPr lang="en-US" sz="1600" dirty="0" smtClean="0"/>
               <a:t> </a:t>
             </a:r>
+            <a:endParaRPr lang="en-US" sz="1600" dirty="0"/>
           </a:p>
         </p:txBody>
       </p:sp>
@@ -42654,13 +42872,14 @@
               </a:buClr>
             </a:pPr>
             <a:r>
-              <a:rPr lang="en-US" sz="1600" dirty="0" err="1"/>
+              <a:rPr lang="en-US" sz="1600" dirty="0" err="1" smtClean="0"/>
               <a:t>Modelo</a:t>
             </a:r>
             <a:r>
-              <a:rPr lang="en-US" sz="1600" dirty="0"/>
+              <a:rPr lang="en-US" sz="1600" dirty="0" smtClean="0"/>
               <a:t>…</a:t>
             </a:r>
+            <a:endParaRPr lang="en-US" sz="1600" dirty="0"/>
           </a:p>
         </p:txBody>
       </p:sp>
@@ -42943,47 +43162,47 @@
               </a:buClr>
             </a:pPr>
             <a:r>
-              <a:rPr lang="en-US" sz="1600" dirty="0" err="1"/>
+              <a:rPr lang="en-US" sz="1600" dirty="0" err="1" smtClean="0"/>
               <a:t>Utilização</a:t>
             </a:r>
             <a:r>
-              <a:rPr lang="en-US" sz="1600" dirty="0"/>
+              <a:rPr lang="en-US" sz="1600" dirty="0" smtClean="0"/>
               <a:t> de K-Means </a:t>
             </a:r>
             <a:r>
-              <a:rPr lang="en-US" sz="1600" dirty="0" err="1"/>
+              <a:rPr lang="en-US" sz="1600" dirty="0" err="1" smtClean="0"/>
               <a:t>resulta</a:t>
             </a:r>
             <a:r>
-              <a:rPr lang="en-US" sz="1600" dirty="0"/>
+              <a:rPr lang="en-US" sz="1600" dirty="0" smtClean="0"/>
               <a:t> </a:t>
             </a:r>
             <a:r>
-              <a:rPr lang="en-US" sz="1600" dirty="0" err="1"/>
+              <a:rPr lang="en-US" sz="1600" dirty="0" err="1" smtClean="0"/>
               <a:t>em</a:t>
             </a:r>
             <a:r>
-              <a:rPr lang="en-US" sz="1600" dirty="0"/>
+              <a:rPr lang="en-US" sz="1600" dirty="0" smtClean="0"/>
               <a:t> </a:t>
             </a:r>
             <a:r>
-              <a:rPr lang="en-US" sz="1600" dirty="0" err="1"/>
+              <a:rPr lang="en-US" sz="1600" dirty="0" err="1" smtClean="0"/>
               <a:t>três</a:t>
             </a:r>
             <a:r>
-              <a:rPr lang="en-US" sz="1600" dirty="0"/>
+              <a:rPr lang="en-US" sz="1600" dirty="0" smtClean="0"/>
               <a:t> clusters </a:t>
             </a:r>
             <a:r>
-              <a:rPr lang="en-US" sz="1600" dirty="0" err="1"/>
+              <a:rPr lang="en-US" sz="1600" dirty="0" err="1" smtClean="0"/>
               <a:t>bem</a:t>
             </a:r>
             <a:r>
-              <a:rPr lang="en-US" sz="1600" dirty="0"/>
+              <a:rPr lang="en-US" sz="1600" dirty="0" smtClean="0"/>
               <a:t> </a:t>
             </a:r>
             <a:r>
-              <a:rPr lang="en-US" sz="1600" dirty="0" err="1"/>
+              <a:rPr lang="en-US" sz="1600" dirty="0" err="1" smtClean="0"/>
               <a:t>definidos</a:t>
             </a:r>
             <a:endParaRPr lang="en-US" sz="1600" dirty="0"/>
@@ -43354,23 +43573,23 @@
           <a:lstStyle/>
           <a:p>
             <a:r>
-              <a:rPr lang="en-US" dirty="0" err="1"/>
+              <a:rPr lang="en-US" dirty="0" err="1" smtClean="0"/>
               <a:t>Sugestões</a:t>
             </a:r>
             <a:r>
-              <a:rPr lang="en-US" dirty="0"/>
+              <a:rPr lang="en-US" dirty="0" smtClean="0"/>
               <a:t> para </a:t>
             </a:r>
             <a:r>
-              <a:rPr lang="en-US" dirty="0" err="1"/>
+              <a:rPr lang="en-US" dirty="0" err="1" smtClean="0"/>
               <a:t>próximos</a:t>
             </a:r>
             <a:r>
-              <a:rPr lang="en-US" dirty="0"/>
+              <a:rPr lang="en-US" dirty="0" smtClean="0"/>
               <a:t> </a:t>
             </a:r>
             <a:r>
-              <a:rPr lang="en-US" dirty="0" err="1"/>
+              <a:rPr lang="en-US" dirty="0" err="1" smtClean="0"/>
               <a:t>trabalhos</a:t>
             </a:r>
             <a:endParaRPr lang="en-US" dirty="0"/>
@@ -43656,42 +43875,42 @@
               </a:buClr>
             </a:pPr>
             <a:r>
-              <a:rPr lang="en-US" sz="1600" dirty="0" err="1"/>
+              <a:rPr lang="en-US" sz="1600" dirty="0" err="1" smtClean="0"/>
               <a:t>Buscar</a:t>
             </a:r>
             <a:r>
-              <a:rPr lang="en-US" sz="1600" dirty="0"/>
+              <a:rPr lang="en-US" sz="1600" dirty="0" smtClean="0"/>
               <a:t> </a:t>
             </a:r>
             <a:r>
-              <a:rPr lang="en-US" sz="1600" dirty="0" err="1"/>
+              <a:rPr lang="en-US" sz="1600" dirty="0" err="1" smtClean="0"/>
               <a:t>variáveis</a:t>
             </a:r>
             <a:r>
-              <a:rPr lang="en-US" sz="1600" dirty="0"/>
+              <a:rPr lang="en-US" sz="1600" dirty="0" smtClean="0"/>
               <a:t> que </a:t>
             </a:r>
             <a:r>
-              <a:rPr lang="en-US" sz="1600" dirty="0" err="1"/>
+              <a:rPr lang="en-US" sz="1600" dirty="0" err="1" smtClean="0"/>
               <a:t>representem</a:t>
             </a:r>
             <a:r>
-              <a:rPr lang="en-US" sz="1600" dirty="0"/>
+              <a:rPr lang="en-US" sz="1600" dirty="0" smtClean="0"/>
               <a:t> </a:t>
             </a:r>
             <a:r>
-              <a:rPr lang="en-US" sz="1600" dirty="0" err="1"/>
+              <a:rPr lang="en-US" sz="1600" dirty="0" err="1" smtClean="0"/>
               <a:t>fatores</a:t>
             </a:r>
             <a:r>
-              <a:rPr lang="en-US" sz="1600" dirty="0"/>
+              <a:rPr lang="en-US" sz="1600" dirty="0" smtClean="0"/>
               <a:t> </a:t>
             </a:r>
             <a:r>
-              <a:rPr lang="en-US" sz="1600" dirty="0" err="1"/>
+              <a:rPr lang="en-US" sz="1600" dirty="0" err="1" smtClean="0"/>
               <a:t>pedagógicos</a:t>
             </a:r>
-            <a:endParaRPr lang="en-US" sz="1600" dirty="0"/>
+            <a:endParaRPr lang="en-US" sz="1600" dirty="0" smtClean="0"/>
           </a:p>
           <a:p>
             <a:pPr lvl="2">
@@ -43700,17 +43919,18 @@
               </a:buClr>
             </a:pPr>
             <a:r>
-              <a:rPr lang="en-US" sz="1600" dirty="0"/>
+              <a:rPr lang="en-US" sz="1600" dirty="0" smtClean="0"/>
               <a:t>E.g. </a:t>
             </a:r>
             <a:r>
-              <a:rPr lang="en-US" sz="1600" dirty="0" err="1"/>
+              <a:rPr lang="en-US" sz="1600" dirty="0" err="1" smtClean="0"/>
               <a:t>evasão</a:t>
             </a:r>
             <a:r>
-              <a:rPr lang="en-US" sz="1600" dirty="0"/>
+              <a:rPr lang="en-US" sz="1600" dirty="0" smtClean="0"/>
               <a:t> escolar, IDEB, etc.</a:t>
             </a:r>
+            <a:endParaRPr lang="en-US" sz="1600" dirty="0"/>
           </a:p>
         </p:txBody>
       </p:sp>
@@ -44275,39 +44495,39 @@
               </a:buClr>
             </a:pPr>
             <a:r>
-              <a:rPr lang="en-US" sz="1600" dirty="0" err="1"/>
+              <a:rPr lang="en-US" sz="1600" dirty="0" err="1" smtClean="0"/>
               <a:t>Repetir</a:t>
             </a:r>
             <a:r>
-              <a:rPr lang="en-US" sz="1600" dirty="0"/>
+              <a:rPr lang="en-US" sz="1600" dirty="0" smtClean="0"/>
               <a:t> </a:t>
             </a:r>
             <a:r>
-              <a:rPr lang="en-US" sz="1600" dirty="0" err="1"/>
+              <a:rPr lang="en-US" sz="1600" dirty="0" err="1" smtClean="0"/>
               <a:t>análise</a:t>
             </a:r>
             <a:r>
-              <a:rPr lang="en-US" sz="1600" dirty="0"/>
+              <a:rPr lang="en-US" sz="1600" dirty="0" smtClean="0"/>
               <a:t> para </a:t>
             </a:r>
             <a:r>
-              <a:rPr lang="en-US" sz="1600" dirty="0" err="1"/>
+              <a:rPr lang="en-US" sz="1600" dirty="0" err="1" smtClean="0"/>
               <a:t>cada</a:t>
             </a:r>
             <a:r>
-              <a:rPr lang="en-US" sz="1600" dirty="0"/>
+              <a:rPr lang="en-US" sz="1600" dirty="0" smtClean="0"/>
               <a:t> </a:t>
             </a:r>
             <a:r>
-              <a:rPr lang="en-US" sz="1600" dirty="0" err="1"/>
+              <a:rPr lang="en-US" sz="1600" dirty="0" err="1" smtClean="0"/>
               <a:t>disciplina</a:t>
             </a:r>
             <a:r>
-              <a:rPr lang="en-US" sz="1600" dirty="0"/>
+              <a:rPr lang="en-US" sz="1600" dirty="0" smtClean="0"/>
               <a:t> </a:t>
             </a:r>
             <a:r>
-              <a:rPr lang="en-US" sz="1600" dirty="0" err="1"/>
+              <a:rPr lang="en-US" sz="1600" dirty="0" err="1" smtClean="0"/>
               <a:t>individualmente</a:t>
             </a:r>
             <a:endParaRPr lang="en-US" sz="1600" dirty="0"/>
@@ -44593,47 +44813,47 @@
               </a:buClr>
             </a:pPr>
             <a:r>
-              <a:rPr lang="en-US" sz="1600" dirty="0" err="1"/>
+              <a:rPr lang="en-US" sz="1600" dirty="0" err="1" smtClean="0"/>
               <a:t>Analisar</a:t>
             </a:r>
             <a:r>
-              <a:rPr lang="en-US" sz="1600" dirty="0"/>
+              <a:rPr lang="en-US" sz="1600" dirty="0" smtClean="0"/>
               <a:t> </a:t>
             </a:r>
             <a:r>
-              <a:rPr lang="en-US" sz="1600" dirty="0" err="1"/>
+              <a:rPr lang="en-US" sz="1600" dirty="0" err="1" smtClean="0"/>
               <a:t>outras</a:t>
             </a:r>
             <a:r>
-              <a:rPr lang="en-US" sz="1600" dirty="0"/>
+              <a:rPr lang="en-US" sz="1600" dirty="0" smtClean="0"/>
               <a:t> </a:t>
             </a:r>
             <a:r>
-              <a:rPr lang="en-US" sz="1600" dirty="0" err="1"/>
+              <a:rPr lang="en-US" sz="1600" dirty="0" err="1" smtClean="0"/>
               <a:t>formas</a:t>
             </a:r>
             <a:r>
-              <a:rPr lang="en-US" sz="1600" dirty="0"/>
+              <a:rPr lang="en-US" sz="1600" dirty="0" smtClean="0"/>
               <a:t> de </a:t>
             </a:r>
             <a:r>
-              <a:rPr lang="en-US" sz="1600" dirty="0" err="1"/>
+              <a:rPr lang="en-US" sz="1600" dirty="0" err="1" smtClean="0"/>
               <a:t>definir</a:t>
             </a:r>
             <a:r>
-              <a:rPr lang="en-US" sz="1600" dirty="0"/>
+              <a:rPr lang="en-US" sz="1600" dirty="0" smtClean="0"/>
               <a:t> a </a:t>
             </a:r>
             <a:r>
-              <a:rPr lang="en-US" sz="1600" dirty="0" err="1"/>
+              <a:rPr lang="en-US" sz="1600" dirty="0" err="1" smtClean="0"/>
               <a:t>variável</a:t>
             </a:r>
             <a:r>
-              <a:rPr lang="en-US" sz="1600" dirty="0"/>
+              <a:rPr lang="en-US" sz="1600" dirty="0" smtClean="0"/>
               <a:t> </a:t>
             </a:r>
             <a:r>
-              <a:rPr lang="en-US" sz="1600" dirty="0" err="1"/>
+              <a:rPr lang="en-US" sz="1600" dirty="0" err="1" smtClean="0"/>
               <a:t>alvo</a:t>
             </a:r>
             <a:endParaRPr lang="en-US" sz="1600" dirty="0"/>
@@ -44919,21 +45139,22 @@
               </a:buClr>
             </a:pPr>
             <a:r>
-              <a:rPr lang="en-US" sz="1600" dirty="0" err="1"/>
+              <a:rPr lang="en-US" sz="1600" dirty="0" err="1" smtClean="0"/>
               <a:t>Buscar</a:t>
             </a:r>
             <a:r>
-              <a:rPr lang="en-US" sz="1600" dirty="0"/>
+              <a:rPr lang="en-US" sz="1600" dirty="0" smtClean="0"/>
               <a:t> </a:t>
             </a:r>
             <a:r>
-              <a:rPr lang="en-US" sz="1600" dirty="0" err="1"/>
+              <a:rPr lang="en-US" sz="1600" dirty="0" err="1" smtClean="0"/>
               <a:t>interpretação</a:t>
             </a:r>
             <a:r>
-              <a:rPr lang="en-US" sz="1600" dirty="0"/>
+              <a:rPr lang="en-US" sz="1600" dirty="0" smtClean="0"/>
               <a:t> para clusterização</a:t>
             </a:r>
+            <a:endParaRPr lang="en-US" sz="1600" dirty="0"/>
           </a:p>
         </p:txBody>
       </p:sp>
@@ -45326,7 +45547,7 @@
               <a:buNone/>
             </a:pPr>
             <a:r>
-              <a:rPr lang="en" sz="2200" b="1" dirty="0">
+              <a:rPr lang="en" sz="2200" b="1" dirty="0" smtClean="0">
                 <a:solidFill>
                   <a:srgbClr val="2E3037"/>
                 </a:solidFill>
@@ -45376,7 +45597,7 @@
               <a:buNone/>
             </a:pPr>
             <a:r>
-              <a:rPr lang="en" sz="3600" b="1" dirty="0">
+              <a:rPr lang="en" sz="3600" b="1" dirty="0" smtClean="0">
                 <a:solidFill>
                   <a:srgbClr val="F3F3F3"/>
                 </a:solidFill>
@@ -45401,6 +45622,13 @@
   <p:clrMapOvr>
     <a:masterClrMapping/>
   </p:clrMapOvr>
+  <p:timing>
+    <p:tnLst>
+      <p:par>
+        <p:cTn id="1" dur="indefinite" restart="never" nodeType="tmRoot"/>
+      </p:par>
+    </p:tnLst>
+  </p:timing>
 </p:sld>
 </file>
 
@@ -45456,7 +45684,7 @@
               <a:buNone/>
             </a:pPr>
             <a:r>
-              <a:rPr lang="en" dirty="0"/>
+              <a:rPr lang="en" dirty="0" smtClean="0"/>
               <a:t>Sobre os dados</a:t>
             </a:r>
             <a:endParaRPr dirty="0"/>
@@ -45737,13 +45965,34 @@
           </a:lstStyle>
           <a:p>
             <a:r>
+              <a:rPr lang="en" sz="2800" dirty="0" smtClean="0">
+                <a:solidFill>
+                  <a:schemeClr val="bg1"/>
+                </a:solidFill>
+              </a:rPr>
+              <a:t>Formato</a:t>
+            </a:r>
+            <a:r>
               <a:rPr lang="en" sz="2800" dirty="0">
                 <a:solidFill>
                   <a:schemeClr val="bg1"/>
                 </a:solidFill>
               </a:rPr>
-              <a:t>Formato: csv</a:t>
+              <a:t>: </a:t>
             </a:r>
+            <a:r>
+              <a:rPr lang="en" sz="2800" dirty="0" smtClean="0">
+                <a:solidFill>
+                  <a:schemeClr val="bg1"/>
+                </a:solidFill>
+              </a:rPr>
+              <a:t>csv</a:t>
+            </a:r>
+            <a:endParaRPr lang="en" sz="2800" dirty="0">
+              <a:solidFill>
+                <a:schemeClr val="bg1"/>
+              </a:solidFill>
+            </a:endParaRPr>
           </a:p>
         </p:txBody>
       </p:sp>
@@ -46067,13 +46316,18 @@
           </a:lstStyle>
           <a:p>
             <a:r>
-              <a:rPr lang="en" sz="2800" dirty="0">
+              <a:rPr lang="en" sz="2800" dirty="0" smtClean="0">
                 <a:solidFill>
                   <a:schemeClr val="bg1"/>
                 </a:solidFill>
               </a:rPr>
               <a:t>5.095.270 registros</a:t>
             </a:r>
+            <a:endParaRPr lang="en" sz="2800" dirty="0">
+              <a:solidFill>
+                <a:schemeClr val="bg1"/>
+              </a:solidFill>
+            </a:endParaRPr>
           </a:p>
         </p:txBody>
       </p:sp>
@@ -46727,13 +46981,18 @@
           </a:lstStyle>
           <a:p>
             <a:r>
-              <a:rPr lang="en" sz="2800" dirty="0">
+              <a:rPr lang="en" sz="2800" dirty="0" smtClean="0">
                 <a:solidFill>
                   <a:schemeClr val="bg1"/>
                 </a:solidFill>
               </a:rPr>
               <a:t>Tamanho: 3,1 GB</a:t>
             </a:r>
+            <a:endParaRPr lang="en" sz="2800" dirty="0">
+              <a:solidFill>
+                <a:schemeClr val="bg1"/>
+              </a:solidFill>
+            </a:endParaRPr>
           </a:p>
         </p:txBody>
       </p:sp>
@@ -47046,13 +47305,18 @@
           </a:lstStyle>
           <a:p>
             <a:r>
-              <a:rPr lang="en" sz="2800" dirty="0">
+              <a:rPr lang="en" sz="2800" dirty="0" smtClean="0">
                 <a:solidFill>
                   <a:schemeClr val="bg1"/>
                 </a:solidFill>
               </a:rPr>
               <a:t>3.702.007 registros</a:t>
             </a:r>
+            <a:endParaRPr lang="en" sz="2800" dirty="0">
+              <a:solidFill>
+                <a:schemeClr val="bg1"/>
+              </a:solidFill>
+            </a:endParaRPr>
           </a:p>
         </p:txBody>
       </p:sp>
@@ -47330,13 +47594,14 @@
           </a:lstStyle>
           <a:p>
             <a:r>
-              <a:rPr lang="en-US" dirty="0" err="1"/>
+              <a:rPr lang="en-US" dirty="0" err="1" smtClean="0"/>
               <a:t>Removendo</a:t>
             </a:r>
             <a:r>
-              <a:rPr lang="en-US" dirty="0"/>
+              <a:rPr lang="en-US" dirty="0" smtClean="0"/>
               <a:t> NAs</a:t>
             </a:r>
+            <a:endParaRPr lang="en-US" dirty="0"/>
           </a:p>
         </p:txBody>
       </p:sp>
@@ -47649,13 +47914,18 @@
           </a:lstStyle>
           <a:p>
             <a:r>
-              <a:rPr lang="en" sz="2800" dirty="0">
+              <a:rPr lang="en" sz="2800" dirty="0" smtClean="0">
                 <a:solidFill>
                   <a:schemeClr val="bg1"/>
                 </a:solidFill>
               </a:rPr>
               <a:t>3.174.308 registros</a:t>
             </a:r>
+            <a:endParaRPr lang="en" sz="2800" dirty="0">
+              <a:solidFill>
+                <a:schemeClr val="bg1"/>
+              </a:solidFill>
+            </a:endParaRPr>
           </a:p>
         </p:txBody>
       </p:sp>
@@ -47933,13 +48203,14 @@
           </a:lstStyle>
           <a:p>
             <a:r>
-              <a:rPr lang="en-US" dirty="0" err="1"/>
+              <a:rPr lang="en-US" dirty="0" err="1" smtClean="0"/>
               <a:t>Removendo</a:t>
             </a:r>
             <a:r>
-              <a:rPr lang="en-US" dirty="0"/>
+              <a:rPr lang="en-US" dirty="0" smtClean="0"/>
               <a:t> treineiros</a:t>
             </a:r>
+            <a:endParaRPr lang="en-US" dirty="0"/>
           </a:p>
         </p:txBody>
       </p:sp>
@@ -48805,7 +49076,7 @@
               <a:t> </a:t>
             </a:r>
             <a:r>
-              <a:rPr lang="en-US" dirty="0" err="1"/>
+              <a:rPr lang="en-US" dirty="0" err="1" smtClean="0"/>
               <a:t>atributos</a:t>
             </a:r>
             <a:endParaRPr lang="en-US" dirty="0"/>
@@ -49086,13 +49357,18 @@
           </a:lstStyle>
           <a:p>
             <a:r>
-              <a:rPr lang="en" sz="2800" b="1" dirty="0">
+              <a:rPr lang="en" sz="2800" b="1" dirty="0" smtClean="0">
                 <a:solidFill>
                   <a:schemeClr val="bg1"/>
                 </a:solidFill>
               </a:rPr>
               <a:t>Resultado final: 34 atributos</a:t>
             </a:r>
+            <a:endParaRPr lang="en" sz="2800" b="1" dirty="0">
+              <a:solidFill>
+                <a:schemeClr val="bg1"/>
+              </a:solidFill>
+            </a:endParaRPr>
           </a:p>
         </p:txBody>
       </p:sp>
@@ -49377,23 +49653,23 @@
               <a:buNone/>
             </a:pPr>
             <a:r>
-              <a:rPr lang="en-US" sz="2000" dirty="0" err="1"/>
+              <a:rPr lang="en-US" sz="2000" dirty="0" err="1" smtClean="0"/>
               <a:t>Variáveis</a:t>
             </a:r>
             <a:r>
-              <a:rPr lang="en-US" sz="2000" dirty="0"/>
+              <a:rPr lang="en-US" sz="2000" dirty="0" smtClean="0"/>
               <a:t> </a:t>
             </a:r>
             <a:r>
-              <a:rPr lang="en-US" sz="2000" dirty="0" err="1"/>
+              <a:rPr lang="en-US" sz="2000" dirty="0" err="1" smtClean="0"/>
               <a:t>claramente</a:t>
             </a:r>
             <a:r>
-              <a:rPr lang="en-US" sz="2000" dirty="0"/>
+              <a:rPr lang="en-US" sz="2000" dirty="0" smtClean="0"/>
               <a:t> </a:t>
             </a:r>
             <a:r>
-              <a:rPr lang="en-US" sz="2000" dirty="0" err="1"/>
+              <a:rPr lang="en-US" sz="2000" dirty="0" err="1" smtClean="0"/>
               <a:t>irrelevantes</a:t>
             </a:r>
             <a:endParaRPr lang="en-US" sz="2000" dirty="0"/>
@@ -49679,49 +49955,50 @@
               </a:buClr>
             </a:pPr>
             <a:r>
-              <a:rPr lang="en-US" sz="1600" dirty="0"/>
+              <a:rPr lang="en-US" sz="1600" dirty="0" smtClean="0"/>
               <a:t>E.g. </a:t>
             </a:r>
             <a:r>
-              <a:rPr lang="en-US" sz="1600" dirty="0" err="1"/>
+              <a:rPr lang="en-US" sz="1600" dirty="0" err="1" smtClean="0"/>
               <a:t>código</a:t>
             </a:r>
             <a:r>
-              <a:rPr lang="en-US" sz="1600" dirty="0"/>
+              <a:rPr lang="en-US" sz="1600" dirty="0" smtClean="0"/>
               <a:t> da </a:t>
             </a:r>
             <a:r>
-              <a:rPr lang="en-US" sz="1600" dirty="0" err="1"/>
+              <a:rPr lang="en-US" sz="1600" dirty="0" err="1" smtClean="0"/>
               <a:t>prova</a:t>
             </a:r>
             <a:r>
-              <a:rPr lang="en-US" sz="1600" dirty="0"/>
+              <a:rPr lang="en-US" sz="1600" dirty="0" smtClean="0"/>
               <a:t>, </a:t>
             </a:r>
             <a:r>
-              <a:rPr lang="en-US" sz="1600" dirty="0" err="1"/>
+              <a:rPr lang="en-US" sz="1600" dirty="0" err="1" smtClean="0"/>
               <a:t>respostas</a:t>
             </a:r>
             <a:r>
-              <a:rPr lang="en-US" sz="1600" dirty="0"/>
+              <a:rPr lang="en-US" sz="1600" dirty="0" smtClean="0"/>
               <a:t>, </a:t>
             </a:r>
             <a:r>
-              <a:rPr lang="en-US" sz="1600" dirty="0" err="1"/>
+              <a:rPr lang="en-US" sz="1600" dirty="0" err="1" smtClean="0"/>
               <a:t>cadeira</a:t>
             </a:r>
             <a:r>
-              <a:rPr lang="en-US" sz="1600" dirty="0"/>
+              <a:rPr lang="en-US" sz="1600" dirty="0" smtClean="0"/>
               <a:t> para </a:t>
             </a:r>
             <a:r>
-              <a:rPr lang="en-US" sz="1600" dirty="0" err="1"/>
+              <a:rPr lang="en-US" sz="1600" dirty="0" err="1" smtClean="0"/>
               <a:t>destro</a:t>
             </a:r>
             <a:r>
-              <a:rPr lang="en-US" sz="1600" dirty="0"/>
+              <a:rPr lang="en-US" sz="1600" dirty="0" smtClean="0"/>
               <a:t>, etc.</a:t>
             </a:r>
+            <a:endParaRPr lang="en-US" sz="1600" dirty="0"/>
           </a:p>
         </p:txBody>
       </p:sp>
@@ -50052,31 +50329,31 @@
               <a:buNone/>
             </a:pPr>
             <a:r>
-              <a:rPr lang="en-US" sz="2000" dirty="0" err="1"/>
+              <a:rPr lang="en-US" sz="2000" dirty="0" err="1" smtClean="0"/>
               <a:t>Variáveis</a:t>
             </a:r>
             <a:r>
-              <a:rPr lang="en-US" sz="2000" dirty="0"/>
+              <a:rPr lang="en-US" sz="2000" dirty="0" smtClean="0"/>
               <a:t> com </a:t>
             </a:r>
             <a:r>
-              <a:rPr lang="en-US" sz="2000" dirty="0" err="1"/>
+              <a:rPr lang="en-US" sz="2000" dirty="0" err="1" smtClean="0"/>
               <a:t>muitos</a:t>
             </a:r>
             <a:r>
-              <a:rPr lang="en-US" sz="2000" dirty="0"/>
+              <a:rPr lang="en-US" sz="2000" dirty="0" smtClean="0"/>
               <a:t> </a:t>
             </a:r>
             <a:r>
-              <a:rPr lang="en-US" sz="2000" dirty="0" err="1"/>
+              <a:rPr lang="en-US" sz="2000" dirty="0" err="1" smtClean="0"/>
               <a:t>valores</a:t>
             </a:r>
             <a:r>
-              <a:rPr lang="en-US" sz="2000" dirty="0"/>
+              <a:rPr lang="en-US" sz="2000" dirty="0" smtClean="0"/>
               <a:t> </a:t>
             </a:r>
             <a:r>
-              <a:rPr lang="en-US" sz="2000" dirty="0" err="1"/>
+              <a:rPr lang="en-US" sz="2000" dirty="0" err="1" smtClean="0"/>
               <a:t>ausentes</a:t>
             </a:r>
             <a:endParaRPr lang="en-US" sz="2000" dirty="0"/>
@@ -50362,19 +50639,23 @@
               </a:buClr>
             </a:pPr>
             <a:r>
-              <a:rPr lang="en-US" sz="1600" dirty="0"/>
+              <a:rPr lang="en-US" sz="1600" dirty="0" smtClean="0"/>
               <a:t>E.g. </a:t>
             </a:r>
             <a:r>
               <a:rPr lang="en-US" sz="1600" dirty="0" err="1"/>
-              <a:t>Município</a:t>
+              <a:t>M</a:t>
             </a:r>
             <a:r>
-              <a:rPr lang="en-US" sz="1600" dirty="0"/>
+              <a:rPr lang="en-US" sz="1600" dirty="0" err="1" smtClean="0"/>
+              <a:t>unicípio</a:t>
+            </a:r>
+            <a:r>
+              <a:rPr lang="en-US" sz="1600" dirty="0" smtClean="0"/>
               <a:t> da Escola </a:t>
             </a:r>
             <a:r>
-              <a:rPr lang="en-US" sz="1600" dirty="0" err="1"/>
+              <a:rPr lang="en-US" sz="1600" dirty="0" err="1" smtClean="0"/>
               <a:t>atual</a:t>
             </a:r>
             <a:endParaRPr lang="en-US" sz="1600" dirty="0"/>
@@ -50828,7 +51109,7 @@
               <a:buNone/>
             </a:pPr>
             <a:r>
-              <a:rPr lang="en" dirty="0"/>
+              <a:rPr lang="en" dirty="0" smtClean="0"/>
               <a:t>Definindo a variável alvo</a:t>
             </a:r>
             <a:endParaRPr dirty="0"/>
@@ -50870,47 +51151,47 @@
               <a:buNone/>
             </a:pPr>
             <a:r>
-              <a:rPr lang="en-US" dirty="0" err="1"/>
+              <a:rPr lang="en-US" dirty="0" err="1" smtClean="0"/>
               <a:t>Definição</a:t>
             </a:r>
             <a:r>
-              <a:rPr lang="en-US" dirty="0"/>
+              <a:rPr lang="en-US" dirty="0" smtClean="0"/>
               <a:t> da </a:t>
             </a:r>
             <a:r>
-              <a:rPr lang="en-US" dirty="0" err="1"/>
+              <a:rPr lang="en-US" dirty="0" err="1" smtClean="0"/>
               <a:t>variável</a:t>
             </a:r>
             <a:r>
-              <a:rPr lang="en-US" dirty="0"/>
+              <a:rPr lang="en-US" dirty="0" smtClean="0"/>
               <a:t> </a:t>
             </a:r>
             <a:r>
-              <a:rPr lang="en-US" dirty="0" err="1"/>
+              <a:rPr lang="en-US" dirty="0" err="1" smtClean="0"/>
               <a:t>alvo</a:t>
             </a:r>
             <a:r>
-              <a:rPr lang="en-US" dirty="0"/>
+              <a:rPr lang="en-US" dirty="0" smtClean="0"/>
               <a:t> a </a:t>
             </a:r>
             <a:r>
-              <a:rPr lang="en-US" dirty="0" err="1"/>
+              <a:rPr lang="en-US" dirty="0" err="1" smtClean="0"/>
               <a:t>partir</a:t>
             </a:r>
             <a:r>
-              <a:rPr lang="en-US" dirty="0"/>
+              <a:rPr lang="en-US" dirty="0" smtClean="0"/>
               <a:t> das </a:t>
             </a:r>
             <a:r>
-              <a:rPr lang="en-US" dirty="0" err="1"/>
+              <a:rPr lang="en-US" dirty="0" err="1" smtClean="0"/>
               <a:t>notas</a:t>
             </a:r>
             <a:r>
-              <a:rPr lang="en-US" dirty="0"/>
+              <a:rPr lang="en-US" dirty="0" smtClean="0"/>
               <a:t> </a:t>
             </a:r>
             <a:r>
-              <a:rPr lang="en-US" dirty="0" err="1"/>
+              <a:rPr lang="en-US" dirty="0" err="1" smtClean="0"/>
               <a:t>disponíveis</a:t>
             </a:r>
             <a:endParaRPr dirty="0"/>
@@ -51015,6 +51296,13 @@
   <p:clrMapOvr>
     <a:masterClrMapping/>
   </p:clrMapOvr>
+  <p:timing>
+    <p:tnLst>
+      <p:par>
+        <p:cTn id="1" dur="indefinite" restart="never" nodeType="tmRoot"/>
+      </p:par>
+    </p:tnLst>
+  </p:timing>
 </p:sld>
 </file>
 
@@ -51075,7 +51363,15 @@
                   <a:srgbClr val="F3F3F3"/>
                 </a:solidFill>
               </a:rPr>
-              <a:t>Distribuição de notas dos candidatos por disciplinas</a:t>
+              <a:t>Distribuição de </a:t>
+            </a:r>
+            <a:r>
+              <a:rPr lang="pt-BR" dirty="0" smtClean="0">
+                <a:solidFill>
+                  <a:srgbClr val="F3F3F3"/>
+                </a:solidFill>
+              </a:rPr>
+              <a:t>notas dos candidatos por disciplinas</a:t>
             </a:r>
             <a:endParaRPr dirty="0">
               <a:solidFill>
@@ -51119,6 +51415,13 @@
   <p:clrMapOvr>
     <a:masterClrMapping/>
   </p:clrMapOvr>
+  <p:timing>
+    <p:tnLst>
+      <p:par>
+        <p:cTn id="1" dur="indefinite" restart="never" nodeType="tmRoot"/>
+      </p:par>
+    </p:tnLst>
+  </p:timing>
 </p:sld>
 </file>
 

--- a/Apresentacao_Previsao_de_Desempenho_ENEM.pptx
+++ b/Apresentacao_Previsao_de_Desempenho_ENEM.pptx
@@ -33499,7 +33499,7 @@
           <p:cNvPr id="2" name="Tabela 2">
             <a:extLst>
               <a:ext uri="{FF2B5EF4-FFF2-40B4-BE49-F238E27FC236}">
-                <a16:creationId xmlns="" xmlns:a16="http://schemas.microsoft.com/office/drawing/2014/main" id="{F9ADB667-99F7-4AA7-9BEC-7D1394F187FE}"/>
+                <a16:creationId xmlns:a16="http://schemas.microsoft.com/office/drawing/2014/main" xmlns="" id="{F9ADB667-99F7-4AA7-9BEC-7D1394F187FE}"/>
               </a:ext>
             </a:extLst>
           </p:cNvPr>
@@ -33524,21 +33524,21 @@
                 <a:gridCol w="2032000">
                   <a:extLst>
                     <a:ext uri="{9D8B030D-6E8A-4147-A177-3AD203B41FA5}">
-                      <a16:colId xmlns="" xmlns:a16="http://schemas.microsoft.com/office/drawing/2014/main" val="4109364869"/>
+                      <a16:colId xmlns:a16="http://schemas.microsoft.com/office/drawing/2014/main" xmlns="" val="4109364869"/>
                     </a:ext>
                   </a:extLst>
                 </a:gridCol>
                 <a:gridCol w="2032000">
                   <a:extLst>
                     <a:ext uri="{9D8B030D-6E8A-4147-A177-3AD203B41FA5}">
-                      <a16:colId xmlns="" xmlns:a16="http://schemas.microsoft.com/office/drawing/2014/main" val="1444595101"/>
+                      <a16:colId xmlns:a16="http://schemas.microsoft.com/office/drawing/2014/main" xmlns="" val="1444595101"/>
                     </a:ext>
                   </a:extLst>
                 </a:gridCol>
                 <a:gridCol w="2032000">
                   <a:extLst>
                     <a:ext uri="{9D8B030D-6E8A-4147-A177-3AD203B41FA5}">
-                      <a16:colId xmlns="" xmlns:a16="http://schemas.microsoft.com/office/drawing/2014/main" val="451104903"/>
+                      <a16:colId xmlns:a16="http://schemas.microsoft.com/office/drawing/2014/main" xmlns="" val="451104903"/>
                     </a:ext>
                   </a:extLst>
                 </a:gridCol>
@@ -33602,7 +33602,7 @@
                 </a:tc>
                 <a:extLst>
                   <a:ext uri="{0D108BD9-81ED-4DB2-BD59-A6C34878D82A}">
-                    <a16:rowId xmlns="" xmlns:a16="http://schemas.microsoft.com/office/drawing/2014/main" val="2738894546"/>
+                    <a16:rowId xmlns:a16="http://schemas.microsoft.com/office/drawing/2014/main" xmlns="" val="2738894546"/>
                   </a:ext>
                 </a:extLst>
               </a:tr>
@@ -33651,7 +33651,7 @@
                 </a:tc>
                 <a:extLst>
                   <a:ext uri="{0D108BD9-81ED-4DB2-BD59-A6C34878D82A}">
-                    <a16:rowId xmlns="" xmlns:a16="http://schemas.microsoft.com/office/drawing/2014/main" val="2713390973"/>
+                    <a16:rowId xmlns:a16="http://schemas.microsoft.com/office/drawing/2014/main" xmlns="" val="2713390973"/>
                   </a:ext>
                 </a:extLst>
               </a:tr>
@@ -33702,7 +33702,7 @@
                 </a:tc>
                 <a:extLst>
                   <a:ext uri="{0D108BD9-81ED-4DB2-BD59-A6C34878D82A}">
-                    <a16:rowId xmlns="" xmlns:a16="http://schemas.microsoft.com/office/drawing/2014/main" val="1625292355"/>
+                    <a16:rowId xmlns:a16="http://schemas.microsoft.com/office/drawing/2014/main" xmlns="" val="1625292355"/>
                   </a:ext>
                 </a:extLst>
               </a:tr>
@@ -33752,7 +33752,7 @@
                 </a:tc>
                 <a:extLst>
                   <a:ext uri="{0D108BD9-81ED-4DB2-BD59-A6C34878D82A}">
-                    <a16:rowId xmlns="" xmlns:a16="http://schemas.microsoft.com/office/drawing/2014/main" val="2147003619"/>
+                    <a16:rowId xmlns:a16="http://schemas.microsoft.com/office/drawing/2014/main" xmlns="" val="2147003619"/>
                   </a:ext>
                 </a:extLst>
               </a:tr>
@@ -33770,6 +33770,13 @@
   <p:clrMapOvr>
     <a:masterClrMapping/>
   </p:clrMapOvr>
+  <p:timing>
+    <p:tnLst>
+      <p:par>
+        <p:cTn id="1" dur="indefinite" restart="never" nodeType="tmRoot"/>
+      </p:par>
+    </p:tnLst>
+  </p:timing>
 </p:sld>
 </file>
 
@@ -33828,7 +33835,7 @@
           <p:cNvPr id="9" name="CaixaDeTexto 8">
             <a:extLst>
               <a:ext uri="{FF2B5EF4-FFF2-40B4-BE49-F238E27FC236}">
-                <a16:creationId xmlns="" xmlns:a16="http://schemas.microsoft.com/office/drawing/2014/main" id="{03AD3CF0-B395-40F0-B324-ED057E6BE432}"/>
+                <a16:creationId xmlns:a16="http://schemas.microsoft.com/office/drawing/2014/main" xmlns="" id="{03AD3CF0-B395-40F0-B324-ED057E6BE432}"/>
               </a:ext>
             </a:extLst>
           </p:cNvPr>
@@ -33917,7 +33924,7 @@
           <p:cNvPr id="8" name="Imagem 7">
             <a:extLst>
               <a:ext uri="{FF2B5EF4-FFF2-40B4-BE49-F238E27FC236}">
-                <a16:creationId xmlns="" xmlns:a16="http://schemas.microsoft.com/office/drawing/2014/main" id="{C37FFCEC-7530-4D58-8A4C-A2846E77C60D}"/>
+                <a16:creationId xmlns:a16="http://schemas.microsoft.com/office/drawing/2014/main" xmlns="" id="{C37FFCEC-7530-4D58-8A4C-A2846E77C60D}"/>
               </a:ext>
             </a:extLst>
           </p:cNvPr>
@@ -33952,6 +33959,13 @@
   <p:clrMapOvr>
     <a:masterClrMapping/>
   </p:clrMapOvr>
+  <p:timing>
+    <p:tnLst>
+      <p:par>
+        <p:cTn id="1" dur="indefinite" restart="never" nodeType="tmRoot"/>
+      </p:par>
+    </p:tnLst>
+  </p:timing>
 </p:sld>
 </file>
 
@@ -34029,7 +34043,7 @@
           <p:cNvPr id="9" name="CaixaDeTexto 8">
             <a:extLst>
               <a:ext uri="{FF2B5EF4-FFF2-40B4-BE49-F238E27FC236}">
-                <a16:creationId xmlns="" xmlns:a16="http://schemas.microsoft.com/office/drawing/2014/main" id="{03AD3CF0-B395-40F0-B324-ED057E6BE432}"/>
+                <a16:creationId xmlns:a16="http://schemas.microsoft.com/office/drawing/2014/main" xmlns="" id="{03AD3CF0-B395-40F0-B324-ED057E6BE432}"/>
               </a:ext>
             </a:extLst>
           </p:cNvPr>
@@ -34093,7 +34107,7 @@
           <p:cNvPr id="8" name="Imagem 7">
             <a:extLst>
               <a:ext uri="{FF2B5EF4-FFF2-40B4-BE49-F238E27FC236}">
-                <a16:creationId xmlns="" xmlns:a16="http://schemas.microsoft.com/office/drawing/2014/main" id="{C37FFCEC-7530-4D58-8A4C-A2846E77C60D}"/>
+                <a16:creationId xmlns:a16="http://schemas.microsoft.com/office/drawing/2014/main" xmlns="" id="{C37FFCEC-7530-4D58-8A4C-A2846E77C60D}"/>
               </a:ext>
             </a:extLst>
           </p:cNvPr>
@@ -34128,6 +34142,13 @@
   <p:clrMapOvr>
     <a:masterClrMapping/>
   </p:clrMapOvr>
+  <p:timing>
+    <p:tnLst>
+      <p:par>
+        <p:cTn id="1" dur="indefinite" restart="never" nodeType="tmRoot"/>
+      </p:par>
+    </p:tnLst>
+  </p:timing>
 </p:sld>
 </file>
 
@@ -34191,7 +34212,7 @@
           <p:cNvPr id="4" name="Imagem 3">
             <a:extLst>
               <a:ext uri="{FF2B5EF4-FFF2-40B4-BE49-F238E27FC236}">
-                <a16:creationId xmlns="" xmlns:a16="http://schemas.microsoft.com/office/drawing/2014/main" id="{A3521D33-D3C9-4872-8971-E8173BF85E5C}"/>
+                <a16:creationId xmlns:a16="http://schemas.microsoft.com/office/drawing/2014/main" xmlns="" id="{A3521D33-D3C9-4872-8971-E8173BF85E5C}"/>
               </a:ext>
             </a:extLst>
           </p:cNvPr>
@@ -34226,6 +34247,13 @@
   <p:clrMapOvr>
     <a:masterClrMapping/>
   </p:clrMapOvr>
+  <p:timing>
+    <p:tnLst>
+      <p:par>
+        <p:cTn id="1" dur="indefinite" restart="never" nodeType="tmRoot"/>
+      </p:par>
+    </p:tnLst>
+  </p:timing>
 </p:sld>
 </file>
 
@@ -34251,7 +34279,7 @@
           <p:cNvPr id="2" name="Espaço Reservado para Texto 1">
             <a:extLst>
               <a:ext uri="{FF2B5EF4-FFF2-40B4-BE49-F238E27FC236}">
-                <a16:creationId xmlns="" xmlns:a16="http://schemas.microsoft.com/office/drawing/2014/main" id="{7B57A469-7F3B-41BE-8A9B-4BC0DBBE9A05}"/>
+                <a16:creationId xmlns:a16="http://schemas.microsoft.com/office/drawing/2014/main" xmlns="" id="{7B57A469-7F3B-41BE-8A9B-4BC0DBBE9A05}"/>
               </a:ext>
             </a:extLst>
           </p:cNvPr>
@@ -34281,7 +34309,7 @@
           <p:cNvPr id="3" name="Espaço Reservado para Número de Slide 2">
             <a:extLst>
               <a:ext uri="{FF2B5EF4-FFF2-40B4-BE49-F238E27FC236}">
-                <a16:creationId xmlns="" xmlns:a16="http://schemas.microsoft.com/office/drawing/2014/main" id="{BF47341B-0FCE-4E26-8A98-CBDC6B5445B8}"/>
+                <a16:creationId xmlns:a16="http://schemas.microsoft.com/office/drawing/2014/main" xmlns="" id="{BF47341B-0FCE-4E26-8A98-CBDC6B5445B8}"/>
               </a:ext>
             </a:extLst>
           </p:cNvPr>
@@ -34319,7 +34347,7 @@
           <p:cNvPr id="5" name="Imagem 4">
             <a:extLst>
               <a:ext uri="{FF2B5EF4-FFF2-40B4-BE49-F238E27FC236}">
-                <a16:creationId xmlns="" xmlns:a16="http://schemas.microsoft.com/office/drawing/2014/main" id="{DA15430E-5067-4109-9F61-5056163D63DF}"/>
+                <a16:creationId xmlns:a16="http://schemas.microsoft.com/office/drawing/2014/main" xmlns="" id="{DA15430E-5067-4109-9F61-5056163D63DF}"/>
               </a:ext>
             </a:extLst>
           </p:cNvPr>
@@ -34354,6 +34382,13 @@
   <p:clrMapOvr>
     <a:masterClrMapping/>
   </p:clrMapOvr>
+  <p:timing>
+    <p:tnLst>
+      <p:par>
+        <p:cTn id="1" dur="indefinite" restart="never" nodeType="tmRoot"/>
+      </p:par>
+    </p:tnLst>
+  </p:timing>
 </p:sld>
 </file>
 
@@ -34775,11 +34810,7 @@
             <a:pPr marL="0" lvl="0" indent="0"/>
             <a:r>
               <a:rPr lang="pt-BR" sz="1400" dirty="0" smtClean="0"/>
-              <a:t>Visualização bidimensional da </a:t>
-            </a:r>
-            <a:r>
-              <a:rPr lang="pt-BR" sz="1400" dirty="0" smtClean="0"/>
-              <a:t>renda </a:t>
+              <a:t>Visualização bidimensional da renda </a:t>
             </a:r>
             <a:r>
               <a:rPr lang="pt-BR" sz="1400" dirty="0"/>
@@ -34787,11 +34818,7 @@
             </a:r>
             <a:r>
               <a:rPr lang="pt-BR" sz="1400" dirty="0" smtClean="0"/>
-              <a:t>ensal </a:t>
-            </a:r>
-            <a:r>
-              <a:rPr lang="pt-BR" sz="1400" dirty="0" smtClean="0"/>
-              <a:t>familiar</a:t>
+              <a:t>ensal familiar</a:t>
             </a:r>
             <a:endParaRPr sz="1400" dirty="0">
               <a:solidFill>
@@ -42603,7 +42630,7 @@
         </p:nvSpPr>
         <p:spPr>
           <a:xfrm>
-            <a:off x="776434" y="2050959"/>
+            <a:off x="776434" y="2062825"/>
             <a:ext cx="7573816" cy="507780"/>
           </a:xfrm>
           <a:prstGeom prst="rect">
@@ -42872,12 +42899,68 @@
               </a:buClr>
             </a:pPr>
             <a:r>
+              <a:rPr lang="en-US" sz="1600" dirty="0" smtClean="0"/>
+              <a:t>É </a:t>
+            </a:r>
+            <a:r>
               <a:rPr lang="en-US" sz="1600" dirty="0" err="1" smtClean="0"/>
-              <a:t>Modelo</a:t>
+              <a:t>possível</a:t>
             </a:r>
             <a:r>
               <a:rPr lang="en-US" sz="1600" dirty="0" smtClean="0"/>
-              <a:t>…</a:t>
+              <a:t> </a:t>
+            </a:r>
+            <a:r>
+              <a:rPr lang="en-US" sz="1600" dirty="0" err="1" smtClean="0"/>
+              <a:t>definir</a:t>
+            </a:r>
+            <a:r>
+              <a:rPr lang="en-US" sz="1600" dirty="0" smtClean="0"/>
+              <a:t> um </a:t>
+            </a:r>
+            <a:r>
+              <a:rPr lang="en-US" sz="1600" dirty="0" err="1" smtClean="0"/>
+              <a:t>modelo</a:t>
+            </a:r>
+            <a:r>
+              <a:rPr lang="en-US" sz="1600" dirty="0" smtClean="0"/>
+              <a:t> </a:t>
+            </a:r>
+            <a:r>
+              <a:rPr lang="en-US" sz="1600" dirty="0" err="1" smtClean="0"/>
+              <a:t>interpretável</a:t>
+            </a:r>
+            <a:r>
+              <a:rPr lang="en-US" sz="1600" dirty="0" smtClean="0"/>
+              <a:t> com </a:t>
+            </a:r>
+            <a:r>
+              <a:rPr lang="en-US" sz="1600" dirty="0" err="1" smtClean="0"/>
+              <a:t>desempenho</a:t>
+            </a:r>
+            <a:r>
+              <a:rPr lang="en-US" sz="1600" dirty="0" smtClean="0"/>
+              <a:t> similar </a:t>
+            </a:r>
+            <a:r>
+              <a:rPr lang="en-US" sz="1600" dirty="0" err="1" smtClean="0"/>
+              <a:t>ao</a:t>
+            </a:r>
+            <a:r>
+              <a:rPr lang="en-US" sz="1600" dirty="0" smtClean="0"/>
+              <a:t> </a:t>
+            </a:r>
+            <a:r>
+              <a:rPr lang="en-US" sz="1600" dirty="0" err="1" smtClean="0"/>
+              <a:t>modelo</a:t>
+            </a:r>
+            <a:r>
+              <a:rPr lang="en-US" sz="1600" dirty="0" smtClean="0"/>
+              <a:t> </a:t>
+            </a:r>
+            <a:r>
+              <a:rPr lang="en-US" sz="1600" dirty="0" err="1" smtClean="0"/>
+              <a:t>ótimo</a:t>
             </a:r>
             <a:endParaRPr lang="en-US" sz="1600" dirty="0"/>
           </a:p>
@@ -42893,7 +42976,7 @@
         </p:nvSpPr>
         <p:spPr>
           <a:xfrm>
-            <a:off x="776434" y="2558739"/>
+            <a:off x="776434" y="2752117"/>
             <a:ext cx="7573816" cy="507780"/>
           </a:xfrm>
           <a:prstGeom prst="rect">

--- a/Apresentacao_Previsao_de_Desempenho_ENEM.pptx
+++ b/Apresentacao_Previsao_de_Desempenho_ENEM.pptx
@@ -27952,7 +27952,7 @@
         </p:nvCxnSpPr>
         <p:spPr>
           <a:xfrm>
-            <a:off x="6125427" y="0"/>
+            <a:off x="6276730" y="0"/>
             <a:ext cx="0" cy="3652161"/>
           </a:xfrm>
           <a:prstGeom prst="line">
@@ -29663,7 +29663,7 @@
           <p:nvPr>
             <p:extLst>
               <p:ext uri="{D42A27DB-BD31-4B8C-83A1-F6EECF244321}">
-                <p14:modId xmlns:p14="http://schemas.microsoft.com/office/powerpoint/2010/main" val="3526980006"/>
+                <p14:modId xmlns:p14="http://schemas.microsoft.com/office/powerpoint/2010/main" val="844938932"/>
               </p:ext>
             </p:extLst>
           </p:nvPr>
@@ -30604,7 +30604,19 @@
                           <a:cs typeface="Quicksand"/>
                           <a:sym typeface="Quicksand"/>
                         </a:rPr>
-                        <a:t>74,77%</a:t>
+                        <a:t>74,77</a:t>
+                      </a:r>
+                      <a:r>
+                        <a:rPr lang="en-US" sz="1000" b="0" dirty="0" smtClean="0">
+                          <a:solidFill>
+                            <a:srgbClr val="F3F3F3"/>
+                          </a:solidFill>
+                          <a:latin typeface="Quicksand"/>
+                          <a:ea typeface="Quicksand"/>
+                          <a:cs typeface="Quicksand"/>
+                          <a:sym typeface="Quicksand"/>
+                        </a:rPr>
+                        <a:t>%</a:t>
                       </a:r>
                       <a:endParaRPr sz="1000" b="0" dirty="0">
                         <a:solidFill>
